--- a/GitHub_사용법.pptx
+++ b/GitHub_사용법.pptx
@@ -1,49 +1,56 @@
 
 <file path=ppt/presentation.xml><?xml version="1.0" encoding="utf-8"?>
-<p:presentation xmlns:a="http://schemas.openxmlformats.org/drawingml/2006/main" xmlns:r="http://schemas.openxmlformats.org/officeDocument/2006/relationships" xmlns:mc="http://schemas.openxmlformats.org/markup-compatibility/2006" xmlns:mv="urn:schemas-microsoft-com:mac:vml" xmlns:p="http://schemas.openxmlformats.org/presentationml/2006/main" xmlns:c="http://schemas.openxmlformats.org/drawingml/2006/chart" xmlns:dgm="http://schemas.openxmlformats.org/drawingml/2006/diagram" xmlns:o="urn:schemas-microsoft-com:office:office" xmlns:v="urn:schemas-microsoft-com:vml" xmlns:pvml="urn:schemas-microsoft-com:office:powerpoint" xmlns:com="http://schemas.openxmlformats.org/drawingml/2006/compatibility" xmlns:p14="http://schemas.microsoft.com/office/powerpoint/2010/main" autoCompressPictures="0" embedTrueTypeFonts="1" strictFirstAndLastChars="0" saveSubsetFonts="1">
+<p:presentation xmlns:a="http://schemas.openxmlformats.org/drawingml/2006/main" xmlns:r="http://schemas.openxmlformats.org/officeDocument/2006/relationships" xmlns:p="http://schemas.openxmlformats.org/presentationml/2006/main" strictFirstAndLastChars="0" embedTrueTypeFonts="1" saveSubsetFonts="1" autoCompressPictures="0">
   <p:sldMasterIdLst>
-    <p:sldMasterId id="2147483659" r:id="rId4"/>
+    <p:sldMasterId id="2147483659" r:id="rId1"/>
   </p:sldMasterIdLst>
   <p:notesMasterIdLst>
-    <p:notesMasterId r:id="rId5"/>
+    <p:notesMasterId r:id="rId24"/>
   </p:notesMasterIdLst>
   <p:sldIdLst>
-    <p:sldId id="256" r:id="rId6"/>
-    <p:sldId id="257" r:id="rId7"/>
-    <p:sldId id="258" r:id="rId8"/>
-    <p:sldId id="259" r:id="rId9"/>
-    <p:sldId id="260" r:id="rId10"/>
-    <p:sldId id="261" r:id="rId11"/>
-    <p:sldId id="262" r:id="rId12"/>
-    <p:sldId id="263" r:id="rId13"/>
-    <p:sldId id="264" r:id="rId14"/>
-    <p:sldId id="265" r:id="rId15"/>
-    <p:sldId id="266" r:id="rId16"/>
-    <p:sldId id="267" r:id="rId17"/>
-    <p:sldId id="268" r:id="rId18"/>
-    <p:sldId id="269" r:id="rId19"/>
-    <p:sldId id="270" r:id="rId20"/>
-    <p:sldId id="271" r:id="rId21"/>
-    <p:sldId id="272" r:id="rId22"/>
-    <p:sldId id="273" r:id="rId23"/>
-    <p:sldId id="274" r:id="rId24"/>
-    <p:sldId id="275" r:id="rId25"/>
-    <p:sldId id="276" r:id="rId26"/>
-    <p:sldId id="277" r:id="rId27"/>
+    <p:sldId id="256" r:id="rId2"/>
+    <p:sldId id="257" r:id="rId3"/>
+    <p:sldId id="258" r:id="rId4"/>
+    <p:sldId id="259" r:id="rId5"/>
+    <p:sldId id="260" r:id="rId6"/>
+    <p:sldId id="261" r:id="rId7"/>
+    <p:sldId id="262" r:id="rId8"/>
+    <p:sldId id="263" r:id="rId9"/>
+    <p:sldId id="264" r:id="rId10"/>
+    <p:sldId id="265" r:id="rId11"/>
+    <p:sldId id="266" r:id="rId12"/>
+    <p:sldId id="267" r:id="rId13"/>
+    <p:sldId id="268" r:id="rId14"/>
+    <p:sldId id="269" r:id="rId15"/>
+    <p:sldId id="270" r:id="rId16"/>
+    <p:sldId id="271" r:id="rId17"/>
+    <p:sldId id="272" r:id="rId18"/>
+    <p:sldId id="273" r:id="rId19"/>
+    <p:sldId id="274" r:id="rId20"/>
+    <p:sldId id="275" r:id="rId21"/>
+    <p:sldId id="276" r:id="rId22"/>
+    <p:sldId id="277" r:id="rId23"/>
   </p:sldIdLst>
-  <p:sldSz cy="5143500" cx="9144000"/>
+  <p:sldSz cx="9144000" cy="5143500" type="screen16x9"/>
   <p:notesSz cx="6858000" cy="9144000"/>
   <p:embeddedFontLst>
     <p:embeddedFont>
-      <p:font typeface="Roboto"/>
-      <p:regular r:id="rId28"/>
-      <p:bold r:id="rId29"/>
-      <p:italic r:id="rId30"/>
-      <p:boldItalic r:id="rId31"/>
+      <p:font typeface="Verdana" panose="020B0604030504040204" pitchFamily="34" charset="0"/>
+      <p:regular r:id="rId25"/>
+      <p:bold r:id="rId26"/>
+      <p:italic r:id="rId27"/>
+      <p:boldItalic r:id="rId28"/>
+    </p:embeddedFont>
+    <p:embeddedFont>
+      <p:font typeface="Roboto" panose="020B0604020202020204" charset="0"/>
+      <p:regular r:id="rId29"/>
+      <p:bold r:id="rId30"/>
+      <p:italic r:id="rId31"/>
+      <p:boldItalic r:id="rId32"/>
     </p:embeddedFont>
   </p:embeddedFontLst>
   <p:defaultTextStyle>
-    <a:defPPr marR="0" rtl="0" algn="l">
+    <a:defPPr marR="0" algn="l" rtl="0">
       <a:lnSpc>
         <a:spcPct val="100000"/>
       </a:lnSpc>
@@ -54,7 +61,7 @@
         <a:spcPts val="0"/>
       </a:spcAft>
     </a:defPPr>
-    <a:lvl1pPr marR="0" rtl="0" algn="l">
+    <a:lvl1pPr marR="0" algn="l" rtl="0">
       <a:lnSpc>
         <a:spcPct val="100000"/>
       </a:lnSpc>
@@ -65,7 +72,7 @@
         <a:spcPts val="0"/>
       </a:spcAft>
       <a:buNone/>
-      <a:defRPr b="0" baseline="0" i="0" sz="1400" u="none" cap="none" strike="noStrike">
+      <a:defRPr sz="1400" b="0" i="0" u="none" strike="noStrike" cap="none" baseline="0">
         <a:solidFill>
           <a:srgbClr val="000000"/>
         </a:solidFill>
@@ -76,7 +83,7 @@
         <a:rtl val="0"/>
       </a:defRPr>
     </a:lvl1pPr>
-    <a:lvl2pPr marR="0" rtl="0" algn="l">
+    <a:lvl2pPr marR="0" algn="l" rtl="0">
       <a:lnSpc>
         <a:spcPct val="100000"/>
       </a:lnSpc>
@@ -87,7 +94,7 @@
         <a:spcPts val="0"/>
       </a:spcAft>
       <a:buNone/>
-      <a:defRPr b="0" baseline="0" i="0" sz="1400" u="none" cap="none" strike="noStrike">
+      <a:defRPr sz="1400" b="0" i="0" u="none" strike="noStrike" cap="none" baseline="0">
         <a:solidFill>
           <a:srgbClr val="000000"/>
         </a:solidFill>
@@ -98,7 +105,7 @@
         <a:rtl val="0"/>
       </a:defRPr>
     </a:lvl2pPr>
-    <a:lvl3pPr marR="0" rtl="0" algn="l">
+    <a:lvl3pPr marR="0" algn="l" rtl="0">
       <a:lnSpc>
         <a:spcPct val="100000"/>
       </a:lnSpc>
@@ -109,7 +116,7 @@
         <a:spcPts val="0"/>
       </a:spcAft>
       <a:buNone/>
-      <a:defRPr b="0" baseline="0" i="0" sz="1400" u="none" cap="none" strike="noStrike">
+      <a:defRPr sz="1400" b="0" i="0" u="none" strike="noStrike" cap="none" baseline="0">
         <a:solidFill>
           <a:srgbClr val="000000"/>
         </a:solidFill>
@@ -120,7 +127,7 @@
         <a:rtl val="0"/>
       </a:defRPr>
     </a:lvl3pPr>
-    <a:lvl4pPr marR="0" rtl="0" algn="l">
+    <a:lvl4pPr marR="0" algn="l" rtl="0">
       <a:lnSpc>
         <a:spcPct val="100000"/>
       </a:lnSpc>
@@ -131,7 +138,7 @@
         <a:spcPts val="0"/>
       </a:spcAft>
       <a:buNone/>
-      <a:defRPr b="0" baseline="0" i="0" sz="1400" u="none" cap="none" strike="noStrike">
+      <a:defRPr sz="1400" b="0" i="0" u="none" strike="noStrike" cap="none" baseline="0">
         <a:solidFill>
           <a:srgbClr val="000000"/>
         </a:solidFill>
@@ -142,7 +149,7 @@
         <a:rtl val="0"/>
       </a:defRPr>
     </a:lvl4pPr>
-    <a:lvl5pPr marR="0" rtl="0" algn="l">
+    <a:lvl5pPr marR="0" algn="l" rtl="0">
       <a:lnSpc>
         <a:spcPct val="100000"/>
       </a:lnSpc>
@@ -153,7 +160,7 @@
         <a:spcPts val="0"/>
       </a:spcAft>
       <a:buNone/>
-      <a:defRPr b="0" baseline="0" i="0" sz="1400" u="none" cap="none" strike="noStrike">
+      <a:defRPr sz="1400" b="0" i="0" u="none" strike="noStrike" cap="none" baseline="0">
         <a:solidFill>
           <a:srgbClr val="000000"/>
         </a:solidFill>
@@ -164,7 +171,7 @@
         <a:rtl val="0"/>
       </a:defRPr>
     </a:lvl5pPr>
-    <a:lvl6pPr marR="0" rtl="0" algn="l">
+    <a:lvl6pPr marR="0" algn="l" rtl="0">
       <a:lnSpc>
         <a:spcPct val="100000"/>
       </a:lnSpc>
@@ -175,7 +182,7 @@
         <a:spcPts val="0"/>
       </a:spcAft>
       <a:buNone/>
-      <a:defRPr b="0" baseline="0" i="0" sz="1400" u="none" cap="none" strike="noStrike">
+      <a:defRPr sz="1400" b="0" i="0" u="none" strike="noStrike" cap="none" baseline="0">
         <a:solidFill>
           <a:srgbClr val="000000"/>
         </a:solidFill>
@@ -186,7 +193,7 @@
         <a:rtl val="0"/>
       </a:defRPr>
     </a:lvl6pPr>
-    <a:lvl7pPr marR="0" rtl="0" algn="l">
+    <a:lvl7pPr marR="0" algn="l" rtl="0">
       <a:lnSpc>
         <a:spcPct val="100000"/>
       </a:lnSpc>
@@ -197,7 +204,7 @@
         <a:spcPts val="0"/>
       </a:spcAft>
       <a:buNone/>
-      <a:defRPr b="0" baseline="0" i="0" sz="1400" u="none" cap="none" strike="noStrike">
+      <a:defRPr sz="1400" b="0" i="0" u="none" strike="noStrike" cap="none" baseline="0">
         <a:solidFill>
           <a:srgbClr val="000000"/>
         </a:solidFill>
@@ -208,7 +215,7 @@
         <a:rtl val="0"/>
       </a:defRPr>
     </a:lvl7pPr>
-    <a:lvl8pPr marR="0" rtl="0" algn="l">
+    <a:lvl8pPr marR="0" algn="l" rtl="0">
       <a:lnSpc>
         <a:spcPct val="100000"/>
       </a:lnSpc>
@@ -219,7 +226,7 @@
         <a:spcPts val="0"/>
       </a:spcAft>
       <a:buNone/>
-      <a:defRPr b="0" baseline="0" i="0" sz="1400" u="none" cap="none" strike="noStrike">
+      <a:defRPr sz="1400" b="0" i="0" u="none" strike="noStrike" cap="none" baseline="0">
         <a:solidFill>
           <a:srgbClr val="000000"/>
         </a:solidFill>
@@ -230,7 +237,7 @@
         <a:rtl val="0"/>
       </a:defRPr>
     </a:lvl8pPr>
-    <a:lvl9pPr marR="0" rtl="0" algn="l">
+    <a:lvl9pPr marR="0" algn="l" rtl="0">
       <a:lnSpc>
         <a:spcPct val="100000"/>
       </a:lnSpc>
@@ -241,7 +248,7 @@
         <a:spcPts val="0"/>
       </a:spcAft>
       <a:buNone/>
-      <a:defRPr b="0" baseline="0" i="0" sz="1400" u="none" cap="none" strike="noStrike">
+      <a:defRPr sz="1400" b="0" i="0" u="none" strike="noStrike" cap="none" baseline="0">
         <a:solidFill>
           <a:srgbClr val="000000"/>
         </a:solidFill>
@@ -257,8 +264,13 @@
 </file>
 
 <file path=ppt/notesMasters/notesMaster1.xml><?xml version="1.0" encoding="utf-8"?>
-<p:notesMaster xmlns:a="http://schemas.openxmlformats.org/drawingml/2006/main" xmlns:r="http://schemas.openxmlformats.org/officeDocument/2006/relationships" xmlns:mc="http://schemas.openxmlformats.org/markup-compatibility/2006" xmlns:mv="urn:schemas-microsoft-com:mac:vml" xmlns:p="http://schemas.openxmlformats.org/presentationml/2006/main" xmlns:c="http://schemas.openxmlformats.org/drawingml/2006/chart" xmlns:dgm="http://schemas.openxmlformats.org/drawingml/2006/diagram" xmlns:o="urn:schemas-microsoft-com:office:office" xmlns:v="urn:schemas-microsoft-com:vml" xmlns:pvml="urn:schemas-microsoft-com:office:powerpoint" xmlns:com="http://schemas.openxmlformats.org/drawingml/2006/compatibility" xmlns:p14="http://schemas.microsoft.com/office/powerpoint/2010/main">
+<p:notesMaster xmlns:a="http://schemas.openxmlformats.org/drawingml/2006/main" xmlns:r="http://schemas.openxmlformats.org/officeDocument/2006/relationships" xmlns:p="http://schemas.openxmlformats.org/presentationml/2006/main">
   <p:cSld>
+    <p:bg>
+      <p:bgRef idx="1001">
+        <a:schemeClr val="bg1"/>
+      </p:bgRef>
+    </p:bg>
     <p:spTree>
       <p:nvGrpSpPr>
         <p:cNvPr id="1" name="Shape 1"/>
@@ -276,9 +288,11 @@
       <p:sp>
         <p:nvSpPr>
           <p:cNvPr id="2" name="Shape 2"/>
-          <p:cNvSpPr/>
+          <p:cNvSpPr>
+            <a:spLocks noGrp="1" noRot="1" noChangeAspect="1"/>
+          </p:cNvSpPr>
           <p:nvPr>
-            <p:ph idx="2" type="sldImg"/>
+            <p:ph type="sldImg" idx="2"/>
           </p:nvPr>
         </p:nvSpPr>
         <p:spPr>
@@ -287,8 +301,13 @@
             <a:ext cx="6096075" cy="3429000"/>
           </a:xfrm>
           <a:custGeom>
+            <a:avLst/>
+            <a:gdLst/>
+            <a:ahLst/>
+            <a:cxnLst/>
+            <a:rect l="0" t="0" r="0" b="0"/>
             <a:pathLst>
-              <a:path extrusionOk="0" h="120000" w="120000">
+              <a:path w="120000" h="120000" extrusionOk="0">
                 <a:moveTo>
                   <a:pt x="0" y="0"/>
                 </a:moveTo>
@@ -306,23 +325,25 @@
             </a:pathLst>
           </a:custGeom>
           <a:noFill/>
-          <a:ln cap="flat" cmpd="sng" w="9525">
+          <a:ln w="9525" cap="flat" cmpd="sng">
             <a:solidFill>
               <a:srgbClr val="000000"/>
             </a:solidFill>
             <a:prstDash val="solid"/>
             <a:round/>
-            <a:headEnd len="med" w="med" type="none"/>
-            <a:tailEnd len="med" w="med" type="none"/>
+            <a:headEnd type="none" w="med" len="med"/>
+            <a:tailEnd type="none" w="med" len="med"/>
           </a:ln>
         </p:spPr>
       </p:sp>
       <p:sp>
         <p:nvSpPr>
           <p:cNvPr id="3" name="Shape 3"/>
-          <p:cNvSpPr txBox="1"/>
+          <p:cNvSpPr txBox="1">
+            <a:spLocks noGrp="1"/>
+          </p:cNvSpPr>
           <p:nvPr>
-            <p:ph idx="1" type="body"/>
+            <p:ph type="body" idx="1"/>
           </p:nvPr>
         </p:nvSpPr>
         <p:spPr>
@@ -339,7 +360,7 @@
           </a:ln>
         </p:spPr>
         <p:txBody>
-          <a:bodyPr anchorCtr="0" anchor="t" bIns="91425" lIns="91425" rIns="91425" tIns="91425"/>
+          <a:bodyPr lIns="91425" tIns="91425" rIns="91425" bIns="91425" anchor="t" anchorCtr="0"/>
           <a:lstStyle>
             <a:lvl1pPr>
               <a:spcBef>
@@ -396,21 +417,120 @@
               <a:defRPr sz="1100"/>
             </a:lvl9pPr>
           </a:lstStyle>
-          <a:p/>
+          <a:p>
+            <a:endParaRPr/>
+          </a:p>
         </p:txBody>
       </p:sp>
     </p:spTree>
+    <p:extLst>
+      <p:ext uri="{BB962C8B-B14F-4D97-AF65-F5344CB8AC3E}">
+        <p14:creationId xmlns:p14="http://schemas.microsoft.com/office/powerpoint/2010/main" val="2380740417"/>
+      </p:ext>
+    </p:extLst>
   </p:cSld>
-  <p:clrMap accent1="accent1" accent2="accent2" accent3="accent3" accent4="accent4" accent5="accent5" accent6="accent6" bg1="lt1" bg2="dk2" tx1="dk1" tx2="lt2" folHlink="folHlink" hlink="hlink"/>
+  <p:clrMap bg1="lt1" tx1="dk1" bg2="dk2" tx2="lt2" accent1="accent1" accent2="accent2" accent3="accent3" accent4="accent4" accent5="accent5" accent6="accent6" hlink="hlink" folHlink="folHlink"/>
+  <p:notesStyle>
+    <a:lvl1pPr marL="0" algn="l" defTabSz="914400" rtl="0" eaLnBrk="1" latinLnBrk="1" hangingPunct="1">
+      <a:defRPr sz="1200" kern="1200">
+        <a:solidFill>
+          <a:schemeClr val="tx1"/>
+        </a:solidFill>
+        <a:latin typeface="+mn-lt"/>
+        <a:ea typeface="+mn-ea"/>
+        <a:cs typeface="+mn-cs"/>
+      </a:defRPr>
+    </a:lvl1pPr>
+    <a:lvl2pPr marL="457200" algn="l" defTabSz="914400" rtl="0" eaLnBrk="1" latinLnBrk="1" hangingPunct="1">
+      <a:defRPr sz="1200" kern="1200">
+        <a:solidFill>
+          <a:schemeClr val="tx1"/>
+        </a:solidFill>
+        <a:latin typeface="+mn-lt"/>
+        <a:ea typeface="+mn-ea"/>
+        <a:cs typeface="+mn-cs"/>
+      </a:defRPr>
+    </a:lvl2pPr>
+    <a:lvl3pPr marL="914400" algn="l" defTabSz="914400" rtl="0" eaLnBrk="1" latinLnBrk="1" hangingPunct="1">
+      <a:defRPr sz="1200" kern="1200">
+        <a:solidFill>
+          <a:schemeClr val="tx1"/>
+        </a:solidFill>
+        <a:latin typeface="+mn-lt"/>
+        <a:ea typeface="+mn-ea"/>
+        <a:cs typeface="+mn-cs"/>
+      </a:defRPr>
+    </a:lvl3pPr>
+    <a:lvl4pPr marL="1371600" algn="l" defTabSz="914400" rtl="0" eaLnBrk="1" latinLnBrk="1" hangingPunct="1">
+      <a:defRPr sz="1200" kern="1200">
+        <a:solidFill>
+          <a:schemeClr val="tx1"/>
+        </a:solidFill>
+        <a:latin typeface="+mn-lt"/>
+        <a:ea typeface="+mn-ea"/>
+        <a:cs typeface="+mn-cs"/>
+      </a:defRPr>
+    </a:lvl4pPr>
+    <a:lvl5pPr marL="1828800" algn="l" defTabSz="914400" rtl="0" eaLnBrk="1" latinLnBrk="1" hangingPunct="1">
+      <a:defRPr sz="1200" kern="1200">
+        <a:solidFill>
+          <a:schemeClr val="tx1"/>
+        </a:solidFill>
+        <a:latin typeface="+mn-lt"/>
+        <a:ea typeface="+mn-ea"/>
+        <a:cs typeface="+mn-cs"/>
+      </a:defRPr>
+    </a:lvl5pPr>
+    <a:lvl6pPr marL="2286000" algn="l" defTabSz="914400" rtl="0" eaLnBrk="1" latinLnBrk="1" hangingPunct="1">
+      <a:defRPr sz="1200" kern="1200">
+        <a:solidFill>
+          <a:schemeClr val="tx1"/>
+        </a:solidFill>
+        <a:latin typeface="+mn-lt"/>
+        <a:ea typeface="+mn-ea"/>
+        <a:cs typeface="+mn-cs"/>
+      </a:defRPr>
+    </a:lvl6pPr>
+    <a:lvl7pPr marL="2743200" algn="l" defTabSz="914400" rtl="0" eaLnBrk="1" latinLnBrk="1" hangingPunct="1">
+      <a:defRPr sz="1200" kern="1200">
+        <a:solidFill>
+          <a:schemeClr val="tx1"/>
+        </a:solidFill>
+        <a:latin typeface="+mn-lt"/>
+        <a:ea typeface="+mn-ea"/>
+        <a:cs typeface="+mn-cs"/>
+      </a:defRPr>
+    </a:lvl7pPr>
+    <a:lvl8pPr marL="3200400" algn="l" defTabSz="914400" rtl="0" eaLnBrk="1" latinLnBrk="1" hangingPunct="1">
+      <a:defRPr sz="1200" kern="1200">
+        <a:solidFill>
+          <a:schemeClr val="tx1"/>
+        </a:solidFill>
+        <a:latin typeface="+mn-lt"/>
+        <a:ea typeface="+mn-ea"/>
+        <a:cs typeface="+mn-cs"/>
+      </a:defRPr>
+    </a:lvl8pPr>
+    <a:lvl9pPr marL="3657600" algn="l" defTabSz="914400" rtl="0" eaLnBrk="1" latinLnBrk="1" hangingPunct="1">
+      <a:defRPr sz="1200" kern="1200">
+        <a:solidFill>
+          <a:schemeClr val="tx1"/>
+        </a:solidFill>
+        <a:latin typeface="+mn-lt"/>
+        <a:ea typeface="+mn-ea"/>
+        <a:cs typeface="+mn-cs"/>
+      </a:defRPr>
+    </a:lvl9pPr>
+  </p:notesStyle>
 </p:notesMaster>
 </file>
 
 <file path=ppt/notesSlides/notesSlide1.xml><?xml version="1.0" encoding="utf-8"?>
-<p:notes xmlns:a="http://schemas.openxmlformats.org/drawingml/2006/main" xmlns:r="http://schemas.openxmlformats.org/officeDocument/2006/relationships" xmlns:mc="http://schemas.openxmlformats.org/markup-compatibility/2006" xmlns:mv="urn:schemas-microsoft-com:mac:vml" xmlns:p="http://schemas.openxmlformats.org/presentationml/2006/main" xmlns:c="http://schemas.openxmlformats.org/drawingml/2006/chart" xmlns:dgm="http://schemas.openxmlformats.org/drawingml/2006/diagram" xmlns:o="urn:schemas-microsoft-com:office:office" xmlns:v="urn:schemas-microsoft-com:vml" xmlns:pvml="urn:schemas-microsoft-com:office:powerpoint" xmlns:com="http://schemas.openxmlformats.org/drawingml/2006/compatibility" xmlns:p14="http://schemas.microsoft.com/office/powerpoint/2010/main" showMasterPhAnim="0" showMasterSp="0">
+<p:notes xmlns:a="http://schemas.openxmlformats.org/drawingml/2006/main" xmlns:r="http://schemas.openxmlformats.org/officeDocument/2006/relationships" xmlns:p="http://schemas.openxmlformats.org/presentationml/2006/main" showMasterSp="0" showMasterPhAnim="0">
   <p:cSld>
     <p:spTree>
       <p:nvGrpSpPr>
-        <p:cNvPr id="66" name="Shape 66"/>
+        <p:cNvPr id="1" name="Shape 66"/>
         <p:cNvGrpSpPr/>
         <p:nvPr/>
       </p:nvGrpSpPr>
@@ -425,19 +545,26 @@
       <p:sp>
         <p:nvSpPr>
           <p:cNvPr id="67" name="Shape 67"/>
-          <p:cNvSpPr/>
+          <p:cNvSpPr>
+            <a:spLocks noGrp="1" noRot="1" noChangeAspect="1"/>
+          </p:cNvSpPr>
           <p:nvPr>
-            <p:ph idx="2" type="sldImg"/>
+            <p:ph type="sldImg" idx="2"/>
           </p:nvPr>
         </p:nvSpPr>
         <p:spPr>
           <a:xfrm>
-            <a:off x="381300" y="685800"/>
-            <a:ext cx="6096075" cy="3429000"/>
+            <a:off x="381000" y="685800"/>
+            <a:ext cx="6096000" cy="3429000"/>
           </a:xfrm>
           <a:custGeom>
+            <a:avLst/>
+            <a:gdLst/>
+            <a:ahLst/>
+            <a:cxnLst/>
+            <a:rect l="0" t="0" r="0" b="0"/>
             <a:pathLst>
-              <a:path extrusionOk="0" h="120000" w="120000">
+              <a:path w="120000" h="120000" extrusionOk="0">
                 <a:moveTo>
                   <a:pt x="0" y="0"/>
                 </a:moveTo>
@@ -455,23 +582,25 @@
             </a:pathLst>
           </a:custGeom>
           <a:noFill/>
-          <a:ln cap="flat" cmpd="sng" w="9525">
+          <a:ln w="9525" cap="flat" cmpd="sng">
             <a:solidFill>
               <a:srgbClr val="000000"/>
             </a:solidFill>
             <a:prstDash val="solid"/>
             <a:round/>
-            <a:headEnd len="med" w="med" type="none"/>
-            <a:tailEnd len="med" w="med" type="none"/>
+            <a:headEnd type="none" w="med" len="med"/>
+            <a:tailEnd type="none" w="med" len="med"/>
           </a:ln>
         </p:spPr>
       </p:sp>
       <p:sp>
         <p:nvSpPr>
           <p:cNvPr id="68" name="Shape 68"/>
-          <p:cNvSpPr txBox="1"/>
+          <p:cNvSpPr txBox="1">
+            <a:spLocks noGrp="1"/>
+          </p:cNvSpPr>
           <p:nvPr>
-            <p:ph idx="1" type="body"/>
+            <p:ph type="body" idx="1"/>
           </p:nvPr>
         </p:nvSpPr>
         <p:spPr>
@@ -484,7 +613,7 @@
           </a:prstGeom>
         </p:spPr>
         <p:txBody>
-          <a:bodyPr anchorCtr="0" anchor="t" bIns="91425" lIns="91425" rIns="91425" tIns="91425">
+          <a:bodyPr lIns="91425" tIns="91425" rIns="91425" bIns="91425" anchor="t" anchorCtr="0">
             <a:noAutofit/>
           </a:bodyPr>
           <a:lstStyle/>
@@ -495,14 +624,16 @@
               </a:spcBef>
               <a:buNone/>
             </a:pPr>
-            <a:r>
-              <a:t/>
-            </a:r>
             <a:endParaRPr/>
           </a:p>
         </p:txBody>
       </p:sp>
     </p:spTree>
+    <p:extLst>
+      <p:ext uri="{BB962C8B-B14F-4D97-AF65-F5344CB8AC3E}">
+        <p14:creationId xmlns:p14="http://schemas.microsoft.com/office/powerpoint/2010/main" val="2542679935"/>
+      </p:ext>
+    </p:extLst>
   </p:cSld>
   <p:clrMapOvr>
     <a:masterClrMapping/>
@@ -511,11 +642,11 @@
 </file>
 
 <file path=ppt/notesSlides/notesSlide10.xml><?xml version="1.0" encoding="utf-8"?>
-<p:notes xmlns:a="http://schemas.openxmlformats.org/drawingml/2006/main" xmlns:r="http://schemas.openxmlformats.org/officeDocument/2006/relationships" xmlns:mc="http://schemas.openxmlformats.org/markup-compatibility/2006" xmlns:mv="urn:schemas-microsoft-com:mac:vml" xmlns:p="http://schemas.openxmlformats.org/presentationml/2006/main" xmlns:c="http://schemas.openxmlformats.org/drawingml/2006/chart" xmlns:dgm="http://schemas.openxmlformats.org/drawingml/2006/diagram" xmlns:o="urn:schemas-microsoft-com:office:office" xmlns:v="urn:schemas-microsoft-com:vml" xmlns:pvml="urn:schemas-microsoft-com:office:powerpoint" xmlns:com="http://schemas.openxmlformats.org/drawingml/2006/compatibility" xmlns:p14="http://schemas.microsoft.com/office/powerpoint/2010/main" showMasterPhAnim="0" showMasterSp="0">
+<p:notes xmlns:a="http://schemas.openxmlformats.org/drawingml/2006/main" xmlns:r="http://schemas.openxmlformats.org/officeDocument/2006/relationships" xmlns:p="http://schemas.openxmlformats.org/presentationml/2006/main" showMasterSp="0" showMasterPhAnim="0">
   <p:cSld>
     <p:spTree>
       <p:nvGrpSpPr>
-        <p:cNvPr id="139" name="Shape 139"/>
+        <p:cNvPr id="1" name="Shape 139"/>
         <p:cNvGrpSpPr/>
         <p:nvPr/>
       </p:nvGrpSpPr>
@@ -530,19 +661,26 @@
       <p:sp>
         <p:nvSpPr>
           <p:cNvPr id="140" name="Shape 140"/>
-          <p:cNvSpPr/>
+          <p:cNvSpPr>
+            <a:spLocks noGrp="1" noRot="1" noChangeAspect="1"/>
+          </p:cNvSpPr>
           <p:nvPr>
-            <p:ph idx="2" type="sldImg"/>
+            <p:ph type="sldImg" idx="2"/>
           </p:nvPr>
         </p:nvSpPr>
         <p:spPr>
           <a:xfrm>
-            <a:off x="381300" y="685800"/>
+            <a:off x="381000" y="685800"/>
             <a:ext cx="6096000" cy="3429000"/>
           </a:xfrm>
           <a:custGeom>
+            <a:avLst/>
+            <a:gdLst/>
+            <a:ahLst/>
+            <a:cxnLst/>
+            <a:rect l="0" t="0" r="0" b="0"/>
             <a:pathLst>
-              <a:path extrusionOk="0" h="120000" w="120000">
+              <a:path w="120000" h="120000" extrusionOk="0">
                 <a:moveTo>
                   <a:pt x="0" y="0"/>
                 </a:moveTo>
@@ -560,23 +698,25 @@
             </a:pathLst>
           </a:custGeom>
           <a:noFill/>
-          <a:ln cap="flat" cmpd="sng" w="9525">
+          <a:ln w="9525" cap="flat" cmpd="sng">
             <a:solidFill>
               <a:srgbClr val="000000"/>
             </a:solidFill>
             <a:prstDash val="solid"/>
             <a:round/>
-            <a:headEnd len="med" w="med" type="none"/>
-            <a:tailEnd len="med" w="med" type="none"/>
+            <a:headEnd type="none" w="med" len="med"/>
+            <a:tailEnd type="none" w="med" len="med"/>
           </a:ln>
         </p:spPr>
       </p:sp>
       <p:sp>
         <p:nvSpPr>
           <p:cNvPr id="141" name="Shape 141"/>
-          <p:cNvSpPr txBox="1"/>
+          <p:cNvSpPr txBox="1">
+            <a:spLocks noGrp="1"/>
+          </p:cNvSpPr>
           <p:nvPr>
-            <p:ph idx="1" type="body"/>
+            <p:ph type="body" idx="1"/>
           </p:nvPr>
         </p:nvSpPr>
         <p:spPr>
@@ -589,7 +729,7 @@
           </a:prstGeom>
         </p:spPr>
         <p:txBody>
-          <a:bodyPr anchorCtr="0" anchor="t" bIns="91425" lIns="91425" rIns="91425" tIns="91425">
+          <a:bodyPr lIns="91425" tIns="91425" rIns="91425" bIns="91425" anchor="t" anchorCtr="0">
             <a:noAutofit/>
           </a:bodyPr>
           <a:lstStyle/>
@@ -600,14 +740,16 @@
               </a:spcBef>
               <a:buNone/>
             </a:pPr>
-            <a:r>
-              <a:t/>
-            </a:r>
             <a:endParaRPr/>
           </a:p>
         </p:txBody>
       </p:sp>
     </p:spTree>
+    <p:extLst>
+      <p:ext uri="{BB962C8B-B14F-4D97-AF65-F5344CB8AC3E}">
+        <p14:creationId xmlns:p14="http://schemas.microsoft.com/office/powerpoint/2010/main" val="54879466"/>
+      </p:ext>
+    </p:extLst>
   </p:cSld>
   <p:clrMapOvr>
     <a:masterClrMapping/>
@@ -616,11 +758,11 @@
 </file>
 
 <file path=ppt/notesSlides/notesSlide11.xml><?xml version="1.0" encoding="utf-8"?>
-<p:notes xmlns:a="http://schemas.openxmlformats.org/drawingml/2006/main" xmlns:r="http://schemas.openxmlformats.org/officeDocument/2006/relationships" xmlns:mc="http://schemas.openxmlformats.org/markup-compatibility/2006" xmlns:mv="urn:schemas-microsoft-com:mac:vml" xmlns:p="http://schemas.openxmlformats.org/presentationml/2006/main" xmlns:c="http://schemas.openxmlformats.org/drawingml/2006/chart" xmlns:dgm="http://schemas.openxmlformats.org/drawingml/2006/diagram" xmlns:o="urn:schemas-microsoft-com:office:office" xmlns:v="urn:schemas-microsoft-com:vml" xmlns:pvml="urn:schemas-microsoft-com:office:powerpoint" xmlns:com="http://schemas.openxmlformats.org/drawingml/2006/compatibility" xmlns:p14="http://schemas.microsoft.com/office/powerpoint/2010/main" showMasterPhAnim="0" showMasterSp="0">
+<p:notes xmlns:a="http://schemas.openxmlformats.org/drawingml/2006/main" xmlns:r="http://schemas.openxmlformats.org/officeDocument/2006/relationships" xmlns:p="http://schemas.openxmlformats.org/presentationml/2006/main" showMasterSp="0" showMasterPhAnim="0">
   <p:cSld>
     <p:spTree>
       <p:nvGrpSpPr>
-        <p:cNvPr id="156" name="Shape 156"/>
+        <p:cNvPr id="1" name="Shape 156"/>
         <p:cNvGrpSpPr/>
         <p:nvPr/>
       </p:nvGrpSpPr>
@@ -635,19 +777,26 @@
       <p:sp>
         <p:nvSpPr>
           <p:cNvPr id="157" name="Shape 157"/>
-          <p:cNvSpPr/>
+          <p:cNvSpPr>
+            <a:spLocks noGrp="1" noRot="1" noChangeAspect="1"/>
+          </p:cNvSpPr>
           <p:nvPr>
-            <p:ph idx="2" type="sldImg"/>
+            <p:ph type="sldImg" idx="2"/>
           </p:nvPr>
         </p:nvSpPr>
         <p:spPr>
           <a:xfrm>
-            <a:off x="381300" y="685800"/>
+            <a:off x="381000" y="685800"/>
             <a:ext cx="6096000" cy="3429000"/>
           </a:xfrm>
           <a:custGeom>
+            <a:avLst/>
+            <a:gdLst/>
+            <a:ahLst/>
+            <a:cxnLst/>
+            <a:rect l="0" t="0" r="0" b="0"/>
             <a:pathLst>
-              <a:path extrusionOk="0" h="120000" w="120000">
+              <a:path w="120000" h="120000" extrusionOk="0">
                 <a:moveTo>
                   <a:pt x="0" y="0"/>
                 </a:moveTo>
@@ -665,23 +814,25 @@
             </a:pathLst>
           </a:custGeom>
           <a:noFill/>
-          <a:ln cap="flat" cmpd="sng" w="9525">
+          <a:ln w="9525" cap="flat" cmpd="sng">
             <a:solidFill>
               <a:srgbClr val="000000"/>
             </a:solidFill>
             <a:prstDash val="solid"/>
             <a:round/>
-            <a:headEnd len="med" w="med" type="none"/>
-            <a:tailEnd len="med" w="med" type="none"/>
+            <a:headEnd type="none" w="med" len="med"/>
+            <a:tailEnd type="none" w="med" len="med"/>
           </a:ln>
         </p:spPr>
       </p:sp>
       <p:sp>
         <p:nvSpPr>
           <p:cNvPr id="158" name="Shape 158"/>
-          <p:cNvSpPr txBox="1"/>
+          <p:cNvSpPr txBox="1">
+            <a:spLocks noGrp="1"/>
+          </p:cNvSpPr>
           <p:nvPr>
-            <p:ph idx="1" type="body"/>
+            <p:ph type="body" idx="1"/>
           </p:nvPr>
         </p:nvSpPr>
         <p:spPr>
@@ -694,7 +845,7 @@
           </a:prstGeom>
         </p:spPr>
         <p:txBody>
-          <a:bodyPr anchorCtr="0" anchor="t" bIns="91425" lIns="91425" rIns="91425" tIns="91425">
+          <a:bodyPr lIns="91425" tIns="91425" rIns="91425" bIns="91425" anchor="t" anchorCtr="0">
             <a:noAutofit/>
           </a:bodyPr>
           <a:lstStyle/>
@@ -705,14 +856,16 @@
               </a:spcBef>
               <a:buNone/>
             </a:pPr>
-            <a:r>
-              <a:t/>
-            </a:r>
             <a:endParaRPr/>
           </a:p>
         </p:txBody>
       </p:sp>
     </p:spTree>
+    <p:extLst>
+      <p:ext uri="{BB962C8B-B14F-4D97-AF65-F5344CB8AC3E}">
+        <p14:creationId xmlns:p14="http://schemas.microsoft.com/office/powerpoint/2010/main" val="2615595855"/>
+      </p:ext>
+    </p:extLst>
   </p:cSld>
   <p:clrMapOvr>
     <a:masterClrMapping/>
@@ -721,11 +874,11 @@
 </file>
 
 <file path=ppt/notesSlides/notesSlide12.xml><?xml version="1.0" encoding="utf-8"?>
-<p:notes xmlns:a="http://schemas.openxmlformats.org/drawingml/2006/main" xmlns:r="http://schemas.openxmlformats.org/officeDocument/2006/relationships" xmlns:mc="http://schemas.openxmlformats.org/markup-compatibility/2006" xmlns:mv="urn:schemas-microsoft-com:mac:vml" xmlns:p="http://schemas.openxmlformats.org/presentationml/2006/main" xmlns:c="http://schemas.openxmlformats.org/drawingml/2006/chart" xmlns:dgm="http://schemas.openxmlformats.org/drawingml/2006/diagram" xmlns:o="urn:schemas-microsoft-com:office:office" xmlns:v="urn:schemas-microsoft-com:vml" xmlns:pvml="urn:schemas-microsoft-com:office:powerpoint" xmlns:com="http://schemas.openxmlformats.org/drawingml/2006/compatibility" xmlns:p14="http://schemas.microsoft.com/office/powerpoint/2010/main" showMasterPhAnim="0" showMasterSp="0">
+<p:notes xmlns:a="http://schemas.openxmlformats.org/drawingml/2006/main" xmlns:r="http://schemas.openxmlformats.org/officeDocument/2006/relationships" xmlns:p="http://schemas.openxmlformats.org/presentationml/2006/main" showMasterSp="0" showMasterPhAnim="0">
   <p:cSld>
     <p:spTree>
       <p:nvGrpSpPr>
-        <p:cNvPr id="165" name="Shape 165"/>
+        <p:cNvPr id="1" name="Shape 165"/>
         <p:cNvGrpSpPr/>
         <p:nvPr/>
       </p:nvGrpSpPr>
@@ -740,19 +893,26 @@
       <p:sp>
         <p:nvSpPr>
           <p:cNvPr id="166" name="Shape 166"/>
-          <p:cNvSpPr/>
+          <p:cNvSpPr>
+            <a:spLocks noGrp="1" noRot="1" noChangeAspect="1"/>
+          </p:cNvSpPr>
           <p:nvPr>
-            <p:ph idx="2" type="sldImg"/>
+            <p:ph type="sldImg" idx="2"/>
           </p:nvPr>
         </p:nvSpPr>
         <p:spPr>
           <a:xfrm>
-            <a:off x="381300" y="685800"/>
+            <a:off x="381000" y="685800"/>
             <a:ext cx="6096000" cy="3429000"/>
           </a:xfrm>
           <a:custGeom>
+            <a:avLst/>
+            <a:gdLst/>
+            <a:ahLst/>
+            <a:cxnLst/>
+            <a:rect l="0" t="0" r="0" b="0"/>
             <a:pathLst>
-              <a:path extrusionOk="0" h="120000" w="120000">
+              <a:path w="120000" h="120000" extrusionOk="0">
                 <a:moveTo>
                   <a:pt x="0" y="0"/>
                 </a:moveTo>
@@ -770,23 +930,25 @@
             </a:pathLst>
           </a:custGeom>
           <a:noFill/>
-          <a:ln cap="flat" cmpd="sng" w="9525">
+          <a:ln w="9525" cap="flat" cmpd="sng">
             <a:solidFill>
               <a:srgbClr val="000000"/>
             </a:solidFill>
             <a:prstDash val="solid"/>
             <a:round/>
-            <a:headEnd len="med" w="med" type="none"/>
-            <a:tailEnd len="med" w="med" type="none"/>
+            <a:headEnd type="none" w="med" len="med"/>
+            <a:tailEnd type="none" w="med" len="med"/>
           </a:ln>
         </p:spPr>
       </p:sp>
       <p:sp>
         <p:nvSpPr>
           <p:cNvPr id="167" name="Shape 167"/>
-          <p:cNvSpPr txBox="1"/>
+          <p:cNvSpPr txBox="1">
+            <a:spLocks noGrp="1"/>
+          </p:cNvSpPr>
           <p:nvPr>
-            <p:ph idx="1" type="body"/>
+            <p:ph type="body" idx="1"/>
           </p:nvPr>
         </p:nvSpPr>
         <p:spPr>
@@ -799,7 +961,7 @@
           </a:prstGeom>
         </p:spPr>
         <p:txBody>
-          <a:bodyPr anchorCtr="0" anchor="t" bIns="91425" lIns="91425" rIns="91425" tIns="91425">
+          <a:bodyPr lIns="91425" tIns="91425" rIns="91425" bIns="91425" anchor="t" anchorCtr="0">
             <a:noAutofit/>
           </a:bodyPr>
           <a:lstStyle/>
@@ -810,14 +972,16 @@
               </a:spcBef>
               <a:buNone/>
             </a:pPr>
-            <a:r>
-              <a:t/>
-            </a:r>
             <a:endParaRPr/>
           </a:p>
         </p:txBody>
       </p:sp>
     </p:spTree>
+    <p:extLst>
+      <p:ext uri="{BB962C8B-B14F-4D97-AF65-F5344CB8AC3E}">
+        <p14:creationId xmlns:p14="http://schemas.microsoft.com/office/powerpoint/2010/main" val="1298525650"/>
+      </p:ext>
+    </p:extLst>
   </p:cSld>
   <p:clrMapOvr>
     <a:masterClrMapping/>
@@ -826,11 +990,11 @@
 </file>
 
 <file path=ppt/notesSlides/notesSlide13.xml><?xml version="1.0" encoding="utf-8"?>
-<p:notes xmlns:a="http://schemas.openxmlformats.org/drawingml/2006/main" xmlns:r="http://schemas.openxmlformats.org/officeDocument/2006/relationships" xmlns:mc="http://schemas.openxmlformats.org/markup-compatibility/2006" xmlns:mv="urn:schemas-microsoft-com:mac:vml" xmlns:p="http://schemas.openxmlformats.org/presentationml/2006/main" xmlns:c="http://schemas.openxmlformats.org/drawingml/2006/chart" xmlns:dgm="http://schemas.openxmlformats.org/drawingml/2006/diagram" xmlns:o="urn:schemas-microsoft-com:office:office" xmlns:v="urn:schemas-microsoft-com:vml" xmlns:pvml="urn:schemas-microsoft-com:office:powerpoint" xmlns:com="http://schemas.openxmlformats.org/drawingml/2006/compatibility" xmlns:p14="http://schemas.microsoft.com/office/powerpoint/2010/main" showMasterPhAnim="0" showMasterSp="0">
+<p:notes xmlns:a="http://schemas.openxmlformats.org/drawingml/2006/main" xmlns:r="http://schemas.openxmlformats.org/officeDocument/2006/relationships" xmlns:p="http://schemas.openxmlformats.org/presentationml/2006/main" showMasterSp="0" showMasterPhAnim="0">
   <p:cSld>
     <p:spTree>
       <p:nvGrpSpPr>
-        <p:cNvPr id="174" name="Shape 174"/>
+        <p:cNvPr id="1" name="Shape 174"/>
         <p:cNvGrpSpPr/>
         <p:nvPr/>
       </p:nvGrpSpPr>
@@ -845,19 +1009,26 @@
       <p:sp>
         <p:nvSpPr>
           <p:cNvPr id="175" name="Shape 175"/>
-          <p:cNvSpPr/>
+          <p:cNvSpPr>
+            <a:spLocks noGrp="1" noRot="1" noChangeAspect="1"/>
+          </p:cNvSpPr>
           <p:nvPr>
-            <p:ph idx="2" type="sldImg"/>
+            <p:ph type="sldImg" idx="2"/>
           </p:nvPr>
         </p:nvSpPr>
         <p:spPr>
           <a:xfrm>
-            <a:off x="381300" y="685800"/>
+            <a:off x="381000" y="685800"/>
             <a:ext cx="6096000" cy="3429000"/>
           </a:xfrm>
           <a:custGeom>
+            <a:avLst/>
+            <a:gdLst/>
+            <a:ahLst/>
+            <a:cxnLst/>
+            <a:rect l="0" t="0" r="0" b="0"/>
             <a:pathLst>
-              <a:path extrusionOk="0" h="120000" w="120000">
+              <a:path w="120000" h="120000" extrusionOk="0">
                 <a:moveTo>
                   <a:pt x="0" y="0"/>
                 </a:moveTo>
@@ -875,23 +1046,25 @@
             </a:pathLst>
           </a:custGeom>
           <a:noFill/>
-          <a:ln cap="flat" cmpd="sng" w="9525">
+          <a:ln w="9525" cap="flat" cmpd="sng">
             <a:solidFill>
               <a:srgbClr val="000000"/>
             </a:solidFill>
             <a:prstDash val="solid"/>
             <a:round/>
-            <a:headEnd len="med" w="med" type="none"/>
-            <a:tailEnd len="med" w="med" type="none"/>
+            <a:headEnd type="none" w="med" len="med"/>
+            <a:tailEnd type="none" w="med" len="med"/>
           </a:ln>
         </p:spPr>
       </p:sp>
       <p:sp>
         <p:nvSpPr>
           <p:cNvPr id="176" name="Shape 176"/>
-          <p:cNvSpPr txBox="1"/>
+          <p:cNvSpPr txBox="1">
+            <a:spLocks noGrp="1"/>
+          </p:cNvSpPr>
           <p:nvPr>
-            <p:ph idx="1" type="body"/>
+            <p:ph type="body" idx="1"/>
           </p:nvPr>
         </p:nvSpPr>
         <p:spPr>
@@ -904,7 +1077,7 @@
           </a:prstGeom>
         </p:spPr>
         <p:txBody>
-          <a:bodyPr anchorCtr="0" anchor="t" bIns="91425" lIns="91425" rIns="91425" tIns="91425">
+          <a:bodyPr lIns="91425" tIns="91425" rIns="91425" bIns="91425" anchor="t" anchorCtr="0">
             <a:noAutofit/>
           </a:bodyPr>
           <a:lstStyle/>
@@ -915,14 +1088,16 @@
               </a:spcBef>
               <a:buNone/>
             </a:pPr>
-            <a:r>
-              <a:t/>
-            </a:r>
             <a:endParaRPr/>
           </a:p>
         </p:txBody>
       </p:sp>
     </p:spTree>
+    <p:extLst>
+      <p:ext uri="{BB962C8B-B14F-4D97-AF65-F5344CB8AC3E}">
+        <p14:creationId xmlns:p14="http://schemas.microsoft.com/office/powerpoint/2010/main" val="2039870471"/>
+      </p:ext>
+    </p:extLst>
   </p:cSld>
   <p:clrMapOvr>
     <a:masterClrMapping/>
@@ -931,11 +1106,11 @@
 </file>
 
 <file path=ppt/notesSlides/notesSlide14.xml><?xml version="1.0" encoding="utf-8"?>
-<p:notes xmlns:a="http://schemas.openxmlformats.org/drawingml/2006/main" xmlns:r="http://schemas.openxmlformats.org/officeDocument/2006/relationships" xmlns:mc="http://schemas.openxmlformats.org/markup-compatibility/2006" xmlns:mv="urn:schemas-microsoft-com:mac:vml" xmlns:p="http://schemas.openxmlformats.org/presentationml/2006/main" xmlns:c="http://schemas.openxmlformats.org/drawingml/2006/chart" xmlns:dgm="http://schemas.openxmlformats.org/drawingml/2006/diagram" xmlns:o="urn:schemas-microsoft-com:office:office" xmlns:v="urn:schemas-microsoft-com:vml" xmlns:pvml="urn:schemas-microsoft-com:office:powerpoint" xmlns:com="http://schemas.openxmlformats.org/drawingml/2006/compatibility" xmlns:p14="http://schemas.microsoft.com/office/powerpoint/2010/main" showMasterPhAnim="0" showMasterSp="0">
+<p:notes xmlns:a="http://schemas.openxmlformats.org/drawingml/2006/main" xmlns:r="http://schemas.openxmlformats.org/officeDocument/2006/relationships" xmlns:p="http://schemas.openxmlformats.org/presentationml/2006/main" showMasterSp="0" showMasterPhAnim="0">
   <p:cSld>
     <p:spTree>
       <p:nvGrpSpPr>
-        <p:cNvPr id="181" name="Shape 181"/>
+        <p:cNvPr id="1" name="Shape 181"/>
         <p:cNvGrpSpPr/>
         <p:nvPr/>
       </p:nvGrpSpPr>
@@ -950,19 +1125,26 @@
       <p:sp>
         <p:nvSpPr>
           <p:cNvPr id="182" name="Shape 182"/>
-          <p:cNvSpPr/>
+          <p:cNvSpPr>
+            <a:spLocks noGrp="1" noRot="1" noChangeAspect="1"/>
+          </p:cNvSpPr>
           <p:nvPr>
-            <p:ph idx="2" type="sldImg"/>
+            <p:ph type="sldImg" idx="2"/>
           </p:nvPr>
         </p:nvSpPr>
         <p:spPr>
           <a:xfrm>
-            <a:off x="381300" y="685800"/>
+            <a:off x="381000" y="685800"/>
             <a:ext cx="6096000" cy="3429000"/>
           </a:xfrm>
           <a:custGeom>
+            <a:avLst/>
+            <a:gdLst/>
+            <a:ahLst/>
+            <a:cxnLst/>
+            <a:rect l="0" t="0" r="0" b="0"/>
             <a:pathLst>
-              <a:path extrusionOk="0" h="120000" w="120000">
+              <a:path w="120000" h="120000" extrusionOk="0">
                 <a:moveTo>
                   <a:pt x="0" y="0"/>
                 </a:moveTo>
@@ -980,23 +1162,25 @@
             </a:pathLst>
           </a:custGeom>
           <a:noFill/>
-          <a:ln cap="flat" cmpd="sng" w="9525">
+          <a:ln w="9525" cap="flat" cmpd="sng">
             <a:solidFill>
               <a:srgbClr val="000000"/>
             </a:solidFill>
             <a:prstDash val="solid"/>
             <a:round/>
-            <a:headEnd len="med" w="med" type="none"/>
-            <a:tailEnd len="med" w="med" type="none"/>
+            <a:headEnd type="none" w="med" len="med"/>
+            <a:tailEnd type="none" w="med" len="med"/>
           </a:ln>
         </p:spPr>
       </p:sp>
       <p:sp>
         <p:nvSpPr>
           <p:cNvPr id="183" name="Shape 183"/>
-          <p:cNvSpPr txBox="1"/>
+          <p:cNvSpPr txBox="1">
+            <a:spLocks noGrp="1"/>
+          </p:cNvSpPr>
           <p:nvPr>
-            <p:ph idx="1" type="body"/>
+            <p:ph type="body" idx="1"/>
           </p:nvPr>
         </p:nvSpPr>
         <p:spPr>
@@ -1009,7 +1193,7 @@
           </a:prstGeom>
         </p:spPr>
         <p:txBody>
-          <a:bodyPr anchorCtr="0" anchor="t" bIns="91425" lIns="91425" rIns="91425" tIns="91425">
+          <a:bodyPr lIns="91425" tIns="91425" rIns="91425" bIns="91425" anchor="t" anchorCtr="0">
             <a:noAutofit/>
           </a:bodyPr>
           <a:lstStyle/>
@@ -1020,14 +1204,16 @@
               </a:spcBef>
               <a:buNone/>
             </a:pPr>
-            <a:r>
-              <a:t/>
-            </a:r>
             <a:endParaRPr/>
           </a:p>
         </p:txBody>
       </p:sp>
     </p:spTree>
+    <p:extLst>
+      <p:ext uri="{BB962C8B-B14F-4D97-AF65-F5344CB8AC3E}">
+        <p14:creationId xmlns:p14="http://schemas.microsoft.com/office/powerpoint/2010/main" val="3036975377"/>
+      </p:ext>
+    </p:extLst>
   </p:cSld>
   <p:clrMapOvr>
     <a:masterClrMapping/>
@@ -1036,11 +1222,11 @@
 </file>
 
 <file path=ppt/notesSlides/notesSlide15.xml><?xml version="1.0" encoding="utf-8"?>
-<p:notes xmlns:a="http://schemas.openxmlformats.org/drawingml/2006/main" xmlns:r="http://schemas.openxmlformats.org/officeDocument/2006/relationships" xmlns:mc="http://schemas.openxmlformats.org/markup-compatibility/2006" xmlns:mv="urn:schemas-microsoft-com:mac:vml" xmlns:p="http://schemas.openxmlformats.org/presentationml/2006/main" xmlns:c="http://schemas.openxmlformats.org/drawingml/2006/chart" xmlns:dgm="http://schemas.openxmlformats.org/drawingml/2006/diagram" xmlns:o="urn:schemas-microsoft-com:office:office" xmlns:v="urn:schemas-microsoft-com:vml" xmlns:pvml="urn:schemas-microsoft-com:office:powerpoint" xmlns:com="http://schemas.openxmlformats.org/drawingml/2006/compatibility" xmlns:p14="http://schemas.microsoft.com/office/powerpoint/2010/main" showMasterPhAnim="0" showMasterSp="0">
+<p:notes xmlns:a="http://schemas.openxmlformats.org/drawingml/2006/main" xmlns:r="http://schemas.openxmlformats.org/officeDocument/2006/relationships" xmlns:p="http://schemas.openxmlformats.org/presentationml/2006/main" showMasterSp="0" showMasterPhAnim="0">
   <p:cSld>
     <p:spTree>
       <p:nvGrpSpPr>
-        <p:cNvPr id="191" name="Shape 191"/>
+        <p:cNvPr id="1" name="Shape 191"/>
         <p:cNvGrpSpPr/>
         <p:nvPr/>
       </p:nvGrpSpPr>
@@ -1055,19 +1241,26 @@
       <p:sp>
         <p:nvSpPr>
           <p:cNvPr id="192" name="Shape 192"/>
-          <p:cNvSpPr/>
+          <p:cNvSpPr>
+            <a:spLocks noGrp="1" noRot="1" noChangeAspect="1"/>
+          </p:cNvSpPr>
           <p:nvPr>
-            <p:ph idx="2" type="sldImg"/>
+            <p:ph type="sldImg" idx="2"/>
           </p:nvPr>
         </p:nvSpPr>
         <p:spPr>
           <a:xfrm>
-            <a:off x="381300" y="685800"/>
+            <a:off x="381000" y="685800"/>
             <a:ext cx="6096000" cy="3429000"/>
           </a:xfrm>
           <a:custGeom>
+            <a:avLst/>
+            <a:gdLst/>
+            <a:ahLst/>
+            <a:cxnLst/>
+            <a:rect l="0" t="0" r="0" b="0"/>
             <a:pathLst>
-              <a:path extrusionOk="0" h="120000" w="120000">
+              <a:path w="120000" h="120000" extrusionOk="0">
                 <a:moveTo>
                   <a:pt x="0" y="0"/>
                 </a:moveTo>
@@ -1085,23 +1278,25 @@
             </a:pathLst>
           </a:custGeom>
           <a:noFill/>
-          <a:ln cap="flat" cmpd="sng" w="9525">
+          <a:ln w="9525" cap="flat" cmpd="sng">
             <a:solidFill>
               <a:srgbClr val="000000"/>
             </a:solidFill>
             <a:prstDash val="solid"/>
             <a:round/>
-            <a:headEnd len="med" w="med" type="none"/>
-            <a:tailEnd len="med" w="med" type="none"/>
+            <a:headEnd type="none" w="med" len="med"/>
+            <a:tailEnd type="none" w="med" len="med"/>
           </a:ln>
         </p:spPr>
       </p:sp>
       <p:sp>
         <p:nvSpPr>
           <p:cNvPr id="193" name="Shape 193"/>
-          <p:cNvSpPr txBox="1"/>
+          <p:cNvSpPr txBox="1">
+            <a:spLocks noGrp="1"/>
+          </p:cNvSpPr>
           <p:nvPr>
-            <p:ph idx="1" type="body"/>
+            <p:ph type="body" idx="1"/>
           </p:nvPr>
         </p:nvSpPr>
         <p:spPr>
@@ -1114,7 +1309,7 @@
           </a:prstGeom>
         </p:spPr>
         <p:txBody>
-          <a:bodyPr anchorCtr="0" anchor="t" bIns="91425" lIns="91425" rIns="91425" tIns="91425">
+          <a:bodyPr lIns="91425" tIns="91425" rIns="91425" bIns="91425" anchor="t" anchorCtr="0">
             <a:noAutofit/>
           </a:bodyPr>
           <a:lstStyle/>
@@ -1125,14 +1320,16 @@
               </a:spcBef>
               <a:buNone/>
             </a:pPr>
-            <a:r>
-              <a:t/>
-            </a:r>
             <a:endParaRPr/>
           </a:p>
         </p:txBody>
       </p:sp>
     </p:spTree>
+    <p:extLst>
+      <p:ext uri="{BB962C8B-B14F-4D97-AF65-F5344CB8AC3E}">
+        <p14:creationId xmlns:p14="http://schemas.microsoft.com/office/powerpoint/2010/main" val="2728163501"/>
+      </p:ext>
+    </p:extLst>
   </p:cSld>
   <p:clrMapOvr>
     <a:masterClrMapping/>
@@ -1141,11 +1338,11 @@
 </file>
 
 <file path=ppt/notesSlides/notesSlide16.xml><?xml version="1.0" encoding="utf-8"?>
-<p:notes xmlns:a="http://schemas.openxmlformats.org/drawingml/2006/main" xmlns:r="http://schemas.openxmlformats.org/officeDocument/2006/relationships" xmlns:mc="http://schemas.openxmlformats.org/markup-compatibility/2006" xmlns:mv="urn:schemas-microsoft-com:mac:vml" xmlns:p="http://schemas.openxmlformats.org/presentationml/2006/main" xmlns:c="http://schemas.openxmlformats.org/drawingml/2006/chart" xmlns:dgm="http://schemas.openxmlformats.org/drawingml/2006/diagram" xmlns:o="urn:schemas-microsoft-com:office:office" xmlns:v="urn:schemas-microsoft-com:vml" xmlns:pvml="urn:schemas-microsoft-com:office:powerpoint" xmlns:com="http://schemas.openxmlformats.org/drawingml/2006/compatibility" xmlns:p14="http://schemas.microsoft.com/office/powerpoint/2010/main" showMasterPhAnim="0" showMasterSp="0">
+<p:notes xmlns:a="http://schemas.openxmlformats.org/drawingml/2006/main" xmlns:r="http://schemas.openxmlformats.org/officeDocument/2006/relationships" xmlns:p="http://schemas.openxmlformats.org/presentationml/2006/main" showMasterSp="0" showMasterPhAnim="0">
   <p:cSld>
     <p:spTree>
       <p:nvGrpSpPr>
-        <p:cNvPr id="203" name="Shape 203"/>
+        <p:cNvPr id="1" name="Shape 203"/>
         <p:cNvGrpSpPr/>
         <p:nvPr/>
       </p:nvGrpSpPr>
@@ -1160,19 +1357,26 @@
       <p:sp>
         <p:nvSpPr>
           <p:cNvPr id="204" name="Shape 204"/>
-          <p:cNvSpPr/>
+          <p:cNvSpPr>
+            <a:spLocks noGrp="1" noRot="1" noChangeAspect="1"/>
+          </p:cNvSpPr>
           <p:nvPr>
-            <p:ph idx="2" type="sldImg"/>
+            <p:ph type="sldImg" idx="2"/>
           </p:nvPr>
         </p:nvSpPr>
         <p:spPr>
           <a:xfrm>
-            <a:off x="381300" y="685800"/>
+            <a:off x="381000" y="685800"/>
             <a:ext cx="6096000" cy="3429000"/>
           </a:xfrm>
           <a:custGeom>
+            <a:avLst/>
+            <a:gdLst/>
+            <a:ahLst/>
+            <a:cxnLst/>
+            <a:rect l="0" t="0" r="0" b="0"/>
             <a:pathLst>
-              <a:path extrusionOk="0" h="120000" w="120000">
+              <a:path w="120000" h="120000" extrusionOk="0">
                 <a:moveTo>
                   <a:pt x="0" y="0"/>
                 </a:moveTo>
@@ -1190,23 +1394,25 @@
             </a:pathLst>
           </a:custGeom>
           <a:noFill/>
-          <a:ln cap="flat" cmpd="sng" w="9525">
+          <a:ln w="9525" cap="flat" cmpd="sng">
             <a:solidFill>
               <a:srgbClr val="000000"/>
             </a:solidFill>
             <a:prstDash val="solid"/>
             <a:round/>
-            <a:headEnd len="med" w="med" type="none"/>
-            <a:tailEnd len="med" w="med" type="none"/>
+            <a:headEnd type="none" w="med" len="med"/>
+            <a:tailEnd type="none" w="med" len="med"/>
           </a:ln>
         </p:spPr>
       </p:sp>
       <p:sp>
         <p:nvSpPr>
           <p:cNvPr id="205" name="Shape 205"/>
-          <p:cNvSpPr txBox="1"/>
+          <p:cNvSpPr txBox="1">
+            <a:spLocks noGrp="1"/>
+          </p:cNvSpPr>
           <p:nvPr>
-            <p:ph idx="1" type="body"/>
+            <p:ph type="body" idx="1"/>
           </p:nvPr>
         </p:nvSpPr>
         <p:spPr>
@@ -1219,7 +1425,7 @@
           </a:prstGeom>
         </p:spPr>
         <p:txBody>
-          <a:bodyPr anchorCtr="0" anchor="t" bIns="91425" lIns="91425" rIns="91425" tIns="91425">
+          <a:bodyPr lIns="91425" tIns="91425" rIns="91425" bIns="91425" anchor="t" anchorCtr="0">
             <a:noAutofit/>
           </a:bodyPr>
           <a:lstStyle/>
@@ -1230,14 +1436,16 @@
               </a:spcBef>
               <a:buNone/>
             </a:pPr>
-            <a:r>
-              <a:t/>
-            </a:r>
             <a:endParaRPr/>
           </a:p>
         </p:txBody>
       </p:sp>
     </p:spTree>
+    <p:extLst>
+      <p:ext uri="{BB962C8B-B14F-4D97-AF65-F5344CB8AC3E}">
+        <p14:creationId xmlns:p14="http://schemas.microsoft.com/office/powerpoint/2010/main" val="1111146873"/>
+      </p:ext>
+    </p:extLst>
   </p:cSld>
   <p:clrMapOvr>
     <a:masterClrMapping/>
@@ -1246,11 +1454,11 @@
 </file>
 
 <file path=ppt/notesSlides/notesSlide17.xml><?xml version="1.0" encoding="utf-8"?>
-<p:notes xmlns:a="http://schemas.openxmlformats.org/drawingml/2006/main" xmlns:r="http://schemas.openxmlformats.org/officeDocument/2006/relationships" xmlns:mc="http://schemas.openxmlformats.org/markup-compatibility/2006" xmlns:mv="urn:schemas-microsoft-com:mac:vml" xmlns:p="http://schemas.openxmlformats.org/presentationml/2006/main" xmlns:c="http://schemas.openxmlformats.org/drawingml/2006/chart" xmlns:dgm="http://schemas.openxmlformats.org/drawingml/2006/diagram" xmlns:o="urn:schemas-microsoft-com:office:office" xmlns:v="urn:schemas-microsoft-com:vml" xmlns:pvml="urn:schemas-microsoft-com:office:powerpoint" xmlns:com="http://schemas.openxmlformats.org/drawingml/2006/compatibility" xmlns:p14="http://schemas.microsoft.com/office/powerpoint/2010/main" showMasterPhAnim="0" showMasterSp="0">
+<p:notes xmlns:a="http://schemas.openxmlformats.org/drawingml/2006/main" xmlns:r="http://schemas.openxmlformats.org/officeDocument/2006/relationships" xmlns:p="http://schemas.openxmlformats.org/presentationml/2006/main" showMasterSp="0" showMasterPhAnim="0">
   <p:cSld>
     <p:spTree>
       <p:nvGrpSpPr>
-        <p:cNvPr id="215" name="Shape 215"/>
+        <p:cNvPr id="1" name="Shape 215"/>
         <p:cNvGrpSpPr/>
         <p:nvPr/>
       </p:nvGrpSpPr>
@@ -1265,19 +1473,26 @@
       <p:sp>
         <p:nvSpPr>
           <p:cNvPr id="216" name="Shape 216"/>
-          <p:cNvSpPr/>
+          <p:cNvSpPr>
+            <a:spLocks noGrp="1" noRot="1" noChangeAspect="1"/>
+          </p:cNvSpPr>
           <p:nvPr>
-            <p:ph idx="2" type="sldImg"/>
+            <p:ph type="sldImg" idx="2"/>
           </p:nvPr>
         </p:nvSpPr>
         <p:spPr>
           <a:xfrm>
-            <a:off x="381300" y="685800"/>
+            <a:off x="381000" y="685800"/>
             <a:ext cx="6096000" cy="3429000"/>
           </a:xfrm>
           <a:custGeom>
+            <a:avLst/>
+            <a:gdLst/>
+            <a:ahLst/>
+            <a:cxnLst/>
+            <a:rect l="0" t="0" r="0" b="0"/>
             <a:pathLst>
-              <a:path extrusionOk="0" h="120000" w="120000">
+              <a:path w="120000" h="120000" extrusionOk="0">
                 <a:moveTo>
                   <a:pt x="0" y="0"/>
                 </a:moveTo>
@@ -1295,23 +1510,25 @@
             </a:pathLst>
           </a:custGeom>
           <a:noFill/>
-          <a:ln cap="flat" cmpd="sng" w="9525">
+          <a:ln w="9525" cap="flat" cmpd="sng">
             <a:solidFill>
               <a:srgbClr val="000000"/>
             </a:solidFill>
             <a:prstDash val="solid"/>
             <a:round/>
-            <a:headEnd len="med" w="med" type="none"/>
-            <a:tailEnd len="med" w="med" type="none"/>
+            <a:headEnd type="none" w="med" len="med"/>
+            <a:tailEnd type="none" w="med" len="med"/>
           </a:ln>
         </p:spPr>
       </p:sp>
       <p:sp>
         <p:nvSpPr>
           <p:cNvPr id="217" name="Shape 217"/>
-          <p:cNvSpPr txBox="1"/>
+          <p:cNvSpPr txBox="1">
+            <a:spLocks noGrp="1"/>
+          </p:cNvSpPr>
           <p:nvPr>
-            <p:ph idx="1" type="body"/>
+            <p:ph type="body" idx="1"/>
           </p:nvPr>
         </p:nvSpPr>
         <p:spPr>
@@ -1324,7 +1541,7 @@
           </a:prstGeom>
         </p:spPr>
         <p:txBody>
-          <a:bodyPr anchorCtr="0" anchor="t" bIns="91425" lIns="91425" rIns="91425" tIns="91425">
+          <a:bodyPr lIns="91425" tIns="91425" rIns="91425" bIns="91425" anchor="t" anchorCtr="0">
             <a:noAutofit/>
           </a:bodyPr>
           <a:lstStyle/>
@@ -1335,14 +1552,16 @@
               </a:spcBef>
               <a:buNone/>
             </a:pPr>
-            <a:r>
-              <a:t/>
-            </a:r>
             <a:endParaRPr/>
           </a:p>
         </p:txBody>
       </p:sp>
     </p:spTree>
+    <p:extLst>
+      <p:ext uri="{BB962C8B-B14F-4D97-AF65-F5344CB8AC3E}">
+        <p14:creationId xmlns:p14="http://schemas.microsoft.com/office/powerpoint/2010/main" val="3917471487"/>
+      </p:ext>
+    </p:extLst>
   </p:cSld>
   <p:clrMapOvr>
     <a:masterClrMapping/>
@@ -1351,11 +1570,11 @@
 </file>
 
 <file path=ppt/notesSlides/notesSlide18.xml><?xml version="1.0" encoding="utf-8"?>
-<p:notes xmlns:a="http://schemas.openxmlformats.org/drawingml/2006/main" xmlns:r="http://schemas.openxmlformats.org/officeDocument/2006/relationships" xmlns:mc="http://schemas.openxmlformats.org/markup-compatibility/2006" xmlns:mv="urn:schemas-microsoft-com:mac:vml" xmlns:p="http://schemas.openxmlformats.org/presentationml/2006/main" xmlns:c="http://schemas.openxmlformats.org/drawingml/2006/chart" xmlns:dgm="http://schemas.openxmlformats.org/drawingml/2006/diagram" xmlns:o="urn:schemas-microsoft-com:office:office" xmlns:v="urn:schemas-microsoft-com:vml" xmlns:pvml="urn:schemas-microsoft-com:office:powerpoint" xmlns:com="http://schemas.openxmlformats.org/drawingml/2006/compatibility" xmlns:p14="http://schemas.microsoft.com/office/powerpoint/2010/main" showMasterPhAnim="0" showMasterSp="0">
+<p:notes xmlns:a="http://schemas.openxmlformats.org/drawingml/2006/main" xmlns:r="http://schemas.openxmlformats.org/officeDocument/2006/relationships" xmlns:p="http://schemas.openxmlformats.org/presentationml/2006/main" showMasterSp="0" showMasterPhAnim="0">
   <p:cSld>
     <p:spTree>
       <p:nvGrpSpPr>
-        <p:cNvPr id="243" name="Shape 243"/>
+        <p:cNvPr id="1" name="Shape 243"/>
         <p:cNvGrpSpPr/>
         <p:nvPr/>
       </p:nvGrpSpPr>
@@ -1370,19 +1589,26 @@
       <p:sp>
         <p:nvSpPr>
           <p:cNvPr id="244" name="Shape 244"/>
-          <p:cNvSpPr/>
+          <p:cNvSpPr>
+            <a:spLocks noGrp="1" noRot="1" noChangeAspect="1"/>
+          </p:cNvSpPr>
           <p:nvPr>
-            <p:ph idx="2" type="sldImg"/>
+            <p:ph type="sldImg" idx="2"/>
           </p:nvPr>
         </p:nvSpPr>
         <p:spPr>
           <a:xfrm>
-            <a:off x="381300" y="685800"/>
+            <a:off x="381000" y="685800"/>
             <a:ext cx="6096000" cy="3429000"/>
           </a:xfrm>
           <a:custGeom>
+            <a:avLst/>
+            <a:gdLst/>
+            <a:ahLst/>
+            <a:cxnLst/>
+            <a:rect l="0" t="0" r="0" b="0"/>
             <a:pathLst>
-              <a:path extrusionOk="0" h="120000" w="120000">
+              <a:path w="120000" h="120000" extrusionOk="0">
                 <a:moveTo>
                   <a:pt x="0" y="0"/>
                 </a:moveTo>
@@ -1400,23 +1626,25 @@
             </a:pathLst>
           </a:custGeom>
           <a:noFill/>
-          <a:ln cap="flat" cmpd="sng" w="9525">
+          <a:ln w="9525" cap="flat" cmpd="sng">
             <a:solidFill>
               <a:srgbClr val="000000"/>
             </a:solidFill>
             <a:prstDash val="solid"/>
             <a:round/>
-            <a:headEnd len="med" w="med" type="none"/>
-            <a:tailEnd len="med" w="med" type="none"/>
+            <a:headEnd type="none" w="med" len="med"/>
+            <a:tailEnd type="none" w="med" len="med"/>
           </a:ln>
         </p:spPr>
       </p:sp>
       <p:sp>
         <p:nvSpPr>
           <p:cNvPr id="245" name="Shape 245"/>
-          <p:cNvSpPr txBox="1"/>
+          <p:cNvSpPr txBox="1">
+            <a:spLocks noGrp="1"/>
+          </p:cNvSpPr>
           <p:nvPr>
-            <p:ph idx="1" type="body"/>
+            <p:ph type="body" idx="1"/>
           </p:nvPr>
         </p:nvSpPr>
         <p:spPr>
@@ -1429,7 +1657,7 @@
           </a:prstGeom>
         </p:spPr>
         <p:txBody>
-          <a:bodyPr anchorCtr="0" anchor="t" bIns="91425" lIns="91425" rIns="91425" tIns="91425">
+          <a:bodyPr lIns="91425" tIns="91425" rIns="91425" bIns="91425" anchor="t" anchorCtr="0">
             <a:noAutofit/>
           </a:bodyPr>
           <a:lstStyle/>
@@ -1440,14 +1668,16 @@
               </a:spcBef>
               <a:buNone/>
             </a:pPr>
-            <a:r>
-              <a:t/>
-            </a:r>
             <a:endParaRPr/>
           </a:p>
         </p:txBody>
       </p:sp>
     </p:spTree>
+    <p:extLst>
+      <p:ext uri="{BB962C8B-B14F-4D97-AF65-F5344CB8AC3E}">
+        <p14:creationId xmlns:p14="http://schemas.microsoft.com/office/powerpoint/2010/main" val="2680163181"/>
+      </p:ext>
+    </p:extLst>
   </p:cSld>
   <p:clrMapOvr>
     <a:masterClrMapping/>
@@ -1456,11 +1686,11 @@
 </file>
 
 <file path=ppt/notesSlides/notesSlide19.xml><?xml version="1.0" encoding="utf-8"?>
-<p:notes xmlns:a="http://schemas.openxmlformats.org/drawingml/2006/main" xmlns:r="http://schemas.openxmlformats.org/officeDocument/2006/relationships" xmlns:mc="http://schemas.openxmlformats.org/markup-compatibility/2006" xmlns:mv="urn:schemas-microsoft-com:mac:vml" xmlns:p="http://schemas.openxmlformats.org/presentationml/2006/main" xmlns:c="http://schemas.openxmlformats.org/drawingml/2006/chart" xmlns:dgm="http://schemas.openxmlformats.org/drawingml/2006/diagram" xmlns:o="urn:schemas-microsoft-com:office:office" xmlns:v="urn:schemas-microsoft-com:vml" xmlns:pvml="urn:schemas-microsoft-com:office:powerpoint" xmlns:com="http://schemas.openxmlformats.org/drawingml/2006/compatibility" xmlns:p14="http://schemas.microsoft.com/office/powerpoint/2010/main" showMasterPhAnim="0" showMasterSp="0">
+<p:notes xmlns:a="http://schemas.openxmlformats.org/drawingml/2006/main" xmlns:r="http://schemas.openxmlformats.org/officeDocument/2006/relationships" xmlns:p="http://schemas.openxmlformats.org/presentationml/2006/main" showMasterSp="0" showMasterPhAnim="0">
   <p:cSld>
     <p:spTree>
       <p:nvGrpSpPr>
-        <p:cNvPr id="252" name="Shape 252"/>
+        <p:cNvPr id="1" name="Shape 252"/>
         <p:cNvGrpSpPr/>
         <p:nvPr/>
       </p:nvGrpSpPr>
@@ -1475,19 +1705,26 @@
       <p:sp>
         <p:nvSpPr>
           <p:cNvPr id="253" name="Shape 253"/>
-          <p:cNvSpPr/>
+          <p:cNvSpPr>
+            <a:spLocks noGrp="1" noRot="1" noChangeAspect="1"/>
+          </p:cNvSpPr>
           <p:nvPr>
-            <p:ph idx="2" type="sldImg"/>
+            <p:ph type="sldImg" idx="2"/>
           </p:nvPr>
         </p:nvSpPr>
         <p:spPr>
           <a:xfrm>
-            <a:off x="381300" y="685800"/>
+            <a:off x="381000" y="685800"/>
             <a:ext cx="6096000" cy="3429000"/>
           </a:xfrm>
           <a:custGeom>
+            <a:avLst/>
+            <a:gdLst/>
+            <a:ahLst/>
+            <a:cxnLst/>
+            <a:rect l="0" t="0" r="0" b="0"/>
             <a:pathLst>
-              <a:path extrusionOk="0" h="120000" w="120000">
+              <a:path w="120000" h="120000" extrusionOk="0">
                 <a:moveTo>
                   <a:pt x="0" y="0"/>
                 </a:moveTo>
@@ -1505,23 +1742,25 @@
             </a:pathLst>
           </a:custGeom>
           <a:noFill/>
-          <a:ln cap="flat" cmpd="sng" w="9525">
+          <a:ln w="9525" cap="flat" cmpd="sng">
             <a:solidFill>
               <a:srgbClr val="000000"/>
             </a:solidFill>
             <a:prstDash val="solid"/>
             <a:round/>
-            <a:headEnd len="med" w="med" type="none"/>
-            <a:tailEnd len="med" w="med" type="none"/>
+            <a:headEnd type="none" w="med" len="med"/>
+            <a:tailEnd type="none" w="med" len="med"/>
           </a:ln>
         </p:spPr>
       </p:sp>
       <p:sp>
         <p:nvSpPr>
           <p:cNvPr id="254" name="Shape 254"/>
-          <p:cNvSpPr txBox="1"/>
+          <p:cNvSpPr txBox="1">
+            <a:spLocks noGrp="1"/>
+          </p:cNvSpPr>
           <p:nvPr>
-            <p:ph idx="1" type="body"/>
+            <p:ph type="body" idx="1"/>
           </p:nvPr>
         </p:nvSpPr>
         <p:spPr>
@@ -1534,7 +1773,7 @@
           </a:prstGeom>
         </p:spPr>
         <p:txBody>
-          <a:bodyPr anchorCtr="0" anchor="t" bIns="91425" lIns="91425" rIns="91425" tIns="91425">
+          <a:bodyPr lIns="91425" tIns="91425" rIns="91425" bIns="91425" anchor="t" anchorCtr="0">
             <a:noAutofit/>
           </a:bodyPr>
           <a:lstStyle/>
@@ -1545,14 +1784,16 @@
               </a:spcBef>
               <a:buNone/>
             </a:pPr>
-            <a:r>
-              <a:t/>
-            </a:r>
             <a:endParaRPr/>
           </a:p>
         </p:txBody>
       </p:sp>
     </p:spTree>
+    <p:extLst>
+      <p:ext uri="{BB962C8B-B14F-4D97-AF65-F5344CB8AC3E}">
+        <p14:creationId xmlns:p14="http://schemas.microsoft.com/office/powerpoint/2010/main" val="2057704224"/>
+      </p:ext>
+    </p:extLst>
   </p:cSld>
   <p:clrMapOvr>
     <a:masterClrMapping/>
@@ -1561,11 +1802,11 @@
 </file>
 
 <file path=ppt/notesSlides/notesSlide2.xml><?xml version="1.0" encoding="utf-8"?>
-<p:notes xmlns:a="http://schemas.openxmlformats.org/drawingml/2006/main" xmlns:r="http://schemas.openxmlformats.org/officeDocument/2006/relationships" xmlns:mc="http://schemas.openxmlformats.org/markup-compatibility/2006" xmlns:mv="urn:schemas-microsoft-com:mac:vml" xmlns:p="http://schemas.openxmlformats.org/presentationml/2006/main" xmlns:c="http://schemas.openxmlformats.org/drawingml/2006/chart" xmlns:dgm="http://schemas.openxmlformats.org/drawingml/2006/diagram" xmlns:o="urn:schemas-microsoft-com:office:office" xmlns:v="urn:schemas-microsoft-com:vml" xmlns:pvml="urn:schemas-microsoft-com:office:powerpoint" xmlns:com="http://schemas.openxmlformats.org/drawingml/2006/compatibility" xmlns:p14="http://schemas.microsoft.com/office/powerpoint/2010/main" showMasterPhAnim="0" showMasterSp="0">
+<p:notes xmlns:a="http://schemas.openxmlformats.org/drawingml/2006/main" xmlns:r="http://schemas.openxmlformats.org/officeDocument/2006/relationships" xmlns:p="http://schemas.openxmlformats.org/presentationml/2006/main" showMasterSp="0" showMasterPhAnim="0">
   <p:cSld>
     <p:spTree>
       <p:nvGrpSpPr>
-        <p:cNvPr id="72" name="Shape 72"/>
+        <p:cNvPr id="1" name="Shape 72"/>
         <p:cNvGrpSpPr/>
         <p:nvPr/>
       </p:nvGrpSpPr>
@@ -1580,19 +1821,26 @@
       <p:sp>
         <p:nvSpPr>
           <p:cNvPr id="73" name="Shape 73"/>
-          <p:cNvSpPr/>
+          <p:cNvSpPr>
+            <a:spLocks noGrp="1" noRot="1" noChangeAspect="1"/>
+          </p:cNvSpPr>
           <p:nvPr>
-            <p:ph idx="2" type="sldImg"/>
+            <p:ph type="sldImg" idx="2"/>
           </p:nvPr>
         </p:nvSpPr>
         <p:spPr>
           <a:xfrm>
-            <a:off x="381300" y="685800"/>
+            <a:off x="381000" y="685800"/>
             <a:ext cx="6096000" cy="3429000"/>
           </a:xfrm>
           <a:custGeom>
+            <a:avLst/>
+            <a:gdLst/>
+            <a:ahLst/>
+            <a:cxnLst/>
+            <a:rect l="0" t="0" r="0" b="0"/>
             <a:pathLst>
-              <a:path extrusionOk="0" h="120000" w="120000">
+              <a:path w="120000" h="120000" extrusionOk="0">
                 <a:moveTo>
                   <a:pt x="0" y="0"/>
                 </a:moveTo>
@@ -1610,23 +1858,25 @@
             </a:pathLst>
           </a:custGeom>
           <a:noFill/>
-          <a:ln cap="flat" cmpd="sng" w="9525">
+          <a:ln w="9525" cap="flat" cmpd="sng">
             <a:solidFill>
               <a:srgbClr val="000000"/>
             </a:solidFill>
             <a:prstDash val="solid"/>
             <a:round/>
-            <a:headEnd len="med" w="med" type="none"/>
-            <a:tailEnd len="med" w="med" type="none"/>
+            <a:headEnd type="none" w="med" len="med"/>
+            <a:tailEnd type="none" w="med" len="med"/>
           </a:ln>
         </p:spPr>
       </p:sp>
       <p:sp>
         <p:nvSpPr>
           <p:cNvPr id="74" name="Shape 74"/>
-          <p:cNvSpPr txBox="1"/>
+          <p:cNvSpPr txBox="1">
+            <a:spLocks noGrp="1"/>
+          </p:cNvSpPr>
           <p:nvPr>
-            <p:ph idx="1" type="body"/>
+            <p:ph type="body" idx="1"/>
           </p:nvPr>
         </p:nvSpPr>
         <p:spPr>
@@ -1639,7 +1889,7 @@
           </a:prstGeom>
         </p:spPr>
         <p:txBody>
-          <a:bodyPr anchorCtr="0" anchor="t" bIns="91425" lIns="91425" rIns="91425" tIns="91425">
+          <a:bodyPr lIns="91425" tIns="91425" rIns="91425" bIns="91425" anchor="t" anchorCtr="0">
             <a:noAutofit/>
           </a:bodyPr>
           <a:lstStyle/>
@@ -1650,14 +1900,16 @@
               </a:spcBef>
               <a:buNone/>
             </a:pPr>
-            <a:r>
-              <a:t/>
-            </a:r>
             <a:endParaRPr/>
           </a:p>
         </p:txBody>
       </p:sp>
     </p:spTree>
+    <p:extLst>
+      <p:ext uri="{BB962C8B-B14F-4D97-AF65-F5344CB8AC3E}">
+        <p14:creationId xmlns:p14="http://schemas.microsoft.com/office/powerpoint/2010/main" val="2002575975"/>
+      </p:ext>
+    </p:extLst>
   </p:cSld>
   <p:clrMapOvr>
     <a:masterClrMapping/>
@@ -1666,11 +1918,11 @@
 </file>
 
 <file path=ppt/notesSlides/notesSlide20.xml><?xml version="1.0" encoding="utf-8"?>
-<p:notes xmlns:a="http://schemas.openxmlformats.org/drawingml/2006/main" xmlns:r="http://schemas.openxmlformats.org/officeDocument/2006/relationships" xmlns:mc="http://schemas.openxmlformats.org/markup-compatibility/2006" xmlns:mv="urn:schemas-microsoft-com:mac:vml" xmlns:p="http://schemas.openxmlformats.org/presentationml/2006/main" xmlns:c="http://schemas.openxmlformats.org/drawingml/2006/chart" xmlns:dgm="http://schemas.openxmlformats.org/drawingml/2006/diagram" xmlns:o="urn:schemas-microsoft-com:office:office" xmlns:v="urn:schemas-microsoft-com:vml" xmlns:pvml="urn:schemas-microsoft-com:office:powerpoint" xmlns:com="http://schemas.openxmlformats.org/drawingml/2006/compatibility" xmlns:p14="http://schemas.microsoft.com/office/powerpoint/2010/main" showMasterPhAnim="0" showMasterSp="0">
+<p:notes xmlns:a="http://schemas.openxmlformats.org/drawingml/2006/main" xmlns:r="http://schemas.openxmlformats.org/officeDocument/2006/relationships" xmlns:p="http://schemas.openxmlformats.org/presentationml/2006/main" showMasterSp="0" showMasterPhAnim="0">
   <p:cSld>
     <p:spTree>
       <p:nvGrpSpPr>
-        <p:cNvPr id="260" name="Shape 260"/>
+        <p:cNvPr id="1" name="Shape 260"/>
         <p:cNvGrpSpPr/>
         <p:nvPr/>
       </p:nvGrpSpPr>
@@ -1685,19 +1937,26 @@
       <p:sp>
         <p:nvSpPr>
           <p:cNvPr id="261" name="Shape 261"/>
-          <p:cNvSpPr/>
+          <p:cNvSpPr>
+            <a:spLocks noGrp="1" noRot="1" noChangeAspect="1"/>
+          </p:cNvSpPr>
           <p:nvPr>
-            <p:ph idx="2" type="sldImg"/>
+            <p:ph type="sldImg" idx="2"/>
           </p:nvPr>
         </p:nvSpPr>
         <p:spPr>
           <a:xfrm>
-            <a:off x="381300" y="685800"/>
+            <a:off x="381000" y="685800"/>
             <a:ext cx="6096000" cy="3429000"/>
           </a:xfrm>
           <a:custGeom>
+            <a:avLst/>
+            <a:gdLst/>
+            <a:ahLst/>
+            <a:cxnLst/>
+            <a:rect l="0" t="0" r="0" b="0"/>
             <a:pathLst>
-              <a:path extrusionOk="0" h="120000" w="120000">
+              <a:path w="120000" h="120000" extrusionOk="0">
                 <a:moveTo>
                   <a:pt x="0" y="0"/>
                 </a:moveTo>
@@ -1715,23 +1974,25 @@
             </a:pathLst>
           </a:custGeom>
           <a:noFill/>
-          <a:ln cap="flat" cmpd="sng" w="9525">
+          <a:ln w="9525" cap="flat" cmpd="sng">
             <a:solidFill>
               <a:srgbClr val="000000"/>
             </a:solidFill>
             <a:prstDash val="solid"/>
             <a:round/>
-            <a:headEnd len="med" w="med" type="none"/>
-            <a:tailEnd len="med" w="med" type="none"/>
+            <a:headEnd type="none" w="med" len="med"/>
+            <a:tailEnd type="none" w="med" len="med"/>
           </a:ln>
         </p:spPr>
       </p:sp>
       <p:sp>
         <p:nvSpPr>
           <p:cNvPr id="262" name="Shape 262"/>
-          <p:cNvSpPr txBox="1"/>
+          <p:cNvSpPr txBox="1">
+            <a:spLocks noGrp="1"/>
+          </p:cNvSpPr>
           <p:nvPr>
-            <p:ph idx="1" type="body"/>
+            <p:ph type="body" idx="1"/>
           </p:nvPr>
         </p:nvSpPr>
         <p:spPr>
@@ -1744,7 +2005,7 @@
           </a:prstGeom>
         </p:spPr>
         <p:txBody>
-          <a:bodyPr anchorCtr="0" anchor="t" bIns="91425" lIns="91425" rIns="91425" tIns="91425">
+          <a:bodyPr lIns="91425" tIns="91425" rIns="91425" bIns="91425" anchor="t" anchorCtr="0">
             <a:noAutofit/>
           </a:bodyPr>
           <a:lstStyle/>
@@ -1755,14 +2016,16 @@
               </a:spcBef>
               <a:buNone/>
             </a:pPr>
-            <a:r>
-              <a:t/>
-            </a:r>
             <a:endParaRPr/>
           </a:p>
         </p:txBody>
       </p:sp>
     </p:spTree>
+    <p:extLst>
+      <p:ext uri="{BB962C8B-B14F-4D97-AF65-F5344CB8AC3E}">
+        <p14:creationId xmlns:p14="http://schemas.microsoft.com/office/powerpoint/2010/main" val="4119153721"/>
+      </p:ext>
+    </p:extLst>
   </p:cSld>
   <p:clrMapOvr>
     <a:masterClrMapping/>
@@ -1771,11 +2034,11 @@
 </file>
 
 <file path=ppt/notesSlides/notesSlide21.xml><?xml version="1.0" encoding="utf-8"?>
-<p:notes xmlns:a="http://schemas.openxmlformats.org/drawingml/2006/main" xmlns:r="http://schemas.openxmlformats.org/officeDocument/2006/relationships" xmlns:mc="http://schemas.openxmlformats.org/markup-compatibility/2006" xmlns:mv="urn:schemas-microsoft-com:mac:vml" xmlns:p="http://schemas.openxmlformats.org/presentationml/2006/main" xmlns:c="http://schemas.openxmlformats.org/drawingml/2006/chart" xmlns:dgm="http://schemas.openxmlformats.org/drawingml/2006/diagram" xmlns:o="urn:schemas-microsoft-com:office:office" xmlns:v="urn:schemas-microsoft-com:vml" xmlns:pvml="urn:schemas-microsoft-com:office:powerpoint" xmlns:com="http://schemas.openxmlformats.org/drawingml/2006/compatibility" xmlns:p14="http://schemas.microsoft.com/office/powerpoint/2010/main" showMasterPhAnim="0" showMasterSp="0">
+<p:notes xmlns:a="http://schemas.openxmlformats.org/drawingml/2006/main" xmlns:r="http://schemas.openxmlformats.org/officeDocument/2006/relationships" xmlns:p="http://schemas.openxmlformats.org/presentationml/2006/main" showMasterSp="0" showMasterPhAnim="0">
   <p:cSld>
     <p:spTree>
       <p:nvGrpSpPr>
-        <p:cNvPr id="266" name="Shape 266"/>
+        <p:cNvPr id="1" name="Shape 266"/>
         <p:cNvGrpSpPr/>
         <p:nvPr/>
       </p:nvGrpSpPr>
@@ -1790,19 +2053,26 @@
       <p:sp>
         <p:nvSpPr>
           <p:cNvPr id="267" name="Shape 267"/>
-          <p:cNvSpPr/>
+          <p:cNvSpPr>
+            <a:spLocks noGrp="1" noRot="1" noChangeAspect="1"/>
+          </p:cNvSpPr>
           <p:nvPr>
-            <p:ph idx="2" type="sldImg"/>
+            <p:ph type="sldImg" idx="2"/>
           </p:nvPr>
         </p:nvSpPr>
         <p:spPr>
           <a:xfrm>
-            <a:off x="381300" y="685800"/>
+            <a:off x="381000" y="685800"/>
             <a:ext cx="6096000" cy="3429000"/>
           </a:xfrm>
           <a:custGeom>
+            <a:avLst/>
+            <a:gdLst/>
+            <a:ahLst/>
+            <a:cxnLst/>
+            <a:rect l="0" t="0" r="0" b="0"/>
             <a:pathLst>
-              <a:path extrusionOk="0" h="120000" w="120000">
+              <a:path w="120000" h="120000" extrusionOk="0">
                 <a:moveTo>
                   <a:pt x="0" y="0"/>
                 </a:moveTo>
@@ -1820,23 +2090,25 @@
             </a:pathLst>
           </a:custGeom>
           <a:noFill/>
-          <a:ln cap="flat" cmpd="sng" w="9525">
+          <a:ln w="9525" cap="flat" cmpd="sng">
             <a:solidFill>
               <a:srgbClr val="000000"/>
             </a:solidFill>
             <a:prstDash val="solid"/>
             <a:round/>
-            <a:headEnd len="med" w="med" type="none"/>
-            <a:tailEnd len="med" w="med" type="none"/>
+            <a:headEnd type="none" w="med" len="med"/>
+            <a:tailEnd type="none" w="med" len="med"/>
           </a:ln>
         </p:spPr>
       </p:sp>
       <p:sp>
         <p:nvSpPr>
           <p:cNvPr id="268" name="Shape 268"/>
-          <p:cNvSpPr txBox="1"/>
+          <p:cNvSpPr txBox="1">
+            <a:spLocks noGrp="1"/>
+          </p:cNvSpPr>
           <p:nvPr>
-            <p:ph idx="1" type="body"/>
+            <p:ph type="body" idx="1"/>
           </p:nvPr>
         </p:nvSpPr>
         <p:spPr>
@@ -1849,7 +2121,7 @@
           </a:prstGeom>
         </p:spPr>
         <p:txBody>
-          <a:bodyPr anchorCtr="0" anchor="t" bIns="91425" lIns="91425" rIns="91425" tIns="91425">
+          <a:bodyPr lIns="91425" tIns="91425" rIns="91425" bIns="91425" anchor="t" anchorCtr="0">
             <a:noAutofit/>
           </a:bodyPr>
           <a:lstStyle/>
@@ -1860,14 +2132,16 @@
               </a:spcBef>
               <a:buNone/>
             </a:pPr>
-            <a:r>
-              <a:t/>
-            </a:r>
             <a:endParaRPr/>
           </a:p>
         </p:txBody>
       </p:sp>
     </p:spTree>
+    <p:extLst>
+      <p:ext uri="{BB962C8B-B14F-4D97-AF65-F5344CB8AC3E}">
+        <p14:creationId xmlns:p14="http://schemas.microsoft.com/office/powerpoint/2010/main" val="3025102650"/>
+      </p:ext>
+    </p:extLst>
   </p:cSld>
   <p:clrMapOvr>
     <a:masterClrMapping/>
@@ -1876,11 +2150,11 @@
 </file>
 
 <file path=ppt/notesSlides/notesSlide22.xml><?xml version="1.0" encoding="utf-8"?>
-<p:notes xmlns:a="http://schemas.openxmlformats.org/drawingml/2006/main" xmlns:r="http://schemas.openxmlformats.org/officeDocument/2006/relationships" xmlns:mc="http://schemas.openxmlformats.org/markup-compatibility/2006" xmlns:mv="urn:schemas-microsoft-com:mac:vml" xmlns:p="http://schemas.openxmlformats.org/presentationml/2006/main" xmlns:c="http://schemas.openxmlformats.org/drawingml/2006/chart" xmlns:dgm="http://schemas.openxmlformats.org/drawingml/2006/diagram" xmlns:o="urn:schemas-microsoft-com:office:office" xmlns:v="urn:schemas-microsoft-com:vml" xmlns:pvml="urn:schemas-microsoft-com:office:powerpoint" xmlns:com="http://schemas.openxmlformats.org/drawingml/2006/compatibility" xmlns:p14="http://schemas.microsoft.com/office/powerpoint/2010/main" showMasterPhAnim="0" showMasterSp="0">
+<p:notes xmlns:a="http://schemas.openxmlformats.org/drawingml/2006/main" xmlns:r="http://schemas.openxmlformats.org/officeDocument/2006/relationships" xmlns:p="http://schemas.openxmlformats.org/presentationml/2006/main" showMasterSp="0" showMasterPhAnim="0">
   <p:cSld>
     <p:spTree>
       <p:nvGrpSpPr>
-        <p:cNvPr id="272" name="Shape 272"/>
+        <p:cNvPr id="1" name="Shape 272"/>
         <p:cNvGrpSpPr/>
         <p:nvPr/>
       </p:nvGrpSpPr>
@@ -1895,19 +2169,26 @@
       <p:sp>
         <p:nvSpPr>
           <p:cNvPr id="273" name="Shape 273"/>
-          <p:cNvSpPr/>
+          <p:cNvSpPr>
+            <a:spLocks noGrp="1" noRot="1" noChangeAspect="1"/>
+          </p:cNvSpPr>
           <p:nvPr>
-            <p:ph idx="2" type="sldImg"/>
+            <p:ph type="sldImg" idx="2"/>
           </p:nvPr>
         </p:nvSpPr>
         <p:spPr>
           <a:xfrm>
-            <a:off x="381300" y="685800"/>
+            <a:off x="381000" y="685800"/>
             <a:ext cx="6096000" cy="3429000"/>
           </a:xfrm>
           <a:custGeom>
+            <a:avLst/>
+            <a:gdLst/>
+            <a:ahLst/>
+            <a:cxnLst/>
+            <a:rect l="0" t="0" r="0" b="0"/>
             <a:pathLst>
-              <a:path extrusionOk="0" h="120000" w="120000">
+              <a:path w="120000" h="120000" extrusionOk="0">
                 <a:moveTo>
                   <a:pt x="0" y="0"/>
                 </a:moveTo>
@@ -1925,23 +2206,25 @@
             </a:pathLst>
           </a:custGeom>
           <a:noFill/>
-          <a:ln cap="flat" cmpd="sng" w="9525">
+          <a:ln w="9525" cap="flat" cmpd="sng">
             <a:solidFill>
               <a:srgbClr val="000000"/>
             </a:solidFill>
             <a:prstDash val="solid"/>
             <a:round/>
-            <a:headEnd len="med" w="med" type="none"/>
-            <a:tailEnd len="med" w="med" type="none"/>
+            <a:headEnd type="none" w="med" len="med"/>
+            <a:tailEnd type="none" w="med" len="med"/>
           </a:ln>
         </p:spPr>
       </p:sp>
       <p:sp>
         <p:nvSpPr>
           <p:cNvPr id="274" name="Shape 274"/>
-          <p:cNvSpPr txBox="1"/>
+          <p:cNvSpPr txBox="1">
+            <a:spLocks noGrp="1"/>
+          </p:cNvSpPr>
           <p:nvPr>
-            <p:ph idx="1" type="body"/>
+            <p:ph type="body" idx="1"/>
           </p:nvPr>
         </p:nvSpPr>
         <p:spPr>
@@ -1954,7 +2237,7 @@
           </a:prstGeom>
         </p:spPr>
         <p:txBody>
-          <a:bodyPr anchorCtr="0" anchor="t" bIns="91425" lIns="91425" rIns="91425" tIns="91425">
+          <a:bodyPr lIns="91425" tIns="91425" rIns="91425" bIns="91425" anchor="t" anchorCtr="0">
             <a:noAutofit/>
           </a:bodyPr>
           <a:lstStyle/>
@@ -1965,14 +2248,16 @@
               </a:spcBef>
               <a:buNone/>
             </a:pPr>
-            <a:r>
-              <a:t/>
-            </a:r>
             <a:endParaRPr/>
           </a:p>
         </p:txBody>
       </p:sp>
     </p:spTree>
+    <p:extLst>
+      <p:ext uri="{BB962C8B-B14F-4D97-AF65-F5344CB8AC3E}">
+        <p14:creationId xmlns:p14="http://schemas.microsoft.com/office/powerpoint/2010/main" val="1859699839"/>
+      </p:ext>
+    </p:extLst>
   </p:cSld>
   <p:clrMapOvr>
     <a:masterClrMapping/>
@@ -1981,11 +2266,11 @@
 </file>
 
 <file path=ppt/notesSlides/notesSlide3.xml><?xml version="1.0" encoding="utf-8"?>
-<p:notes xmlns:a="http://schemas.openxmlformats.org/drawingml/2006/main" xmlns:r="http://schemas.openxmlformats.org/officeDocument/2006/relationships" xmlns:mc="http://schemas.openxmlformats.org/markup-compatibility/2006" xmlns:mv="urn:schemas-microsoft-com:mac:vml" xmlns:p="http://schemas.openxmlformats.org/presentationml/2006/main" xmlns:c="http://schemas.openxmlformats.org/drawingml/2006/chart" xmlns:dgm="http://schemas.openxmlformats.org/drawingml/2006/diagram" xmlns:o="urn:schemas-microsoft-com:office:office" xmlns:v="urn:schemas-microsoft-com:vml" xmlns:pvml="urn:schemas-microsoft-com:office:powerpoint" xmlns:com="http://schemas.openxmlformats.org/drawingml/2006/compatibility" xmlns:p14="http://schemas.microsoft.com/office/powerpoint/2010/main" showMasterPhAnim="0" showMasterSp="0">
+<p:notes xmlns:a="http://schemas.openxmlformats.org/drawingml/2006/main" xmlns:r="http://schemas.openxmlformats.org/officeDocument/2006/relationships" xmlns:p="http://schemas.openxmlformats.org/presentationml/2006/main" showMasterSp="0" showMasterPhAnim="0">
   <p:cSld>
     <p:spTree>
       <p:nvGrpSpPr>
-        <p:cNvPr id="78" name="Shape 78"/>
+        <p:cNvPr id="1" name="Shape 78"/>
         <p:cNvGrpSpPr/>
         <p:nvPr/>
       </p:nvGrpSpPr>
@@ -2000,19 +2285,26 @@
       <p:sp>
         <p:nvSpPr>
           <p:cNvPr id="79" name="Shape 79"/>
-          <p:cNvSpPr/>
+          <p:cNvSpPr>
+            <a:spLocks noGrp="1" noRot="1" noChangeAspect="1"/>
+          </p:cNvSpPr>
           <p:nvPr>
-            <p:ph idx="2" type="sldImg"/>
+            <p:ph type="sldImg" idx="2"/>
           </p:nvPr>
         </p:nvSpPr>
         <p:spPr>
           <a:xfrm>
-            <a:off x="381300" y="685800"/>
+            <a:off x="381000" y="685800"/>
             <a:ext cx="6096000" cy="3429000"/>
           </a:xfrm>
           <a:custGeom>
+            <a:avLst/>
+            <a:gdLst/>
+            <a:ahLst/>
+            <a:cxnLst/>
+            <a:rect l="0" t="0" r="0" b="0"/>
             <a:pathLst>
-              <a:path extrusionOk="0" h="120000" w="120000">
+              <a:path w="120000" h="120000" extrusionOk="0">
                 <a:moveTo>
                   <a:pt x="0" y="0"/>
                 </a:moveTo>
@@ -2030,23 +2322,25 @@
             </a:pathLst>
           </a:custGeom>
           <a:noFill/>
-          <a:ln cap="flat" cmpd="sng" w="9525">
+          <a:ln w="9525" cap="flat" cmpd="sng">
             <a:solidFill>
               <a:srgbClr val="000000"/>
             </a:solidFill>
             <a:prstDash val="solid"/>
             <a:round/>
-            <a:headEnd len="med" w="med" type="none"/>
-            <a:tailEnd len="med" w="med" type="none"/>
+            <a:headEnd type="none" w="med" len="med"/>
+            <a:tailEnd type="none" w="med" len="med"/>
           </a:ln>
         </p:spPr>
       </p:sp>
       <p:sp>
         <p:nvSpPr>
           <p:cNvPr id="80" name="Shape 80"/>
-          <p:cNvSpPr txBox="1"/>
+          <p:cNvSpPr txBox="1">
+            <a:spLocks noGrp="1"/>
+          </p:cNvSpPr>
           <p:nvPr>
-            <p:ph idx="1" type="body"/>
+            <p:ph type="body" idx="1"/>
           </p:nvPr>
         </p:nvSpPr>
         <p:spPr>
@@ -2059,7 +2353,7 @@
           </a:prstGeom>
         </p:spPr>
         <p:txBody>
-          <a:bodyPr anchorCtr="0" anchor="t" bIns="91425" lIns="91425" rIns="91425" tIns="91425">
+          <a:bodyPr lIns="91425" tIns="91425" rIns="91425" bIns="91425" anchor="t" anchorCtr="0">
             <a:noAutofit/>
           </a:bodyPr>
           <a:lstStyle/>
@@ -2070,14 +2364,16 @@
               </a:spcBef>
               <a:buNone/>
             </a:pPr>
-            <a:r>
-              <a:t/>
-            </a:r>
             <a:endParaRPr/>
           </a:p>
         </p:txBody>
       </p:sp>
     </p:spTree>
+    <p:extLst>
+      <p:ext uri="{BB962C8B-B14F-4D97-AF65-F5344CB8AC3E}">
+        <p14:creationId xmlns:p14="http://schemas.microsoft.com/office/powerpoint/2010/main" val="3625389616"/>
+      </p:ext>
+    </p:extLst>
   </p:cSld>
   <p:clrMapOvr>
     <a:masterClrMapping/>
@@ -2086,11 +2382,11 @@
 </file>
 
 <file path=ppt/notesSlides/notesSlide4.xml><?xml version="1.0" encoding="utf-8"?>
-<p:notes xmlns:a="http://schemas.openxmlformats.org/drawingml/2006/main" xmlns:r="http://schemas.openxmlformats.org/officeDocument/2006/relationships" xmlns:mc="http://schemas.openxmlformats.org/markup-compatibility/2006" xmlns:mv="urn:schemas-microsoft-com:mac:vml" xmlns:p="http://schemas.openxmlformats.org/presentationml/2006/main" xmlns:c="http://schemas.openxmlformats.org/drawingml/2006/chart" xmlns:dgm="http://schemas.openxmlformats.org/drawingml/2006/diagram" xmlns:o="urn:schemas-microsoft-com:office:office" xmlns:v="urn:schemas-microsoft-com:vml" xmlns:pvml="urn:schemas-microsoft-com:office:powerpoint" xmlns:com="http://schemas.openxmlformats.org/drawingml/2006/compatibility" xmlns:p14="http://schemas.microsoft.com/office/powerpoint/2010/main" showMasterPhAnim="0" showMasterSp="0">
+<p:notes xmlns:a="http://schemas.openxmlformats.org/drawingml/2006/main" xmlns:r="http://schemas.openxmlformats.org/officeDocument/2006/relationships" xmlns:p="http://schemas.openxmlformats.org/presentationml/2006/main" showMasterSp="0" showMasterPhAnim="0">
   <p:cSld>
     <p:spTree>
       <p:nvGrpSpPr>
-        <p:cNvPr id="86" name="Shape 86"/>
+        <p:cNvPr id="1" name="Shape 86"/>
         <p:cNvGrpSpPr/>
         <p:nvPr/>
       </p:nvGrpSpPr>
@@ -2105,19 +2401,26 @@
       <p:sp>
         <p:nvSpPr>
           <p:cNvPr id="87" name="Shape 87"/>
-          <p:cNvSpPr/>
+          <p:cNvSpPr>
+            <a:spLocks noGrp="1" noRot="1" noChangeAspect="1"/>
+          </p:cNvSpPr>
           <p:nvPr>
-            <p:ph idx="2" type="sldImg"/>
+            <p:ph type="sldImg" idx="2"/>
           </p:nvPr>
         </p:nvSpPr>
         <p:spPr>
           <a:xfrm>
-            <a:off x="381300" y="685800"/>
+            <a:off x="381000" y="685800"/>
             <a:ext cx="6096000" cy="3429000"/>
           </a:xfrm>
           <a:custGeom>
+            <a:avLst/>
+            <a:gdLst/>
+            <a:ahLst/>
+            <a:cxnLst/>
+            <a:rect l="0" t="0" r="0" b="0"/>
             <a:pathLst>
-              <a:path extrusionOk="0" h="120000" w="120000">
+              <a:path w="120000" h="120000" extrusionOk="0">
                 <a:moveTo>
                   <a:pt x="0" y="0"/>
                 </a:moveTo>
@@ -2135,23 +2438,25 @@
             </a:pathLst>
           </a:custGeom>
           <a:noFill/>
-          <a:ln cap="flat" cmpd="sng" w="9525">
+          <a:ln w="9525" cap="flat" cmpd="sng">
             <a:solidFill>
               <a:srgbClr val="000000"/>
             </a:solidFill>
             <a:prstDash val="solid"/>
             <a:round/>
-            <a:headEnd len="med" w="med" type="none"/>
-            <a:tailEnd len="med" w="med" type="none"/>
+            <a:headEnd type="none" w="med" len="med"/>
+            <a:tailEnd type="none" w="med" len="med"/>
           </a:ln>
         </p:spPr>
       </p:sp>
       <p:sp>
         <p:nvSpPr>
           <p:cNvPr id="88" name="Shape 88"/>
-          <p:cNvSpPr txBox="1"/>
+          <p:cNvSpPr txBox="1">
+            <a:spLocks noGrp="1"/>
+          </p:cNvSpPr>
           <p:nvPr>
-            <p:ph idx="1" type="body"/>
+            <p:ph type="body" idx="1"/>
           </p:nvPr>
         </p:nvSpPr>
         <p:spPr>
@@ -2164,7 +2469,7 @@
           </a:prstGeom>
         </p:spPr>
         <p:txBody>
-          <a:bodyPr anchorCtr="0" anchor="t" bIns="91425" lIns="91425" rIns="91425" tIns="91425">
+          <a:bodyPr lIns="91425" tIns="91425" rIns="91425" bIns="91425" anchor="t" anchorCtr="0">
             <a:noAutofit/>
           </a:bodyPr>
           <a:lstStyle/>
@@ -2175,14 +2480,16 @@
               </a:spcBef>
               <a:buNone/>
             </a:pPr>
-            <a:r>
-              <a:t/>
-            </a:r>
             <a:endParaRPr/>
           </a:p>
         </p:txBody>
       </p:sp>
     </p:spTree>
+    <p:extLst>
+      <p:ext uri="{BB962C8B-B14F-4D97-AF65-F5344CB8AC3E}">
+        <p14:creationId xmlns:p14="http://schemas.microsoft.com/office/powerpoint/2010/main" val="2343441729"/>
+      </p:ext>
+    </p:extLst>
   </p:cSld>
   <p:clrMapOvr>
     <a:masterClrMapping/>
@@ -2191,11 +2498,11 @@
 </file>
 
 <file path=ppt/notesSlides/notesSlide5.xml><?xml version="1.0" encoding="utf-8"?>
-<p:notes xmlns:a="http://schemas.openxmlformats.org/drawingml/2006/main" xmlns:r="http://schemas.openxmlformats.org/officeDocument/2006/relationships" xmlns:mc="http://schemas.openxmlformats.org/markup-compatibility/2006" xmlns:mv="urn:schemas-microsoft-com:mac:vml" xmlns:p="http://schemas.openxmlformats.org/presentationml/2006/main" xmlns:c="http://schemas.openxmlformats.org/drawingml/2006/chart" xmlns:dgm="http://schemas.openxmlformats.org/drawingml/2006/diagram" xmlns:o="urn:schemas-microsoft-com:office:office" xmlns:v="urn:schemas-microsoft-com:vml" xmlns:pvml="urn:schemas-microsoft-com:office:powerpoint" xmlns:com="http://schemas.openxmlformats.org/drawingml/2006/compatibility" xmlns:p14="http://schemas.microsoft.com/office/powerpoint/2010/main" showMasterPhAnim="0" showMasterSp="0">
+<p:notes xmlns:a="http://schemas.openxmlformats.org/drawingml/2006/main" xmlns:r="http://schemas.openxmlformats.org/officeDocument/2006/relationships" xmlns:p="http://schemas.openxmlformats.org/presentationml/2006/main" showMasterSp="0" showMasterPhAnim="0">
   <p:cSld>
     <p:spTree>
       <p:nvGrpSpPr>
-        <p:cNvPr id="93" name="Shape 93"/>
+        <p:cNvPr id="1" name="Shape 93"/>
         <p:cNvGrpSpPr/>
         <p:nvPr/>
       </p:nvGrpSpPr>
@@ -2210,19 +2517,26 @@
       <p:sp>
         <p:nvSpPr>
           <p:cNvPr id="94" name="Shape 94"/>
-          <p:cNvSpPr/>
+          <p:cNvSpPr>
+            <a:spLocks noGrp="1" noRot="1" noChangeAspect="1"/>
+          </p:cNvSpPr>
           <p:nvPr>
-            <p:ph idx="2" type="sldImg"/>
+            <p:ph type="sldImg" idx="2"/>
           </p:nvPr>
         </p:nvSpPr>
         <p:spPr>
           <a:xfrm>
-            <a:off x="381300" y="685800"/>
+            <a:off x="381000" y="685800"/>
             <a:ext cx="6096000" cy="3429000"/>
           </a:xfrm>
           <a:custGeom>
+            <a:avLst/>
+            <a:gdLst/>
+            <a:ahLst/>
+            <a:cxnLst/>
+            <a:rect l="0" t="0" r="0" b="0"/>
             <a:pathLst>
-              <a:path extrusionOk="0" h="120000" w="120000">
+              <a:path w="120000" h="120000" extrusionOk="0">
                 <a:moveTo>
                   <a:pt x="0" y="0"/>
                 </a:moveTo>
@@ -2240,23 +2554,25 @@
             </a:pathLst>
           </a:custGeom>
           <a:noFill/>
-          <a:ln cap="flat" cmpd="sng" w="9525">
+          <a:ln w="9525" cap="flat" cmpd="sng">
             <a:solidFill>
               <a:srgbClr val="000000"/>
             </a:solidFill>
             <a:prstDash val="solid"/>
             <a:round/>
-            <a:headEnd len="med" w="med" type="none"/>
-            <a:tailEnd len="med" w="med" type="none"/>
+            <a:headEnd type="none" w="med" len="med"/>
+            <a:tailEnd type="none" w="med" len="med"/>
           </a:ln>
         </p:spPr>
       </p:sp>
       <p:sp>
         <p:nvSpPr>
           <p:cNvPr id="95" name="Shape 95"/>
-          <p:cNvSpPr txBox="1"/>
+          <p:cNvSpPr txBox="1">
+            <a:spLocks noGrp="1"/>
+          </p:cNvSpPr>
           <p:nvPr>
-            <p:ph idx="1" type="body"/>
+            <p:ph type="body" idx="1"/>
           </p:nvPr>
         </p:nvSpPr>
         <p:spPr>
@@ -2269,7 +2585,7 @@
           </a:prstGeom>
         </p:spPr>
         <p:txBody>
-          <a:bodyPr anchorCtr="0" anchor="t" bIns="91425" lIns="91425" rIns="91425" tIns="91425">
+          <a:bodyPr lIns="91425" tIns="91425" rIns="91425" bIns="91425" anchor="t" anchorCtr="0">
             <a:noAutofit/>
           </a:bodyPr>
           <a:lstStyle/>
@@ -2280,14 +2596,16 @@
               </a:spcBef>
               <a:buNone/>
             </a:pPr>
-            <a:r>
-              <a:t/>
-            </a:r>
             <a:endParaRPr/>
           </a:p>
         </p:txBody>
       </p:sp>
     </p:spTree>
+    <p:extLst>
+      <p:ext uri="{BB962C8B-B14F-4D97-AF65-F5344CB8AC3E}">
+        <p14:creationId xmlns:p14="http://schemas.microsoft.com/office/powerpoint/2010/main" val="2648864952"/>
+      </p:ext>
+    </p:extLst>
   </p:cSld>
   <p:clrMapOvr>
     <a:masterClrMapping/>
@@ -2296,11 +2614,11 @@
 </file>
 
 <file path=ppt/notesSlides/notesSlide6.xml><?xml version="1.0" encoding="utf-8"?>
-<p:notes xmlns:a="http://schemas.openxmlformats.org/drawingml/2006/main" xmlns:r="http://schemas.openxmlformats.org/officeDocument/2006/relationships" xmlns:mc="http://schemas.openxmlformats.org/markup-compatibility/2006" xmlns:mv="urn:schemas-microsoft-com:mac:vml" xmlns:p="http://schemas.openxmlformats.org/presentationml/2006/main" xmlns:c="http://schemas.openxmlformats.org/drawingml/2006/chart" xmlns:dgm="http://schemas.openxmlformats.org/drawingml/2006/diagram" xmlns:o="urn:schemas-microsoft-com:office:office" xmlns:v="urn:schemas-microsoft-com:vml" xmlns:pvml="urn:schemas-microsoft-com:office:powerpoint" xmlns:com="http://schemas.openxmlformats.org/drawingml/2006/compatibility" xmlns:p14="http://schemas.microsoft.com/office/powerpoint/2010/main" showMasterPhAnim="0" showMasterSp="0">
+<p:notes xmlns:a="http://schemas.openxmlformats.org/drawingml/2006/main" xmlns:r="http://schemas.openxmlformats.org/officeDocument/2006/relationships" xmlns:p="http://schemas.openxmlformats.org/presentationml/2006/main" showMasterSp="0" showMasterPhAnim="0">
   <p:cSld>
     <p:spTree>
       <p:nvGrpSpPr>
-        <p:cNvPr id="106" name="Shape 106"/>
+        <p:cNvPr id="1" name="Shape 106"/>
         <p:cNvGrpSpPr/>
         <p:nvPr/>
       </p:nvGrpSpPr>
@@ -2315,19 +2633,26 @@
       <p:sp>
         <p:nvSpPr>
           <p:cNvPr id="107" name="Shape 107"/>
-          <p:cNvSpPr/>
+          <p:cNvSpPr>
+            <a:spLocks noGrp="1" noRot="1" noChangeAspect="1"/>
+          </p:cNvSpPr>
           <p:nvPr>
-            <p:ph idx="2" type="sldImg"/>
+            <p:ph type="sldImg" idx="2"/>
           </p:nvPr>
         </p:nvSpPr>
         <p:spPr>
           <a:xfrm>
-            <a:off x="381300" y="685800"/>
+            <a:off x="381000" y="685800"/>
             <a:ext cx="6096000" cy="3429000"/>
           </a:xfrm>
           <a:custGeom>
+            <a:avLst/>
+            <a:gdLst/>
+            <a:ahLst/>
+            <a:cxnLst/>
+            <a:rect l="0" t="0" r="0" b="0"/>
             <a:pathLst>
-              <a:path extrusionOk="0" h="120000" w="120000">
+              <a:path w="120000" h="120000" extrusionOk="0">
                 <a:moveTo>
                   <a:pt x="0" y="0"/>
                 </a:moveTo>
@@ -2345,23 +2670,25 @@
             </a:pathLst>
           </a:custGeom>
           <a:noFill/>
-          <a:ln cap="flat" cmpd="sng" w="9525">
+          <a:ln w="9525" cap="flat" cmpd="sng">
             <a:solidFill>
               <a:srgbClr val="000000"/>
             </a:solidFill>
             <a:prstDash val="solid"/>
             <a:round/>
-            <a:headEnd len="med" w="med" type="none"/>
-            <a:tailEnd len="med" w="med" type="none"/>
+            <a:headEnd type="none" w="med" len="med"/>
+            <a:tailEnd type="none" w="med" len="med"/>
           </a:ln>
         </p:spPr>
       </p:sp>
       <p:sp>
         <p:nvSpPr>
           <p:cNvPr id="108" name="Shape 108"/>
-          <p:cNvSpPr txBox="1"/>
+          <p:cNvSpPr txBox="1">
+            <a:spLocks noGrp="1"/>
+          </p:cNvSpPr>
           <p:nvPr>
-            <p:ph idx="1" type="body"/>
+            <p:ph type="body" idx="1"/>
           </p:nvPr>
         </p:nvSpPr>
         <p:spPr>
@@ -2374,7 +2701,7 @@
           </a:prstGeom>
         </p:spPr>
         <p:txBody>
-          <a:bodyPr anchorCtr="0" anchor="t" bIns="91425" lIns="91425" rIns="91425" tIns="91425">
+          <a:bodyPr lIns="91425" tIns="91425" rIns="91425" bIns="91425" anchor="t" anchorCtr="0">
             <a:noAutofit/>
           </a:bodyPr>
           <a:lstStyle/>
@@ -2385,14 +2712,16 @@
               </a:spcBef>
               <a:buNone/>
             </a:pPr>
-            <a:r>
-              <a:t/>
-            </a:r>
             <a:endParaRPr/>
           </a:p>
         </p:txBody>
       </p:sp>
     </p:spTree>
+    <p:extLst>
+      <p:ext uri="{BB962C8B-B14F-4D97-AF65-F5344CB8AC3E}">
+        <p14:creationId xmlns:p14="http://schemas.microsoft.com/office/powerpoint/2010/main" val="3847894371"/>
+      </p:ext>
+    </p:extLst>
   </p:cSld>
   <p:clrMapOvr>
     <a:masterClrMapping/>
@@ -2401,11 +2730,11 @@
 </file>
 
 <file path=ppt/notesSlides/notesSlide7.xml><?xml version="1.0" encoding="utf-8"?>
-<p:notes xmlns:a="http://schemas.openxmlformats.org/drawingml/2006/main" xmlns:r="http://schemas.openxmlformats.org/officeDocument/2006/relationships" xmlns:mc="http://schemas.openxmlformats.org/markup-compatibility/2006" xmlns:mv="urn:schemas-microsoft-com:mac:vml" xmlns:p="http://schemas.openxmlformats.org/presentationml/2006/main" xmlns:c="http://schemas.openxmlformats.org/drawingml/2006/chart" xmlns:dgm="http://schemas.openxmlformats.org/drawingml/2006/diagram" xmlns:o="urn:schemas-microsoft-com:office:office" xmlns:v="urn:schemas-microsoft-com:vml" xmlns:pvml="urn:schemas-microsoft-com:office:powerpoint" xmlns:com="http://schemas.openxmlformats.org/drawingml/2006/compatibility" xmlns:p14="http://schemas.microsoft.com/office/powerpoint/2010/main" showMasterPhAnim="0" showMasterSp="0">
+<p:notes xmlns:a="http://schemas.openxmlformats.org/drawingml/2006/main" xmlns:r="http://schemas.openxmlformats.org/officeDocument/2006/relationships" xmlns:p="http://schemas.openxmlformats.org/presentationml/2006/main" showMasterSp="0" showMasterPhAnim="0">
   <p:cSld>
     <p:spTree>
       <p:nvGrpSpPr>
-        <p:cNvPr id="113" name="Shape 113"/>
+        <p:cNvPr id="1" name="Shape 113"/>
         <p:cNvGrpSpPr/>
         <p:nvPr/>
       </p:nvGrpSpPr>
@@ -2420,19 +2749,26 @@
       <p:sp>
         <p:nvSpPr>
           <p:cNvPr id="114" name="Shape 114"/>
-          <p:cNvSpPr/>
+          <p:cNvSpPr>
+            <a:spLocks noGrp="1" noRot="1" noChangeAspect="1"/>
+          </p:cNvSpPr>
           <p:nvPr>
-            <p:ph idx="2" type="sldImg"/>
+            <p:ph type="sldImg" idx="2"/>
           </p:nvPr>
         </p:nvSpPr>
         <p:spPr>
           <a:xfrm>
-            <a:off x="381300" y="685800"/>
+            <a:off x="381000" y="685800"/>
             <a:ext cx="6096000" cy="3429000"/>
           </a:xfrm>
           <a:custGeom>
+            <a:avLst/>
+            <a:gdLst/>
+            <a:ahLst/>
+            <a:cxnLst/>
+            <a:rect l="0" t="0" r="0" b="0"/>
             <a:pathLst>
-              <a:path extrusionOk="0" h="120000" w="120000">
+              <a:path w="120000" h="120000" extrusionOk="0">
                 <a:moveTo>
                   <a:pt x="0" y="0"/>
                 </a:moveTo>
@@ -2450,23 +2786,25 @@
             </a:pathLst>
           </a:custGeom>
           <a:noFill/>
-          <a:ln cap="flat" cmpd="sng" w="9525">
+          <a:ln w="9525" cap="flat" cmpd="sng">
             <a:solidFill>
               <a:srgbClr val="000000"/>
             </a:solidFill>
             <a:prstDash val="solid"/>
             <a:round/>
-            <a:headEnd len="med" w="med" type="none"/>
-            <a:tailEnd len="med" w="med" type="none"/>
+            <a:headEnd type="none" w="med" len="med"/>
+            <a:tailEnd type="none" w="med" len="med"/>
           </a:ln>
         </p:spPr>
       </p:sp>
       <p:sp>
         <p:nvSpPr>
           <p:cNvPr id="115" name="Shape 115"/>
-          <p:cNvSpPr txBox="1"/>
+          <p:cNvSpPr txBox="1">
+            <a:spLocks noGrp="1"/>
+          </p:cNvSpPr>
           <p:nvPr>
-            <p:ph idx="1" type="body"/>
+            <p:ph type="body" idx="1"/>
           </p:nvPr>
         </p:nvSpPr>
         <p:spPr>
@@ -2479,7 +2817,7 @@
           </a:prstGeom>
         </p:spPr>
         <p:txBody>
-          <a:bodyPr anchorCtr="0" anchor="t" bIns="91425" lIns="91425" rIns="91425" tIns="91425">
+          <a:bodyPr lIns="91425" tIns="91425" rIns="91425" bIns="91425" anchor="t" anchorCtr="0">
             <a:noAutofit/>
           </a:bodyPr>
           <a:lstStyle/>
@@ -2490,14 +2828,16 @@
               </a:spcBef>
               <a:buNone/>
             </a:pPr>
-            <a:r>
-              <a:t/>
-            </a:r>
             <a:endParaRPr/>
           </a:p>
         </p:txBody>
       </p:sp>
     </p:spTree>
+    <p:extLst>
+      <p:ext uri="{BB962C8B-B14F-4D97-AF65-F5344CB8AC3E}">
+        <p14:creationId xmlns:p14="http://schemas.microsoft.com/office/powerpoint/2010/main" val="787774947"/>
+      </p:ext>
+    </p:extLst>
   </p:cSld>
   <p:clrMapOvr>
     <a:masterClrMapping/>
@@ -2506,11 +2846,11 @@
 </file>
 
 <file path=ppt/notesSlides/notesSlide8.xml><?xml version="1.0" encoding="utf-8"?>
-<p:notes xmlns:a="http://schemas.openxmlformats.org/drawingml/2006/main" xmlns:r="http://schemas.openxmlformats.org/officeDocument/2006/relationships" xmlns:mc="http://schemas.openxmlformats.org/markup-compatibility/2006" xmlns:mv="urn:schemas-microsoft-com:mac:vml" xmlns:p="http://schemas.openxmlformats.org/presentationml/2006/main" xmlns:c="http://schemas.openxmlformats.org/drawingml/2006/chart" xmlns:dgm="http://schemas.openxmlformats.org/drawingml/2006/diagram" xmlns:o="urn:schemas-microsoft-com:office:office" xmlns:v="urn:schemas-microsoft-com:vml" xmlns:pvml="urn:schemas-microsoft-com:office:powerpoint" xmlns:com="http://schemas.openxmlformats.org/drawingml/2006/compatibility" xmlns:p14="http://schemas.microsoft.com/office/powerpoint/2010/main" showMasterPhAnim="0" showMasterSp="0">
+<p:notes xmlns:a="http://schemas.openxmlformats.org/drawingml/2006/main" xmlns:r="http://schemas.openxmlformats.org/officeDocument/2006/relationships" xmlns:p="http://schemas.openxmlformats.org/presentationml/2006/main" showMasterSp="0" showMasterPhAnim="0">
   <p:cSld>
     <p:spTree>
       <p:nvGrpSpPr>
-        <p:cNvPr id="121" name="Shape 121"/>
+        <p:cNvPr id="1" name="Shape 121"/>
         <p:cNvGrpSpPr/>
         <p:nvPr/>
       </p:nvGrpSpPr>
@@ -2525,19 +2865,26 @@
       <p:sp>
         <p:nvSpPr>
           <p:cNvPr id="122" name="Shape 122"/>
-          <p:cNvSpPr/>
+          <p:cNvSpPr>
+            <a:spLocks noGrp="1" noRot="1" noChangeAspect="1"/>
+          </p:cNvSpPr>
           <p:nvPr>
-            <p:ph idx="2" type="sldImg"/>
+            <p:ph type="sldImg" idx="2"/>
           </p:nvPr>
         </p:nvSpPr>
         <p:spPr>
           <a:xfrm>
-            <a:off x="381300" y="685800"/>
+            <a:off x="381000" y="685800"/>
             <a:ext cx="6096000" cy="3429000"/>
           </a:xfrm>
           <a:custGeom>
+            <a:avLst/>
+            <a:gdLst/>
+            <a:ahLst/>
+            <a:cxnLst/>
+            <a:rect l="0" t="0" r="0" b="0"/>
             <a:pathLst>
-              <a:path extrusionOk="0" h="120000" w="120000">
+              <a:path w="120000" h="120000" extrusionOk="0">
                 <a:moveTo>
                   <a:pt x="0" y="0"/>
                 </a:moveTo>
@@ -2555,23 +2902,25 @@
             </a:pathLst>
           </a:custGeom>
           <a:noFill/>
-          <a:ln cap="flat" cmpd="sng" w="9525">
+          <a:ln w="9525" cap="flat" cmpd="sng">
             <a:solidFill>
               <a:srgbClr val="000000"/>
             </a:solidFill>
             <a:prstDash val="solid"/>
             <a:round/>
-            <a:headEnd len="med" w="med" type="none"/>
-            <a:tailEnd len="med" w="med" type="none"/>
+            <a:headEnd type="none" w="med" len="med"/>
+            <a:tailEnd type="none" w="med" len="med"/>
           </a:ln>
         </p:spPr>
       </p:sp>
       <p:sp>
         <p:nvSpPr>
           <p:cNvPr id="123" name="Shape 123"/>
-          <p:cNvSpPr txBox="1"/>
+          <p:cNvSpPr txBox="1">
+            <a:spLocks noGrp="1"/>
+          </p:cNvSpPr>
           <p:nvPr>
-            <p:ph idx="1" type="body"/>
+            <p:ph type="body" idx="1"/>
           </p:nvPr>
         </p:nvSpPr>
         <p:spPr>
@@ -2584,7 +2933,7 @@
           </a:prstGeom>
         </p:spPr>
         <p:txBody>
-          <a:bodyPr anchorCtr="0" anchor="t" bIns="91425" lIns="91425" rIns="91425" tIns="91425">
+          <a:bodyPr lIns="91425" tIns="91425" rIns="91425" bIns="91425" anchor="t" anchorCtr="0">
             <a:noAutofit/>
           </a:bodyPr>
           <a:lstStyle/>
@@ -2595,14 +2944,16 @@
               </a:spcBef>
               <a:buNone/>
             </a:pPr>
-            <a:r>
-              <a:t/>
-            </a:r>
             <a:endParaRPr/>
           </a:p>
         </p:txBody>
       </p:sp>
     </p:spTree>
+    <p:extLst>
+      <p:ext uri="{BB962C8B-B14F-4D97-AF65-F5344CB8AC3E}">
+        <p14:creationId xmlns:p14="http://schemas.microsoft.com/office/powerpoint/2010/main" val="774726419"/>
+      </p:ext>
+    </p:extLst>
   </p:cSld>
   <p:clrMapOvr>
     <a:masterClrMapping/>
@@ -2611,11 +2962,11 @@
 </file>
 
 <file path=ppt/notesSlides/notesSlide9.xml><?xml version="1.0" encoding="utf-8"?>
-<p:notes xmlns:a="http://schemas.openxmlformats.org/drawingml/2006/main" xmlns:r="http://schemas.openxmlformats.org/officeDocument/2006/relationships" xmlns:mc="http://schemas.openxmlformats.org/markup-compatibility/2006" xmlns:mv="urn:schemas-microsoft-com:mac:vml" xmlns:p="http://schemas.openxmlformats.org/presentationml/2006/main" xmlns:c="http://schemas.openxmlformats.org/drawingml/2006/chart" xmlns:dgm="http://schemas.openxmlformats.org/drawingml/2006/diagram" xmlns:o="urn:schemas-microsoft-com:office:office" xmlns:v="urn:schemas-microsoft-com:vml" xmlns:pvml="urn:schemas-microsoft-com:office:powerpoint" xmlns:com="http://schemas.openxmlformats.org/drawingml/2006/compatibility" xmlns:p14="http://schemas.microsoft.com/office/powerpoint/2010/main" showMasterPhAnim="0" showMasterSp="0">
+<p:notes xmlns:a="http://schemas.openxmlformats.org/drawingml/2006/main" xmlns:r="http://schemas.openxmlformats.org/officeDocument/2006/relationships" xmlns:p="http://schemas.openxmlformats.org/presentationml/2006/main" showMasterSp="0" showMasterPhAnim="0">
   <p:cSld>
     <p:spTree>
       <p:nvGrpSpPr>
-        <p:cNvPr id="129" name="Shape 129"/>
+        <p:cNvPr id="1" name="Shape 129"/>
         <p:cNvGrpSpPr/>
         <p:nvPr/>
       </p:nvGrpSpPr>
@@ -2630,19 +2981,26 @@
       <p:sp>
         <p:nvSpPr>
           <p:cNvPr id="130" name="Shape 130"/>
-          <p:cNvSpPr/>
+          <p:cNvSpPr>
+            <a:spLocks noGrp="1" noRot="1" noChangeAspect="1"/>
+          </p:cNvSpPr>
           <p:nvPr>
-            <p:ph idx="2" type="sldImg"/>
+            <p:ph type="sldImg" idx="2"/>
           </p:nvPr>
         </p:nvSpPr>
         <p:spPr>
           <a:xfrm>
-            <a:off x="381300" y="685800"/>
+            <a:off x="381000" y="685800"/>
             <a:ext cx="6096000" cy="3429000"/>
           </a:xfrm>
           <a:custGeom>
+            <a:avLst/>
+            <a:gdLst/>
+            <a:ahLst/>
+            <a:cxnLst/>
+            <a:rect l="0" t="0" r="0" b="0"/>
             <a:pathLst>
-              <a:path extrusionOk="0" h="120000" w="120000">
+              <a:path w="120000" h="120000" extrusionOk="0">
                 <a:moveTo>
                   <a:pt x="0" y="0"/>
                 </a:moveTo>
@@ -2660,23 +3018,25 @@
             </a:pathLst>
           </a:custGeom>
           <a:noFill/>
-          <a:ln cap="flat" cmpd="sng" w="9525">
+          <a:ln w="9525" cap="flat" cmpd="sng">
             <a:solidFill>
               <a:srgbClr val="000000"/>
             </a:solidFill>
             <a:prstDash val="solid"/>
             <a:round/>
-            <a:headEnd len="med" w="med" type="none"/>
-            <a:tailEnd len="med" w="med" type="none"/>
+            <a:headEnd type="none" w="med" len="med"/>
+            <a:tailEnd type="none" w="med" len="med"/>
           </a:ln>
         </p:spPr>
       </p:sp>
       <p:sp>
         <p:nvSpPr>
           <p:cNvPr id="131" name="Shape 131"/>
-          <p:cNvSpPr txBox="1"/>
+          <p:cNvSpPr txBox="1">
+            <a:spLocks noGrp="1"/>
+          </p:cNvSpPr>
           <p:nvPr>
-            <p:ph idx="1" type="body"/>
+            <p:ph type="body" idx="1"/>
           </p:nvPr>
         </p:nvSpPr>
         <p:spPr>
@@ -2689,7 +3049,7 @@
           </a:prstGeom>
         </p:spPr>
         <p:txBody>
-          <a:bodyPr anchorCtr="0" anchor="t" bIns="91425" lIns="91425" rIns="91425" tIns="91425">
+          <a:bodyPr lIns="91425" tIns="91425" rIns="91425" bIns="91425" anchor="t" anchorCtr="0">
             <a:noAutofit/>
           </a:bodyPr>
           <a:lstStyle/>
@@ -2700,14 +3060,16 @@
               </a:spcBef>
               <a:buNone/>
             </a:pPr>
-            <a:r>
-              <a:t/>
-            </a:r>
             <a:endParaRPr/>
           </a:p>
         </p:txBody>
       </p:sp>
     </p:spTree>
+    <p:extLst>
+      <p:ext uri="{BB962C8B-B14F-4D97-AF65-F5344CB8AC3E}">
+        <p14:creationId xmlns:p14="http://schemas.microsoft.com/office/powerpoint/2010/main" val="1060800828"/>
+      </p:ext>
+    </p:extLst>
   </p:cSld>
   <p:clrMapOvr>
     <a:masterClrMapping/>
@@ -2716,11 +3078,11 @@
 </file>
 
 <file path=ppt/slideLayouts/slideLayout1.xml><?xml version="1.0" encoding="utf-8"?>
-<p:sldLayout xmlns:a="http://schemas.openxmlformats.org/drawingml/2006/main" xmlns:r="http://schemas.openxmlformats.org/officeDocument/2006/relationships" xmlns:mc="http://schemas.openxmlformats.org/markup-compatibility/2006" xmlns:mv="urn:schemas-microsoft-com:mac:vml" xmlns:p="http://schemas.openxmlformats.org/presentationml/2006/main" xmlns:c="http://schemas.openxmlformats.org/drawingml/2006/chart" xmlns:dgm="http://schemas.openxmlformats.org/drawingml/2006/diagram" xmlns:o="urn:schemas-microsoft-com:office:office" xmlns:v="urn:schemas-microsoft-com:vml" xmlns:pvml="urn:schemas-microsoft-com:office:powerpoint" xmlns:com="http://schemas.openxmlformats.org/drawingml/2006/compatibility" xmlns:p14="http://schemas.microsoft.com/office/powerpoint/2010/main" type="title">
+<p:sldLayout xmlns:a="http://schemas.openxmlformats.org/drawingml/2006/main" xmlns:r="http://schemas.openxmlformats.org/officeDocument/2006/relationships" xmlns:p="http://schemas.openxmlformats.org/presentationml/2006/main" type="title">
   <p:cSld name="Title slide">
     <p:spTree>
       <p:nvGrpSpPr>
-        <p:cNvPr id="8" name="Shape 8"/>
+        <p:cNvPr id="1" name="Shape 8"/>
         <p:cNvGrpSpPr/>
         <p:nvPr/>
       </p:nvGrpSpPr>
@@ -2754,7 +3116,7 @@
           </a:ln>
         </p:spPr>
         <p:txBody>
-          <a:bodyPr anchorCtr="0" anchor="ctr" bIns="91425" lIns="91425" rIns="91425" tIns="91425">
+          <a:bodyPr lIns="91425" tIns="91425" rIns="91425" bIns="91425" anchor="ctr" anchorCtr="0">
             <a:noAutofit/>
           </a:bodyPr>
           <a:lstStyle/>
@@ -2765,9 +3127,6 @@
               </a:spcBef>
               <a:buNone/>
             </a:pPr>
-            <a:r>
-              <a:t/>
-            </a:r>
             <a:endParaRPr/>
           </a:p>
         </p:txBody>
@@ -2785,7 +3144,7 @@
           </a:xfrm>
           <a:prstGeom prst="round1Rect">
             <a:avLst>
-              <a:gd fmla="val 16667" name="adj"/>
+              <a:gd name="adj" fmla="val 16667"/>
             </a:avLst>
           </a:prstGeom>
           <a:solidFill>
@@ -2798,7 +3157,7 @@
           </a:ln>
         </p:spPr>
         <p:txBody>
-          <a:bodyPr anchorCtr="0" anchor="ctr" bIns="91425" lIns="91425" rIns="91425" tIns="91425">
+          <a:bodyPr lIns="91425" tIns="91425" rIns="91425" bIns="91425" anchor="ctr" anchorCtr="0">
             <a:noAutofit/>
           </a:bodyPr>
           <a:lstStyle/>
@@ -2809,9 +3168,6 @@
               </a:spcBef>
               <a:buNone/>
             </a:pPr>
-            <a:r>
-              <a:t/>
-            </a:r>
             <a:endParaRPr/>
           </a:p>
         </p:txBody>
@@ -2819,7 +3175,9 @@
       <p:sp>
         <p:nvSpPr>
           <p:cNvPr id="11" name="Shape 11"/>
-          <p:cNvSpPr txBox="1"/>
+          <p:cNvSpPr txBox="1">
+            <a:spLocks noGrp="1"/>
+          </p:cNvSpPr>
           <p:nvPr>
             <p:ph type="ctrTitle"/>
           </p:nvPr>
@@ -2834,7 +3192,7 @@
           </a:prstGeom>
         </p:spPr>
         <p:txBody>
-          <a:bodyPr anchorCtr="0" anchor="b" bIns="91425" lIns="91425" rIns="91425" tIns="91425"/>
+          <a:bodyPr lIns="91425" tIns="91425" rIns="91425" bIns="91425" anchor="b" anchorCtr="0"/>
           <a:lstStyle>
             <a:lvl1pPr>
               <a:spcBef>
@@ -2900,15 +3258,19 @@
               <a:defRPr sz="4800"/>
             </a:lvl9pPr>
           </a:lstStyle>
-          <a:p/>
+          <a:p>
+            <a:endParaRPr/>
+          </a:p>
         </p:txBody>
       </p:sp>
       <p:sp>
         <p:nvSpPr>
           <p:cNvPr id="12" name="Shape 12"/>
-          <p:cNvSpPr txBox="1"/>
+          <p:cNvSpPr txBox="1">
+            <a:spLocks noGrp="1"/>
+          </p:cNvSpPr>
           <p:nvPr>
-            <p:ph idx="1" type="subTitle"/>
+            <p:ph type="subTitle" idx="1"/>
           </p:nvPr>
         </p:nvSpPr>
         <p:spPr>
@@ -2921,7 +3283,7 @@
           </a:prstGeom>
         </p:spPr>
         <p:txBody>
-          <a:bodyPr anchorCtr="0" anchor="t" bIns="91425" lIns="91425" rIns="91425" tIns="91425"/>
+          <a:bodyPr lIns="91425" tIns="91425" rIns="91425" bIns="91425" anchor="t" anchorCtr="0"/>
           <a:lstStyle>
             <a:lvl1pPr>
               <a:lnSpc>
@@ -3112,15 +3474,19 @@
               </a:defRPr>
             </a:lvl9pPr>
           </a:lstStyle>
-          <a:p/>
+          <a:p>
+            <a:endParaRPr/>
+          </a:p>
         </p:txBody>
       </p:sp>
       <p:sp>
         <p:nvSpPr>
           <p:cNvPr id="13" name="Shape 13"/>
-          <p:cNvSpPr txBox="1"/>
+          <p:cNvSpPr txBox="1">
+            <a:spLocks noGrp="1"/>
+          </p:cNvSpPr>
           <p:nvPr>
-            <p:ph idx="12" type="sldNum"/>
+            <p:ph type="sldNum" idx="12"/>
           </p:nvPr>
         </p:nvSpPr>
         <p:spPr>
@@ -3133,7 +3499,7 @@
           </a:prstGeom>
         </p:spPr>
         <p:txBody>
-          <a:bodyPr anchorCtr="0" anchor="ctr" bIns="91425" lIns="91425" rIns="91425" tIns="91425">
+          <a:bodyPr lIns="91425" tIns="91425" rIns="91425" bIns="91425" anchor="ctr" anchorCtr="0">
             <a:noAutofit/>
           </a:bodyPr>
           <a:lstStyle/>
@@ -3148,6 +3514,7 @@
               <a:rPr lang="ko"/>
               <a:t>‹#›</a:t>
             </a:fld>
+            <a:endParaRPr lang="ko"/>
           </a:p>
         </p:txBody>
       </p:sp>
@@ -3160,18 +3527,19 @@
 </file>
 
 <file path=ppt/slideLayouts/slideLayout10.xml><?xml version="1.0" encoding="utf-8"?>
-<p:sldLayout xmlns:a="http://schemas.openxmlformats.org/drawingml/2006/main" xmlns:r="http://schemas.openxmlformats.org/officeDocument/2006/relationships" xmlns:mc="http://schemas.openxmlformats.org/markup-compatibility/2006" xmlns:mv="urn:schemas-microsoft-com:mac:vml" xmlns:p="http://schemas.openxmlformats.org/presentationml/2006/main" xmlns:c="http://schemas.openxmlformats.org/drawingml/2006/chart" xmlns:dgm="http://schemas.openxmlformats.org/drawingml/2006/diagram" xmlns:o="urn:schemas-microsoft-com:office:office" xmlns:v="urn:schemas-microsoft-com:vml" xmlns:pvml="urn:schemas-microsoft-com:office:powerpoint" xmlns:com="http://schemas.openxmlformats.org/drawingml/2006/compatibility" xmlns:p14="http://schemas.microsoft.com/office/powerpoint/2010/main">
+<p:sldLayout xmlns:a="http://schemas.openxmlformats.org/drawingml/2006/main" xmlns:r="http://schemas.openxmlformats.org/officeDocument/2006/relationships" xmlns:p="http://schemas.openxmlformats.org/presentationml/2006/main">
   <p:cSld name="Big number">
     <p:bg>
       <p:bgPr>
         <a:solidFill>
           <a:schemeClr val="accent4"/>
         </a:solidFill>
+        <a:effectLst/>
       </p:bgPr>
     </p:bg>
     <p:spTree>
       <p:nvGrpSpPr>
-        <p:cNvPr id="56" name="Shape 56"/>
+        <p:cNvPr id="1" name="Shape 56"/>
         <p:cNvGrpSpPr/>
         <p:nvPr/>
       </p:nvGrpSpPr>
@@ -3186,7 +3554,9 @@
       <p:sp>
         <p:nvSpPr>
           <p:cNvPr id="57" name="Shape 57"/>
-          <p:cNvSpPr txBox="1"/>
+          <p:cNvSpPr txBox="1">
+            <a:spLocks noGrp="1"/>
+          </p:cNvSpPr>
           <p:nvPr>
             <p:ph type="title"/>
           </p:nvPr>
@@ -3201,7 +3571,7 @@
           </a:prstGeom>
         </p:spPr>
         <p:txBody>
-          <a:bodyPr anchorCtr="0" anchor="b" bIns="91425" lIns="91425" rIns="91425" tIns="91425"/>
+          <a:bodyPr lIns="91425" tIns="91425" rIns="91425" bIns="91425" anchor="b" anchorCtr="0"/>
           <a:lstStyle>
             <a:lvl1pPr algn="ctr">
               <a:spcBef>
@@ -3330,15 +3700,19 @@
               </a:defRPr>
             </a:lvl9pPr>
           </a:lstStyle>
-          <a:p/>
+          <a:p>
+            <a:endParaRPr/>
+          </a:p>
         </p:txBody>
       </p:sp>
       <p:sp>
         <p:nvSpPr>
           <p:cNvPr id="58" name="Shape 58"/>
-          <p:cNvSpPr txBox="1"/>
+          <p:cNvSpPr txBox="1">
+            <a:spLocks noGrp="1"/>
+          </p:cNvSpPr>
           <p:nvPr>
-            <p:ph idx="1" type="body"/>
+            <p:ph type="body" idx="1"/>
           </p:nvPr>
         </p:nvSpPr>
         <p:spPr>
@@ -3351,7 +3725,7 @@
           </a:prstGeom>
         </p:spPr>
         <p:txBody>
-          <a:bodyPr anchorCtr="0" anchor="t" bIns="91425" lIns="91425" rIns="91425" tIns="91425"/>
+          <a:bodyPr lIns="91425" tIns="91425" rIns="91425" bIns="91425" anchor="t" anchorCtr="0"/>
           <a:lstStyle>
             <a:lvl1pPr algn="ctr">
               <a:spcBef>
@@ -3408,15 +3782,19 @@
               <a:defRPr/>
             </a:lvl9pPr>
           </a:lstStyle>
-          <a:p/>
+          <a:p>
+            <a:endParaRPr/>
+          </a:p>
         </p:txBody>
       </p:sp>
       <p:sp>
         <p:nvSpPr>
           <p:cNvPr id="59" name="Shape 59"/>
-          <p:cNvSpPr txBox="1"/>
+          <p:cNvSpPr txBox="1">
+            <a:spLocks noGrp="1"/>
+          </p:cNvSpPr>
           <p:nvPr>
-            <p:ph idx="12" type="sldNum"/>
+            <p:ph type="sldNum" idx="12"/>
           </p:nvPr>
         </p:nvSpPr>
         <p:spPr>
@@ -3429,7 +3807,7 @@
           </a:prstGeom>
         </p:spPr>
         <p:txBody>
-          <a:bodyPr anchorCtr="0" anchor="ctr" bIns="91425" lIns="91425" rIns="91425" tIns="91425">
+          <a:bodyPr lIns="91425" tIns="91425" rIns="91425" bIns="91425" anchor="ctr" anchorCtr="0">
             <a:noAutofit/>
           </a:bodyPr>
           <a:lstStyle/>
@@ -3444,6 +3822,7 @@
               <a:rPr lang="ko"/>
               <a:t>‹#›</a:t>
             </a:fld>
+            <a:endParaRPr lang="ko"/>
           </a:p>
         </p:txBody>
       </p:sp>
@@ -3456,18 +3835,19 @@
 </file>
 
 <file path=ppt/slideLayouts/slideLayout11.xml><?xml version="1.0" encoding="utf-8"?>
-<p:sldLayout xmlns:a="http://schemas.openxmlformats.org/drawingml/2006/main" xmlns:r="http://schemas.openxmlformats.org/officeDocument/2006/relationships" xmlns:mc="http://schemas.openxmlformats.org/markup-compatibility/2006" xmlns:mv="urn:schemas-microsoft-com:mac:vml" xmlns:p="http://schemas.openxmlformats.org/presentationml/2006/main" xmlns:c="http://schemas.openxmlformats.org/drawingml/2006/chart" xmlns:dgm="http://schemas.openxmlformats.org/drawingml/2006/diagram" xmlns:o="urn:schemas-microsoft-com:office:office" xmlns:v="urn:schemas-microsoft-com:vml" xmlns:pvml="urn:schemas-microsoft-com:office:powerpoint" xmlns:com="http://schemas.openxmlformats.org/drawingml/2006/compatibility" xmlns:p14="http://schemas.microsoft.com/office/powerpoint/2010/main" type="blank">
+<p:sldLayout xmlns:a="http://schemas.openxmlformats.org/drawingml/2006/main" xmlns:r="http://schemas.openxmlformats.org/officeDocument/2006/relationships" xmlns:p="http://schemas.openxmlformats.org/presentationml/2006/main" type="blank">
   <p:cSld name="Blank">
     <p:bg>
       <p:bgPr>
         <a:solidFill>
           <a:schemeClr val="accent4"/>
         </a:solidFill>
+        <a:effectLst/>
       </p:bgPr>
     </p:bg>
     <p:spTree>
       <p:nvGrpSpPr>
-        <p:cNvPr id="60" name="Shape 60"/>
+        <p:cNvPr id="1" name="Shape 60"/>
         <p:cNvGrpSpPr/>
         <p:nvPr/>
       </p:nvGrpSpPr>
@@ -3482,9 +3862,11 @@
       <p:sp>
         <p:nvSpPr>
           <p:cNvPr id="61" name="Shape 61"/>
-          <p:cNvSpPr txBox="1"/>
+          <p:cNvSpPr txBox="1">
+            <a:spLocks noGrp="1"/>
+          </p:cNvSpPr>
           <p:nvPr>
-            <p:ph idx="12" type="sldNum"/>
+            <p:ph type="sldNum" idx="12"/>
           </p:nvPr>
         </p:nvSpPr>
         <p:spPr>
@@ -3497,7 +3879,7 @@
           </a:prstGeom>
         </p:spPr>
         <p:txBody>
-          <a:bodyPr anchorCtr="0" anchor="ctr" bIns="91425" lIns="91425" rIns="91425" tIns="91425">
+          <a:bodyPr lIns="91425" tIns="91425" rIns="91425" bIns="91425" anchor="ctr" anchorCtr="0">
             <a:noAutofit/>
           </a:bodyPr>
           <a:lstStyle/>
@@ -3512,6 +3894,7 @@
               <a:rPr lang="ko"/>
               <a:t>‹#›</a:t>
             </a:fld>
+            <a:endParaRPr lang="ko"/>
           </a:p>
         </p:txBody>
       </p:sp>
@@ -3524,11 +3907,11 @@
 </file>
 
 <file path=ppt/slideLayouts/slideLayout2.xml><?xml version="1.0" encoding="utf-8"?>
-<p:sldLayout xmlns:a="http://schemas.openxmlformats.org/drawingml/2006/main" xmlns:r="http://schemas.openxmlformats.org/officeDocument/2006/relationships" xmlns:mc="http://schemas.openxmlformats.org/markup-compatibility/2006" xmlns:mv="urn:schemas-microsoft-com:mac:vml" xmlns:p="http://schemas.openxmlformats.org/presentationml/2006/main" xmlns:c="http://schemas.openxmlformats.org/drawingml/2006/chart" xmlns:dgm="http://schemas.openxmlformats.org/drawingml/2006/diagram" xmlns:o="urn:schemas-microsoft-com:office:office" xmlns:v="urn:schemas-microsoft-com:vml" xmlns:pvml="urn:schemas-microsoft-com:office:powerpoint" xmlns:com="http://schemas.openxmlformats.org/drawingml/2006/compatibility" xmlns:p14="http://schemas.microsoft.com/office/powerpoint/2010/main" type="secHead">
+<p:sldLayout xmlns:a="http://schemas.openxmlformats.org/drawingml/2006/main" xmlns:r="http://schemas.openxmlformats.org/officeDocument/2006/relationships" xmlns:p="http://schemas.openxmlformats.org/presentationml/2006/main" type="secHead">
   <p:cSld name="Section title">
     <p:spTree>
       <p:nvGrpSpPr>
-        <p:cNvPr id="14" name="Shape 14"/>
+        <p:cNvPr id="1" name="Shape 14"/>
         <p:cNvGrpSpPr/>
         <p:nvPr/>
       </p:nvGrpSpPr>
@@ -3543,7 +3926,9 @@
       <p:sp>
         <p:nvSpPr>
           <p:cNvPr id="15" name="Shape 15"/>
-          <p:cNvSpPr txBox="1"/>
+          <p:cNvSpPr txBox="1">
+            <a:spLocks noGrp="1"/>
+          </p:cNvSpPr>
           <p:nvPr>
             <p:ph type="title"/>
           </p:nvPr>
@@ -3558,7 +3943,7 @@
           </a:prstGeom>
         </p:spPr>
         <p:txBody>
-          <a:bodyPr anchorCtr="0" anchor="ctr" bIns="91425" lIns="91425" rIns="91425" tIns="91425"/>
+          <a:bodyPr lIns="91425" tIns="91425" rIns="91425" bIns="91425" anchor="ctr" anchorCtr="0"/>
           <a:lstStyle>
             <a:lvl1pPr>
               <a:spcBef>
@@ -3624,15 +4009,19 @@
               <a:defRPr sz="4200"/>
             </a:lvl9pPr>
           </a:lstStyle>
-          <a:p/>
+          <a:p>
+            <a:endParaRPr/>
+          </a:p>
         </p:txBody>
       </p:sp>
       <p:sp>
         <p:nvSpPr>
           <p:cNvPr id="16" name="Shape 16"/>
-          <p:cNvSpPr txBox="1"/>
+          <p:cNvSpPr txBox="1">
+            <a:spLocks noGrp="1"/>
+          </p:cNvSpPr>
           <p:nvPr>
-            <p:ph idx="12" type="sldNum"/>
+            <p:ph type="sldNum" idx="12"/>
           </p:nvPr>
         </p:nvSpPr>
         <p:spPr>
@@ -3645,7 +4034,7 @@
           </a:prstGeom>
         </p:spPr>
         <p:txBody>
-          <a:bodyPr anchorCtr="0" anchor="ctr" bIns="91425" lIns="91425" rIns="91425" tIns="91425">
+          <a:bodyPr lIns="91425" tIns="91425" rIns="91425" bIns="91425" anchor="ctr" anchorCtr="0">
             <a:noAutofit/>
           </a:bodyPr>
           <a:lstStyle/>
@@ -3664,6 +4053,11 @@
               </a:rPr>
               <a:t>‹#›</a:t>
             </a:fld>
+            <a:endParaRPr lang="ko">
+              <a:solidFill>
+                <a:schemeClr val="lt1"/>
+              </a:solidFill>
+            </a:endParaRPr>
           </a:p>
         </p:txBody>
       </p:sp>
@@ -3676,11 +4070,11 @@
 </file>
 
 <file path=ppt/slideLayouts/slideLayout3.xml><?xml version="1.0" encoding="utf-8"?>
-<p:sldLayout xmlns:a="http://schemas.openxmlformats.org/drawingml/2006/main" xmlns:r="http://schemas.openxmlformats.org/officeDocument/2006/relationships" xmlns:mc="http://schemas.openxmlformats.org/markup-compatibility/2006" xmlns:mv="urn:schemas-microsoft-com:mac:vml" xmlns:p="http://schemas.openxmlformats.org/presentationml/2006/main" xmlns:c="http://schemas.openxmlformats.org/drawingml/2006/chart" xmlns:dgm="http://schemas.openxmlformats.org/drawingml/2006/diagram" xmlns:o="urn:schemas-microsoft-com:office:office" xmlns:v="urn:schemas-microsoft-com:vml" xmlns:pvml="urn:schemas-microsoft-com:office:powerpoint" xmlns:com="http://schemas.openxmlformats.org/drawingml/2006/compatibility" xmlns:p14="http://schemas.microsoft.com/office/powerpoint/2010/main" type="tx">
+<p:sldLayout xmlns:a="http://schemas.openxmlformats.org/drawingml/2006/main" xmlns:r="http://schemas.openxmlformats.org/officeDocument/2006/relationships" xmlns:p="http://schemas.openxmlformats.org/presentationml/2006/main" type="tx">
   <p:cSld name="Title and body">
     <p:spTree>
       <p:nvGrpSpPr>
-        <p:cNvPr id="17" name="Shape 17"/>
+        <p:cNvPr id="1" name="Shape 17"/>
         <p:cNvGrpSpPr/>
         <p:nvPr/>
       </p:nvGrpSpPr>
@@ -3699,7 +4093,7 @@
           <p:nvPr/>
         </p:nvSpPr>
         <p:spPr>
-          <a:xfrm flipH="1" rot="10800000">
+          <a:xfrm rot="10800000" flipH="1">
             <a:off x="0" y="1685999"/>
             <a:ext cx="9144000" cy="3457500"/>
           </a:xfrm>
@@ -3714,7 +4108,7 @@
           </a:ln>
         </p:spPr>
         <p:txBody>
-          <a:bodyPr anchorCtr="0" anchor="ctr" bIns="91425" lIns="91425" rIns="91425" tIns="91425">
+          <a:bodyPr lIns="91425" tIns="91425" rIns="91425" bIns="91425" anchor="ctr" anchorCtr="0">
             <a:noAutofit/>
           </a:bodyPr>
           <a:lstStyle/>
@@ -3725,9 +4119,6 @@
               </a:spcBef>
               <a:buNone/>
             </a:pPr>
-            <a:r>
-              <a:t/>
-            </a:r>
             <a:endParaRPr/>
           </a:p>
         </p:txBody>
@@ -3768,7 +4159,7 @@
           </a:ln>
         </p:spPr>
         <p:txBody>
-          <a:bodyPr anchorCtr="0" anchor="ctr" bIns="91425" lIns="91425" rIns="91425" tIns="91425">
+          <a:bodyPr lIns="91425" tIns="91425" rIns="91425" bIns="91425" anchor="ctr" anchorCtr="0">
             <a:noAutofit/>
           </a:bodyPr>
           <a:lstStyle/>
@@ -3779,9 +4170,6 @@
               </a:spcBef>
               <a:buNone/>
             </a:pPr>
-            <a:r>
-              <a:t/>
-            </a:r>
             <a:endParaRPr/>
           </a:p>
         </p:txBody>
@@ -3789,7 +4177,9 @@
       <p:sp>
         <p:nvSpPr>
           <p:cNvPr id="20" name="Shape 20"/>
-          <p:cNvSpPr txBox="1"/>
+          <p:cNvSpPr txBox="1">
+            <a:spLocks noGrp="1"/>
+          </p:cNvSpPr>
           <p:nvPr>
             <p:ph type="title"/>
           </p:nvPr>
@@ -3804,7 +4194,7 @@
           </a:prstGeom>
         </p:spPr>
         <p:txBody>
-          <a:bodyPr anchorCtr="0" anchor="b" bIns="91425" lIns="91425" rIns="91425" tIns="91425"/>
+          <a:bodyPr lIns="91425" tIns="91425" rIns="91425" bIns="91425" anchor="b" anchorCtr="0"/>
           <a:lstStyle>
             <a:lvl1pPr>
               <a:spcBef>
@@ -3861,15 +4251,19 @@
               <a:defRPr/>
             </a:lvl9pPr>
           </a:lstStyle>
-          <a:p/>
+          <a:p>
+            <a:endParaRPr/>
+          </a:p>
         </p:txBody>
       </p:sp>
       <p:sp>
         <p:nvSpPr>
           <p:cNvPr id="21" name="Shape 21"/>
-          <p:cNvSpPr txBox="1"/>
+          <p:cNvSpPr txBox="1">
+            <a:spLocks noGrp="1"/>
+          </p:cNvSpPr>
           <p:nvPr>
-            <p:ph idx="1" type="body"/>
+            <p:ph type="body" idx="1"/>
           </p:nvPr>
         </p:nvSpPr>
         <p:spPr>
@@ -3882,7 +4276,7 @@
           </a:prstGeom>
         </p:spPr>
         <p:txBody>
-          <a:bodyPr anchorCtr="0" anchor="t" bIns="91425" lIns="91425" rIns="91425" tIns="91425"/>
+          <a:bodyPr lIns="91425" tIns="91425" rIns="91425" bIns="91425" anchor="t" anchorCtr="0"/>
           <a:lstStyle>
             <a:lvl1pPr>
               <a:spcBef>
@@ -3939,15 +4333,19 @@
               <a:defRPr/>
             </a:lvl9pPr>
           </a:lstStyle>
-          <a:p/>
+          <a:p>
+            <a:endParaRPr/>
+          </a:p>
         </p:txBody>
       </p:sp>
       <p:sp>
         <p:nvSpPr>
           <p:cNvPr id="22" name="Shape 22"/>
-          <p:cNvSpPr txBox="1"/>
+          <p:cNvSpPr txBox="1">
+            <a:spLocks noGrp="1"/>
+          </p:cNvSpPr>
           <p:nvPr>
-            <p:ph idx="12" type="sldNum"/>
+            <p:ph type="sldNum" idx="12"/>
           </p:nvPr>
         </p:nvSpPr>
         <p:spPr>
@@ -3960,7 +4358,7 @@
           </a:prstGeom>
         </p:spPr>
         <p:txBody>
-          <a:bodyPr anchorCtr="0" anchor="ctr" bIns="91425" lIns="91425" rIns="91425" tIns="91425">
+          <a:bodyPr lIns="91425" tIns="91425" rIns="91425" bIns="91425" anchor="ctr" anchorCtr="0">
             <a:noAutofit/>
           </a:bodyPr>
           <a:lstStyle/>
@@ -3975,6 +4373,7 @@
               <a:rPr lang="ko"/>
               <a:t>‹#›</a:t>
             </a:fld>
+            <a:endParaRPr lang="ko"/>
           </a:p>
         </p:txBody>
       </p:sp>
@@ -3987,11 +4386,11 @@
 </file>
 
 <file path=ppt/slideLayouts/slideLayout4.xml><?xml version="1.0" encoding="utf-8"?>
-<p:sldLayout xmlns:a="http://schemas.openxmlformats.org/drawingml/2006/main" xmlns:r="http://schemas.openxmlformats.org/officeDocument/2006/relationships" xmlns:mc="http://schemas.openxmlformats.org/markup-compatibility/2006" xmlns:mv="urn:schemas-microsoft-com:mac:vml" xmlns:p="http://schemas.openxmlformats.org/presentationml/2006/main" xmlns:c="http://schemas.openxmlformats.org/drawingml/2006/chart" xmlns:dgm="http://schemas.openxmlformats.org/drawingml/2006/diagram" xmlns:o="urn:schemas-microsoft-com:office:office" xmlns:v="urn:schemas-microsoft-com:vml" xmlns:pvml="urn:schemas-microsoft-com:office:powerpoint" xmlns:com="http://schemas.openxmlformats.org/drawingml/2006/compatibility" xmlns:p14="http://schemas.microsoft.com/office/powerpoint/2010/main" type="twoColTx">
+<p:sldLayout xmlns:a="http://schemas.openxmlformats.org/drawingml/2006/main" xmlns:r="http://schemas.openxmlformats.org/officeDocument/2006/relationships" xmlns:p="http://schemas.openxmlformats.org/presentationml/2006/main" type="twoColTx">
   <p:cSld name="Title and two columns">
     <p:spTree>
       <p:nvGrpSpPr>
-        <p:cNvPr id="23" name="Shape 23"/>
+        <p:cNvPr id="1" name="Shape 23"/>
         <p:cNvGrpSpPr/>
         <p:nvPr/>
       </p:nvGrpSpPr>
@@ -4010,7 +4409,7 @@
           <p:nvPr/>
         </p:nvSpPr>
         <p:spPr>
-          <a:xfrm flipH="1" rot="10800000">
+          <a:xfrm rot="10800000" flipH="1">
             <a:off x="0" y="1685999"/>
             <a:ext cx="9144000" cy="3457500"/>
           </a:xfrm>
@@ -4025,7 +4424,7 @@
           </a:ln>
         </p:spPr>
         <p:txBody>
-          <a:bodyPr anchorCtr="0" anchor="ctr" bIns="91425" lIns="91425" rIns="91425" tIns="91425">
+          <a:bodyPr lIns="91425" tIns="91425" rIns="91425" bIns="91425" anchor="ctr" anchorCtr="0">
             <a:noAutofit/>
           </a:bodyPr>
           <a:lstStyle/>
@@ -4036,9 +4435,6 @@
               </a:spcBef>
               <a:buNone/>
             </a:pPr>
-            <a:r>
-              <a:t/>
-            </a:r>
             <a:endParaRPr/>
           </a:p>
         </p:txBody>
@@ -4079,7 +4475,7 @@
           </a:ln>
         </p:spPr>
         <p:txBody>
-          <a:bodyPr anchorCtr="0" anchor="ctr" bIns="91425" lIns="91425" rIns="91425" tIns="91425">
+          <a:bodyPr lIns="91425" tIns="91425" rIns="91425" bIns="91425" anchor="ctr" anchorCtr="0">
             <a:noAutofit/>
           </a:bodyPr>
           <a:lstStyle/>
@@ -4090,9 +4486,6 @@
               </a:spcBef>
               <a:buNone/>
             </a:pPr>
-            <a:r>
-              <a:t/>
-            </a:r>
             <a:endParaRPr/>
           </a:p>
         </p:txBody>
@@ -4100,7 +4493,9 @@
       <p:sp>
         <p:nvSpPr>
           <p:cNvPr id="26" name="Shape 26"/>
-          <p:cNvSpPr txBox="1"/>
+          <p:cNvSpPr txBox="1">
+            <a:spLocks noGrp="1"/>
+          </p:cNvSpPr>
           <p:nvPr>
             <p:ph type="title"/>
           </p:nvPr>
@@ -4115,7 +4510,7 @@
           </a:prstGeom>
         </p:spPr>
         <p:txBody>
-          <a:bodyPr anchorCtr="0" anchor="b" bIns="91425" lIns="91425" rIns="91425" tIns="91425"/>
+          <a:bodyPr lIns="91425" tIns="91425" rIns="91425" bIns="91425" anchor="b" anchorCtr="0"/>
           <a:lstStyle>
             <a:lvl1pPr>
               <a:spcBef>
@@ -4172,15 +4567,19 @@
               <a:defRPr/>
             </a:lvl9pPr>
           </a:lstStyle>
-          <a:p/>
+          <a:p>
+            <a:endParaRPr/>
+          </a:p>
         </p:txBody>
       </p:sp>
       <p:sp>
         <p:nvSpPr>
           <p:cNvPr id="27" name="Shape 27"/>
-          <p:cNvSpPr txBox="1"/>
+          <p:cNvSpPr txBox="1">
+            <a:spLocks noGrp="1"/>
+          </p:cNvSpPr>
           <p:nvPr>
-            <p:ph idx="1" type="body"/>
+            <p:ph type="body" idx="1"/>
           </p:nvPr>
         </p:nvSpPr>
         <p:spPr>
@@ -4193,7 +4592,7 @@
           </a:prstGeom>
         </p:spPr>
         <p:txBody>
-          <a:bodyPr anchorCtr="0" anchor="t" bIns="91425" lIns="91425" rIns="91425" tIns="91425"/>
+          <a:bodyPr lIns="91425" tIns="91425" rIns="91425" bIns="91425" anchor="t" anchorCtr="0"/>
           <a:lstStyle>
             <a:lvl1pPr>
               <a:spcBef>
@@ -4259,15 +4658,19 @@
               <a:defRPr sz="1200"/>
             </a:lvl9pPr>
           </a:lstStyle>
-          <a:p/>
+          <a:p>
+            <a:endParaRPr/>
+          </a:p>
         </p:txBody>
       </p:sp>
       <p:sp>
         <p:nvSpPr>
           <p:cNvPr id="28" name="Shape 28"/>
-          <p:cNvSpPr txBox="1"/>
+          <p:cNvSpPr txBox="1">
+            <a:spLocks noGrp="1"/>
+          </p:cNvSpPr>
           <p:nvPr>
-            <p:ph idx="2" type="body"/>
+            <p:ph type="body" idx="2"/>
           </p:nvPr>
         </p:nvSpPr>
         <p:spPr>
@@ -4280,7 +4683,7 @@
           </a:prstGeom>
         </p:spPr>
         <p:txBody>
-          <a:bodyPr anchorCtr="0" anchor="t" bIns="91425" lIns="91425" rIns="91425" tIns="91425"/>
+          <a:bodyPr lIns="91425" tIns="91425" rIns="91425" bIns="91425" anchor="t" anchorCtr="0"/>
           <a:lstStyle>
             <a:lvl1pPr>
               <a:spcBef>
@@ -4346,15 +4749,19 @@
               <a:defRPr sz="1200"/>
             </a:lvl9pPr>
           </a:lstStyle>
-          <a:p/>
+          <a:p>
+            <a:endParaRPr/>
+          </a:p>
         </p:txBody>
       </p:sp>
       <p:sp>
         <p:nvSpPr>
           <p:cNvPr id="29" name="Shape 29"/>
-          <p:cNvSpPr txBox="1"/>
+          <p:cNvSpPr txBox="1">
+            <a:spLocks noGrp="1"/>
+          </p:cNvSpPr>
           <p:nvPr>
-            <p:ph idx="12" type="sldNum"/>
+            <p:ph type="sldNum" idx="12"/>
           </p:nvPr>
         </p:nvSpPr>
         <p:spPr>
@@ -4367,7 +4774,7 @@
           </a:prstGeom>
         </p:spPr>
         <p:txBody>
-          <a:bodyPr anchorCtr="0" anchor="ctr" bIns="91425" lIns="91425" rIns="91425" tIns="91425">
+          <a:bodyPr lIns="91425" tIns="91425" rIns="91425" bIns="91425" anchor="ctr" anchorCtr="0">
             <a:noAutofit/>
           </a:bodyPr>
           <a:lstStyle/>
@@ -4382,6 +4789,7 @@
               <a:rPr lang="ko"/>
               <a:t>‹#›</a:t>
             </a:fld>
+            <a:endParaRPr lang="ko"/>
           </a:p>
         </p:txBody>
       </p:sp>
@@ -4394,11 +4802,11 @@
 </file>
 
 <file path=ppt/slideLayouts/slideLayout5.xml><?xml version="1.0" encoding="utf-8"?>
-<p:sldLayout xmlns:a="http://schemas.openxmlformats.org/drawingml/2006/main" xmlns:r="http://schemas.openxmlformats.org/officeDocument/2006/relationships" xmlns:mc="http://schemas.openxmlformats.org/markup-compatibility/2006" xmlns:mv="urn:schemas-microsoft-com:mac:vml" xmlns:p="http://schemas.openxmlformats.org/presentationml/2006/main" xmlns:c="http://schemas.openxmlformats.org/drawingml/2006/chart" xmlns:dgm="http://schemas.openxmlformats.org/drawingml/2006/diagram" xmlns:o="urn:schemas-microsoft-com:office:office" xmlns:v="urn:schemas-microsoft-com:vml" xmlns:pvml="urn:schemas-microsoft-com:office:powerpoint" xmlns:com="http://schemas.openxmlformats.org/drawingml/2006/compatibility" xmlns:p14="http://schemas.microsoft.com/office/powerpoint/2010/main" type="titleOnly">
+<p:sldLayout xmlns:a="http://schemas.openxmlformats.org/drawingml/2006/main" xmlns:r="http://schemas.openxmlformats.org/officeDocument/2006/relationships" xmlns:p="http://schemas.openxmlformats.org/presentationml/2006/main" type="titleOnly">
   <p:cSld name="Title only">
     <p:spTree>
       <p:nvGrpSpPr>
-        <p:cNvPr id="30" name="Shape 30"/>
+        <p:cNvPr id="1" name="Shape 30"/>
         <p:cNvGrpSpPr/>
         <p:nvPr/>
       </p:nvGrpSpPr>
@@ -4417,7 +4825,7 @@
           <p:nvPr/>
         </p:nvSpPr>
         <p:spPr>
-          <a:xfrm flipH="1" rot="10800000">
+          <a:xfrm rot="10800000" flipH="1">
             <a:off x="0" y="656399"/>
             <a:ext cx="9144000" cy="4487100"/>
           </a:xfrm>
@@ -4432,7 +4840,7 @@
           </a:ln>
         </p:spPr>
         <p:txBody>
-          <a:bodyPr anchorCtr="0" anchor="ctr" bIns="91425" lIns="91425" rIns="91425" tIns="91425">
+          <a:bodyPr lIns="91425" tIns="91425" rIns="91425" bIns="91425" anchor="ctr" anchorCtr="0">
             <a:noAutofit/>
           </a:bodyPr>
           <a:lstStyle/>
@@ -4443,9 +4851,6 @@
               </a:spcBef>
               <a:buNone/>
             </a:pPr>
-            <a:r>
-              <a:t/>
-            </a:r>
             <a:endParaRPr/>
           </a:p>
         </p:txBody>
@@ -4486,7 +4891,7 @@
           </a:ln>
         </p:spPr>
         <p:txBody>
-          <a:bodyPr anchorCtr="0" anchor="ctr" bIns="91425" lIns="91425" rIns="91425" tIns="91425">
+          <a:bodyPr lIns="91425" tIns="91425" rIns="91425" bIns="91425" anchor="ctr" anchorCtr="0">
             <a:noAutofit/>
           </a:bodyPr>
           <a:lstStyle/>
@@ -4497,9 +4902,6 @@
               </a:spcBef>
               <a:buNone/>
             </a:pPr>
-            <a:r>
-              <a:t/>
-            </a:r>
             <a:endParaRPr/>
           </a:p>
         </p:txBody>
@@ -4507,7 +4909,9 @@
       <p:sp>
         <p:nvSpPr>
           <p:cNvPr id="33" name="Shape 33"/>
-          <p:cNvSpPr txBox="1"/>
+          <p:cNvSpPr txBox="1">
+            <a:spLocks noGrp="1"/>
+          </p:cNvSpPr>
           <p:nvPr>
             <p:ph type="title"/>
           </p:nvPr>
@@ -4522,7 +4926,7 @@
           </a:prstGeom>
         </p:spPr>
         <p:txBody>
-          <a:bodyPr anchorCtr="0" anchor="ctr" bIns="91425" lIns="91425" rIns="91425" tIns="91425"/>
+          <a:bodyPr lIns="91425" tIns="91425" rIns="91425" bIns="91425" anchor="ctr" anchorCtr="0"/>
           <a:lstStyle>
             <a:lvl1pPr>
               <a:spcBef>
@@ -4588,15 +4992,19 @@
               <a:defRPr sz="1800"/>
             </a:lvl9pPr>
           </a:lstStyle>
-          <a:p/>
+          <a:p>
+            <a:endParaRPr/>
+          </a:p>
         </p:txBody>
       </p:sp>
       <p:sp>
         <p:nvSpPr>
           <p:cNvPr id="34" name="Shape 34"/>
-          <p:cNvSpPr txBox="1"/>
+          <p:cNvSpPr txBox="1">
+            <a:spLocks noGrp="1"/>
+          </p:cNvSpPr>
           <p:nvPr>
-            <p:ph idx="12" type="sldNum"/>
+            <p:ph type="sldNum" idx="12"/>
           </p:nvPr>
         </p:nvSpPr>
         <p:spPr>
@@ -4609,7 +5017,7 @@
           </a:prstGeom>
         </p:spPr>
         <p:txBody>
-          <a:bodyPr anchorCtr="0" anchor="ctr" bIns="91425" lIns="91425" rIns="91425" tIns="91425">
+          <a:bodyPr lIns="91425" tIns="91425" rIns="91425" bIns="91425" anchor="ctr" anchorCtr="0">
             <a:noAutofit/>
           </a:bodyPr>
           <a:lstStyle/>
@@ -4624,6 +5032,7 @@
               <a:rPr lang="ko"/>
               <a:t>‹#›</a:t>
             </a:fld>
+            <a:endParaRPr lang="ko"/>
           </a:p>
         </p:txBody>
       </p:sp>
@@ -4636,11 +5045,11 @@
 </file>
 
 <file path=ppt/slideLayouts/slideLayout6.xml><?xml version="1.0" encoding="utf-8"?>
-<p:sldLayout xmlns:a="http://schemas.openxmlformats.org/drawingml/2006/main" xmlns:r="http://schemas.openxmlformats.org/officeDocument/2006/relationships" xmlns:mc="http://schemas.openxmlformats.org/markup-compatibility/2006" xmlns:mv="urn:schemas-microsoft-com:mac:vml" xmlns:p="http://schemas.openxmlformats.org/presentationml/2006/main" xmlns:c="http://schemas.openxmlformats.org/drawingml/2006/chart" xmlns:dgm="http://schemas.openxmlformats.org/drawingml/2006/diagram" xmlns:o="urn:schemas-microsoft-com:office:office" xmlns:v="urn:schemas-microsoft-com:vml" xmlns:pvml="urn:schemas-microsoft-com:office:powerpoint" xmlns:com="http://schemas.openxmlformats.org/drawingml/2006/compatibility" xmlns:p14="http://schemas.microsoft.com/office/powerpoint/2010/main">
+<p:sldLayout xmlns:a="http://schemas.openxmlformats.org/drawingml/2006/main" xmlns:r="http://schemas.openxmlformats.org/officeDocument/2006/relationships" xmlns:p="http://schemas.openxmlformats.org/presentationml/2006/main">
   <p:cSld name="One column text">
     <p:spTree>
       <p:nvGrpSpPr>
-        <p:cNvPr id="35" name="Shape 35"/>
+        <p:cNvPr id="1" name="Shape 35"/>
         <p:cNvGrpSpPr/>
         <p:nvPr/>
       </p:nvGrpSpPr>
@@ -4659,7 +5068,7 @@
           <p:nvPr/>
         </p:nvSpPr>
         <p:spPr>
-          <a:xfrm flipH="1" rot="10800000">
+          <a:xfrm rot="10800000" flipH="1">
             <a:off x="3276600" y="25"/>
             <a:ext cx="5867400" cy="5143499"/>
           </a:xfrm>
@@ -4674,7 +5083,7 @@
           </a:ln>
         </p:spPr>
         <p:txBody>
-          <a:bodyPr anchorCtr="0" anchor="ctr" bIns="91425" lIns="91425" rIns="91425" tIns="91425">
+          <a:bodyPr lIns="91425" tIns="91425" rIns="91425" bIns="91425" anchor="ctr" anchorCtr="0">
             <a:noAutofit/>
           </a:bodyPr>
           <a:lstStyle/>
@@ -4685,9 +5094,6 @@
               </a:spcBef>
               <a:buNone/>
             </a:pPr>
-            <a:r>
-              <a:t/>
-            </a:r>
             <a:endParaRPr/>
           </a:p>
         </p:txBody>
@@ -4728,7 +5134,7 @@
           </a:ln>
         </p:spPr>
         <p:txBody>
-          <a:bodyPr anchorCtr="0" anchor="ctr" bIns="91425" lIns="91425" rIns="91425" tIns="91425">
+          <a:bodyPr lIns="91425" tIns="91425" rIns="91425" bIns="91425" anchor="ctr" anchorCtr="0">
             <a:noAutofit/>
           </a:bodyPr>
           <a:lstStyle/>
@@ -4739,9 +5145,6 @@
               </a:spcBef>
               <a:buNone/>
             </a:pPr>
-            <a:r>
-              <a:t/>
-            </a:r>
             <a:endParaRPr/>
           </a:p>
         </p:txBody>
@@ -4749,7 +5152,9 @@
       <p:sp>
         <p:nvSpPr>
           <p:cNvPr id="38" name="Shape 38"/>
-          <p:cNvSpPr txBox="1"/>
+          <p:cNvSpPr txBox="1">
+            <a:spLocks noGrp="1"/>
+          </p:cNvSpPr>
           <p:nvPr>
             <p:ph type="title"/>
           </p:nvPr>
@@ -4764,7 +5169,7 @@
           </a:prstGeom>
         </p:spPr>
         <p:txBody>
-          <a:bodyPr anchorCtr="0" anchor="b" bIns="91425" lIns="91425" rIns="91425" tIns="91425"/>
+          <a:bodyPr lIns="91425" tIns="91425" rIns="91425" bIns="91425" anchor="b" anchorCtr="0"/>
           <a:lstStyle>
             <a:lvl1pPr>
               <a:spcBef>
@@ -4830,15 +5235,19 @@
               <a:defRPr sz="2400"/>
             </a:lvl9pPr>
           </a:lstStyle>
-          <a:p/>
+          <a:p>
+            <a:endParaRPr/>
+          </a:p>
         </p:txBody>
       </p:sp>
       <p:sp>
         <p:nvSpPr>
           <p:cNvPr id="39" name="Shape 39"/>
-          <p:cNvSpPr txBox="1"/>
+          <p:cNvSpPr txBox="1">
+            <a:spLocks noGrp="1"/>
+          </p:cNvSpPr>
           <p:nvPr>
-            <p:ph idx="1" type="body"/>
+            <p:ph type="body" idx="1"/>
           </p:nvPr>
         </p:nvSpPr>
         <p:spPr>
@@ -4851,7 +5260,7 @@
           </a:prstGeom>
         </p:spPr>
         <p:txBody>
-          <a:bodyPr anchorCtr="0" anchor="t" bIns="91425" lIns="91425" rIns="91425" tIns="91425"/>
+          <a:bodyPr lIns="91425" tIns="91425" rIns="91425" bIns="91425" anchor="t" anchorCtr="0"/>
           <a:lstStyle>
             <a:lvl1pPr>
               <a:spcBef>
@@ -4980,15 +5389,19 @@
               </a:defRPr>
             </a:lvl9pPr>
           </a:lstStyle>
-          <a:p/>
+          <a:p>
+            <a:endParaRPr/>
+          </a:p>
         </p:txBody>
       </p:sp>
       <p:sp>
         <p:nvSpPr>
           <p:cNvPr id="40" name="Shape 40"/>
-          <p:cNvSpPr txBox="1"/>
+          <p:cNvSpPr txBox="1">
+            <a:spLocks noGrp="1"/>
+          </p:cNvSpPr>
           <p:nvPr>
-            <p:ph idx="12" type="sldNum"/>
+            <p:ph type="sldNum" idx="12"/>
           </p:nvPr>
         </p:nvSpPr>
         <p:spPr>
@@ -5001,7 +5414,7 @@
           </a:prstGeom>
         </p:spPr>
         <p:txBody>
-          <a:bodyPr anchorCtr="0" anchor="ctr" bIns="91425" lIns="91425" rIns="91425" tIns="91425">
+          <a:bodyPr lIns="91425" tIns="91425" rIns="91425" bIns="91425" anchor="ctr" anchorCtr="0">
             <a:noAutofit/>
           </a:bodyPr>
           <a:lstStyle/>
@@ -5016,6 +5429,7 @@
               <a:rPr lang="ko"/>
               <a:t>‹#›</a:t>
             </a:fld>
+            <a:endParaRPr lang="ko"/>
           </a:p>
         </p:txBody>
       </p:sp>
@@ -5028,11 +5442,11 @@
 </file>
 
 <file path=ppt/slideLayouts/slideLayout7.xml><?xml version="1.0" encoding="utf-8"?>
-<p:sldLayout xmlns:a="http://schemas.openxmlformats.org/drawingml/2006/main" xmlns:r="http://schemas.openxmlformats.org/officeDocument/2006/relationships" xmlns:mc="http://schemas.openxmlformats.org/markup-compatibility/2006" xmlns:mv="urn:schemas-microsoft-com:mac:vml" xmlns:p="http://schemas.openxmlformats.org/presentationml/2006/main" xmlns:c="http://schemas.openxmlformats.org/drawingml/2006/chart" xmlns:dgm="http://schemas.openxmlformats.org/drawingml/2006/diagram" xmlns:o="urn:schemas-microsoft-com:office:office" xmlns:v="urn:schemas-microsoft-com:vml" xmlns:pvml="urn:schemas-microsoft-com:office:powerpoint" xmlns:com="http://schemas.openxmlformats.org/drawingml/2006/compatibility" xmlns:p14="http://schemas.microsoft.com/office/powerpoint/2010/main">
+<p:sldLayout xmlns:a="http://schemas.openxmlformats.org/drawingml/2006/main" xmlns:r="http://schemas.openxmlformats.org/officeDocument/2006/relationships" xmlns:p="http://schemas.openxmlformats.org/presentationml/2006/main">
   <p:cSld name="Main point">
     <p:spTree>
       <p:nvGrpSpPr>
-        <p:cNvPr id="41" name="Shape 41"/>
+        <p:cNvPr id="1" name="Shape 41"/>
         <p:cNvGrpSpPr/>
         <p:nvPr/>
       </p:nvGrpSpPr>
@@ -5047,7 +5461,9 @@
       <p:sp>
         <p:nvSpPr>
           <p:cNvPr id="42" name="Shape 42"/>
-          <p:cNvSpPr txBox="1"/>
+          <p:cNvSpPr txBox="1">
+            <a:spLocks noGrp="1"/>
+          </p:cNvSpPr>
           <p:nvPr>
             <p:ph type="title"/>
           </p:nvPr>
@@ -5062,7 +5478,7 @@
           </a:prstGeom>
         </p:spPr>
         <p:txBody>
-          <a:bodyPr anchorCtr="0" anchor="ctr" bIns="91425" lIns="91425" rIns="91425" tIns="91425"/>
+          <a:bodyPr lIns="91425" tIns="91425" rIns="91425" bIns="91425" anchor="ctr" anchorCtr="0"/>
           <a:lstStyle>
             <a:lvl1pPr>
               <a:spcBef>
@@ -5128,15 +5544,19 @@
               <a:defRPr sz="6000"/>
             </a:lvl9pPr>
           </a:lstStyle>
-          <a:p/>
+          <a:p>
+            <a:endParaRPr/>
+          </a:p>
         </p:txBody>
       </p:sp>
       <p:sp>
         <p:nvSpPr>
           <p:cNvPr id="43" name="Shape 43"/>
-          <p:cNvSpPr txBox="1"/>
+          <p:cNvSpPr txBox="1">
+            <a:spLocks noGrp="1"/>
+          </p:cNvSpPr>
           <p:nvPr>
-            <p:ph idx="12" type="sldNum"/>
+            <p:ph type="sldNum" idx="12"/>
           </p:nvPr>
         </p:nvSpPr>
         <p:spPr>
@@ -5149,7 +5569,7 @@
           </a:prstGeom>
         </p:spPr>
         <p:txBody>
-          <a:bodyPr anchorCtr="0" anchor="ctr" bIns="91425" lIns="91425" rIns="91425" tIns="91425">
+          <a:bodyPr lIns="91425" tIns="91425" rIns="91425" bIns="91425" anchor="ctr" anchorCtr="0">
             <a:noAutofit/>
           </a:bodyPr>
           <a:lstStyle/>
@@ -5168,6 +5588,11 @@
               </a:rPr>
               <a:t>‹#›</a:t>
             </a:fld>
+            <a:endParaRPr lang="ko">
+              <a:solidFill>
+                <a:schemeClr val="lt1"/>
+              </a:solidFill>
+            </a:endParaRPr>
           </a:p>
         </p:txBody>
       </p:sp>
@@ -5180,11 +5605,11 @@
 </file>
 
 <file path=ppt/slideLayouts/slideLayout8.xml><?xml version="1.0" encoding="utf-8"?>
-<p:sldLayout xmlns:a="http://schemas.openxmlformats.org/drawingml/2006/main" xmlns:r="http://schemas.openxmlformats.org/officeDocument/2006/relationships" xmlns:mc="http://schemas.openxmlformats.org/markup-compatibility/2006" xmlns:mv="urn:schemas-microsoft-com:mac:vml" xmlns:p="http://schemas.openxmlformats.org/presentationml/2006/main" xmlns:c="http://schemas.openxmlformats.org/drawingml/2006/chart" xmlns:dgm="http://schemas.openxmlformats.org/drawingml/2006/diagram" xmlns:o="urn:schemas-microsoft-com:office:office" xmlns:v="urn:schemas-microsoft-com:vml" xmlns:pvml="urn:schemas-microsoft-com:office:powerpoint" xmlns:com="http://schemas.openxmlformats.org/drawingml/2006/compatibility" xmlns:p14="http://schemas.microsoft.com/office/powerpoint/2010/main">
+<p:sldLayout xmlns:a="http://schemas.openxmlformats.org/drawingml/2006/main" xmlns:r="http://schemas.openxmlformats.org/officeDocument/2006/relationships" xmlns:p="http://schemas.openxmlformats.org/presentationml/2006/main">
   <p:cSld name="Section title and description">
     <p:spTree>
       <p:nvGrpSpPr>
-        <p:cNvPr id="44" name="Shape 44"/>
+        <p:cNvPr id="1" name="Shape 44"/>
         <p:cNvGrpSpPr/>
         <p:nvPr/>
       </p:nvGrpSpPr>
@@ -5218,7 +5643,7 @@
           </a:ln>
         </p:spPr>
         <p:txBody>
-          <a:bodyPr anchorCtr="0" anchor="ctr" bIns="91425" lIns="91425" rIns="91425" tIns="91425">
+          <a:bodyPr lIns="91425" tIns="91425" rIns="91425" bIns="91425" anchor="ctr" anchorCtr="0">
             <a:noAutofit/>
           </a:bodyPr>
           <a:lstStyle/>
@@ -5229,9 +5654,6 @@
               </a:spcBef>
               <a:buNone/>
             </a:pPr>
-            <a:r>
-              <a:t/>
-            </a:r>
             <a:endParaRPr/>
           </a:p>
         </p:txBody>
@@ -5272,7 +5694,7 @@
           </a:ln>
         </p:spPr>
         <p:txBody>
-          <a:bodyPr anchorCtr="0" anchor="ctr" bIns="91425" lIns="91425" rIns="91425" tIns="91425">
+          <a:bodyPr lIns="91425" tIns="91425" rIns="91425" bIns="91425" anchor="ctr" anchorCtr="0">
             <a:noAutofit/>
           </a:bodyPr>
           <a:lstStyle/>
@@ -5283,9 +5705,6 @@
               </a:spcBef>
               <a:buNone/>
             </a:pPr>
-            <a:r>
-              <a:t/>
-            </a:r>
             <a:endParaRPr/>
           </a:p>
         </p:txBody>
@@ -5293,7 +5712,9 @@
       <p:sp>
         <p:nvSpPr>
           <p:cNvPr id="47" name="Shape 47"/>
-          <p:cNvSpPr txBox="1"/>
+          <p:cNvSpPr txBox="1">
+            <a:spLocks noGrp="1"/>
+          </p:cNvSpPr>
           <p:nvPr>
             <p:ph type="title"/>
           </p:nvPr>
@@ -5308,7 +5729,7 @@
           </a:prstGeom>
         </p:spPr>
         <p:txBody>
-          <a:bodyPr anchorCtr="0" anchor="b" bIns="91425" lIns="91425" rIns="91425" tIns="91425"/>
+          <a:bodyPr lIns="91425" tIns="91425" rIns="91425" bIns="91425" anchor="b" anchorCtr="0"/>
           <a:lstStyle>
             <a:lvl1pPr algn="ctr">
               <a:spcBef>
@@ -5437,15 +5858,19 @@
               </a:defRPr>
             </a:lvl9pPr>
           </a:lstStyle>
-          <a:p/>
+          <a:p>
+            <a:endParaRPr/>
+          </a:p>
         </p:txBody>
       </p:sp>
       <p:sp>
         <p:nvSpPr>
           <p:cNvPr id="48" name="Shape 48"/>
-          <p:cNvSpPr txBox="1"/>
+          <p:cNvSpPr txBox="1">
+            <a:spLocks noGrp="1"/>
+          </p:cNvSpPr>
           <p:nvPr>
-            <p:ph idx="1" type="subTitle"/>
+            <p:ph type="subTitle" idx="1"/>
           </p:nvPr>
         </p:nvSpPr>
         <p:spPr>
@@ -5458,7 +5883,7 @@
           </a:prstGeom>
         </p:spPr>
         <p:txBody>
-          <a:bodyPr anchorCtr="0" anchor="t" bIns="91425" lIns="91425" rIns="91425" tIns="91425"/>
+          <a:bodyPr lIns="91425" tIns="91425" rIns="91425" bIns="91425" anchor="t" anchorCtr="0"/>
           <a:lstStyle>
             <a:lvl1pPr algn="ctr">
               <a:lnSpc>
@@ -5587,15 +6012,19 @@
               <a:defRPr sz="2100"/>
             </a:lvl9pPr>
           </a:lstStyle>
-          <a:p/>
+          <a:p>
+            <a:endParaRPr/>
+          </a:p>
         </p:txBody>
       </p:sp>
       <p:sp>
         <p:nvSpPr>
           <p:cNvPr id="49" name="Shape 49"/>
-          <p:cNvSpPr txBox="1"/>
+          <p:cNvSpPr txBox="1">
+            <a:spLocks noGrp="1"/>
+          </p:cNvSpPr>
           <p:nvPr>
-            <p:ph idx="2" type="body"/>
+            <p:ph type="body" idx="2"/>
           </p:nvPr>
         </p:nvSpPr>
         <p:spPr>
@@ -5608,7 +6037,7 @@
           </a:prstGeom>
         </p:spPr>
         <p:txBody>
-          <a:bodyPr anchorCtr="0" anchor="ctr" bIns="91425" lIns="91425" rIns="91425" tIns="91425"/>
+          <a:bodyPr lIns="91425" tIns="91425" rIns="91425" bIns="91425" anchor="ctr" anchorCtr="0"/>
           <a:lstStyle>
             <a:lvl1pPr>
               <a:spcBef>
@@ -5728,15 +6157,19 @@
               </a:defRPr>
             </a:lvl9pPr>
           </a:lstStyle>
-          <a:p/>
+          <a:p>
+            <a:endParaRPr/>
+          </a:p>
         </p:txBody>
       </p:sp>
       <p:sp>
         <p:nvSpPr>
           <p:cNvPr id="50" name="Shape 50"/>
-          <p:cNvSpPr txBox="1"/>
+          <p:cNvSpPr txBox="1">
+            <a:spLocks noGrp="1"/>
+          </p:cNvSpPr>
           <p:nvPr>
-            <p:ph idx="12" type="sldNum"/>
+            <p:ph type="sldNum" idx="12"/>
           </p:nvPr>
         </p:nvSpPr>
         <p:spPr>
@@ -5749,7 +6182,7 @@
           </a:prstGeom>
         </p:spPr>
         <p:txBody>
-          <a:bodyPr anchorCtr="0" anchor="ctr" bIns="91425" lIns="91425" rIns="91425" tIns="91425">
+          <a:bodyPr lIns="91425" tIns="91425" rIns="91425" bIns="91425" anchor="ctr" anchorCtr="0">
             <a:noAutofit/>
           </a:bodyPr>
           <a:lstStyle/>
@@ -5768,6 +6201,11 @@
               </a:rPr>
               <a:t>‹#›</a:t>
             </a:fld>
+            <a:endParaRPr lang="ko">
+              <a:solidFill>
+                <a:schemeClr val="lt1"/>
+              </a:solidFill>
+            </a:endParaRPr>
           </a:p>
         </p:txBody>
       </p:sp>
@@ -5780,11 +6218,11 @@
 </file>
 
 <file path=ppt/slideLayouts/slideLayout9.xml><?xml version="1.0" encoding="utf-8"?>
-<p:sldLayout xmlns:a="http://schemas.openxmlformats.org/drawingml/2006/main" xmlns:r="http://schemas.openxmlformats.org/officeDocument/2006/relationships" xmlns:mc="http://schemas.openxmlformats.org/markup-compatibility/2006" xmlns:mv="urn:schemas-microsoft-com:mac:vml" xmlns:p="http://schemas.openxmlformats.org/presentationml/2006/main" xmlns:c="http://schemas.openxmlformats.org/drawingml/2006/chart" xmlns:dgm="http://schemas.openxmlformats.org/drawingml/2006/diagram" xmlns:o="urn:schemas-microsoft-com:office:office" xmlns:v="urn:schemas-microsoft-com:vml" xmlns:pvml="urn:schemas-microsoft-com:office:powerpoint" xmlns:com="http://schemas.openxmlformats.org/drawingml/2006/compatibility" xmlns:p14="http://schemas.microsoft.com/office/powerpoint/2010/main">
+<p:sldLayout xmlns:a="http://schemas.openxmlformats.org/drawingml/2006/main" xmlns:r="http://schemas.openxmlformats.org/officeDocument/2006/relationships" xmlns:p="http://schemas.openxmlformats.org/presentationml/2006/main">
   <p:cSld name="Caption">
     <p:spTree>
       <p:nvGrpSpPr>
-        <p:cNvPr id="51" name="Shape 51"/>
+        <p:cNvPr id="1" name="Shape 51"/>
         <p:cNvGrpSpPr/>
         <p:nvPr/>
       </p:nvGrpSpPr>
@@ -5803,7 +6241,7 @@
           <p:nvPr/>
         </p:nvSpPr>
         <p:spPr>
-          <a:xfrm flipH="1" rot="10800000">
+          <a:xfrm rot="10800000" flipH="1">
             <a:off x="0" y="0"/>
             <a:ext cx="9144000" cy="4695899"/>
           </a:xfrm>
@@ -5818,7 +6256,7 @@
           </a:ln>
         </p:spPr>
         <p:txBody>
-          <a:bodyPr anchorCtr="0" anchor="ctr" bIns="91425" lIns="91425" rIns="91425" tIns="91425">
+          <a:bodyPr lIns="91425" tIns="91425" rIns="91425" bIns="91425" anchor="ctr" anchorCtr="0">
             <a:noAutofit/>
           </a:bodyPr>
           <a:lstStyle/>
@@ -5829,9 +6267,6 @@
               </a:spcBef>
               <a:buNone/>
             </a:pPr>
-            <a:r>
-              <a:t/>
-            </a:r>
             <a:endParaRPr/>
           </a:p>
         </p:txBody>
@@ -5843,7 +6278,7 @@
           <p:nvPr/>
         </p:nvSpPr>
         <p:spPr>
-          <a:xfrm flipH="1" rot="10800000">
+          <a:xfrm rot="10800000" flipH="1">
             <a:off x="0" y="4622724"/>
             <a:ext cx="9144000" cy="74100"/>
           </a:xfrm>
@@ -5872,7 +6307,7 @@
           </a:ln>
         </p:spPr>
         <p:txBody>
-          <a:bodyPr anchorCtr="0" anchor="ctr" bIns="91425" lIns="91425" rIns="91425" tIns="91425">
+          <a:bodyPr lIns="91425" tIns="91425" rIns="91425" bIns="91425" anchor="ctr" anchorCtr="0">
             <a:noAutofit/>
           </a:bodyPr>
           <a:lstStyle/>
@@ -5883,9 +6318,6 @@
               </a:spcBef>
               <a:buNone/>
             </a:pPr>
-            <a:r>
-              <a:t/>
-            </a:r>
             <a:endParaRPr/>
           </a:p>
         </p:txBody>
@@ -5893,9 +6325,11 @@
       <p:sp>
         <p:nvSpPr>
           <p:cNvPr id="54" name="Shape 54"/>
-          <p:cNvSpPr txBox="1"/>
+          <p:cNvSpPr txBox="1">
+            <a:spLocks noGrp="1"/>
+          </p:cNvSpPr>
           <p:nvPr>
-            <p:ph idx="1" type="body"/>
+            <p:ph type="body" idx="1"/>
           </p:nvPr>
         </p:nvSpPr>
         <p:spPr>
@@ -5908,7 +6342,7 @@
           </a:prstGeom>
         </p:spPr>
         <p:txBody>
-          <a:bodyPr anchorCtr="0" anchor="ctr" bIns="91425" lIns="91425" rIns="91425" tIns="91425"/>
+          <a:bodyPr lIns="91425" tIns="91425" rIns="91425" bIns="91425" anchor="ctr" anchorCtr="0"/>
           <a:lstStyle>
             <a:lvl1pPr>
               <a:lnSpc>
@@ -5932,15 +6366,19 @@
               </a:defRPr>
             </a:lvl1pPr>
           </a:lstStyle>
-          <a:p/>
+          <a:p>
+            <a:endParaRPr/>
+          </a:p>
         </p:txBody>
       </p:sp>
       <p:sp>
         <p:nvSpPr>
           <p:cNvPr id="55" name="Shape 55"/>
-          <p:cNvSpPr txBox="1"/>
+          <p:cNvSpPr txBox="1">
+            <a:spLocks noGrp="1"/>
+          </p:cNvSpPr>
           <p:nvPr>
-            <p:ph idx="12" type="sldNum"/>
+            <p:ph type="sldNum" idx="12"/>
           </p:nvPr>
         </p:nvSpPr>
         <p:spPr>
@@ -5953,7 +6391,7 @@
           </a:prstGeom>
         </p:spPr>
         <p:txBody>
-          <a:bodyPr anchorCtr="0" anchor="ctr" bIns="91425" lIns="91425" rIns="91425" tIns="91425">
+          <a:bodyPr lIns="91425" tIns="91425" rIns="91425" bIns="91425" anchor="ctr" anchorCtr="0">
             <a:noAutofit/>
           </a:bodyPr>
           <a:lstStyle/>
@@ -5972,6 +6410,11 @@
               </a:rPr>
               <a:t>‹#›</a:t>
             </a:fld>
+            <a:endParaRPr lang="ko">
+              <a:solidFill>
+                <a:schemeClr val="lt1"/>
+              </a:solidFill>
+            </a:endParaRPr>
           </a:p>
         </p:txBody>
       </p:sp>
@@ -5984,18 +6427,19 @@
 </file>
 
 <file path=ppt/slideMasters/slideMaster1.xml><?xml version="1.0" encoding="utf-8"?>
-<p:sldMaster xmlns:a="http://schemas.openxmlformats.org/drawingml/2006/main" xmlns:r="http://schemas.openxmlformats.org/officeDocument/2006/relationships" xmlns:mc="http://schemas.openxmlformats.org/markup-compatibility/2006" xmlns:mv="urn:schemas-microsoft-com:mac:vml" xmlns:p="http://schemas.openxmlformats.org/presentationml/2006/main" xmlns:c="http://schemas.openxmlformats.org/drawingml/2006/chart" xmlns:dgm="http://schemas.openxmlformats.org/drawingml/2006/diagram" xmlns:o="urn:schemas-microsoft-com:office:office" xmlns:v="urn:schemas-microsoft-com:vml" xmlns:pvml="urn:schemas-microsoft-com:office:powerpoint" xmlns:com="http://schemas.openxmlformats.org/drawingml/2006/compatibility" xmlns:p14="http://schemas.microsoft.com/office/powerpoint/2010/main">
+<p:sldMaster xmlns:a="http://schemas.openxmlformats.org/drawingml/2006/main" xmlns:r="http://schemas.openxmlformats.org/officeDocument/2006/relationships" xmlns:p="http://schemas.openxmlformats.org/presentationml/2006/main">
   <p:cSld>
     <p:bg>
       <p:bgPr>
         <a:solidFill>
           <a:schemeClr val="dk1"/>
         </a:solidFill>
+        <a:effectLst/>
       </p:bgPr>
     </p:bg>
     <p:spTree>
       <p:nvGrpSpPr>
-        <p:cNvPr id="4" name="Shape 4"/>
+        <p:cNvPr id="1" name="Shape 4"/>
         <p:cNvGrpSpPr/>
         <p:nvPr/>
       </p:nvGrpSpPr>
@@ -6010,7 +6454,9 @@
       <p:sp>
         <p:nvSpPr>
           <p:cNvPr id="5" name="Shape 5"/>
-          <p:cNvSpPr txBox="1"/>
+          <p:cNvSpPr txBox="1">
+            <a:spLocks noGrp="1"/>
+          </p:cNvSpPr>
           <p:nvPr>
             <p:ph type="title"/>
           </p:nvPr>
@@ -6029,7 +6475,7 @@
           </a:ln>
         </p:spPr>
         <p:txBody>
-          <a:bodyPr anchorCtr="0" anchor="b" bIns="91425" lIns="91425" rIns="91425" tIns="91425"/>
+          <a:bodyPr lIns="91425" tIns="91425" rIns="91425" bIns="91425" anchor="b" anchorCtr="0"/>
           <a:lstStyle>
             <a:lvl1pPr>
               <a:spcBef>
@@ -6212,15 +6658,19 @@
               </a:defRPr>
             </a:lvl9pPr>
           </a:lstStyle>
-          <a:p/>
+          <a:p>
+            <a:endParaRPr/>
+          </a:p>
         </p:txBody>
       </p:sp>
       <p:sp>
         <p:nvSpPr>
           <p:cNvPr id="6" name="Shape 6"/>
-          <p:cNvSpPr txBox="1"/>
+          <p:cNvSpPr txBox="1">
+            <a:spLocks noGrp="1"/>
+          </p:cNvSpPr>
           <p:nvPr>
-            <p:ph idx="1" type="body"/>
+            <p:ph type="body" idx="1"/>
           </p:nvPr>
         </p:nvSpPr>
         <p:spPr>
@@ -6237,7 +6687,7 @@
           </a:ln>
         </p:spPr>
         <p:txBody>
-          <a:bodyPr anchorCtr="0" anchor="t" bIns="91425" lIns="91425" rIns="91425" tIns="91425"/>
+          <a:bodyPr lIns="91425" tIns="91425" rIns="91425" bIns="91425" anchor="t" anchorCtr="0"/>
           <a:lstStyle>
             <a:lvl1pPr>
               <a:lnSpc>
@@ -6457,15 +6907,19 @@
               </a:defRPr>
             </a:lvl9pPr>
           </a:lstStyle>
-          <a:p/>
+          <a:p>
+            <a:endParaRPr/>
+          </a:p>
         </p:txBody>
       </p:sp>
       <p:sp>
         <p:nvSpPr>
           <p:cNvPr id="7" name="Shape 7"/>
-          <p:cNvSpPr txBox="1"/>
+          <p:cNvSpPr txBox="1">
+            <a:spLocks noGrp="1"/>
+          </p:cNvSpPr>
           <p:nvPr>
-            <p:ph idx="12" type="sldNum"/>
+            <p:ph type="sldNum" idx="12"/>
           </p:nvPr>
         </p:nvSpPr>
         <p:spPr>
@@ -6482,7 +6936,7 @@
           </a:ln>
         </p:spPr>
         <p:txBody>
-          <a:bodyPr anchorCtr="0" anchor="ctr" bIns="91425" lIns="91425" rIns="91425" tIns="91425">
+          <a:bodyPr lIns="91425" tIns="91425" rIns="91425" bIns="91425" anchor="ctr" anchorCtr="0">
             <a:noAutofit/>
           </a:bodyPr>
           <a:lstStyle/>
@@ -6505,12 +6959,21 @@
               </a:rPr>
               <a:t>‹#›</a:t>
             </a:fld>
+            <a:endParaRPr lang="ko" sz="1000">
+              <a:solidFill>
+                <a:schemeClr val="lt2"/>
+              </a:solidFill>
+              <a:latin typeface="Roboto"/>
+              <a:ea typeface="Roboto"/>
+              <a:cs typeface="Roboto"/>
+              <a:sym typeface="Roboto"/>
+            </a:endParaRPr>
           </a:p>
         </p:txBody>
       </p:sp>
     </p:spTree>
   </p:cSld>
-  <p:clrMap accent1="accent1" accent2="accent2" accent3="accent3" accent4="accent4" accent5="accent5" accent6="accent6" bg1="lt1" bg2="dk2" tx1="dk1" tx2="lt2" folHlink="folHlink" hlink="hlink"/>
+  <p:clrMap bg1="lt1" tx1="dk1" bg2="dk2" tx2="lt2" accent1="accent1" accent2="accent2" accent3="accent3" accent4="accent4" accent5="accent5" accent6="accent6" hlink="hlink" folHlink="folHlink"/>
   <p:sldLayoutIdLst>
     <p:sldLayoutId id="2147483648" r:id="rId1"/>
     <p:sldLayoutId id="2147483649" r:id="rId2"/>
@@ -6524,10 +6987,10 @@
     <p:sldLayoutId id="2147483657" r:id="rId10"/>
     <p:sldLayoutId id="2147483658" r:id="rId11"/>
   </p:sldLayoutIdLst>
-  <p:hf dt="0" ftr="0" hdr="0" sldNum="0"/>
+  <p:hf sldNum="0" hdr="0" ftr="0" dt="0"/>
   <p:txStyles>
     <p:titleStyle>
-      <a:defPPr marR="0" rtl="0" algn="l">
+      <a:defPPr marR="0" algn="l" rtl="0">
         <a:lnSpc>
           <a:spcPct val="100000"/>
         </a:lnSpc>
@@ -6538,7 +7001,7 @@
           <a:spcPts val="0"/>
         </a:spcAft>
       </a:defPPr>
-      <a:lvl1pPr marR="0" rtl="0" algn="l">
+      <a:lvl1pPr marR="0" algn="l" rtl="0">
         <a:lnSpc>
           <a:spcPct val="100000"/>
         </a:lnSpc>
@@ -6549,7 +7012,7 @@
           <a:spcPts val="0"/>
         </a:spcAft>
         <a:buNone/>
-        <a:defRPr b="0" baseline="0" i="0" sz="1400" u="none" cap="none" strike="noStrike">
+        <a:defRPr sz="1400" b="0" i="0" u="none" strike="noStrike" cap="none" baseline="0">
           <a:solidFill>
             <a:srgbClr val="000000"/>
           </a:solidFill>
@@ -6562,7 +7025,7 @@
       </a:lvl1pPr>
     </p:titleStyle>
     <p:bodyStyle>
-      <a:defPPr marR="0" rtl="0" algn="l">
+      <a:defPPr marR="0" algn="l" rtl="0">
         <a:lnSpc>
           <a:spcPct val="100000"/>
         </a:lnSpc>
@@ -6573,7 +7036,7 @@
           <a:spcPts val="0"/>
         </a:spcAft>
       </a:defPPr>
-      <a:lvl1pPr marR="0" rtl="0" algn="l">
+      <a:lvl1pPr marR="0" algn="l" rtl="0">
         <a:lnSpc>
           <a:spcPct val="100000"/>
         </a:lnSpc>
@@ -6584,7 +7047,7 @@
           <a:spcPts val="0"/>
         </a:spcAft>
         <a:buNone/>
-        <a:defRPr b="0" baseline="0" i="0" sz="1400" u="none" cap="none" strike="noStrike">
+        <a:defRPr sz="1400" b="0" i="0" u="none" strike="noStrike" cap="none" baseline="0">
           <a:solidFill>
             <a:srgbClr val="000000"/>
           </a:solidFill>
@@ -6595,7 +7058,7 @@
           <a:rtl val="0"/>
         </a:defRPr>
       </a:lvl1pPr>
-      <a:lvl2pPr marR="0" rtl="0" algn="l">
+      <a:lvl2pPr marR="0" algn="l" rtl="0">
         <a:lnSpc>
           <a:spcPct val="100000"/>
         </a:lnSpc>
@@ -6606,7 +7069,7 @@
           <a:spcPts val="0"/>
         </a:spcAft>
         <a:buNone/>
-        <a:defRPr b="0" baseline="0" i="0" sz="1400" u="none" cap="none" strike="noStrike">
+        <a:defRPr sz="1400" b="0" i="0" u="none" strike="noStrike" cap="none" baseline="0">
           <a:solidFill>
             <a:srgbClr val="000000"/>
           </a:solidFill>
@@ -6617,7 +7080,7 @@
           <a:rtl val="0"/>
         </a:defRPr>
       </a:lvl2pPr>
-      <a:lvl3pPr marR="0" rtl="0" algn="l">
+      <a:lvl3pPr marR="0" algn="l" rtl="0">
         <a:lnSpc>
           <a:spcPct val="100000"/>
         </a:lnSpc>
@@ -6628,7 +7091,7 @@
           <a:spcPts val="0"/>
         </a:spcAft>
         <a:buNone/>
-        <a:defRPr b="0" baseline="0" i="0" sz="1400" u="none" cap="none" strike="noStrike">
+        <a:defRPr sz="1400" b="0" i="0" u="none" strike="noStrike" cap="none" baseline="0">
           <a:solidFill>
             <a:srgbClr val="000000"/>
           </a:solidFill>
@@ -6639,7 +7102,7 @@
           <a:rtl val="0"/>
         </a:defRPr>
       </a:lvl3pPr>
-      <a:lvl4pPr marR="0" rtl="0" algn="l">
+      <a:lvl4pPr marR="0" algn="l" rtl="0">
         <a:lnSpc>
           <a:spcPct val="100000"/>
         </a:lnSpc>
@@ -6650,7 +7113,7 @@
           <a:spcPts val="0"/>
         </a:spcAft>
         <a:buNone/>
-        <a:defRPr b="0" baseline="0" i="0" sz="1400" u="none" cap="none" strike="noStrike">
+        <a:defRPr sz="1400" b="0" i="0" u="none" strike="noStrike" cap="none" baseline="0">
           <a:solidFill>
             <a:srgbClr val="000000"/>
           </a:solidFill>
@@ -6661,7 +7124,7 @@
           <a:rtl val="0"/>
         </a:defRPr>
       </a:lvl4pPr>
-      <a:lvl5pPr marR="0" rtl="0" algn="l">
+      <a:lvl5pPr marR="0" algn="l" rtl="0">
         <a:lnSpc>
           <a:spcPct val="100000"/>
         </a:lnSpc>
@@ -6672,7 +7135,7 @@
           <a:spcPts val="0"/>
         </a:spcAft>
         <a:buNone/>
-        <a:defRPr b="0" baseline="0" i="0" sz="1400" u="none" cap="none" strike="noStrike">
+        <a:defRPr sz="1400" b="0" i="0" u="none" strike="noStrike" cap="none" baseline="0">
           <a:solidFill>
             <a:srgbClr val="000000"/>
           </a:solidFill>
@@ -6683,7 +7146,7 @@
           <a:rtl val="0"/>
         </a:defRPr>
       </a:lvl5pPr>
-      <a:lvl6pPr marR="0" rtl="0" algn="l">
+      <a:lvl6pPr marR="0" algn="l" rtl="0">
         <a:lnSpc>
           <a:spcPct val="100000"/>
         </a:lnSpc>
@@ -6694,7 +7157,7 @@
           <a:spcPts val="0"/>
         </a:spcAft>
         <a:buNone/>
-        <a:defRPr b="0" baseline="0" i="0" sz="1400" u="none" cap="none" strike="noStrike">
+        <a:defRPr sz="1400" b="0" i="0" u="none" strike="noStrike" cap="none" baseline="0">
           <a:solidFill>
             <a:srgbClr val="000000"/>
           </a:solidFill>
@@ -6705,7 +7168,7 @@
           <a:rtl val="0"/>
         </a:defRPr>
       </a:lvl6pPr>
-      <a:lvl7pPr marR="0" rtl="0" algn="l">
+      <a:lvl7pPr marR="0" algn="l" rtl="0">
         <a:lnSpc>
           <a:spcPct val="100000"/>
         </a:lnSpc>
@@ -6716,7 +7179,7 @@
           <a:spcPts val="0"/>
         </a:spcAft>
         <a:buNone/>
-        <a:defRPr b="0" baseline="0" i="0" sz="1400" u="none" cap="none" strike="noStrike">
+        <a:defRPr sz="1400" b="0" i="0" u="none" strike="noStrike" cap="none" baseline="0">
           <a:solidFill>
             <a:srgbClr val="000000"/>
           </a:solidFill>
@@ -6727,7 +7190,7 @@
           <a:rtl val="0"/>
         </a:defRPr>
       </a:lvl7pPr>
-      <a:lvl8pPr marR="0" rtl="0" algn="l">
+      <a:lvl8pPr marR="0" algn="l" rtl="0">
         <a:lnSpc>
           <a:spcPct val="100000"/>
         </a:lnSpc>
@@ -6738,7 +7201,7 @@
           <a:spcPts val="0"/>
         </a:spcAft>
         <a:buNone/>
-        <a:defRPr b="0" baseline="0" i="0" sz="1400" u="none" cap="none" strike="noStrike">
+        <a:defRPr sz="1400" b="0" i="0" u="none" strike="noStrike" cap="none" baseline="0">
           <a:solidFill>
             <a:srgbClr val="000000"/>
           </a:solidFill>
@@ -6749,7 +7212,7 @@
           <a:rtl val="0"/>
         </a:defRPr>
       </a:lvl8pPr>
-      <a:lvl9pPr marR="0" rtl="0" algn="l">
+      <a:lvl9pPr marR="0" algn="l" rtl="0">
         <a:lnSpc>
           <a:spcPct val="100000"/>
         </a:lnSpc>
@@ -6760,7 +7223,7 @@
           <a:spcPts val="0"/>
         </a:spcAft>
         <a:buNone/>
-        <a:defRPr b="0" baseline="0" i="0" sz="1400" u="none" cap="none" strike="noStrike">
+        <a:defRPr sz="1400" b="0" i="0" u="none" strike="noStrike" cap="none" baseline="0">
           <a:solidFill>
             <a:srgbClr val="000000"/>
           </a:solidFill>
@@ -6773,7 +7236,7 @@
       </a:lvl9pPr>
     </p:bodyStyle>
     <p:otherStyle>
-      <a:defPPr marR="0" rtl="0" algn="l">
+      <a:defPPr marR="0" algn="l" rtl="0">
         <a:lnSpc>
           <a:spcPct val="100000"/>
         </a:lnSpc>
@@ -6784,7 +7247,7 @@
           <a:spcPts val="0"/>
         </a:spcAft>
       </a:defPPr>
-      <a:lvl1pPr marR="0" rtl="0" algn="l">
+      <a:lvl1pPr marR="0" algn="l" rtl="0">
         <a:lnSpc>
           <a:spcPct val="100000"/>
         </a:lnSpc>
@@ -6795,7 +7258,7 @@
           <a:spcPts val="0"/>
         </a:spcAft>
         <a:buNone/>
-        <a:defRPr b="0" baseline="0" i="0" sz="1400" u="none" cap="none" strike="noStrike">
+        <a:defRPr sz="1400" b="0" i="0" u="none" strike="noStrike" cap="none" baseline="0">
           <a:solidFill>
             <a:srgbClr val="000000"/>
           </a:solidFill>
@@ -6806,7 +7269,7 @@
           <a:rtl val="0"/>
         </a:defRPr>
       </a:lvl1pPr>
-      <a:lvl2pPr marR="0" rtl="0" algn="l">
+      <a:lvl2pPr marR="0" algn="l" rtl="0">
         <a:lnSpc>
           <a:spcPct val="100000"/>
         </a:lnSpc>
@@ -6817,7 +7280,7 @@
           <a:spcPts val="0"/>
         </a:spcAft>
         <a:buNone/>
-        <a:defRPr b="0" baseline="0" i="0" sz="1400" u="none" cap="none" strike="noStrike">
+        <a:defRPr sz="1400" b="0" i="0" u="none" strike="noStrike" cap="none" baseline="0">
           <a:solidFill>
             <a:srgbClr val="000000"/>
           </a:solidFill>
@@ -6828,7 +7291,7 @@
           <a:rtl val="0"/>
         </a:defRPr>
       </a:lvl2pPr>
-      <a:lvl3pPr marR="0" rtl="0" algn="l">
+      <a:lvl3pPr marR="0" algn="l" rtl="0">
         <a:lnSpc>
           <a:spcPct val="100000"/>
         </a:lnSpc>
@@ -6839,7 +7302,7 @@
           <a:spcPts val="0"/>
         </a:spcAft>
         <a:buNone/>
-        <a:defRPr b="0" baseline="0" i="0" sz="1400" u="none" cap="none" strike="noStrike">
+        <a:defRPr sz="1400" b="0" i="0" u="none" strike="noStrike" cap="none" baseline="0">
           <a:solidFill>
             <a:srgbClr val="000000"/>
           </a:solidFill>
@@ -6850,7 +7313,7 @@
           <a:rtl val="0"/>
         </a:defRPr>
       </a:lvl3pPr>
-      <a:lvl4pPr marR="0" rtl="0" algn="l">
+      <a:lvl4pPr marR="0" algn="l" rtl="0">
         <a:lnSpc>
           <a:spcPct val="100000"/>
         </a:lnSpc>
@@ -6861,7 +7324,7 @@
           <a:spcPts val="0"/>
         </a:spcAft>
         <a:buNone/>
-        <a:defRPr b="0" baseline="0" i="0" sz="1400" u="none" cap="none" strike="noStrike">
+        <a:defRPr sz="1400" b="0" i="0" u="none" strike="noStrike" cap="none" baseline="0">
           <a:solidFill>
             <a:srgbClr val="000000"/>
           </a:solidFill>
@@ -6872,7 +7335,7 @@
           <a:rtl val="0"/>
         </a:defRPr>
       </a:lvl4pPr>
-      <a:lvl5pPr marR="0" rtl="0" algn="l">
+      <a:lvl5pPr marR="0" algn="l" rtl="0">
         <a:lnSpc>
           <a:spcPct val="100000"/>
         </a:lnSpc>
@@ -6883,7 +7346,7 @@
           <a:spcPts val="0"/>
         </a:spcAft>
         <a:buNone/>
-        <a:defRPr b="0" baseline="0" i="0" sz="1400" u="none" cap="none" strike="noStrike">
+        <a:defRPr sz="1400" b="0" i="0" u="none" strike="noStrike" cap="none" baseline="0">
           <a:solidFill>
             <a:srgbClr val="000000"/>
           </a:solidFill>
@@ -6894,7 +7357,7 @@
           <a:rtl val="0"/>
         </a:defRPr>
       </a:lvl5pPr>
-      <a:lvl6pPr marR="0" rtl="0" algn="l">
+      <a:lvl6pPr marR="0" algn="l" rtl="0">
         <a:lnSpc>
           <a:spcPct val="100000"/>
         </a:lnSpc>
@@ -6905,7 +7368,7 @@
           <a:spcPts val="0"/>
         </a:spcAft>
         <a:buNone/>
-        <a:defRPr b="0" baseline="0" i="0" sz="1400" u="none" cap="none" strike="noStrike">
+        <a:defRPr sz="1400" b="0" i="0" u="none" strike="noStrike" cap="none" baseline="0">
           <a:solidFill>
             <a:srgbClr val="000000"/>
           </a:solidFill>
@@ -6916,7 +7379,7 @@
           <a:rtl val="0"/>
         </a:defRPr>
       </a:lvl6pPr>
-      <a:lvl7pPr marR="0" rtl="0" algn="l">
+      <a:lvl7pPr marR="0" algn="l" rtl="0">
         <a:lnSpc>
           <a:spcPct val="100000"/>
         </a:lnSpc>
@@ -6927,7 +7390,7 @@
           <a:spcPts val="0"/>
         </a:spcAft>
         <a:buNone/>
-        <a:defRPr b="0" baseline="0" i="0" sz="1400" u="none" cap="none" strike="noStrike">
+        <a:defRPr sz="1400" b="0" i="0" u="none" strike="noStrike" cap="none" baseline="0">
           <a:solidFill>
             <a:srgbClr val="000000"/>
           </a:solidFill>
@@ -6938,7 +7401,7 @@
           <a:rtl val="0"/>
         </a:defRPr>
       </a:lvl7pPr>
-      <a:lvl8pPr marR="0" rtl="0" algn="l">
+      <a:lvl8pPr marR="0" algn="l" rtl="0">
         <a:lnSpc>
           <a:spcPct val="100000"/>
         </a:lnSpc>
@@ -6949,7 +7412,7 @@
           <a:spcPts val="0"/>
         </a:spcAft>
         <a:buNone/>
-        <a:defRPr b="0" baseline="0" i="0" sz="1400" u="none" cap="none" strike="noStrike">
+        <a:defRPr sz="1400" b="0" i="0" u="none" strike="noStrike" cap="none" baseline="0">
           <a:solidFill>
             <a:srgbClr val="000000"/>
           </a:solidFill>
@@ -6960,7 +7423,7 @@
           <a:rtl val="0"/>
         </a:defRPr>
       </a:lvl8pPr>
-      <a:lvl9pPr marR="0" rtl="0" algn="l">
+      <a:lvl9pPr marR="0" algn="l" rtl="0">
         <a:lnSpc>
           <a:spcPct val="100000"/>
         </a:lnSpc>
@@ -6971,7 +7434,7 @@
           <a:spcPts val="0"/>
         </a:spcAft>
         <a:buNone/>
-        <a:defRPr b="0" baseline="0" i="0" sz="1400" u="none" cap="none" strike="noStrike">
+        <a:defRPr sz="1400" b="0" i="0" u="none" strike="noStrike" cap="none" baseline="0">
           <a:solidFill>
             <a:srgbClr val="000000"/>
           </a:solidFill>
@@ -6988,11 +7451,11 @@
 </file>
 
 <file path=ppt/slides/slide1.xml><?xml version="1.0" encoding="utf-8"?>
-<p:sld xmlns:a="http://schemas.openxmlformats.org/drawingml/2006/main" xmlns:r="http://schemas.openxmlformats.org/officeDocument/2006/relationships" xmlns:mc="http://schemas.openxmlformats.org/markup-compatibility/2006" xmlns:mv="urn:schemas-microsoft-com:mac:vml" xmlns:p="http://schemas.openxmlformats.org/presentationml/2006/main" xmlns:c="http://schemas.openxmlformats.org/drawingml/2006/chart" xmlns:dgm="http://schemas.openxmlformats.org/drawingml/2006/diagram" xmlns:o="urn:schemas-microsoft-com:office:office" xmlns:v="urn:schemas-microsoft-com:vml" xmlns:pvml="urn:schemas-microsoft-com:office:powerpoint" xmlns:com="http://schemas.openxmlformats.org/drawingml/2006/compatibility" xmlns:p14="http://schemas.microsoft.com/office/powerpoint/2010/main">
+<p:sld xmlns:a="http://schemas.openxmlformats.org/drawingml/2006/main" xmlns:r="http://schemas.openxmlformats.org/officeDocument/2006/relationships" xmlns:p="http://schemas.openxmlformats.org/presentationml/2006/main">
   <p:cSld>
     <p:spTree>
       <p:nvGrpSpPr>
-        <p:cNvPr id="62" name="Shape 62"/>
+        <p:cNvPr id="1" name="Shape 62"/>
         <p:cNvGrpSpPr/>
         <p:nvPr/>
       </p:nvGrpSpPr>
@@ -7007,7 +7470,9 @@
       <p:sp>
         <p:nvSpPr>
           <p:cNvPr id="63" name="Shape 63"/>
-          <p:cNvSpPr txBox="1"/>
+          <p:cNvSpPr txBox="1">
+            <a:spLocks noGrp="1"/>
+          </p:cNvSpPr>
           <p:nvPr>
             <p:ph type="ctrTitle"/>
           </p:nvPr>
@@ -7022,7 +7487,7 @@
           </a:prstGeom>
         </p:spPr>
         <p:txBody>
-          <a:bodyPr anchorCtr="0" anchor="b" bIns="91425" lIns="91425" rIns="91425" tIns="91425">
+          <a:bodyPr lIns="91425" tIns="91425" rIns="91425" bIns="91425" anchor="b" anchorCtr="0">
             <a:noAutofit/>
           </a:bodyPr>
           <a:lstStyle/>
@@ -7034,8 +7499,24 @@
               <a:buNone/>
             </a:pPr>
             <a:r>
-              <a:rPr lang="ko"/>
-              <a:t>Github가 뭐죠? 먹는 건가요?</a:t>
+              <a:rPr lang="ko" dirty="0"/>
+              <a:t>Github가 </a:t>
+            </a:r>
+            <a:r>
+              <a:rPr lang="ko" dirty="0" smtClean="0"/>
+              <a:t>뭐</a:t>
+            </a:r>
+            <a:r>
+              <a:rPr lang="ko-KR" altLang="en-US" dirty="0" err="1" smtClean="0"/>
+              <a:t>죵</a:t>
+            </a:r>
+            <a:r>
+              <a:rPr lang="ko" dirty="0" smtClean="0"/>
+              <a:t>?</a:t>
+            </a:r>
+            <a:r>
+              <a:rPr lang="ko" dirty="0"/>
+              <a:t> 먹는 건가요?</a:t>
             </a:r>
           </a:p>
         </p:txBody>
@@ -7043,9 +7524,11 @@
       <p:sp>
         <p:nvSpPr>
           <p:cNvPr id="64" name="Shape 64"/>
-          <p:cNvSpPr txBox="1"/>
+          <p:cNvSpPr txBox="1">
+            <a:spLocks noGrp="1"/>
+          </p:cNvSpPr>
           <p:nvPr>
-            <p:ph idx="1" type="subTitle"/>
+            <p:ph type="subTitle" idx="1"/>
           </p:nvPr>
         </p:nvSpPr>
         <p:spPr>
@@ -7058,7 +7541,7 @@
           </a:prstGeom>
         </p:spPr>
         <p:txBody>
-          <a:bodyPr anchorCtr="0" anchor="t" bIns="91425" lIns="91425" rIns="91425" tIns="91425">
+          <a:bodyPr lIns="91425" tIns="91425" rIns="91425" bIns="91425" anchor="t" anchorCtr="0">
             <a:noAutofit/>
           </a:bodyPr>
           <a:lstStyle/>
@@ -7096,12 +7579,12 @@
           </a:ln>
         </p:spPr>
         <p:txBody>
-          <a:bodyPr anchorCtr="0" anchor="t" bIns="91425" lIns="91425" rIns="91425" tIns="91425">
+          <a:bodyPr lIns="91425" tIns="91425" rIns="91425" bIns="91425" anchor="t" anchorCtr="0">
             <a:noAutofit/>
           </a:bodyPr>
           <a:lstStyle/>
           <a:p>
-            <a:pPr rtl="0" algn="r">
+            <a:pPr algn="r" rtl="0">
               <a:spcBef>
                 <a:spcPts val="0"/>
               </a:spcBef>
@@ -7117,7 +7600,7 @@
             </a:r>
           </a:p>
           <a:p>
-            <a:pPr rtl="0" algn="r">
+            <a:pPr algn="r" rtl="0">
               <a:spcBef>
                 <a:spcPts val="0"/>
               </a:spcBef>
@@ -7134,7 +7617,7 @@
             </a:r>
           </a:p>
           <a:p>
-            <a:pPr rtl="0" algn="r">
+            <a:pPr algn="r" rtl="0">
               <a:spcBef>
                 <a:spcPts val="0"/>
               </a:spcBef>
@@ -7157,9 +7640,6 @@
               </a:spcBef>
               <a:buNone/>
             </a:pPr>
-            <a:r>
-              <a:t/>
-            </a:r>
             <a:endParaRPr sz="1200">
               <a:solidFill>
                 <a:srgbClr val="FFFFFF"/>
@@ -7180,11 +7660,11 @@
 </file>
 
 <file path=ppt/slides/slide10.xml><?xml version="1.0" encoding="utf-8"?>
-<p:sld xmlns:a="http://schemas.openxmlformats.org/drawingml/2006/main" xmlns:r="http://schemas.openxmlformats.org/officeDocument/2006/relationships" xmlns:mc="http://schemas.openxmlformats.org/markup-compatibility/2006" xmlns:mv="urn:schemas-microsoft-com:mac:vml" xmlns:p="http://schemas.openxmlformats.org/presentationml/2006/main" xmlns:c="http://schemas.openxmlformats.org/drawingml/2006/chart" xmlns:dgm="http://schemas.openxmlformats.org/drawingml/2006/diagram" xmlns:o="urn:schemas-microsoft-com:office:office" xmlns:v="urn:schemas-microsoft-com:vml" xmlns:pvml="urn:schemas-microsoft-com:office:powerpoint" xmlns:com="http://schemas.openxmlformats.org/drawingml/2006/compatibility" xmlns:p14="http://schemas.microsoft.com/office/powerpoint/2010/main">
+<p:sld xmlns:a="http://schemas.openxmlformats.org/drawingml/2006/main" xmlns:r="http://schemas.openxmlformats.org/officeDocument/2006/relationships" xmlns:p="http://schemas.openxmlformats.org/presentationml/2006/main">
   <p:cSld>
     <p:spTree>
       <p:nvGrpSpPr>
-        <p:cNvPr id="132" name="Shape 132"/>
+        <p:cNvPr id="1" name="Shape 132"/>
         <p:cNvGrpSpPr/>
         <p:nvPr/>
       </p:nvGrpSpPr>
@@ -7199,7 +7679,9 @@
       <p:sp>
         <p:nvSpPr>
           <p:cNvPr id="133" name="Shape 133"/>
-          <p:cNvSpPr txBox="1"/>
+          <p:cNvSpPr txBox="1">
+            <a:spLocks noGrp="1"/>
+          </p:cNvSpPr>
           <p:nvPr>
             <p:ph type="title"/>
           </p:nvPr>
@@ -7214,7 +7696,7 @@
           </a:prstGeom>
         </p:spPr>
         <p:txBody>
-          <a:bodyPr anchorCtr="0" anchor="ctr" bIns="91425" lIns="91425" rIns="91425" tIns="91425">
+          <a:bodyPr lIns="91425" tIns="91425" rIns="91425" bIns="91425" anchor="ctr" anchorCtr="0">
             <a:noAutofit/>
           </a:bodyPr>
           <a:lstStyle/>
@@ -7255,14 +7737,14 @@
             <a:avLst/>
           </a:prstGeom>
           <a:noFill/>
-          <a:ln cap="flat" cmpd="sng" w="9525">
+          <a:ln w="9525" cap="flat" cmpd="sng">
             <a:solidFill>
               <a:srgbClr val="CCCCCC"/>
             </a:solidFill>
             <a:prstDash val="solid"/>
             <a:round/>
-            <a:headEnd len="med" w="med" type="none"/>
-            <a:tailEnd len="med" w="med" type="none"/>
+            <a:headEnd type="none" w="med" len="med"/>
+            <a:tailEnd type="none" w="med" len="med"/>
           </a:ln>
         </p:spPr>
       </p:pic>
@@ -7281,18 +7763,18 @@
             <a:avLst/>
           </a:prstGeom>
           <a:noFill/>
-          <a:ln cap="flat" cmpd="sng" w="9525">
+          <a:ln w="9525" cap="flat" cmpd="sng">
             <a:solidFill>
               <a:srgbClr val="FF0000"/>
             </a:solidFill>
             <a:prstDash val="solid"/>
             <a:round/>
-            <a:headEnd len="med" w="med" type="none"/>
-            <a:tailEnd len="med" w="med" type="none"/>
+            <a:headEnd type="none" w="med" len="med"/>
+            <a:tailEnd type="none" w="med" len="med"/>
           </a:ln>
         </p:spPr>
         <p:txBody>
-          <a:bodyPr anchorCtr="0" anchor="ctr" bIns="91425" lIns="91425" rIns="91425" tIns="91425">
+          <a:bodyPr lIns="91425" tIns="91425" rIns="91425" bIns="91425" anchor="ctr" anchorCtr="0">
             <a:noAutofit/>
           </a:bodyPr>
           <a:lstStyle/>
@@ -7303,9 +7785,6 @@
               </a:spcBef>
               <a:buNone/>
             </a:pPr>
-            <a:r>
-              <a:t/>
-            </a:r>
             <a:endParaRPr/>
           </a:p>
         </p:txBody>
@@ -7327,14 +7806,14 @@
             <a:avLst/>
           </a:prstGeom>
           <a:noFill/>
-          <a:ln cap="flat" cmpd="sng" w="9525">
+          <a:ln w="9525" cap="flat" cmpd="sng">
             <a:solidFill>
               <a:srgbClr val="FF0000"/>
             </a:solidFill>
             <a:prstDash val="solid"/>
             <a:round/>
-            <a:headEnd len="lg" w="lg" type="none"/>
-            <a:tailEnd len="lg" w="lg" type="triangle"/>
+            <a:headEnd type="none" w="lg" len="lg"/>
+            <a:tailEnd type="triangle" w="lg" len="lg"/>
           </a:ln>
         </p:spPr>
       </p:cxnSp>
@@ -7358,7 +7837,7 @@
           </a:ln>
         </p:spPr>
         <p:txBody>
-          <a:bodyPr anchorCtr="0" anchor="t" bIns="91425" lIns="91425" rIns="91425" tIns="91425">
+          <a:bodyPr lIns="91425" tIns="91425" rIns="91425" bIns="91425" anchor="t" anchorCtr="0">
             <a:noAutofit/>
           </a:bodyPr>
           <a:lstStyle/>
@@ -7407,14 +7886,14 @@
             <a:avLst/>
           </a:prstGeom>
           <a:noFill/>
-          <a:ln cap="flat" cmpd="sng" w="9525">
+          <a:ln w="9525" cap="flat" cmpd="sng">
             <a:solidFill>
               <a:srgbClr val="CCCCCC"/>
             </a:solidFill>
             <a:prstDash val="solid"/>
             <a:round/>
-            <a:headEnd len="med" w="med" type="none"/>
-            <a:tailEnd len="med" w="med" type="none"/>
+            <a:headEnd type="none" w="med" len="med"/>
+            <a:tailEnd type="none" w="med" len="med"/>
           </a:ln>
         </p:spPr>
       </p:pic>
@@ -7430,11 +7909,11 @@
 </file>
 
 <file path=ppt/slides/slide11.xml><?xml version="1.0" encoding="utf-8"?>
-<p:sld xmlns:a="http://schemas.openxmlformats.org/drawingml/2006/main" xmlns:r="http://schemas.openxmlformats.org/officeDocument/2006/relationships" xmlns:mc="http://schemas.openxmlformats.org/markup-compatibility/2006" xmlns:mv="urn:schemas-microsoft-com:mac:vml" xmlns:p="http://schemas.openxmlformats.org/presentationml/2006/main" xmlns:c="http://schemas.openxmlformats.org/drawingml/2006/chart" xmlns:dgm="http://schemas.openxmlformats.org/drawingml/2006/diagram" xmlns:o="urn:schemas-microsoft-com:office:office" xmlns:v="urn:schemas-microsoft-com:vml" xmlns:pvml="urn:schemas-microsoft-com:office:powerpoint" xmlns:com="http://schemas.openxmlformats.org/drawingml/2006/compatibility" xmlns:p14="http://schemas.microsoft.com/office/powerpoint/2010/main">
+<p:sld xmlns:a="http://schemas.openxmlformats.org/drawingml/2006/main" xmlns:r="http://schemas.openxmlformats.org/officeDocument/2006/relationships" xmlns:p="http://schemas.openxmlformats.org/presentationml/2006/main">
   <p:cSld>
     <p:spTree>
       <p:nvGrpSpPr>
-        <p:cNvPr id="142" name="Shape 142"/>
+        <p:cNvPr id="1" name="Shape 142"/>
         <p:cNvGrpSpPr/>
         <p:nvPr/>
       </p:nvGrpSpPr>
@@ -7449,7 +7928,9 @@
       <p:sp>
         <p:nvSpPr>
           <p:cNvPr id="143" name="Shape 143"/>
-          <p:cNvSpPr txBox="1"/>
+          <p:cNvSpPr txBox="1">
+            <a:spLocks noGrp="1"/>
+          </p:cNvSpPr>
           <p:nvPr>
             <p:ph type="title"/>
           </p:nvPr>
@@ -7464,7 +7945,7 @@
           </a:prstGeom>
         </p:spPr>
         <p:txBody>
-          <a:bodyPr anchorCtr="0" anchor="ctr" bIns="91425" lIns="91425" rIns="91425" tIns="91425">
+          <a:bodyPr lIns="91425" tIns="91425" rIns="91425" bIns="91425" anchor="ctr" anchorCtr="0">
             <a:noAutofit/>
           </a:bodyPr>
           <a:lstStyle/>
@@ -7505,14 +7986,14 @@
             <a:avLst/>
           </a:prstGeom>
           <a:noFill/>
-          <a:ln cap="flat" cmpd="sng" w="9525">
+          <a:ln w="9525" cap="flat" cmpd="sng">
             <a:solidFill>
               <a:srgbClr val="CCCCCC"/>
             </a:solidFill>
             <a:prstDash val="solid"/>
             <a:round/>
-            <a:headEnd len="med" w="med" type="none"/>
-            <a:tailEnd len="med" w="med" type="none"/>
+            <a:headEnd type="none" w="med" len="med"/>
+            <a:tailEnd type="none" w="med" len="med"/>
           </a:ln>
         </p:spPr>
       </p:pic>
@@ -7539,14 +8020,14 @@
             <a:avLst/>
           </a:prstGeom>
           <a:noFill/>
-          <a:ln cap="flat" cmpd="sng" w="9525">
+          <a:ln w="9525" cap="flat" cmpd="sng">
             <a:solidFill>
               <a:srgbClr val="CCCCCC"/>
             </a:solidFill>
             <a:prstDash val="solid"/>
             <a:round/>
-            <a:headEnd len="med" w="med" type="none"/>
-            <a:tailEnd len="med" w="med" type="none"/>
+            <a:headEnd type="none" w="med" len="med"/>
+            <a:tailEnd type="none" w="med" len="med"/>
           </a:ln>
         </p:spPr>
       </p:pic>
@@ -7565,18 +8046,18 @@
             <a:avLst/>
           </a:prstGeom>
           <a:noFill/>
-          <a:ln cap="flat" cmpd="sng" w="9525">
+          <a:ln w="9525" cap="flat" cmpd="sng">
             <a:solidFill>
               <a:srgbClr val="FF0000"/>
             </a:solidFill>
             <a:prstDash val="solid"/>
             <a:round/>
-            <a:headEnd len="med" w="med" type="none"/>
-            <a:tailEnd len="med" w="med" type="none"/>
+            <a:headEnd type="none" w="med" len="med"/>
+            <a:tailEnd type="none" w="med" len="med"/>
           </a:ln>
         </p:spPr>
         <p:txBody>
-          <a:bodyPr anchorCtr="0" anchor="ctr" bIns="91425" lIns="91425" rIns="91425" tIns="91425">
+          <a:bodyPr lIns="91425" tIns="91425" rIns="91425" bIns="91425" anchor="ctr" anchorCtr="0">
             <a:noAutofit/>
           </a:bodyPr>
           <a:lstStyle/>
@@ -7587,9 +8068,6 @@
               </a:spcBef>
               <a:buNone/>
             </a:pPr>
-            <a:r>
-              <a:t/>
-            </a:r>
             <a:endParaRPr/>
           </a:p>
         </p:txBody>
@@ -7609,18 +8087,18 @@
             <a:avLst/>
           </a:prstGeom>
           <a:noFill/>
-          <a:ln cap="flat" cmpd="sng" w="9525">
+          <a:ln w="9525" cap="flat" cmpd="sng">
             <a:solidFill>
               <a:srgbClr val="FF0000"/>
             </a:solidFill>
             <a:prstDash val="solid"/>
             <a:round/>
-            <a:headEnd len="med" w="med" type="none"/>
-            <a:tailEnd len="med" w="med" type="none"/>
+            <a:headEnd type="none" w="med" len="med"/>
+            <a:tailEnd type="none" w="med" len="med"/>
           </a:ln>
         </p:spPr>
         <p:txBody>
-          <a:bodyPr anchorCtr="0" anchor="ctr" bIns="91425" lIns="91425" rIns="91425" tIns="91425">
+          <a:bodyPr lIns="91425" tIns="91425" rIns="91425" bIns="91425" anchor="ctr" anchorCtr="0">
             <a:noAutofit/>
           </a:bodyPr>
           <a:lstStyle/>
@@ -7631,9 +8109,6 @@
               </a:spcBef>
               <a:buNone/>
             </a:pPr>
-            <a:r>
-              <a:t/>
-            </a:r>
             <a:endParaRPr/>
           </a:p>
         </p:txBody>
@@ -7653,18 +8128,18 @@
             <a:avLst/>
           </a:prstGeom>
           <a:noFill/>
-          <a:ln cap="flat" cmpd="sng" w="9525">
+          <a:ln w="9525" cap="flat" cmpd="sng">
             <a:solidFill>
               <a:srgbClr val="FF0000"/>
             </a:solidFill>
             <a:prstDash val="solid"/>
             <a:round/>
-            <a:headEnd len="med" w="med" type="none"/>
-            <a:tailEnd len="med" w="med" type="none"/>
+            <a:headEnd type="none" w="med" len="med"/>
+            <a:tailEnd type="none" w="med" len="med"/>
           </a:ln>
         </p:spPr>
         <p:txBody>
-          <a:bodyPr anchorCtr="0" anchor="ctr" bIns="91425" lIns="91425" rIns="91425" tIns="91425">
+          <a:bodyPr lIns="91425" tIns="91425" rIns="91425" bIns="91425" anchor="ctr" anchorCtr="0">
             <a:noAutofit/>
           </a:bodyPr>
           <a:lstStyle/>
@@ -7675,9 +8150,6 @@
               </a:spcBef>
               <a:buNone/>
             </a:pPr>
-            <a:r>
-              <a:t/>
-            </a:r>
             <a:endParaRPr/>
           </a:p>
         </p:txBody>
@@ -7697,18 +8169,18 @@
             <a:avLst/>
           </a:prstGeom>
           <a:noFill/>
-          <a:ln cap="flat" cmpd="sng" w="9525">
+          <a:ln w="9525" cap="flat" cmpd="sng">
             <a:solidFill>
               <a:srgbClr val="FF0000"/>
             </a:solidFill>
             <a:prstDash val="solid"/>
             <a:round/>
-            <a:headEnd len="med" w="med" type="none"/>
-            <a:tailEnd len="med" w="med" type="none"/>
+            <a:headEnd type="none" w="med" len="med"/>
+            <a:tailEnd type="none" w="med" len="med"/>
           </a:ln>
         </p:spPr>
         <p:txBody>
-          <a:bodyPr anchorCtr="0" anchor="ctr" bIns="91425" lIns="91425" rIns="91425" tIns="91425">
+          <a:bodyPr lIns="91425" tIns="91425" rIns="91425" bIns="91425" anchor="ctr" anchorCtr="0">
             <a:noAutofit/>
           </a:bodyPr>
           <a:lstStyle/>
@@ -7719,9 +8191,6 @@
               </a:spcBef>
               <a:buNone/>
             </a:pPr>
-            <a:r>
-              <a:t/>
-            </a:r>
             <a:endParaRPr/>
           </a:p>
         </p:txBody>
@@ -7735,7 +8204,7 @@
           <p:nvPr/>
         </p:nvCxnSpPr>
         <p:spPr>
-          <a:xfrm flipH="1" rot="10800000">
+          <a:xfrm rot="10800000" flipH="1">
             <a:off x="1866925" y="1320925"/>
             <a:ext cx="3771900" cy="2074200"/>
           </a:xfrm>
@@ -7743,14 +8212,14 @@
             <a:avLst/>
           </a:prstGeom>
           <a:noFill/>
-          <a:ln cap="flat" cmpd="sng" w="9525">
+          <a:ln w="9525" cap="flat" cmpd="sng">
             <a:solidFill>
               <a:srgbClr val="FF0000"/>
             </a:solidFill>
             <a:prstDash val="solid"/>
             <a:round/>
-            <a:headEnd len="lg" w="lg" type="none"/>
-            <a:tailEnd len="lg" w="lg" type="triangle"/>
+            <a:headEnd type="none" w="lg" len="lg"/>
+            <a:tailEnd type="triangle" w="lg" len="lg"/>
           </a:ln>
         </p:spPr>
       </p:cxnSp>
@@ -7769,18 +8238,18 @@
             <a:avLst/>
           </a:prstGeom>
           <a:noFill/>
-          <a:ln cap="flat" cmpd="sng" w="9525">
+          <a:ln w="9525" cap="flat" cmpd="sng">
             <a:solidFill>
               <a:srgbClr val="000000"/>
             </a:solidFill>
             <a:prstDash val="solid"/>
             <a:round/>
-            <a:headEnd len="med" w="med" type="none"/>
-            <a:tailEnd len="med" w="med" type="none"/>
+            <a:headEnd type="none" w="med" len="med"/>
+            <a:tailEnd type="none" w="med" len="med"/>
           </a:ln>
         </p:spPr>
         <p:txBody>
-          <a:bodyPr anchorCtr="0" anchor="ctr" bIns="91425" lIns="91425" rIns="91425" tIns="91425">
+          <a:bodyPr lIns="91425" tIns="91425" rIns="91425" bIns="91425" anchor="ctr" anchorCtr="0">
             <a:noAutofit/>
           </a:bodyPr>
           <a:lstStyle/>
@@ -7816,14 +8285,14 @@
             <a:avLst/>
           </a:prstGeom>
           <a:noFill/>
-          <a:ln cap="flat" cmpd="sng" w="9525">
+          <a:ln w="9525" cap="flat" cmpd="sng">
             <a:solidFill>
               <a:srgbClr val="FF0000"/>
             </a:solidFill>
             <a:prstDash val="solid"/>
             <a:round/>
-            <a:headEnd len="lg" w="lg" type="none"/>
-            <a:tailEnd len="lg" w="lg" type="triangle"/>
+            <a:headEnd type="none" w="lg" len="lg"/>
+            <a:tailEnd type="triangle" w="lg" len="lg"/>
           </a:ln>
         </p:spPr>
       </p:cxnSp>
@@ -7842,18 +8311,18 @@
             <a:avLst/>
           </a:prstGeom>
           <a:noFill/>
-          <a:ln cap="flat" cmpd="sng" w="9525">
+          <a:ln w="9525" cap="flat" cmpd="sng">
             <a:solidFill>
               <a:srgbClr val="000000"/>
             </a:solidFill>
             <a:prstDash val="solid"/>
             <a:round/>
-            <a:headEnd len="med" w="med" type="none"/>
-            <a:tailEnd len="med" w="med" type="none"/>
+            <a:headEnd type="none" w="med" len="med"/>
+            <a:tailEnd type="none" w="med" len="med"/>
           </a:ln>
         </p:spPr>
         <p:txBody>
-          <a:bodyPr anchorCtr="0" anchor="ctr" bIns="91425" lIns="91425" rIns="91425" tIns="91425">
+          <a:bodyPr lIns="91425" tIns="91425" rIns="91425" bIns="91425" anchor="ctr" anchorCtr="0">
             <a:noAutofit/>
           </a:bodyPr>
           <a:lstStyle/>
@@ -7889,14 +8358,14 @@
             <a:avLst/>
           </a:prstGeom>
           <a:noFill/>
-          <a:ln cap="flat" cmpd="sng" w="9525">
+          <a:ln w="9525" cap="flat" cmpd="sng">
             <a:solidFill>
               <a:srgbClr val="FF0000"/>
             </a:solidFill>
             <a:prstDash val="solid"/>
             <a:round/>
-            <a:headEnd len="lg" w="lg" type="none"/>
-            <a:tailEnd len="lg" w="lg" type="triangle"/>
+            <a:headEnd type="none" w="lg" len="lg"/>
+            <a:tailEnd type="triangle" w="lg" len="lg"/>
           </a:ln>
         </p:spPr>
       </p:cxnSp>
@@ -7910,7 +8379,7 @@
           <p:nvPr/>
         </p:nvCxnSpPr>
         <p:spPr>
-          <a:xfrm flipH="1" rot="10800000">
+          <a:xfrm rot="10800000" flipH="1">
             <a:off x="4476374" y="2293225"/>
             <a:ext cx="2974200" cy="1025700"/>
           </a:xfrm>
@@ -7918,14 +8387,14 @@
             <a:avLst/>
           </a:prstGeom>
           <a:noFill/>
-          <a:ln cap="flat" cmpd="sng" w="9525">
+          <a:ln w="9525" cap="flat" cmpd="sng">
             <a:solidFill>
               <a:srgbClr val="FF0000"/>
             </a:solidFill>
             <a:prstDash val="solid"/>
             <a:round/>
-            <a:headEnd len="lg" w="lg" type="none"/>
-            <a:tailEnd len="lg" w="lg" type="triangle"/>
+            <a:headEnd type="none" w="lg" len="lg"/>
+            <a:tailEnd type="triangle" w="lg" len="lg"/>
           </a:ln>
         </p:spPr>
       </p:cxnSp>
@@ -7941,11 +8410,11 @@
 </file>
 
 <file path=ppt/slides/slide12.xml><?xml version="1.0" encoding="utf-8"?>
-<p:sld xmlns:a="http://schemas.openxmlformats.org/drawingml/2006/main" xmlns:r="http://schemas.openxmlformats.org/officeDocument/2006/relationships" xmlns:mc="http://schemas.openxmlformats.org/markup-compatibility/2006" xmlns:mv="urn:schemas-microsoft-com:mac:vml" xmlns:p="http://schemas.openxmlformats.org/presentationml/2006/main" xmlns:c="http://schemas.openxmlformats.org/drawingml/2006/chart" xmlns:dgm="http://schemas.openxmlformats.org/drawingml/2006/diagram" xmlns:o="urn:schemas-microsoft-com:office:office" xmlns:v="urn:schemas-microsoft-com:vml" xmlns:pvml="urn:schemas-microsoft-com:office:powerpoint" xmlns:com="http://schemas.openxmlformats.org/drawingml/2006/compatibility" xmlns:p14="http://schemas.microsoft.com/office/powerpoint/2010/main">
+<p:sld xmlns:a="http://schemas.openxmlformats.org/drawingml/2006/main" xmlns:r="http://schemas.openxmlformats.org/officeDocument/2006/relationships" xmlns:p="http://schemas.openxmlformats.org/presentationml/2006/main">
   <p:cSld>
     <p:spTree>
       <p:nvGrpSpPr>
-        <p:cNvPr id="159" name="Shape 159"/>
+        <p:cNvPr id="1" name="Shape 159"/>
         <p:cNvGrpSpPr/>
         <p:nvPr/>
       </p:nvGrpSpPr>
@@ -7960,7 +8429,9 @@
       <p:sp>
         <p:nvSpPr>
           <p:cNvPr id="160" name="Shape 160"/>
-          <p:cNvSpPr txBox="1"/>
+          <p:cNvSpPr txBox="1">
+            <a:spLocks noGrp="1"/>
+          </p:cNvSpPr>
           <p:nvPr>
             <p:ph type="title"/>
           </p:nvPr>
@@ -7975,7 +8446,7 @@
           </a:prstGeom>
         </p:spPr>
         <p:txBody>
-          <a:bodyPr anchorCtr="0" anchor="ctr" bIns="91425" lIns="91425" rIns="91425" tIns="91425">
+          <a:bodyPr lIns="91425" tIns="91425" rIns="91425" bIns="91425" anchor="ctr" anchorCtr="0">
             <a:noAutofit/>
           </a:bodyPr>
           <a:lstStyle/>
@@ -8013,12 +8484,12 @@
           </a:ln>
         </p:spPr>
         <p:txBody>
-          <a:bodyPr anchorCtr="0" anchor="t" bIns="91425" lIns="91425" rIns="91425" tIns="91425">
+          <a:bodyPr lIns="91425" tIns="91425" rIns="91425" bIns="91425" anchor="t" anchorCtr="0">
             <a:noAutofit/>
           </a:bodyPr>
           <a:lstStyle/>
           <a:p>
-            <a:pPr indent="-311150" lvl="0" marL="457200" rtl="0">
+            <a:pPr marL="457200" lvl="0" indent="-311150" rtl="0">
               <a:spcBef>
                 <a:spcPts val="0"/>
               </a:spcBef>
@@ -8031,7 +8502,7 @@
             </a:r>
           </a:p>
           <a:p>
-            <a:pPr indent="-311150" lvl="1" marL="914400" rtl="0">
+            <a:pPr marL="914400" lvl="1" indent="-311150" rtl="0">
               <a:spcBef>
                 <a:spcPts val="0"/>
               </a:spcBef>
@@ -8051,7 +8522,7 @@
             </a:r>
           </a:p>
           <a:p>
-            <a:pPr indent="-311150" lvl="1" marL="914400">
+            <a:pPr marL="914400" lvl="1" indent="-311150">
               <a:spcBef>
                 <a:spcPts val="0"/>
               </a:spcBef>
@@ -8093,14 +8564,14 @@
             <a:avLst/>
           </a:prstGeom>
           <a:noFill/>
-          <a:ln cap="flat" cmpd="sng" w="9525">
+          <a:ln w="9525" cap="flat" cmpd="sng">
             <a:solidFill>
               <a:srgbClr val="CCCCCC"/>
             </a:solidFill>
             <a:prstDash val="solid"/>
             <a:round/>
-            <a:headEnd len="med" w="med" type="none"/>
-            <a:tailEnd len="med" w="med" type="none"/>
+            <a:headEnd type="none" w="med" len="med"/>
+            <a:tailEnd type="none" w="med" len="med"/>
           </a:ln>
         </p:spPr>
       </p:pic>
@@ -8127,14 +8598,14 @@
             <a:avLst/>
           </a:prstGeom>
           <a:noFill/>
-          <a:ln cap="flat" cmpd="sng" w="9525">
+          <a:ln w="9525" cap="flat" cmpd="sng">
             <a:solidFill>
               <a:srgbClr val="CCCCCC"/>
             </a:solidFill>
             <a:prstDash val="solid"/>
             <a:round/>
-            <a:headEnd len="med" w="med" type="none"/>
-            <a:tailEnd len="med" w="med" type="none"/>
+            <a:headEnd type="none" w="med" len="med"/>
+            <a:tailEnd type="none" w="med" len="med"/>
           </a:ln>
         </p:spPr>
       </p:pic>
@@ -8158,7 +8629,7 @@
           </a:ln>
         </p:spPr>
         <p:txBody>
-          <a:bodyPr anchorCtr="0" anchor="t" bIns="91425" lIns="91425" rIns="91425" tIns="91425">
+          <a:bodyPr lIns="91425" tIns="91425" rIns="91425" bIns="91425" anchor="t" anchorCtr="0">
             <a:noAutofit/>
           </a:bodyPr>
           <a:lstStyle/>
@@ -8204,11 +8675,11 @@
 </file>
 
 <file path=ppt/slides/slide13.xml><?xml version="1.0" encoding="utf-8"?>
-<p:sld xmlns:a="http://schemas.openxmlformats.org/drawingml/2006/main" xmlns:r="http://schemas.openxmlformats.org/officeDocument/2006/relationships" xmlns:mc="http://schemas.openxmlformats.org/markup-compatibility/2006" xmlns:mv="urn:schemas-microsoft-com:mac:vml" xmlns:p="http://schemas.openxmlformats.org/presentationml/2006/main" xmlns:c="http://schemas.openxmlformats.org/drawingml/2006/chart" xmlns:dgm="http://schemas.openxmlformats.org/drawingml/2006/diagram" xmlns:o="urn:schemas-microsoft-com:office:office" xmlns:v="urn:schemas-microsoft-com:vml" xmlns:pvml="urn:schemas-microsoft-com:office:powerpoint" xmlns:com="http://schemas.openxmlformats.org/drawingml/2006/compatibility" xmlns:p14="http://schemas.microsoft.com/office/powerpoint/2010/main">
+<p:sld xmlns:a="http://schemas.openxmlformats.org/drawingml/2006/main" xmlns:r="http://schemas.openxmlformats.org/officeDocument/2006/relationships" xmlns:p="http://schemas.openxmlformats.org/presentationml/2006/main">
   <p:cSld>
     <p:spTree>
       <p:nvGrpSpPr>
-        <p:cNvPr id="168" name="Shape 168"/>
+        <p:cNvPr id="1" name="Shape 168"/>
         <p:cNvGrpSpPr/>
         <p:nvPr/>
       </p:nvGrpSpPr>
@@ -8223,7 +8694,9 @@
       <p:sp>
         <p:nvSpPr>
           <p:cNvPr id="169" name="Shape 169"/>
-          <p:cNvSpPr txBox="1"/>
+          <p:cNvSpPr txBox="1">
+            <a:spLocks noGrp="1"/>
+          </p:cNvSpPr>
           <p:nvPr>
             <p:ph type="title"/>
           </p:nvPr>
@@ -8238,7 +8711,7 @@
           </a:prstGeom>
         </p:spPr>
         <p:txBody>
-          <a:bodyPr anchorCtr="0" anchor="ctr" bIns="91425" lIns="91425" rIns="91425" tIns="91425">
+          <a:bodyPr lIns="91425" tIns="91425" rIns="91425" bIns="91425" anchor="ctr" anchorCtr="0">
             <a:noAutofit/>
           </a:bodyPr>
           <a:lstStyle/>
@@ -8279,14 +8752,14 @@
             <a:avLst/>
           </a:prstGeom>
           <a:noFill/>
-          <a:ln cap="flat" cmpd="sng" w="9525">
+          <a:ln w="9525" cap="flat" cmpd="sng">
             <a:solidFill>
               <a:srgbClr val="CCCCCC"/>
             </a:solidFill>
             <a:prstDash val="solid"/>
             <a:round/>
-            <a:headEnd len="med" w="med" type="none"/>
-            <a:tailEnd len="med" w="med" type="none"/>
+            <a:headEnd type="none" w="med" len="med"/>
+            <a:tailEnd type="none" w="med" len="med"/>
           </a:ln>
         </p:spPr>
       </p:pic>
@@ -8313,14 +8786,14 @@
             <a:avLst/>
           </a:prstGeom>
           <a:noFill/>
-          <a:ln cap="flat" cmpd="sng" w="9525">
+          <a:ln w="9525" cap="flat" cmpd="sng">
             <a:solidFill>
               <a:srgbClr val="CCCCCC"/>
             </a:solidFill>
             <a:prstDash val="solid"/>
             <a:round/>
-            <a:headEnd len="med" w="med" type="none"/>
-            <a:tailEnd len="med" w="med" type="none"/>
+            <a:headEnd type="none" w="med" len="med"/>
+            <a:tailEnd type="none" w="med" len="med"/>
           </a:ln>
         </p:spPr>
       </p:pic>
@@ -8331,24 +8804,24 @@
           <p:nvPr/>
         </p:nvCxnSpPr>
         <p:spPr>
-          <a:xfrm flipH="1" rot="-5400000">
+          <a:xfrm rot="-5400000" flipH="1">
             <a:off x="6224211" y="1195825"/>
             <a:ext cx="576600" cy="487799"/>
           </a:xfrm>
           <a:prstGeom prst="bentConnector3">
             <a:avLst>
-              <a:gd fmla="val 191" name="adj1"/>
+              <a:gd name="adj1" fmla="val 191"/>
             </a:avLst>
           </a:prstGeom>
           <a:noFill/>
-          <a:ln cap="flat" cmpd="sng" w="9525">
+          <a:ln w="9525" cap="flat" cmpd="sng">
             <a:solidFill>
               <a:srgbClr val="FF0000"/>
             </a:solidFill>
             <a:prstDash val="solid"/>
             <a:round/>
-            <a:headEnd len="lg" w="lg" type="none"/>
-            <a:tailEnd len="lg" w="lg" type="triangle"/>
+            <a:headEnd type="none" w="lg" len="lg"/>
+            <a:tailEnd type="triangle" w="lg" len="lg"/>
           </a:ln>
         </p:spPr>
       </p:cxnSp>
@@ -8372,12 +8845,12 @@
           </a:ln>
         </p:spPr>
         <p:txBody>
-          <a:bodyPr anchorCtr="0" anchor="t" bIns="91425" lIns="91425" rIns="91425" tIns="91425">
+          <a:bodyPr lIns="91425" tIns="91425" rIns="91425" bIns="91425" anchor="t" anchorCtr="0">
             <a:noAutofit/>
           </a:bodyPr>
           <a:lstStyle/>
           <a:p>
-            <a:pPr indent="-292100" lvl="0" marL="457200" rtl="0">
+            <a:pPr marL="457200" lvl="0" indent="-292100" rtl="0">
               <a:lnSpc>
                 <a:spcPct val="150000"/>
               </a:lnSpc>
@@ -8393,7 +8866,7 @@
             </a:r>
           </a:p>
           <a:p>
-            <a:pPr indent="-292100" lvl="1" marL="914400" rtl="0">
+            <a:pPr marL="914400" lvl="1" indent="-292100" rtl="0">
               <a:lnSpc>
                 <a:spcPct val="150000"/>
               </a:lnSpc>
@@ -8428,7 +8901,7 @@
             </a:r>
           </a:p>
           <a:p>
-            <a:pPr indent="-292100" lvl="1" marL="914400" rtl="0">
+            <a:pPr marL="914400" lvl="1" indent="-292100" rtl="0">
               <a:lnSpc>
                 <a:spcPct val="150000"/>
               </a:lnSpc>
@@ -8451,7 +8924,7 @@
             </a:r>
           </a:p>
           <a:p>
-            <a:pPr indent="-292100" lvl="1" marL="914400" rtl="0">
+            <a:pPr marL="914400" lvl="1" indent="-292100" rtl="0">
               <a:lnSpc>
                 <a:spcPct val="150000"/>
               </a:lnSpc>
@@ -8478,7 +8951,7 @@
             </a:r>
           </a:p>
           <a:p>
-            <a:pPr indent="-292100" lvl="1" marL="914400" rtl="0">
+            <a:pPr marL="914400" lvl="1" indent="-292100" rtl="0">
               <a:lnSpc>
                 <a:spcPct val="150000"/>
               </a:lnSpc>
@@ -8513,7 +8986,7 @@
             </a:r>
           </a:p>
           <a:p>
-            <a:pPr indent="-292100" lvl="1" marL="914400" rtl="0">
+            <a:pPr marL="914400" lvl="1" indent="-292100" rtl="0">
               <a:lnSpc>
                 <a:spcPct val="150000"/>
               </a:lnSpc>
@@ -8536,7 +9009,7 @@
             </a:r>
           </a:p>
           <a:p>
-            <a:pPr indent="-292100" lvl="1" marL="914400" rtl="0">
+            <a:pPr marL="914400" lvl="1" indent="-292100" rtl="0">
               <a:lnSpc>
                 <a:spcPct val="150000"/>
               </a:lnSpc>
@@ -8559,7 +9032,7 @@
             </a:r>
           </a:p>
           <a:p>
-            <a:pPr indent="-292100" lvl="1" marL="914400" rtl="0">
+            <a:pPr marL="914400" lvl="1" indent="-292100" rtl="0">
               <a:lnSpc>
                 <a:spcPct val="150000"/>
               </a:lnSpc>
@@ -8588,11 +9061,11 @@
 </file>
 
 <file path=ppt/slides/slide14.xml><?xml version="1.0" encoding="utf-8"?>
-<p:sld xmlns:a="http://schemas.openxmlformats.org/drawingml/2006/main" xmlns:r="http://schemas.openxmlformats.org/officeDocument/2006/relationships" xmlns:mc="http://schemas.openxmlformats.org/markup-compatibility/2006" xmlns:mv="urn:schemas-microsoft-com:mac:vml" xmlns:p="http://schemas.openxmlformats.org/presentationml/2006/main" xmlns:c="http://schemas.openxmlformats.org/drawingml/2006/chart" xmlns:dgm="http://schemas.openxmlformats.org/drawingml/2006/diagram" xmlns:o="urn:schemas-microsoft-com:office:office" xmlns:v="urn:schemas-microsoft-com:vml" xmlns:pvml="urn:schemas-microsoft-com:office:powerpoint" xmlns:com="http://schemas.openxmlformats.org/drawingml/2006/compatibility" xmlns:p14="http://schemas.microsoft.com/office/powerpoint/2010/main">
+<p:sld xmlns:a="http://schemas.openxmlformats.org/drawingml/2006/main" xmlns:r="http://schemas.openxmlformats.org/officeDocument/2006/relationships" xmlns:p="http://schemas.openxmlformats.org/presentationml/2006/main">
   <p:cSld>
     <p:spTree>
       <p:nvGrpSpPr>
-        <p:cNvPr id="177" name="Shape 177"/>
+        <p:cNvPr id="1" name="Shape 177"/>
         <p:cNvGrpSpPr/>
         <p:nvPr/>
       </p:nvGrpSpPr>
@@ -8607,7 +9080,9 @@
       <p:sp>
         <p:nvSpPr>
           <p:cNvPr id="178" name="Shape 178"/>
-          <p:cNvSpPr txBox="1"/>
+          <p:cNvSpPr txBox="1">
+            <a:spLocks noGrp="1"/>
+          </p:cNvSpPr>
           <p:nvPr>
             <p:ph type="title"/>
           </p:nvPr>
@@ -8622,7 +9097,7 @@
           </a:prstGeom>
         </p:spPr>
         <p:txBody>
-          <a:bodyPr anchorCtr="0" anchor="ctr" bIns="91425" lIns="91425" rIns="91425" tIns="91425">
+          <a:bodyPr lIns="91425" tIns="91425" rIns="91425" bIns="91425" anchor="ctr" anchorCtr="0">
             <a:noAutofit/>
           </a:bodyPr>
           <a:lstStyle/>
@@ -8663,14 +9138,14 @@
             <a:avLst/>
           </a:prstGeom>
           <a:noFill/>
-          <a:ln cap="flat" cmpd="sng" w="9525">
+          <a:ln w="9525" cap="flat" cmpd="sng">
             <a:solidFill>
               <a:srgbClr val="CCCCCC"/>
             </a:solidFill>
             <a:prstDash val="solid"/>
             <a:round/>
-            <a:headEnd len="med" w="med" type="none"/>
-            <a:tailEnd len="med" w="med" type="none"/>
+            <a:headEnd type="none" w="med" len="med"/>
+            <a:tailEnd type="none" w="med" len="med"/>
           </a:ln>
         </p:spPr>
       </p:pic>
@@ -8694,12 +9169,12 @@
           </a:ln>
         </p:spPr>
         <p:txBody>
-          <a:bodyPr anchorCtr="0" anchor="t" bIns="91425" lIns="91425" rIns="91425" tIns="91425">
+          <a:bodyPr lIns="91425" tIns="91425" rIns="91425" bIns="91425" anchor="t" anchorCtr="0">
             <a:noAutofit/>
           </a:bodyPr>
           <a:lstStyle/>
           <a:p>
-            <a:pPr indent="-304800" lvl="0" marL="457200" rtl="0">
+            <a:pPr marL="457200" lvl="0" indent="-304800" rtl="0">
               <a:lnSpc>
                 <a:spcPct val="150000"/>
               </a:lnSpc>
@@ -8715,7 +9190,7 @@
             </a:r>
           </a:p>
           <a:p>
-            <a:pPr indent="-304800" lvl="0" marL="457200" rtl="0">
+            <a:pPr marL="457200" lvl="0" indent="-304800" rtl="0">
               <a:lnSpc>
                 <a:spcPct val="150000"/>
               </a:lnSpc>
@@ -8731,7 +9206,7 @@
             </a:r>
           </a:p>
           <a:p>
-            <a:pPr indent="-304800" lvl="0" marL="457200" rtl="0">
+            <a:pPr marL="457200" lvl="0" indent="-304800" rtl="0">
               <a:lnSpc>
                 <a:spcPct val="150000"/>
               </a:lnSpc>
@@ -8760,7 +9235,7 @@
             </a:r>
           </a:p>
           <a:p>
-            <a:pPr indent="-304800" lvl="0" marL="457200">
+            <a:pPr marL="457200" lvl="0" indent="-304800">
               <a:lnSpc>
                 <a:spcPct val="150000"/>
               </a:lnSpc>
@@ -8789,11 +9264,11 @@
 </file>
 
 <file path=ppt/slides/slide15.xml><?xml version="1.0" encoding="utf-8"?>
-<p:sld xmlns:a="http://schemas.openxmlformats.org/drawingml/2006/main" xmlns:r="http://schemas.openxmlformats.org/officeDocument/2006/relationships" xmlns:mc="http://schemas.openxmlformats.org/markup-compatibility/2006" xmlns:mv="urn:schemas-microsoft-com:mac:vml" xmlns:p="http://schemas.openxmlformats.org/presentationml/2006/main" xmlns:c="http://schemas.openxmlformats.org/drawingml/2006/chart" xmlns:dgm="http://schemas.openxmlformats.org/drawingml/2006/diagram" xmlns:o="urn:schemas-microsoft-com:office:office" xmlns:v="urn:schemas-microsoft-com:vml" xmlns:pvml="urn:schemas-microsoft-com:office:powerpoint" xmlns:com="http://schemas.openxmlformats.org/drawingml/2006/compatibility" xmlns:p14="http://schemas.microsoft.com/office/powerpoint/2010/main">
+<p:sld xmlns:a="http://schemas.openxmlformats.org/drawingml/2006/main" xmlns:r="http://schemas.openxmlformats.org/officeDocument/2006/relationships" xmlns:p="http://schemas.openxmlformats.org/presentationml/2006/main">
   <p:cSld>
     <p:spTree>
       <p:nvGrpSpPr>
-        <p:cNvPr id="184" name="Shape 184"/>
+        <p:cNvPr id="1" name="Shape 184"/>
         <p:cNvGrpSpPr/>
         <p:nvPr/>
       </p:nvGrpSpPr>
@@ -8808,7 +9283,9 @@
       <p:sp>
         <p:nvSpPr>
           <p:cNvPr id="185" name="Shape 185"/>
-          <p:cNvSpPr txBox="1"/>
+          <p:cNvSpPr txBox="1">
+            <a:spLocks noGrp="1"/>
+          </p:cNvSpPr>
           <p:nvPr>
             <p:ph type="title"/>
           </p:nvPr>
@@ -8823,7 +9300,7 @@
           </a:prstGeom>
         </p:spPr>
         <p:txBody>
-          <a:bodyPr anchorCtr="0" anchor="ctr" bIns="91425" lIns="91425" rIns="91425" tIns="91425">
+          <a:bodyPr lIns="91425" tIns="91425" rIns="91425" bIns="91425" anchor="ctr" anchorCtr="0">
             <a:noAutofit/>
           </a:bodyPr>
           <a:lstStyle/>
@@ -8861,12 +9338,12 @@
           </a:ln>
         </p:spPr>
         <p:txBody>
-          <a:bodyPr anchorCtr="0" anchor="t" bIns="91425" lIns="91425" rIns="91425" tIns="91425">
+          <a:bodyPr lIns="91425" tIns="91425" rIns="91425" bIns="91425" anchor="t" anchorCtr="0">
             <a:noAutofit/>
           </a:bodyPr>
           <a:lstStyle/>
           <a:p>
-            <a:pPr indent="-304800" lvl="0" marL="457200" rtl="0">
+            <a:pPr marL="457200" lvl="0" indent="-304800" rtl="0">
               <a:lnSpc>
                 <a:spcPct val="115000"/>
               </a:lnSpc>
@@ -8882,7 +9359,7 @@
             </a:r>
           </a:p>
           <a:p>
-            <a:pPr indent="-304800" lvl="0" marL="457200" rtl="0">
+            <a:pPr marL="457200" lvl="0" indent="-304800" rtl="0">
               <a:lnSpc>
                 <a:spcPct val="115000"/>
               </a:lnSpc>
@@ -8898,7 +9375,7 @@
             </a:r>
           </a:p>
           <a:p>
-            <a:pPr indent="-304800" lvl="0" marL="457200" rtl="0">
+            <a:pPr marL="457200" lvl="0" indent="-304800" rtl="0">
               <a:lnSpc>
                 <a:spcPct val="115000"/>
               </a:lnSpc>
@@ -8927,7 +9404,7 @@
             </a:r>
           </a:p>
           <a:p>
-            <a:pPr indent="-304800" lvl="0" marL="457200" rtl="0">
+            <a:pPr marL="457200" lvl="0" indent="-304800" rtl="0">
               <a:lnSpc>
                 <a:spcPct val="115000"/>
               </a:lnSpc>
@@ -8943,7 +9420,7 @@
             </a:r>
           </a:p>
           <a:p>
-            <a:pPr indent="-304800" lvl="0" marL="457200" rtl="0">
+            <a:pPr marL="457200" lvl="0" indent="-304800" rtl="0">
               <a:lnSpc>
                 <a:spcPct val="115000"/>
               </a:lnSpc>
@@ -8959,7 +9436,7 @@
             </a:r>
           </a:p>
           <a:p>
-            <a:pPr indent="-304800" lvl="0" marL="457200" rtl="0">
+            <a:pPr marL="457200" lvl="0" indent="-304800" rtl="0">
               <a:lnSpc>
                 <a:spcPct val="115000"/>
               </a:lnSpc>
@@ -8975,7 +9452,7 @@
             </a:r>
           </a:p>
           <a:p>
-            <a:pPr indent="-304800" lvl="0" marL="457200" rtl="0">
+            <a:pPr marL="457200" lvl="0" indent="-304800" rtl="0">
               <a:lnSpc>
                 <a:spcPct val="115000"/>
               </a:lnSpc>
@@ -8991,7 +9468,7 @@
             </a:r>
           </a:p>
           <a:p>
-            <a:pPr indent="-304800" lvl="0" marL="457200" rtl="0">
+            <a:pPr marL="457200" lvl="0" indent="-304800" rtl="0">
               <a:lnSpc>
                 <a:spcPct val="115000"/>
               </a:lnSpc>
@@ -9018,7 +9495,7 @@
           <a:blip r:embed="rId4">
             <a:alphaModFix/>
           </a:blip>
-          <a:srcRect b="52604" l="0" r="42971" t="0"/>
+          <a:srcRect r="42971" b="52604"/>
           <a:stretch/>
         </p:blipFill>
         <p:spPr>
@@ -9030,14 +9507,14 @@
             <a:avLst/>
           </a:prstGeom>
           <a:noFill/>
-          <a:ln cap="flat" cmpd="sng" w="9525">
+          <a:ln w="9525" cap="flat" cmpd="sng">
             <a:solidFill>
               <a:srgbClr val="CCCCCC"/>
             </a:solidFill>
             <a:prstDash val="solid"/>
             <a:round/>
-            <a:headEnd len="med" w="med" type="none"/>
-            <a:tailEnd len="med" w="med" type="none"/>
+            <a:headEnd type="none" w="med" len="med"/>
+            <a:tailEnd type="none" w="med" len="med"/>
           </a:ln>
         </p:spPr>
       </p:pic>
@@ -9056,18 +9533,18 @@
             <a:avLst/>
           </a:prstGeom>
           <a:noFill/>
-          <a:ln cap="flat" cmpd="sng" w="9525">
+          <a:ln w="9525" cap="flat" cmpd="sng">
             <a:solidFill>
               <a:srgbClr val="FF0000"/>
             </a:solidFill>
             <a:prstDash val="solid"/>
             <a:round/>
-            <a:headEnd len="med" w="med" type="none"/>
-            <a:tailEnd len="med" w="med" type="none"/>
+            <a:headEnd type="none" w="med" len="med"/>
+            <a:tailEnd type="none" w="med" len="med"/>
           </a:ln>
         </p:spPr>
         <p:txBody>
-          <a:bodyPr anchorCtr="0" anchor="ctr" bIns="91425" lIns="91425" rIns="91425" tIns="91425">
+          <a:bodyPr lIns="91425" tIns="91425" rIns="91425" bIns="91425" anchor="ctr" anchorCtr="0">
             <a:noAutofit/>
           </a:bodyPr>
           <a:lstStyle/>
@@ -9078,9 +9555,6 @@
               </a:spcBef>
               <a:buNone/>
             </a:pPr>
-            <a:r>
-              <a:t/>
-            </a:r>
             <a:endParaRPr/>
           </a:p>
         </p:txBody>
@@ -9108,14 +9582,14 @@
             <a:avLst/>
           </a:prstGeom>
           <a:noFill/>
-          <a:ln cap="flat" cmpd="sng" w="9525">
+          <a:ln w="9525" cap="flat" cmpd="sng">
             <a:solidFill>
               <a:srgbClr val="CCCCCC"/>
             </a:solidFill>
             <a:prstDash val="solid"/>
             <a:round/>
-            <a:headEnd len="med" w="med" type="none"/>
-            <a:tailEnd len="med" w="med" type="none"/>
+            <a:headEnd type="none" w="med" len="med"/>
+            <a:tailEnd type="none" w="med" len="med"/>
           </a:ln>
         </p:spPr>
       </p:pic>
@@ -9134,18 +9608,18 @@
           </a:xfrm>
           <a:prstGeom prst="bentConnector3">
             <a:avLst>
-              <a:gd fmla="val 99386" name="adj1"/>
+              <a:gd name="adj1" fmla="val 99386"/>
             </a:avLst>
           </a:prstGeom>
           <a:noFill/>
-          <a:ln cap="flat" cmpd="sng" w="9525">
+          <a:ln w="9525" cap="flat" cmpd="sng">
             <a:solidFill>
               <a:srgbClr val="FF0000"/>
             </a:solidFill>
             <a:prstDash val="solid"/>
             <a:round/>
-            <a:headEnd len="lg" w="lg" type="none"/>
-            <a:tailEnd len="lg" w="lg" type="triangle"/>
+            <a:headEnd type="none" w="lg" len="lg"/>
+            <a:tailEnd type="triangle" w="lg" len="lg"/>
           </a:ln>
         </p:spPr>
       </p:cxnSp>
@@ -9161,11 +9635,11 @@
 </file>
 
 <file path=ppt/slides/slide16.xml><?xml version="1.0" encoding="utf-8"?>
-<p:sld xmlns:a="http://schemas.openxmlformats.org/drawingml/2006/main" xmlns:r="http://schemas.openxmlformats.org/officeDocument/2006/relationships" xmlns:mc="http://schemas.openxmlformats.org/markup-compatibility/2006" xmlns:mv="urn:schemas-microsoft-com:mac:vml" xmlns:p="http://schemas.openxmlformats.org/presentationml/2006/main" xmlns:c="http://schemas.openxmlformats.org/drawingml/2006/chart" xmlns:dgm="http://schemas.openxmlformats.org/drawingml/2006/diagram" xmlns:o="urn:schemas-microsoft-com:office:office" xmlns:v="urn:schemas-microsoft-com:vml" xmlns:pvml="urn:schemas-microsoft-com:office:powerpoint" xmlns:com="http://schemas.openxmlformats.org/drawingml/2006/compatibility" xmlns:p14="http://schemas.microsoft.com/office/powerpoint/2010/main">
+<p:sld xmlns:a="http://schemas.openxmlformats.org/drawingml/2006/main" xmlns:r="http://schemas.openxmlformats.org/officeDocument/2006/relationships" xmlns:p="http://schemas.openxmlformats.org/presentationml/2006/main">
   <p:cSld>
     <p:spTree>
       <p:nvGrpSpPr>
-        <p:cNvPr id="194" name="Shape 194"/>
+        <p:cNvPr id="1" name="Shape 194"/>
         <p:cNvGrpSpPr/>
         <p:nvPr/>
       </p:nvGrpSpPr>
@@ -9180,7 +9654,9 @@
       <p:sp>
         <p:nvSpPr>
           <p:cNvPr id="195" name="Shape 195"/>
-          <p:cNvSpPr txBox="1"/>
+          <p:cNvSpPr txBox="1">
+            <a:spLocks noGrp="1"/>
+          </p:cNvSpPr>
           <p:nvPr>
             <p:ph type="title"/>
           </p:nvPr>
@@ -9195,7 +9671,7 @@
           </a:prstGeom>
         </p:spPr>
         <p:txBody>
-          <a:bodyPr anchorCtr="0" anchor="ctr" bIns="91425" lIns="91425" rIns="91425" tIns="91425">
+          <a:bodyPr lIns="91425" tIns="91425" rIns="91425" bIns="91425" anchor="ctr" anchorCtr="0">
             <a:noAutofit/>
           </a:bodyPr>
           <a:lstStyle/>
@@ -9261,12 +9737,12 @@
           </a:ln>
         </p:spPr>
         <p:txBody>
-          <a:bodyPr anchorCtr="0" anchor="t" bIns="91425" lIns="91425" rIns="91425" tIns="91425">
+          <a:bodyPr lIns="91425" tIns="91425" rIns="91425" bIns="91425" anchor="t" anchorCtr="0">
             <a:noAutofit/>
           </a:bodyPr>
           <a:lstStyle/>
           <a:p>
-            <a:pPr indent="-311150" lvl="0" marL="457200" rtl="0">
+            <a:pPr marL="457200" lvl="0" indent="-311150" rtl="0">
               <a:lnSpc>
                 <a:spcPct val="115000"/>
               </a:lnSpc>
@@ -9282,7 +9758,7 @@
             </a:r>
           </a:p>
           <a:p>
-            <a:pPr indent="-311150" lvl="0" marL="457200" rtl="0">
+            <a:pPr marL="457200" lvl="0" indent="-311150" rtl="0">
               <a:lnSpc>
                 <a:spcPct val="115000"/>
               </a:lnSpc>
@@ -9298,7 +9774,7 @@
             </a:r>
           </a:p>
           <a:p>
-            <a:pPr indent="-311150" lvl="0" marL="457200" rtl="0">
+            <a:pPr marL="457200" lvl="0" indent="-311150" rtl="0">
               <a:lnSpc>
                 <a:spcPct val="115000"/>
               </a:lnSpc>
@@ -9314,7 +9790,7 @@
             </a:r>
           </a:p>
           <a:p>
-            <a:pPr indent="-311150" lvl="0" marL="457200" rtl="0">
+            <a:pPr marL="457200" lvl="0" indent="-311150" rtl="0">
               <a:lnSpc>
                 <a:spcPct val="115000"/>
               </a:lnSpc>
@@ -9339,9 +9815,6 @@
               </a:spcBef>
               <a:buNone/>
             </a:pPr>
-            <a:r>
-              <a:t/>
-            </a:r>
             <a:endParaRPr sz="1300"/>
           </a:p>
         </p:txBody>
@@ -9369,14 +9842,14 @@
             <a:avLst/>
           </a:prstGeom>
           <a:noFill/>
-          <a:ln cap="flat" cmpd="sng" w="9525">
+          <a:ln w="9525" cap="flat" cmpd="sng">
             <a:solidFill>
               <a:srgbClr val="CCCCCC"/>
             </a:solidFill>
             <a:prstDash val="solid"/>
             <a:round/>
-            <a:headEnd len="med" w="med" type="none"/>
-            <a:tailEnd len="med" w="med" type="none"/>
+            <a:headEnd type="none" w="med" len="med"/>
+            <a:tailEnd type="none" w="med" len="med"/>
           </a:ln>
         </p:spPr>
       </p:pic>
@@ -9403,14 +9876,14 @@
             <a:avLst/>
           </a:prstGeom>
           <a:noFill/>
-          <a:ln cap="flat" cmpd="sng" w="9525">
+          <a:ln w="9525" cap="flat" cmpd="sng">
             <a:solidFill>
               <a:srgbClr val="CCCCCC"/>
             </a:solidFill>
             <a:prstDash val="solid"/>
             <a:round/>
-            <a:headEnd len="med" w="med" type="none"/>
-            <a:tailEnd len="med" w="med" type="none"/>
+            <a:headEnd type="none" w="med" len="med"/>
+            <a:tailEnd type="none" w="med" len="med"/>
           </a:ln>
         </p:spPr>
       </p:pic>
@@ -9429,18 +9902,18 @@
             <a:avLst/>
           </a:prstGeom>
           <a:noFill/>
-          <a:ln cap="flat" cmpd="sng" w="9525">
+          <a:ln w="9525" cap="flat" cmpd="sng">
             <a:solidFill>
               <a:srgbClr val="000000"/>
             </a:solidFill>
             <a:prstDash val="solid"/>
             <a:round/>
-            <a:headEnd len="med" w="med" type="none"/>
-            <a:tailEnd len="med" w="med" type="none"/>
+            <a:headEnd type="none" w="med" len="med"/>
+            <a:tailEnd type="none" w="med" len="med"/>
           </a:ln>
         </p:spPr>
         <p:txBody>
-          <a:bodyPr anchorCtr="0" anchor="ctr" bIns="91425" lIns="91425" rIns="91425" tIns="91425">
+          <a:bodyPr lIns="91425" tIns="91425" rIns="91425" bIns="91425" anchor="ctr" anchorCtr="0">
             <a:noAutofit/>
           </a:bodyPr>
           <a:lstStyle/>
@@ -9473,23 +9946,23 @@
             <a:avLst/>
           </a:prstGeom>
           <a:noFill/>
-          <a:ln cap="flat" cmpd="sng" w="9525">
+          <a:ln w="9525" cap="flat" cmpd="sng">
             <a:solidFill>
               <a:srgbClr val="000000"/>
             </a:solidFill>
             <a:prstDash val="solid"/>
             <a:round/>
-            <a:headEnd len="med" w="med" type="none"/>
-            <a:tailEnd len="med" w="med" type="none"/>
+            <a:headEnd type="none" w="med" len="med"/>
+            <a:tailEnd type="none" w="med" len="med"/>
           </a:ln>
         </p:spPr>
         <p:txBody>
-          <a:bodyPr anchorCtr="0" anchor="ctr" bIns="91425" lIns="91425" rIns="91425" tIns="91425">
+          <a:bodyPr lIns="91425" tIns="91425" rIns="91425" bIns="91425" anchor="ctr" anchorCtr="0">
             <a:noAutofit/>
           </a:bodyPr>
           <a:lstStyle/>
           <a:p>
-            <a:pPr lvl="0" rtl="0" algn="ctr">
+            <a:pPr lvl="0" algn="ctr" rtl="0">
               <a:spcBef>
                 <a:spcPts val="0"/>
               </a:spcBef>
@@ -9517,23 +9990,23 @@
             <a:avLst/>
           </a:prstGeom>
           <a:noFill/>
-          <a:ln cap="flat" cmpd="sng" w="9525">
+          <a:ln w="9525" cap="flat" cmpd="sng">
             <a:solidFill>
               <a:srgbClr val="000000"/>
             </a:solidFill>
             <a:prstDash val="solid"/>
             <a:round/>
-            <a:headEnd len="med" w="med" type="none"/>
-            <a:tailEnd len="med" w="med" type="none"/>
+            <a:headEnd type="none" w="med" len="med"/>
+            <a:tailEnd type="none" w="med" len="med"/>
           </a:ln>
         </p:spPr>
         <p:txBody>
-          <a:bodyPr anchorCtr="0" anchor="ctr" bIns="91425" lIns="91425" rIns="91425" tIns="91425">
+          <a:bodyPr lIns="91425" tIns="91425" rIns="91425" bIns="91425" anchor="ctr" anchorCtr="0">
             <a:noAutofit/>
           </a:bodyPr>
           <a:lstStyle/>
           <a:p>
-            <a:pPr lvl="0" rtl="0" algn="ctr">
+            <a:pPr lvl="0" algn="ctr" rtl="0">
               <a:spcBef>
                 <a:spcPts val="0"/>
               </a:spcBef>
@@ -9558,11 +10031,11 @@
 </file>
 
 <file path=ppt/slides/slide17.xml><?xml version="1.0" encoding="utf-8"?>
-<p:sld xmlns:a="http://schemas.openxmlformats.org/drawingml/2006/main" xmlns:r="http://schemas.openxmlformats.org/officeDocument/2006/relationships" xmlns:mc="http://schemas.openxmlformats.org/markup-compatibility/2006" xmlns:mv="urn:schemas-microsoft-com:mac:vml" xmlns:p="http://schemas.openxmlformats.org/presentationml/2006/main" xmlns:c="http://schemas.openxmlformats.org/drawingml/2006/chart" xmlns:dgm="http://schemas.openxmlformats.org/drawingml/2006/diagram" xmlns:o="urn:schemas-microsoft-com:office:office" xmlns:v="urn:schemas-microsoft-com:vml" xmlns:pvml="urn:schemas-microsoft-com:office:powerpoint" xmlns:com="http://schemas.openxmlformats.org/drawingml/2006/compatibility" xmlns:p14="http://schemas.microsoft.com/office/powerpoint/2010/main">
+<p:sld xmlns:a="http://schemas.openxmlformats.org/drawingml/2006/main" xmlns:r="http://schemas.openxmlformats.org/officeDocument/2006/relationships" xmlns:p="http://schemas.openxmlformats.org/presentationml/2006/main">
   <p:cSld>
     <p:spTree>
       <p:nvGrpSpPr>
-        <p:cNvPr id="206" name="Shape 206"/>
+        <p:cNvPr id="1" name="Shape 206"/>
         <p:cNvGrpSpPr/>
         <p:nvPr/>
       </p:nvGrpSpPr>
@@ -9661,7 +10134,9 @@
       <p:sp>
         <p:nvSpPr>
           <p:cNvPr id="210" name="Shape 210"/>
-          <p:cNvSpPr txBox="1"/>
+          <p:cNvSpPr txBox="1">
+            <a:spLocks noGrp="1"/>
+          </p:cNvSpPr>
           <p:nvPr>
             <p:ph type="title"/>
           </p:nvPr>
@@ -9676,7 +10151,7 @@
           </a:prstGeom>
         </p:spPr>
         <p:txBody>
-          <a:bodyPr anchorCtr="0" anchor="ctr" bIns="91425" lIns="91425" rIns="91425" tIns="91425">
+          <a:bodyPr lIns="91425" tIns="91425" rIns="91425" bIns="91425" anchor="ctr" anchorCtr="0">
             <a:noAutofit/>
           </a:bodyPr>
           <a:lstStyle/>
@@ -9714,12 +10189,12 @@
           </a:ln>
         </p:spPr>
         <p:txBody>
-          <a:bodyPr anchorCtr="0" anchor="t" bIns="91425" lIns="91425" rIns="91425" tIns="91425">
+          <a:bodyPr lIns="91425" tIns="91425" rIns="91425" bIns="91425" anchor="t" anchorCtr="0">
             <a:noAutofit/>
           </a:bodyPr>
           <a:lstStyle/>
           <a:p>
-            <a:pPr indent="-311150" lvl="0" marL="457200" rtl="0">
+            <a:pPr marL="457200" lvl="0" indent="-311150" rtl="0">
               <a:lnSpc>
                 <a:spcPct val="115000"/>
               </a:lnSpc>
@@ -9735,7 +10210,7 @@
             </a:r>
           </a:p>
           <a:p>
-            <a:pPr indent="-311150" lvl="0" marL="457200" rtl="0">
+            <a:pPr marL="457200" lvl="0" indent="-311150" rtl="0">
               <a:lnSpc>
                 <a:spcPct val="115000"/>
               </a:lnSpc>
@@ -9751,7 +10226,7 @@
             </a:r>
           </a:p>
           <a:p>
-            <a:pPr indent="-311150" lvl="0" marL="457200" rtl="0">
+            <a:pPr marL="457200" lvl="0" indent="-311150" rtl="0">
               <a:lnSpc>
                 <a:spcPct val="115000"/>
               </a:lnSpc>
@@ -9767,7 +10242,7 @@
             </a:r>
           </a:p>
           <a:p>
-            <a:pPr indent="-311150" lvl="0" marL="457200" rtl="0">
+            <a:pPr marL="457200" lvl="0" indent="-311150" rtl="0">
               <a:lnSpc>
                 <a:spcPct val="115000"/>
               </a:lnSpc>
@@ -9783,7 +10258,7 @@
             </a:r>
           </a:p>
           <a:p>
-            <a:pPr indent="-311150" lvl="0" marL="457200" rtl="0">
+            <a:pPr marL="457200" lvl="0" indent="-311150" rtl="0">
               <a:lnSpc>
                 <a:spcPct val="115000"/>
               </a:lnSpc>
@@ -9808,9 +10283,6 @@
               </a:spcBef>
               <a:buNone/>
             </a:pPr>
-            <a:r>
-              <a:t/>
-            </a:r>
             <a:endParaRPr sz="1300"/>
           </a:p>
         </p:txBody>
@@ -9830,23 +10302,23 @@
             <a:avLst/>
           </a:prstGeom>
           <a:noFill/>
-          <a:ln cap="flat" cmpd="sng" w="9525">
+          <a:ln w="9525" cap="flat" cmpd="sng">
             <a:solidFill>
               <a:srgbClr val="FFFFFF"/>
             </a:solidFill>
             <a:prstDash val="solid"/>
             <a:round/>
-            <a:headEnd len="med" w="med" type="none"/>
-            <a:tailEnd len="med" w="med" type="none"/>
+            <a:headEnd type="none" w="med" len="med"/>
+            <a:tailEnd type="none" w="med" len="med"/>
           </a:ln>
         </p:spPr>
         <p:txBody>
-          <a:bodyPr anchorCtr="0" anchor="ctr" bIns="91425" lIns="91425" rIns="91425" tIns="91425">
+          <a:bodyPr lIns="91425" tIns="91425" rIns="91425" bIns="91425" anchor="ctr" anchorCtr="0">
             <a:noAutofit/>
           </a:bodyPr>
           <a:lstStyle/>
           <a:p>
-            <a:pPr lvl="0" rtl="0" algn="ctr">
+            <a:pPr lvl="0" algn="ctr" rtl="0">
               <a:spcBef>
                 <a:spcPts val="0"/>
               </a:spcBef>
@@ -9878,23 +10350,23 @@
             <a:avLst/>
           </a:prstGeom>
           <a:noFill/>
-          <a:ln cap="flat" cmpd="sng" w="9525">
+          <a:ln w="9525" cap="flat" cmpd="sng">
             <a:solidFill>
               <a:srgbClr val="000000"/>
             </a:solidFill>
             <a:prstDash val="solid"/>
             <a:round/>
-            <a:headEnd len="med" w="med" type="none"/>
-            <a:tailEnd len="med" w="med" type="none"/>
+            <a:headEnd type="none" w="med" len="med"/>
+            <a:tailEnd type="none" w="med" len="med"/>
           </a:ln>
         </p:spPr>
         <p:txBody>
-          <a:bodyPr anchorCtr="0" anchor="ctr" bIns="91425" lIns="91425" rIns="91425" tIns="91425">
+          <a:bodyPr lIns="91425" tIns="91425" rIns="91425" bIns="91425" anchor="ctr" anchorCtr="0">
             <a:noAutofit/>
           </a:bodyPr>
           <a:lstStyle/>
           <a:p>
-            <a:pPr lvl="0" rtl="0" algn="ctr">
+            <a:pPr lvl="0" algn="ctr" rtl="0">
               <a:spcBef>
                 <a:spcPts val="0"/>
               </a:spcBef>
@@ -9922,23 +10394,23 @@
             <a:avLst/>
           </a:prstGeom>
           <a:noFill/>
-          <a:ln cap="flat" cmpd="sng" w="9525">
+          <a:ln w="9525" cap="flat" cmpd="sng">
             <a:solidFill>
               <a:srgbClr val="000000"/>
             </a:solidFill>
             <a:prstDash val="solid"/>
             <a:round/>
-            <a:headEnd len="med" w="med" type="none"/>
-            <a:tailEnd len="med" w="med" type="none"/>
+            <a:headEnd type="none" w="med" len="med"/>
+            <a:tailEnd type="none" w="med" len="med"/>
           </a:ln>
         </p:spPr>
         <p:txBody>
-          <a:bodyPr anchorCtr="0" anchor="ctr" bIns="91425" lIns="91425" rIns="91425" tIns="91425">
+          <a:bodyPr lIns="91425" tIns="91425" rIns="91425" bIns="91425" anchor="ctr" anchorCtr="0">
             <a:noAutofit/>
           </a:bodyPr>
           <a:lstStyle/>
           <a:p>
-            <a:pPr lvl="0" rtl="0" algn="ctr">
+            <a:pPr lvl="0" algn="ctr" rtl="0">
               <a:spcBef>
                 <a:spcPts val="0"/>
               </a:spcBef>
@@ -9963,11 +10435,11 @@
 </file>
 
 <file path=ppt/slides/slide18.xml><?xml version="1.0" encoding="utf-8"?>
-<p:sld xmlns:a="http://schemas.openxmlformats.org/drawingml/2006/main" xmlns:r="http://schemas.openxmlformats.org/officeDocument/2006/relationships" xmlns:mc="http://schemas.openxmlformats.org/markup-compatibility/2006" xmlns:mv="urn:schemas-microsoft-com:mac:vml" xmlns:p="http://schemas.openxmlformats.org/presentationml/2006/main" xmlns:c="http://schemas.openxmlformats.org/drawingml/2006/chart" xmlns:dgm="http://schemas.openxmlformats.org/drawingml/2006/diagram" xmlns:o="urn:schemas-microsoft-com:office:office" xmlns:v="urn:schemas-microsoft-com:vml" xmlns:pvml="urn:schemas-microsoft-com:office:powerpoint" xmlns:com="http://schemas.openxmlformats.org/drawingml/2006/compatibility" xmlns:p14="http://schemas.microsoft.com/office/powerpoint/2010/main">
+<p:sld xmlns:a="http://schemas.openxmlformats.org/drawingml/2006/main" xmlns:r="http://schemas.openxmlformats.org/officeDocument/2006/relationships" xmlns:p="http://schemas.openxmlformats.org/presentationml/2006/main">
   <p:cSld>
     <p:spTree>
       <p:nvGrpSpPr>
-        <p:cNvPr id="218" name="Shape 218"/>
+        <p:cNvPr id="1" name="Shape 218"/>
         <p:cNvGrpSpPr/>
         <p:nvPr/>
       </p:nvGrpSpPr>
@@ -10002,21 +10474,23 @@
             <a:avLst/>
           </a:prstGeom>
           <a:noFill/>
-          <a:ln cap="flat" cmpd="sng" w="9525">
+          <a:ln w="9525" cap="flat" cmpd="sng">
             <a:solidFill>
               <a:srgbClr val="CCCCCC"/>
             </a:solidFill>
             <a:prstDash val="solid"/>
             <a:round/>
-            <a:headEnd len="med" w="med" type="none"/>
-            <a:tailEnd len="med" w="med" type="none"/>
+            <a:headEnd type="none" w="med" len="med"/>
+            <a:tailEnd type="none" w="med" len="med"/>
           </a:ln>
         </p:spPr>
       </p:pic>
       <p:sp>
         <p:nvSpPr>
           <p:cNvPr id="220" name="Shape 220"/>
-          <p:cNvSpPr txBox="1"/>
+          <p:cNvSpPr txBox="1">
+            <a:spLocks noGrp="1"/>
+          </p:cNvSpPr>
           <p:nvPr>
             <p:ph type="title"/>
           </p:nvPr>
@@ -10031,7 +10505,7 @@
           </a:prstGeom>
         </p:spPr>
         <p:txBody>
-          <a:bodyPr anchorCtr="0" anchor="ctr" bIns="91425" lIns="91425" rIns="91425" tIns="91425">
+          <a:bodyPr lIns="91425" tIns="91425" rIns="91425" bIns="91425" anchor="ctr" anchorCtr="0">
             <a:noAutofit/>
           </a:bodyPr>
           <a:lstStyle/>
@@ -10064,14 +10538,14 @@
             <a:avLst/>
           </a:prstGeom>
           <a:noFill/>
-          <a:ln cap="flat" cmpd="sng" w="9525">
+          <a:ln w="9525" cap="flat" cmpd="sng">
             <a:solidFill>
               <a:srgbClr val="FF0000"/>
             </a:solidFill>
             <a:prstDash val="solid"/>
             <a:round/>
-            <a:headEnd len="lg" w="lg" type="none"/>
-            <a:tailEnd len="lg" w="lg" type="triangle"/>
+            <a:headEnd type="none" w="lg" len="lg"/>
+            <a:tailEnd type="triangle" w="lg" len="lg"/>
           </a:ln>
         </p:spPr>
       </p:cxnSp>
@@ -10090,18 +10564,18 @@
             <a:avLst/>
           </a:prstGeom>
           <a:noFill/>
-          <a:ln cap="flat" cmpd="sng" w="9525">
+          <a:ln w="9525" cap="flat" cmpd="sng">
             <a:solidFill>
               <a:srgbClr val="000000"/>
             </a:solidFill>
             <a:prstDash val="solid"/>
             <a:round/>
-            <a:headEnd len="med" w="med" type="none"/>
-            <a:tailEnd len="med" w="med" type="none"/>
+            <a:headEnd type="none" w="med" len="med"/>
+            <a:tailEnd type="none" w="med" len="med"/>
           </a:ln>
         </p:spPr>
         <p:txBody>
-          <a:bodyPr anchorCtr="0" anchor="ctr" bIns="91425" lIns="91425" rIns="91425" tIns="91425">
+          <a:bodyPr lIns="91425" tIns="91425" rIns="91425" bIns="91425" anchor="ctr" anchorCtr="0">
             <a:noAutofit/>
           </a:bodyPr>
           <a:lstStyle/>
@@ -10134,14 +10608,14 @@
             <a:avLst/>
           </a:prstGeom>
           <a:noFill/>
-          <a:ln cap="flat" cmpd="sng" w="9525">
+          <a:ln w="9525" cap="flat" cmpd="sng">
             <a:solidFill>
               <a:srgbClr val="FF0000"/>
             </a:solidFill>
             <a:prstDash val="solid"/>
             <a:round/>
-            <a:headEnd len="lg" w="lg" type="none"/>
-            <a:tailEnd len="lg" w="lg" type="triangle"/>
+            <a:headEnd type="none" w="lg" len="lg"/>
+            <a:tailEnd type="triangle" w="lg" len="lg"/>
           </a:ln>
         </p:spPr>
       </p:cxnSp>
@@ -10160,18 +10634,18 @@
             <a:avLst/>
           </a:prstGeom>
           <a:noFill/>
-          <a:ln cap="flat" cmpd="sng" w="9525">
+          <a:ln w="9525" cap="flat" cmpd="sng">
             <a:solidFill>
               <a:srgbClr val="000000"/>
             </a:solidFill>
             <a:prstDash val="solid"/>
             <a:round/>
-            <a:headEnd len="med" w="med" type="none"/>
-            <a:tailEnd len="med" w="med" type="none"/>
+            <a:headEnd type="none" w="med" len="med"/>
+            <a:tailEnd type="none" w="med" len="med"/>
           </a:ln>
         </p:spPr>
         <p:txBody>
-          <a:bodyPr anchorCtr="0" anchor="ctr" bIns="91425" lIns="91425" rIns="91425" tIns="91425">
+          <a:bodyPr lIns="91425" tIns="91425" rIns="91425" bIns="91425" anchor="ctr" anchorCtr="0">
             <a:noAutofit/>
           </a:bodyPr>
           <a:lstStyle/>
@@ -10204,18 +10678,18 @@
             <a:avLst/>
           </a:prstGeom>
           <a:noFill/>
-          <a:ln cap="flat" cmpd="sng" w="9525">
+          <a:ln w="9525" cap="flat" cmpd="sng">
             <a:solidFill>
               <a:srgbClr val="FF0000"/>
             </a:solidFill>
             <a:prstDash val="solid"/>
             <a:round/>
-            <a:headEnd len="med" w="med" type="none"/>
-            <a:tailEnd len="med" w="med" type="none"/>
+            <a:headEnd type="none" w="med" len="med"/>
+            <a:tailEnd type="none" w="med" len="med"/>
           </a:ln>
         </p:spPr>
         <p:txBody>
-          <a:bodyPr anchorCtr="0" anchor="ctr" bIns="91425" lIns="91425" rIns="91425" tIns="91425">
+          <a:bodyPr lIns="91425" tIns="91425" rIns="91425" bIns="91425" anchor="ctr" anchorCtr="0">
             <a:noAutofit/>
           </a:bodyPr>
           <a:lstStyle/>
@@ -10226,9 +10700,6 @@
               </a:spcBef>
               <a:buNone/>
             </a:pPr>
-            <a:r>
-              <a:t/>
-            </a:r>
             <a:endParaRPr/>
           </a:p>
         </p:txBody>
@@ -10248,18 +10719,18 @@
             <a:avLst/>
           </a:prstGeom>
           <a:noFill/>
-          <a:ln cap="flat" cmpd="sng" w="9525">
+          <a:ln w="9525" cap="flat" cmpd="sng">
             <a:solidFill>
               <a:srgbClr val="FF0000"/>
             </a:solidFill>
             <a:prstDash val="solid"/>
             <a:round/>
-            <a:headEnd len="med" w="med" type="none"/>
-            <a:tailEnd len="med" w="med" type="none"/>
+            <a:headEnd type="none" w="med" len="med"/>
+            <a:tailEnd type="none" w="med" len="med"/>
           </a:ln>
         </p:spPr>
         <p:txBody>
-          <a:bodyPr anchorCtr="0" anchor="ctr" bIns="91425" lIns="91425" rIns="91425" tIns="91425">
+          <a:bodyPr lIns="91425" tIns="91425" rIns="91425" bIns="91425" anchor="ctr" anchorCtr="0">
             <a:noAutofit/>
           </a:bodyPr>
           <a:lstStyle/>
@@ -10270,9 +10741,6 @@
               </a:spcBef>
               <a:buNone/>
             </a:pPr>
-            <a:r>
-              <a:t/>
-            </a:r>
             <a:endParaRPr/>
           </a:p>
         </p:txBody>
@@ -10300,14 +10768,14 @@
             <a:avLst/>
           </a:prstGeom>
           <a:noFill/>
-          <a:ln cap="flat" cmpd="sng" w="9525">
+          <a:ln w="9525" cap="flat" cmpd="sng">
             <a:solidFill>
               <a:srgbClr val="CCCCCC"/>
             </a:solidFill>
             <a:prstDash val="solid"/>
             <a:round/>
-            <a:headEnd len="med" w="med" type="none"/>
-            <a:tailEnd len="med" w="med" type="none"/>
+            <a:headEnd type="none" w="med" len="med"/>
+            <a:tailEnd type="none" w="med" len="med"/>
           </a:ln>
         </p:spPr>
       </p:pic>
@@ -10326,18 +10794,18 @@
             <a:avLst/>
           </a:prstGeom>
           <a:noFill/>
-          <a:ln cap="flat" cmpd="sng" w="9525">
+          <a:ln w="9525" cap="flat" cmpd="sng">
             <a:solidFill>
               <a:srgbClr val="FF0000"/>
             </a:solidFill>
             <a:prstDash val="solid"/>
             <a:round/>
-            <a:headEnd len="med" w="med" type="none"/>
-            <a:tailEnd len="med" w="med" type="none"/>
+            <a:headEnd type="none" w="med" len="med"/>
+            <a:tailEnd type="none" w="med" len="med"/>
           </a:ln>
         </p:spPr>
         <p:txBody>
-          <a:bodyPr anchorCtr="0" anchor="ctr" bIns="91425" lIns="91425" rIns="91425" tIns="91425">
+          <a:bodyPr lIns="91425" tIns="91425" rIns="91425" bIns="91425" anchor="ctr" anchorCtr="0">
             <a:noAutofit/>
           </a:bodyPr>
           <a:lstStyle/>
@@ -10348,9 +10816,6 @@
               </a:spcBef>
               <a:buNone/>
             </a:pPr>
-            <a:r>
-              <a:t/>
-            </a:r>
             <a:endParaRPr/>
           </a:p>
         </p:txBody>
@@ -10370,18 +10835,18 @@
             <a:avLst/>
           </a:prstGeom>
           <a:noFill/>
-          <a:ln cap="flat" cmpd="sng" w="9525">
+          <a:ln w="9525" cap="flat" cmpd="sng">
             <a:solidFill>
               <a:srgbClr val="FF0000"/>
             </a:solidFill>
             <a:prstDash val="solid"/>
             <a:round/>
-            <a:headEnd len="med" w="med" type="none"/>
-            <a:tailEnd len="med" w="med" type="none"/>
+            <a:headEnd type="none" w="med" len="med"/>
+            <a:tailEnd type="none" w="med" len="med"/>
           </a:ln>
         </p:spPr>
         <p:txBody>
-          <a:bodyPr anchorCtr="0" anchor="ctr" bIns="91425" lIns="91425" rIns="91425" tIns="91425">
+          <a:bodyPr lIns="91425" tIns="91425" rIns="91425" bIns="91425" anchor="ctr" anchorCtr="0">
             <a:noAutofit/>
           </a:bodyPr>
           <a:lstStyle/>
@@ -10392,9 +10857,6 @@
               </a:spcBef>
               <a:buNone/>
             </a:pPr>
-            <a:r>
-              <a:t/>
-            </a:r>
             <a:endParaRPr/>
           </a:p>
         </p:txBody>
@@ -10414,14 +10876,14 @@
             <a:avLst/>
           </a:prstGeom>
           <a:noFill/>
-          <a:ln cap="flat" cmpd="sng" w="9525">
+          <a:ln w="9525" cap="flat" cmpd="sng">
             <a:solidFill>
               <a:srgbClr val="FF0000"/>
             </a:solidFill>
             <a:prstDash val="solid"/>
             <a:round/>
-            <a:headEnd len="lg" w="lg" type="none"/>
-            <a:tailEnd len="lg" w="lg" type="triangle"/>
+            <a:headEnd type="none" w="lg" len="lg"/>
+            <a:tailEnd type="triangle" w="lg" len="lg"/>
           </a:ln>
         </p:spPr>
       </p:cxnSp>
@@ -10432,7 +10894,7 @@
           <p:nvPr/>
         </p:nvCxnSpPr>
         <p:spPr>
-          <a:xfrm flipH="1" rot="10800000">
+          <a:xfrm rot="10800000" flipH="1">
             <a:off x="3208875" y="2835775"/>
             <a:ext cx="223500" cy="728699"/>
           </a:xfrm>
@@ -10440,14 +10902,14 @@
             <a:avLst/>
           </a:prstGeom>
           <a:noFill/>
-          <a:ln cap="flat" cmpd="sng" w="9525">
+          <a:ln w="9525" cap="flat" cmpd="sng">
             <a:solidFill>
               <a:srgbClr val="FF0000"/>
             </a:solidFill>
             <a:prstDash val="solid"/>
             <a:round/>
-            <a:headEnd len="lg" w="lg" type="none"/>
-            <a:tailEnd len="lg" w="lg" type="triangle"/>
+            <a:headEnd type="none" w="lg" len="lg"/>
+            <a:tailEnd type="triangle" w="lg" len="lg"/>
           </a:ln>
         </p:spPr>
       </p:cxnSp>
@@ -10474,14 +10936,14 @@
             <a:avLst/>
           </a:prstGeom>
           <a:noFill/>
-          <a:ln cap="flat" cmpd="sng" w="9525">
+          <a:ln w="9525" cap="flat" cmpd="sng">
             <a:solidFill>
               <a:srgbClr val="CCCCCC"/>
             </a:solidFill>
             <a:prstDash val="solid"/>
             <a:round/>
-            <a:headEnd len="med" w="med" type="none"/>
-            <a:tailEnd len="med" w="med" type="none"/>
+            <a:headEnd type="none" w="med" len="med"/>
+            <a:tailEnd type="none" w="med" len="med"/>
           </a:ln>
         </p:spPr>
       </p:pic>
@@ -10503,14 +10965,14 @@
             <a:avLst/>
           </a:prstGeom>
           <a:noFill/>
-          <a:ln cap="flat" cmpd="sng" w="9525">
+          <a:ln w="9525" cap="flat" cmpd="sng">
             <a:solidFill>
               <a:srgbClr val="FF0000"/>
             </a:solidFill>
             <a:prstDash val="solid"/>
             <a:round/>
-            <a:headEnd len="lg" w="lg" type="none"/>
-            <a:tailEnd len="lg" w="lg" type="triangle"/>
+            <a:headEnd type="none" w="lg" len="lg"/>
+            <a:tailEnd type="triangle" w="lg" len="lg"/>
           </a:ln>
         </p:spPr>
       </p:cxnSp>
@@ -10529,18 +10991,18 @@
             <a:avLst/>
           </a:prstGeom>
           <a:noFill/>
-          <a:ln cap="flat" cmpd="sng" w="9525">
+          <a:ln w="9525" cap="flat" cmpd="sng">
             <a:solidFill>
               <a:srgbClr val="000000"/>
             </a:solidFill>
             <a:prstDash val="solid"/>
             <a:round/>
-            <a:headEnd len="med" w="med" type="none"/>
-            <a:tailEnd len="med" w="med" type="none"/>
+            <a:headEnd type="none" w="med" len="med"/>
+            <a:tailEnd type="none" w="med" len="med"/>
           </a:ln>
         </p:spPr>
         <p:txBody>
-          <a:bodyPr anchorCtr="0" anchor="ctr" bIns="91425" lIns="91425" rIns="91425" tIns="91425">
+          <a:bodyPr lIns="91425" tIns="91425" rIns="91425" bIns="91425" anchor="ctr" anchorCtr="0">
             <a:noAutofit/>
           </a:bodyPr>
           <a:lstStyle/>
@@ -10575,14 +11037,14 @@
             <a:avLst/>
           </a:prstGeom>
           <a:noFill/>
-          <a:ln cap="flat" cmpd="sng" w="9525">
+          <a:ln w="9525" cap="flat" cmpd="sng">
             <a:solidFill>
               <a:srgbClr val="FF0000"/>
             </a:solidFill>
             <a:prstDash val="solid"/>
             <a:round/>
-            <a:headEnd len="lg" w="lg" type="none"/>
-            <a:tailEnd len="lg" w="lg" type="triangle"/>
+            <a:headEnd type="none" w="lg" len="lg"/>
+            <a:tailEnd type="triangle" w="lg" len="lg"/>
           </a:ln>
         </p:spPr>
       </p:cxnSp>
@@ -10601,18 +11063,18 @@
             <a:avLst/>
           </a:prstGeom>
           <a:noFill/>
-          <a:ln cap="flat" cmpd="sng" w="9525">
+          <a:ln w="9525" cap="flat" cmpd="sng">
             <a:solidFill>
               <a:srgbClr val="000000"/>
             </a:solidFill>
             <a:prstDash val="solid"/>
             <a:round/>
-            <a:headEnd len="med" w="med" type="none"/>
-            <a:tailEnd len="med" w="med" type="none"/>
+            <a:headEnd type="none" w="med" len="med"/>
+            <a:tailEnd type="none" w="med" len="med"/>
           </a:ln>
         </p:spPr>
         <p:txBody>
-          <a:bodyPr anchorCtr="0" anchor="ctr" bIns="91425" lIns="91425" rIns="91425" tIns="91425">
+          <a:bodyPr lIns="91425" tIns="91425" rIns="91425" bIns="91425" anchor="ctr" anchorCtr="0">
             <a:noAutofit/>
           </a:bodyPr>
           <a:lstStyle/>
@@ -10645,18 +11107,18 @@
             <a:avLst/>
           </a:prstGeom>
           <a:noFill/>
-          <a:ln cap="flat" cmpd="sng" w="9525">
+          <a:ln w="9525" cap="flat" cmpd="sng">
             <a:solidFill>
               <a:srgbClr val="000000"/>
             </a:solidFill>
             <a:prstDash val="solid"/>
             <a:round/>
-            <a:headEnd len="med" w="med" type="none"/>
-            <a:tailEnd len="med" w="med" type="none"/>
+            <a:headEnd type="none" w="med" len="med"/>
+            <a:tailEnd type="none" w="med" len="med"/>
           </a:ln>
         </p:spPr>
         <p:txBody>
-          <a:bodyPr anchorCtr="0" anchor="ctr" bIns="91425" lIns="91425" rIns="91425" tIns="91425">
+          <a:bodyPr lIns="91425" tIns="91425" rIns="91425" bIns="91425" anchor="ctr" anchorCtr="0">
             <a:noAutofit/>
           </a:bodyPr>
           <a:lstStyle/>
@@ -10692,14 +11154,14 @@
             <a:avLst/>
           </a:prstGeom>
           <a:noFill/>
-          <a:ln cap="flat" cmpd="sng" w="9525">
+          <a:ln w="9525" cap="flat" cmpd="sng">
             <a:solidFill>
               <a:srgbClr val="FF0000"/>
             </a:solidFill>
             <a:prstDash val="solid"/>
             <a:round/>
-            <a:headEnd len="lg" w="lg" type="none"/>
-            <a:tailEnd len="lg" w="lg" type="triangle"/>
+            <a:headEnd type="none" w="lg" len="lg"/>
+            <a:tailEnd type="triangle" w="lg" len="lg"/>
           </a:ln>
         </p:spPr>
       </p:cxnSp>
@@ -10718,14 +11180,14 @@
             <a:avLst/>
           </a:prstGeom>
           <a:noFill/>
-          <a:ln cap="flat" cmpd="sng" w="9525">
+          <a:ln w="9525" cap="flat" cmpd="sng">
             <a:solidFill>
               <a:srgbClr val="FF0000"/>
             </a:solidFill>
             <a:prstDash val="solid"/>
             <a:round/>
-            <a:headEnd len="lg" w="lg" type="none"/>
-            <a:tailEnd len="lg" w="lg" type="triangle"/>
+            <a:headEnd type="none" w="lg" len="lg"/>
+            <a:tailEnd type="triangle" w="lg" len="lg"/>
           </a:ln>
         </p:spPr>
       </p:cxnSp>
@@ -10736,7 +11198,7 @@
           <p:nvPr/>
         </p:nvCxnSpPr>
         <p:spPr>
-          <a:xfrm flipH="1" rot="10800000">
+          <a:xfrm rot="10800000" flipH="1">
             <a:off x="3795766" y="1202274"/>
             <a:ext cx="1161599" cy="1208100"/>
           </a:xfrm>
@@ -10744,14 +11206,14 @@
             <a:avLst/>
           </a:prstGeom>
           <a:noFill/>
-          <a:ln cap="flat" cmpd="sng" w="9525">
+          <a:ln w="9525" cap="flat" cmpd="sng">
             <a:solidFill>
               <a:srgbClr val="FF0000"/>
             </a:solidFill>
             <a:prstDash val="solid"/>
             <a:round/>
-            <a:headEnd len="lg" w="lg" type="none"/>
-            <a:tailEnd len="lg" w="lg" type="triangle"/>
+            <a:headEnd type="none" w="lg" len="lg"/>
+            <a:tailEnd type="triangle" w="lg" len="lg"/>
           </a:ln>
         </p:spPr>
       </p:cxnSp>
@@ -10770,18 +11232,18 @@
             <a:avLst/>
           </a:prstGeom>
           <a:noFill/>
-          <a:ln cap="flat" cmpd="sng" w="9525">
+          <a:ln w="9525" cap="flat" cmpd="sng">
             <a:solidFill>
               <a:srgbClr val="000000"/>
             </a:solidFill>
             <a:prstDash val="solid"/>
             <a:round/>
-            <a:headEnd len="med" w="med" type="none"/>
-            <a:tailEnd len="med" w="med" type="none"/>
+            <a:headEnd type="none" w="med" len="med"/>
+            <a:tailEnd type="none" w="med" len="med"/>
           </a:ln>
         </p:spPr>
         <p:txBody>
-          <a:bodyPr anchorCtr="0" anchor="ctr" bIns="91425" lIns="91425" rIns="91425" tIns="91425">
+          <a:bodyPr lIns="91425" tIns="91425" rIns="91425" bIns="91425" anchor="ctr" anchorCtr="0">
             <a:noAutofit/>
           </a:bodyPr>
           <a:lstStyle/>
@@ -10814,18 +11276,18 @@
             <a:avLst/>
           </a:prstGeom>
           <a:noFill/>
-          <a:ln cap="flat" cmpd="sng" w="9525">
+          <a:ln w="9525" cap="flat" cmpd="sng">
             <a:solidFill>
               <a:srgbClr val="000000"/>
             </a:solidFill>
             <a:prstDash val="solid"/>
             <a:round/>
-            <a:headEnd len="med" w="med" type="none"/>
-            <a:tailEnd len="med" w="med" type="none"/>
+            <a:headEnd type="none" w="med" len="med"/>
+            <a:tailEnd type="none" w="med" len="med"/>
           </a:ln>
         </p:spPr>
         <p:txBody>
-          <a:bodyPr anchorCtr="0" anchor="ctr" bIns="91425" lIns="91425" rIns="91425" tIns="91425">
+          <a:bodyPr lIns="91425" tIns="91425" rIns="91425" bIns="91425" anchor="ctr" anchorCtr="0">
             <a:noAutofit/>
           </a:bodyPr>
           <a:lstStyle/>
@@ -10855,11 +11317,11 @@
 </file>
 
 <file path=ppt/slides/slide19.xml><?xml version="1.0" encoding="utf-8"?>
-<p:sld xmlns:a="http://schemas.openxmlformats.org/drawingml/2006/main" xmlns:r="http://schemas.openxmlformats.org/officeDocument/2006/relationships" xmlns:mc="http://schemas.openxmlformats.org/markup-compatibility/2006" xmlns:mv="urn:schemas-microsoft-com:mac:vml" xmlns:p="http://schemas.openxmlformats.org/presentationml/2006/main" xmlns:c="http://schemas.openxmlformats.org/drawingml/2006/chart" xmlns:dgm="http://schemas.openxmlformats.org/drawingml/2006/diagram" xmlns:o="urn:schemas-microsoft-com:office:office" xmlns:v="urn:schemas-microsoft-com:vml" xmlns:pvml="urn:schemas-microsoft-com:office:powerpoint" xmlns:com="http://schemas.openxmlformats.org/drawingml/2006/compatibility" xmlns:p14="http://schemas.microsoft.com/office/powerpoint/2010/main">
+<p:sld xmlns:a="http://schemas.openxmlformats.org/drawingml/2006/main" xmlns:r="http://schemas.openxmlformats.org/officeDocument/2006/relationships" xmlns:p="http://schemas.openxmlformats.org/presentationml/2006/main">
   <p:cSld>
     <p:spTree>
       <p:nvGrpSpPr>
-        <p:cNvPr id="246" name="Shape 246"/>
+        <p:cNvPr id="1" name="Shape 246"/>
         <p:cNvGrpSpPr/>
         <p:nvPr/>
       </p:nvGrpSpPr>
@@ -10891,12 +11353,12 @@
           </a:ln>
         </p:spPr>
         <p:txBody>
-          <a:bodyPr anchorCtr="0" anchor="t" bIns="91425" lIns="91425" rIns="91425" tIns="91425">
+          <a:bodyPr lIns="91425" tIns="91425" rIns="91425" bIns="91425" anchor="t" anchorCtr="0">
             <a:noAutofit/>
           </a:bodyPr>
           <a:lstStyle/>
           <a:p>
-            <a:pPr indent="-292100" lvl="0" marL="457200" rtl="0">
+            <a:pPr marL="457200" lvl="0" indent="-292100" rtl="0">
               <a:spcBef>
                 <a:spcPts val="0"/>
               </a:spcBef>
@@ -10909,7 +11371,7 @@
             </a:r>
           </a:p>
           <a:p>
-            <a:pPr indent="-292100" lvl="0" marL="457200" rtl="0">
+            <a:pPr marL="457200" lvl="0" indent="-292100" rtl="0">
               <a:spcBef>
                 <a:spcPts val="0"/>
               </a:spcBef>
@@ -10922,7 +11384,7 @@
             </a:r>
           </a:p>
           <a:p>
-            <a:pPr indent="-292100" lvl="0" marL="457200" rtl="0">
+            <a:pPr marL="457200" lvl="0" indent="-292100" rtl="0">
               <a:spcBef>
                 <a:spcPts val="0"/>
               </a:spcBef>
@@ -10935,7 +11397,7 @@
             </a:r>
           </a:p>
           <a:p>
-            <a:pPr indent="-292100" lvl="0" marL="457200" rtl="0">
+            <a:pPr marL="457200" lvl="0" indent="-292100" rtl="0">
               <a:spcBef>
                 <a:spcPts val="0"/>
               </a:spcBef>
@@ -10972,21 +11434,23 @@
             <a:avLst/>
           </a:prstGeom>
           <a:noFill/>
-          <a:ln cap="flat" cmpd="sng" w="9525">
+          <a:ln w="9525" cap="flat" cmpd="sng">
             <a:solidFill>
               <a:srgbClr val="CCCCCC"/>
             </a:solidFill>
             <a:prstDash val="solid"/>
             <a:round/>
-            <a:headEnd len="med" w="med" type="none"/>
-            <a:tailEnd len="med" w="med" type="none"/>
+            <a:headEnd type="none" w="med" len="med"/>
+            <a:tailEnd type="none" w="med" len="med"/>
           </a:ln>
         </p:spPr>
       </p:pic>
       <p:sp>
         <p:nvSpPr>
           <p:cNvPr id="249" name="Shape 249"/>
-          <p:cNvSpPr txBox="1"/>
+          <p:cNvSpPr txBox="1">
+            <a:spLocks noGrp="1"/>
+          </p:cNvSpPr>
           <p:nvPr>
             <p:ph type="title"/>
           </p:nvPr>
@@ -11001,7 +11465,7 @@
           </a:prstGeom>
         </p:spPr>
         <p:txBody>
-          <a:bodyPr anchorCtr="0" anchor="ctr" bIns="91425" lIns="91425" rIns="91425" tIns="91425">
+          <a:bodyPr lIns="91425" tIns="91425" rIns="91425" bIns="91425" anchor="ctr" anchorCtr="0">
             <a:noAutofit/>
           </a:bodyPr>
           <a:lstStyle/>
@@ -11036,14 +11500,14 @@
             <a:avLst/>
           </a:prstGeom>
           <a:noFill/>
-          <a:ln cap="flat" cmpd="sng" w="9525">
+          <a:ln w="9525" cap="flat" cmpd="sng">
             <a:solidFill>
               <a:srgbClr val="FF0000"/>
             </a:solidFill>
             <a:prstDash val="solid"/>
             <a:round/>
-            <a:headEnd len="lg" w="lg" type="none"/>
-            <a:tailEnd len="lg" w="lg" type="triangle"/>
+            <a:headEnd type="none" w="lg" len="lg"/>
+            <a:tailEnd type="triangle" w="lg" len="lg"/>
           </a:ln>
         </p:spPr>
       </p:cxnSp>
@@ -11070,14 +11534,14 @@
             <a:avLst/>
           </a:prstGeom>
           <a:noFill/>
-          <a:ln cap="flat" cmpd="sng" w="9525">
+          <a:ln w="9525" cap="flat" cmpd="sng">
             <a:solidFill>
               <a:srgbClr val="CCCCCC"/>
             </a:solidFill>
             <a:prstDash val="solid"/>
             <a:round/>
-            <a:headEnd len="med" w="med" type="none"/>
-            <a:tailEnd len="med" w="med" type="none"/>
+            <a:headEnd type="none" w="med" len="med"/>
+            <a:tailEnd type="none" w="med" len="med"/>
           </a:ln>
         </p:spPr>
       </p:pic>
@@ -11093,11 +11557,11 @@
 </file>
 
 <file path=ppt/slides/slide2.xml><?xml version="1.0" encoding="utf-8"?>
-<p:sld xmlns:a="http://schemas.openxmlformats.org/drawingml/2006/main" xmlns:r="http://schemas.openxmlformats.org/officeDocument/2006/relationships" xmlns:mc="http://schemas.openxmlformats.org/markup-compatibility/2006" xmlns:mv="urn:schemas-microsoft-com:mac:vml" xmlns:p="http://schemas.openxmlformats.org/presentationml/2006/main" xmlns:c="http://schemas.openxmlformats.org/drawingml/2006/chart" xmlns:dgm="http://schemas.openxmlformats.org/drawingml/2006/diagram" xmlns:o="urn:schemas-microsoft-com:office:office" xmlns:v="urn:schemas-microsoft-com:vml" xmlns:pvml="urn:schemas-microsoft-com:office:powerpoint" xmlns:com="http://schemas.openxmlformats.org/drawingml/2006/compatibility" xmlns:p14="http://schemas.microsoft.com/office/powerpoint/2010/main">
+<p:sld xmlns:a="http://schemas.openxmlformats.org/drawingml/2006/main" xmlns:r="http://schemas.openxmlformats.org/officeDocument/2006/relationships" xmlns:p="http://schemas.openxmlformats.org/presentationml/2006/main">
   <p:cSld>
     <p:spTree>
       <p:nvGrpSpPr>
-        <p:cNvPr id="69" name="Shape 69"/>
+        <p:cNvPr id="1" name="Shape 69"/>
         <p:cNvGrpSpPr/>
         <p:nvPr/>
       </p:nvGrpSpPr>
@@ -11112,7 +11576,9 @@
       <p:sp>
         <p:nvSpPr>
           <p:cNvPr id="70" name="Shape 70"/>
-          <p:cNvSpPr txBox="1"/>
+          <p:cNvSpPr txBox="1">
+            <a:spLocks noGrp="1"/>
+          </p:cNvSpPr>
           <p:nvPr>
             <p:ph type="title"/>
           </p:nvPr>
@@ -11127,7 +11593,7 @@
           </a:prstGeom>
         </p:spPr>
         <p:txBody>
-          <a:bodyPr anchorCtr="0" anchor="ctr" bIns="91425" lIns="91425" rIns="91425" tIns="91425">
+          <a:bodyPr lIns="91425" tIns="91425" rIns="91425" bIns="91425" anchor="ctr" anchorCtr="0">
             <a:noAutofit/>
           </a:bodyPr>
           <a:lstStyle/>
@@ -11165,12 +11631,12 @@
           </a:ln>
         </p:spPr>
         <p:txBody>
-          <a:bodyPr anchorCtr="0" anchor="t" bIns="91425" lIns="91425" rIns="91425" tIns="91425">
+          <a:bodyPr lIns="91425" tIns="91425" rIns="91425" bIns="91425" anchor="t" anchorCtr="0">
             <a:noAutofit/>
           </a:bodyPr>
           <a:lstStyle/>
           <a:p>
-            <a:pPr indent="-228600" lvl="0" marL="457200" rtl="0">
+            <a:pPr marL="457200" lvl="0" indent="-228600" rtl="0">
               <a:lnSpc>
                 <a:spcPct val="150000"/>
               </a:lnSpc>
@@ -11180,12 +11646,12 @@
               <a:buChar char="●"/>
             </a:pPr>
             <a:r>
-              <a:rPr b="1" lang="ko"/>
+              <a:rPr lang="ko" b="1"/>
               <a:t>다 집어치우고 작업하다 날렸을때 복구 하기 쉽고, 다른사람들이랑 같이 작업할려면 버전관리툴을 쓰는게 좋고 편하다고 생각하면 된다. 아니면, 고참이 쓰라고 해서 쓰던가...</a:t>
             </a:r>
           </a:p>
           <a:p>
-            <a:pPr indent="-228600" lvl="0" marL="457200" rtl="0">
+            <a:pPr marL="457200" lvl="0" indent="-228600" rtl="0">
               <a:lnSpc>
                 <a:spcPct val="150000"/>
               </a:lnSpc>
@@ -11207,7 +11673,7 @@
             </a:r>
           </a:p>
           <a:p>
-            <a:pPr indent="-228600" lvl="1" marL="914400" rtl="0">
+            <a:pPr marL="914400" lvl="1" indent="-228600" rtl="0">
               <a:lnSpc>
                 <a:spcPct val="150000"/>
               </a:lnSpc>
@@ -11229,7 +11695,7 @@
             </a:r>
           </a:p>
           <a:p>
-            <a:pPr indent="-228600" lvl="1" marL="914400" rtl="0">
+            <a:pPr marL="914400" lvl="1" indent="-228600" rtl="0">
               <a:lnSpc>
                 <a:spcPct val="150000"/>
               </a:lnSpc>
@@ -11251,7 +11717,7 @@
             </a:r>
           </a:p>
           <a:p>
-            <a:pPr indent="-228600" lvl="1" marL="914400" rtl="0">
+            <a:pPr marL="914400" lvl="1" indent="-228600" rtl="0">
               <a:lnSpc>
                 <a:spcPct val="150000"/>
               </a:lnSpc>
@@ -11273,7 +11739,7 @@
             </a:r>
           </a:p>
           <a:p>
-            <a:pPr indent="-228600" lvl="1" marL="914400" rtl="0">
+            <a:pPr marL="914400" lvl="1" indent="-228600" rtl="0">
               <a:lnSpc>
                 <a:spcPct val="150000"/>
               </a:lnSpc>
@@ -11295,7 +11761,7 @@
             </a:r>
           </a:p>
           <a:p>
-            <a:pPr indent="-228600" lvl="1" marL="914400" rtl="0">
+            <a:pPr marL="914400" lvl="1" indent="-228600" rtl="0">
               <a:lnSpc>
                 <a:spcPct val="150000"/>
               </a:lnSpc>
@@ -11317,7 +11783,7 @@
             </a:r>
           </a:p>
           <a:p>
-            <a:pPr indent="-228600" lvl="1" marL="914400" rtl="0">
+            <a:pPr marL="914400" lvl="1" indent="-228600" rtl="0">
               <a:lnSpc>
                 <a:spcPct val="150000"/>
               </a:lnSpc>
@@ -11339,7 +11805,7 @@
             </a:r>
           </a:p>
           <a:p>
-            <a:pPr indent="-228600" lvl="1" marL="914400" rtl="0">
+            <a:pPr marL="914400" lvl="1" indent="-228600" rtl="0">
               <a:lnSpc>
                 <a:spcPct val="150000"/>
               </a:lnSpc>
@@ -11361,7 +11827,7 @@
             </a:r>
           </a:p>
           <a:p>
-            <a:pPr indent="-228600" lvl="1" marL="914400" rtl="0">
+            <a:pPr marL="914400" lvl="1" indent="-228600" rtl="0">
               <a:lnSpc>
                 <a:spcPct val="150000"/>
               </a:lnSpc>
@@ -11383,7 +11849,7 @@
             </a:r>
           </a:p>
           <a:p>
-            <a:pPr indent="-228600" lvl="1" marL="914400" rtl="0">
+            <a:pPr marL="914400" lvl="1" indent="-228600" rtl="0">
               <a:lnSpc>
                 <a:spcPct val="150000"/>
               </a:lnSpc>
@@ -11405,7 +11871,7 @@
             </a:r>
           </a:p>
           <a:p>
-            <a:pPr indent="-228600" lvl="1" marL="914400" rtl="0">
+            <a:pPr marL="914400" lvl="1" indent="-228600" rtl="0">
               <a:lnSpc>
                 <a:spcPct val="150000"/>
               </a:lnSpc>
@@ -11436,9 +11902,6 @@
               </a:spcBef>
               <a:buNone/>
             </a:pPr>
-            <a:r>
-              <a:t/>
-            </a:r>
             <a:endParaRPr/>
           </a:p>
         </p:txBody>
@@ -11455,11 +11918,11 @@
 </file>
 
 <file path=ppt/slides/slide20.xml><?xml version="1.0" encoding="utf-8"?>
-<p:sld xmlns:a="http://schemas.openxmlformats.org/drawingml/2006/main" xmlns:r="http://schemas.openxmlformats.org/officeDocument/2006/relationships" xmlns:mc="http://schemas.openxmlformats.org/markup-compatibility/2006" xmlns:mv="urn:schemas-microsoft-com:mac:vml" xmlns:p="http://schemas.openxmlformats.org/presentationml/2006/main" xmlns:c="http://schemas.openxmlformats.org/drawingml/2006/chart" xmlns:dgm="http://schemas.openxmlformats.org/drawingml/2006/diagram" xmlns:o="urn:schemas-microsoft-com:office:office" xmlns:v="urn:schemas-microsoft-com:vml" xmlns:pvml="urn:schemas-microsoft-com:office:powerpoint" xmlns:com="http://schemas.openxmlformats.org/drawingml/2006/compatibility" xmlns:p14="http://schemas.microsoft.com/office/powerpoint/2010/main">
+<p:sld xmlns:a="http://schemas.openxmlformats.org/drawingml/2006/main" xmlns:r="http://schemas.openxmlformats.org/officeDocument/2006/relationships" xmlns:p="http://schemas.openxmlformats.org/presentationml/2006/main">
   <p:cSld>
     <p:spTree>
       <p:nvGrpSpPr>
-        <p:cNvPr id="255" name="Shape 255"/>
+        <p:cNvPr id="1" name="Shape 255"/>
         <p:cNvGrpSpPr/>
         <p:nvPr/>
       </p:nvGrpSpPr>
@@ -11491,12 +11954,12 @@
           </a:ln>
         </p:spPr>
         <p:txBody>
-          <a:bodyPr anchorCtr="0" anchor="t" bIns="91425" lIns="91425" rIns="91425" tIns="91425">
+          <a:bodyPr lIns="91425" tIns="91425" rIns="91425" bIns="91425" anchor="t" anchorCtr="0">
             <a:noAutofit/>
           </a:bodyPr>
           <a:lstStyle/>
           <a:p>
-            <a:pPr indent="-292100" lvl="0" marL="457200" rtl="0">
+            <a:pPr marL="457200" lvl="0" indent="-292100" rtl="0">
               <a:lnSpc>
                 <a:spcPct val="150000"/>
               </a:lnSpc>
@@ -11512,7 +11975,7 @@
             </a:r>
           </a:p>
           <a:p>
-            <a:pPr indent="-292100" lvl="0" marL="457200" rtl="0">
+            <a:pPr marL="457200" lvl="0" indent="-292100" rtl="0">
               <a:lnSpc>
                 <a:spcPct val="150000"/>
               </a:lnSpc>
@@ -11528,7 +11991,7 @@
             </a:r>
           </a:p>
           <a:p>
-            <a:pPr indent="-292100" lvl="0" marL="457200" rtl="0">
+            <a:pPr marL="457200" lvl="0" indent="-292100" rtl="0">
               <a:lnSpc>
                 <a:spcPct val="150000"/>
               </a:lnSpc>
@@ -11553,9 +12016,6 @@
               </a:spcBef>
               <a:buNone/>
             </a:pPr>
-            <a:r>
-              <a:t/>
-            </a:r>
             <a:endParaRPr sz="1000"/>
           </a:p>
           <a:p>
@@ -11568,9 +12028,6 @@
               </a:spcBef>
               <a:buNone/>
             </a:pPr>
-            <a:r>
-              <a:t/>
-            </a:r>
             <a:endParaRPr sz="1000"/>
           </a:p>
         </p:txBody>
@@ -11578,7 +12035,9 @@
       <p:sp>
         <p:nvSpPr>
           <p:cNvPr id="257" name="Shape 257"/>
-          <p:cNvSpPr txBox="1"/>
+          <p:cNvSpPr txBox="1">
+            <a:spLocks noGrp="1"/>
+          </p:cNvSpPr>
           <p:nvPr>
             <p:ph type="title"/>
           </p:nvPr>
@@ -11593,7 +12052,7 @@
           </a:prstGeom>
         </p:spPr>
         <p:txBody>
-          <a:bodyPr anchorCtr="0" anchor="ctr" bIns="91425" lIns="91425" rIns="91425" tIns="91425">
+          <a:bodyPr lIns="91425" tIns="91425" rIns="91425" bIns="91425" anchor="ctr" anchorCtr="0">
             <a:noAutofit/>
           </a:bodyPr>
           <a:lstStyle/>
@@ -11634,14 +12093,14 @@
             <a:avLst/>
           </a:prstGeom>
           <a:noFill/>
-          <a:ln cap="flat" cmpd="sng" w="9525">
+          <a:ln w="9525" cap="flat" cmpd="sng">
             <a:solidFill>
               <a:srgbClr val="CCCCCC"/>
             </a:solidFill>
             <a:prstDash val="solid"/>
             <a:round/>
-            <a:headEnd len="med" w="med" type="none"/>
-            <a:tailEnd len="med" w="med" type="none"/>
+            <a:headEnd type="none" w="med" len="med"/>
+            <a:tailEnd type="none" w="med" len="med"/>
           </a:ln>
         </p:spPr>
       </p:pic>
@@ -11668,14 +12127,14 @@
             <a:avLst/>
           </a:prstGeom>
           <a:noFill/>
-          <a:ln cap="flat" cmpd="sng" w="9525">
+          <a:ln w="9525" cap="flat" cmpd="sng">
             <a:solidFill>
               <a:srgbClr val="CCCCCC"/>
             </a:solidFill>
             <a:prstDash val="solid"/>
             <a:round/>
-            <a:headEnd len="med" w="med" type="none"/>
-            <a:tailEnd len="med" w="med" type="none"/>
+            <a:headEnd type="none" w="med" len="med"/>
+            <a:tailEnd type="none" w="med" len="med"/>
           </a:ln>
         </p:spPr>
       </p:pic>
@@ -11691,11 +12150,11 @@
 </file>
 
 <file path=ppt/slides/slide21.xml><?xml version="1.0" encoding="utf-8"?>
-<p:sld xmlns:a="http://schemas.openxmlformats.org/drawingml/2006/main" xmlns:r="http://schemas.openxmlformats.org/officeDocument/2006/relationships" xmlns:mc="http://schemas.openxmlformats.org/markup-compatibility/2006" xmlns:mv="urn:schemas-microsoft-com:mac:vml" xmlns:p="http://schemas.openxmlformats.org/presentationml/2006/main" xmlns:c="http://schemas.openxmlformats.org/drawingml/2006/chart" xmlns:dgm="http://schemas.openxmlformats.org/drawingml/2006/diagram" xmlns:o="urn:schemas-microsoft-com:office:office" xmlns:v="urn:schemas-microsoft-com:vml" xmlns:pvml="urn:schemas-microsoft-com:office:powerpoint" xmlns:com="http://schemas.openxmlformats.org/drawingml/2006/compatibility" xmlns:p14="http://schemas.microsoft.com/office/powerpoint/2010/main">
+<p:sld xmlns:a="http://schemas.openxmlformats.org/drawingml/2006/main" xmlns:r="http://schemas.openxmlformats.org/officeDocument/2006/relationships" xmlns:p="http://schemas.openxmlformats.org/presentationml/2006/main">
   <p:cSld>
     <p:spTree>
       <p:nvGrpSpPr>
-        <p:cNvPr id="263" name="Shape 263"/>
+        <p:cNvPr id="1" name="Shape 263"/>
         <p:cNvGrpSpPr/>
         <p:nvPr/>
       </p:nvGrpSpPr>
@@ -11710,7 +12169,9 @@
       <p:sp>
         <p:nvSpPr>
           <p:cNvPr id="264" name="Shape 264"/>
-          <p:cNvSpPr txBox="1"/>
+          <p:cNvSpPr txBox="1">
+            <a:spLocks noGrp="1"/>
+          </p:cNvSpPr>
           <p:nvPr>
             <p:ph type="title"/>
           </p:nvPr>
@@ -11725,7 +12186,7 @@
           </a:prstGeom>
         </p:spPr>
         <p:txBody>
-          <a:bodyPr anchorCtr="0" anchor="ctr" bIns="91425" lIns="91425" rIns="91425" tIns="91425">
+          <a:bodyPr lIns="91425" tIns="91425" rIns="91425" bIns="91425" anchor="ctr" anchorCtr="0">
             <a:noAutofit/>
           </a:bodyPr>
           <a:lstStyle/>
@@ -11763,12 +12224,12 @@
           </a:ln>
         </p:spPr>
         <p:txBody>
-          <a:bodyPr anchorCtr="0" anchor="t" bIns="91425" lIns="91425" rIns="91425" tIns="91425">
+          <a:bodyPr lIns="91425" tIns="91425" rIns="91425" bIns="91425" anchor="t" anchorCtr="0">
             <a:noAutofit/>
           </a:bodyPr>
           <a:lstStyle/>
           <a:p>
-            <a:pPr indent="-304800" lvl="0" marL="457200" rtl="0">
+            <a:pPr marL="457200" lvl="0" indent="-304800" rtl="0">
               <a:spcBef>
                 <a:spcPts val="0"/>
               </a:spcBef>
@@ -11787,7 +12248,7 @@
             </a:r>
           </a:p>
           <a:p>
-            <a:pPr indent="-304800" lvl="0" marL="457200" rtl="0">
+            <a:pPr marL="457200" lvl="0" indent="-304800" rtl="0">
               <a:spcBef>
                 <a:spcPts val="0"/>
               </a:spcBef>
@@ -11813,7 +12274,7 @@
             </a:r>
           </a:p>
           <a:p>
-            <a:pPr indent="-304800" lvl="0" marL="457200" rtl="0">
+            <a:pPr marL="457200" lvl="0" indent="-304800" rtl="0">
               <a:spcBef>
                 <a:spcPts val="0"/>
               </a:spcBef>
@@ -11832,7 +12293,7 @@
             </a:r>
           </a:p>
           <a:p>
-            <a:pPr indent="-304800" lvl="0" marL="457200" rtl="0">
+            <a:pPr marL="457200" lvl="0" indent="-304800" rtl="0">
               <a:spcBef>
                 <a:spcPts val="0"/>
               </a:spcBef>
@@ -11851,7 +12312,7 @@
             </a:r>
           </a:p>
           <a:p>
-            <a:pPr indent="-304800" lvl="0" marL="457200" rtl="0">
+            <a:pPr marL="457200" lvl="0" indent="-304800" rtl="0">
               <a:spcBef>
                 <a:spcPts val="0"/>
               </a:spcBef>
@@ -11876,9 +12337,6 @@
               </a:spcBef>
               <a:buNone/>
             </a:pPr>
-            <a:r>
-              <a:t/>
-            </a:r>
             <a:endParaRPr sz="1200"/>
           </a:p>
           <a:p>
@@ -11888,9 +12346,6 @@
               </a:spcBef>
               <a:buNone/>
             </a:pPr>
-            <a:r>
-              <a:t/>
-            </a:r>
             <a:endParaRPr sz="1200"/>
           </a:p>
         </p:txBody>
@@ -11907,11 +12362,11 @@
 </file>
 
 <file path=ppt/slides/slide22.xml><?xml version="1.0" encoding="utf-8"?>
-<p:sld xmlns:a="http://schemas.openxmlformats.org/drawingml/2006/main" xmlns:r="http://schemas.openxmlformats.org/officeDocument/2006/relationships" xmlns:mc="http://schemas.openxmlformats.org/markup-compatibility/2006" xmlns:mv="urn:schemas-microsoft-com:mac:vml" xmlns:p="http://schemas.openxmlformats.org/presentationml/2006/main" xmlns:c="http://schemas.openxmlformats.org/drawingml/2006/chart" xmlns:dgm="http://schemas.openxmlformats.org/drawingml/2006/diagram" xmlns:o="urn:schemas-microsoft-com:office:office" xmlns:v="urn:schemas-microsoft-com:vml" xmlns:pvml="urn:schemas-microsoft-com:office:powerpoint" xmlns:com="http://schemas.openxmlformats.org/drawingml/2006/compatibility" xmlns:p14="http://schemas.microsoft.com/office/powerpoint/2010/main">
+<p:sld xmlns:a="http://schemas.openxmlformats.org/drawingml/2006/main" xmlns:r="http://schemas.openxmlformats.org/officeDocument/2006/relationships" xmlns:p="http://schemas.openxmlformats.org/presentationml/2006/main">
   <p:cSld>
     <p:spTree>
       <p:nvGrpSpPr>
-        <p:cNvPr id="269" name="Shape 269"/>
+        <p:cNvPr id="1" name="Shape 269"/>
         <p:cNvGrpSpPr/>
         <p:nvPr/>
       </p:nvGrpSpPr>
@@ -11926,7 +12381,9 @@
       <p:sp>
         <p:nvSpPr>
           <p:cNvPr id="270" name="Shape 270"/>
-          <p:cNvSpPr txBox="1"/>
+          <p:cNvSpPr txBox="1">
+            <a:spLocks noGrp="1"/>
+          </p:cNvSpPr>
           <p:nvPr>
             <p:ph type="title"/>
           </p:nvPr>
@@ -11941,7 +12398,7 @@
           </a:prstGeom>
         </p:spPr>
         <p:txBody>
-          <a:bodyPr anchorCtr="0" anchor="ctr" bIns="91425" lIns="91425" rIns="91425" tIns="91425">
+          <a:bodyPr lIns="91425" tIns="91425" rIns="91425" bIns="91425" anchor="ctr" anchorCtr="0">
             <a:noAutofit/>
           </a:bodyPr>
           <a:lstStyle/>
@@ -11979,12 +12436,12 @@
           </a:ln>
         </p:spPr>
         <p:txBody>
-          <a:bodyPr anchorCtr="0" anchor="t" bIns="91425" lIns="91425" rIns="91425" tIns="91425">
+          <a:bodyPr lIns="91425" tIns="91425" rIns="91425" bIns="91425" anchor="t" anchorCtr="0">
             <a:noAutofit/>
           </a:bodyPr>
           <a:lstStyle/>
           <a:p>
-            <a:pPr indent="-304800" lvl="0" marL="457200" rtl="0">
+            <a:pPr marL="457200" lvl="0" indent="-304800" rtl="0">
               <a:lnSpc>
                 <a:spcPct val="150000"/>
               </a:lnSpc>
@@ -12000,7 +12457,7 @@
             </a:r>
           </a:p>
           <a:p>
-            <a:pPr indent="-304800" lvl="0" marL="457200" rtl="0">
+            <a:pPr marL="457200" lvl="0" indent="-304800" rtl="0">
               <a:lnSpc>
                 <a:spcPct val="150000"/>
               </a:lnSpc>
@@ -12016,7 +12473,7 @@
             </a:r>
           </a:p>
           <a:p>
-            <a:pPr indent="-304800" lvl="0" marL="457200" rtl="0">
+            <a:pPr marL="457200" lvl="0" indent="-304800" rtl="0">
               <a:lnSpc>
                 <a:spcPct val="150000"/>
               </a:lnSpc>
@@ -12045,11 +12502,11 @@
 </file>
 
 <file path=ppt/slides/slide3.xml><?xml version="1.0" encoding="utf-8"?>
-<p:sld xmlns:a="http://schemas.openxmlformats.org/drawingml/2006/main" xmlns:r="http://schemas.openxmlformats.org/officeDocument/2006/relationships" xmlns:mc="http://schemas.openxmlformats.org/markup-compatibility/2006" xmlns:mv="urn:schemas-microsoft-com:mac:vml" xmlns:p="http://schemas.openxmlformats.org/presentationml/2006/main" xmlns:c="http://schemas.openxmlformats.org/drawingml/2006/chart" xmlns:dgm="http://schemas.openxmlformats.org/drawingml/2006/diagram" xmlns:o="urn:schemas-microsoft-com:office:office" xmlns:v="urn:schemas-microsoft-com:vml" xmlns:pvml="urn:schemas-microsoft-com:office:powerpoint" xmlns:com="http://schemas.openxmlformats.org/drawingml/2006/compatibility" xmlns:p14="http://schemas.microsoft.com/office/powerpoint/2010/main">
+<p:sld xmlns:a="http://schemas.openxmlformats.org/drawingml/2006/main" xmlns:r="http://schemas.openxmlformats.org/officeDocument/2006/relationships" xmlns:p="http://schemas.openxmlformats.org/presentationml/2006/main">
   <p:cSld>
     <p:spTree>
       <p:nvGrpSpPr>
-        <p:cNvPr id="75" name="Shape 75"/>
+        <p:cNvPr id="1" name="Shape 75"/>
         <p:cNvGrpSpPr/>
         <p:nvPr/>
       </p:nvGrpSpPr>
@@ -12064,7 +12521,9 @@
       <p:sp>
         <p:nvSpPr>
           <p:cNvPr id="76" name="Shape 76"/>
-          <p:cNvSpPr txBox="1"/>
+          <p:cNvSpPr txBox="1">
+            <a:spLocks noGrp="1"/>
+          </p:cNvSpPr>
           <p:nvPr>
             <p:ph type="title"/>
           </p:nvPr>
@@ -12079,7 +12538,7 @@
           </a:prstGeom>
         </p:spPr>
         <p:txBody>
-          <a:bodyPr anchorCtr="0" anchor="ctr" bIns="91425" lIns="91425" rIns="91425" tIns="91425">
+          <a:bodyPr lIns="91425" tIns="91425" rIns="91425" bIns="91425" anchor="ctr" anchorCtr="0">
             <a:noAutofit/>
           </a:bodyPr>
           <a:lstStyle/>
@@ -12117,12 +12576,12 @@
           </a:ln>
         </p:spPr>
         <p:txBody>
-          <a:bodyPr anchorCtr="0" anchor="t" bIns="91425" lIns="91425" rIns="91425" tIns="91425">
+          <a:bodyPr lIns="91425" tIns="91425" rIns="91425" bIns="91425" anchor="t" anchorCtr="0">
             <a:noAutofit/>
           </a:bodyPr>
           <a:lstStyle/>
           <a:p>
-            <a:pPr indent="-311150" lvl="0" marL="457200" rtl="0">
+            <a:pPr marL="457200" lvl="0" indent="-311150" rtl="0">
               <a:lnSpc>
                 <a:spcPct val="150000"/>
               </a:lnSpc>
@@ -12133,12 +12592,12 @@
               <a:buChar char="●"/>
             </a:pPr>
             <a:r>
-              <a:rPr b="1" lang="ko" sz="1300"/>
+              <a:rPr lang="ko" sz="1300" b="1"/>
               <a:t>외울 필요는 없다. 특히나 한글로 발번역 된 용어들은 외우지 말자. 저놈이 하는 말이랑 다른놈이 하는 말이랑 표현은 다른데 나중에 알고보면 같은 얘기르 하고 있었다는 걸 차차 자주 접하게 될 거다. </a:t>
             </a:r>
           </a:p>
           <a:p>
-            <a:pPr indent="-311150" lvl="0" marL="457200" rtl="0">
+            <a:pPr marL="457200" lvl="0" indent="-311150" rtl="0">
               <a:lnSpc>
                 <a:spcPct val="150000"/>
               </a:lnSpc>
@@ -12161,7 +12620,7 @@
             </a:r>
           </a:p>
           <a:p>
-            <a:pPr indent="-311150" lvl="1" marL="914400" rtl="0">
+            <a:pPr marL="914400" lvl="1" indent="-311150" rtl="0">
               <a:lnSpc>
                 <a:spcPct val="150000"/>
               </a:lnSpc>
@@ -12184,7 +12643,7 @@
             </a:r>
           </a:p>
           <a:p>
-            <a:pPr indent="-311150" lvl="1" marL="914400" rtl="0">
+            <a:pPr marL="914400" lvl="1" indent="-311150" rtl="0">
               <a:lnSpc>
                 <a:spcPct val="150000"/>
               </a:lnSpc>
@@ -12207,7 +12666,7 @@
             </a:r>
           </a:p>
           <a:p>
-            <a:pPr indent="-311150" lvl="1" marL="914400" rtl="0">
+            <a:pPr marL="914400" lvl="1" indent="-311150" rtl="0">
               <a:lnSpc>
                 <a:spcPct val="150000"/>
               </a:lnSpc>
@@ -12230,7 +12689,7 @@
             </a:r>
           </a:p>
           <a:p>
-            <a:pPr indent="-311150" lvl="1" marL="914400" rtl="0">
+            <a:pPr marL="914400" lvl="1" indent="-311150" rtl="0">
               <a:lnSpc>
                 <a:spcPct val="150000"/>
               </a:lnSpc>
@@ -12253,7 +12712,7 @@
             </a:r>
           </a:p>
           <a:p>
-            <a:pPr indent="-311150" lvl="1" marL="914400" rtl="0">
+            <a:pPr marL="914400" lvl="1" indent="-311150" rtl="0">
               <a:lnSpc>
                 <a:spcPct val="150000"/>
               </a:lnSpc>
@@ -12276,7 +12735,7 @@
             </a:r>
           </a:p>
           <a:p>
-            <a:pPr indent="-311150" lvl="1" marL="914400" rtl="0">
+            <a:pPr marL="914400" lvl="1" indent="-311150" rtl="0">
               <a:lnSpc>
                 <a:spcPct val="150000"/>
               </a:lnSpc>
@@ -12299,7 +12758,7 @@
             </a:r>
           </a:p>
           <a:p>
-            <a:pPr indent="-311150" lvl="1" marL="914400" rtl="0">
+            <a:pPr marL="914400" lvl="1" indent="-311150" rtl="0">
               <a:lnSpc>
                 <a:spcPct val="150000"/>
               </a:lnSpc>
@@ -12331,9 +12790,6 @@
               </a:spcBef>
               <a:buNone/>
             </a:pPr>
-            <a:r>
-              <a:t/>
-            </a:r>
             <a:endParaRPr sz="1300"/>
           </a:p>
           <a:p>
@@ -12346,9 +12802,6 @@
               </a:spcBef>
               <a:buNone/>
             </a:pPr>
-            <a:r>
-              <a:t/>
-            </a:r>
             <a:endParaRPr sz="1300"/>
           </a:p>
         </p:txBody>
@@ -12365,11 +12818,11 @@
 </file>
 
 <file path=ppt/slides/slide4.xml><?xml version="1.0" encoding="utf-8"?>
-<p:sld xmlns:a="http://schemas.openxmlformats.org/drawingml/2006/main" xmlns:r="http://schemas.openxmlformats.org/officeDocument/2006/relationships" xmlns:mc="http://schemas.openxmlformats.org/markup-compatibility/2006" xmlns:mv="urn:schemas-microsoft-com:mac:vml" xmlns:p="http://schemas.openxmlformats.org/presentationml/2006/main" xmlns:c="http://schemas.openxmlformats.org/drawingml/2006/chart" xmlns:dgm="http://schemas.openxmlformats.org/drawingml/2006/diagram" xmlns:o="urn:schemas-microsoft-com:office:office" xmlns:v="urn:schemas-microsoft-com:vml" xmlns:pvml="urn:schemas-microsoft-com:office:powerpoint" xmlns:com="http://schemas.openxmlformats.org/drawingml/2006/compatibility" xmlns:p14="http://schemas.microsoft.com/office/powerpoint/2010/main">
+<p:sld xmlns:a="http://schemas.openxmlformats.org/drawingml/2006/main" xmlns:r="http://schemas.openxmlformats.org/officeDocument/2006/relationships" xmlns:p="http://schemas.openxmlformats.org/presentationml/2006/main">
   <p:cSld>
     <p:spTree>
       <p:nvGrpSpPr>
-        <p:cNvPr id="81" name="Shape 81"/>
+        <p:cNvPr id="1" name="Shape 81"/>
         <p:cNvGrpSpPr/>
         <p:nvPr/>
       </p:nvGrpSpPr>
@@ -12384,7 +12837,9 @@
       <p:sp>
         <p:nvSpPr>
           <p:cNvPr id="82" name="Shape 82"/>
-          <p:cNvSpPr txBox="1"/>
+          <p:cNvSpPr txBox="1">
+            <a:spLocks noGrp="1"/>
+          </p:cNvSpPr>
           <p:nvPr>
             <p:ph type="title"/>
           </p:nvPr>
@@ -12399,7 +12854,7 @@
           </a:prstGeom>
         </p:spPr>
         <p:txBody>
-          <a:bodyPr anchorCtr="0" anchor="ctr" bIns="91425" lIns="91425" rIns="91425" tIns="91425">
+          <a:bodyPr lIns="91425" tIns="91425" rIns="91425" bIns="91425" anchor="ctr" anchorCtr="0">
             <a:noAutofit/>
           </a:bodyPr>
           <a:lstStyle/>
@@ -12437,12 +12892,12 @@
           </a:ln>
         </p:spPr>
         <p:txBody>
-          <a:bodyPr anchorCtr="0" anchor="t" bIns="91425" lIns="91425" rIns="91425" tIns="91425">
+          <a:bodyPr lIns="91425" tIns="91425" rIns="91425" bIns="91425" anchor="t" anchorCtr="0">
             <a:noAutofit/>
           </a:bodyPr>
           <a:lstStyle/>
           <a:p>
-            <a:pPr indent="-311150" lvl="0" marL="457200" rtl="0">
+            <a:pPr marL="457200" lvl="0" indent="-311150" rtl="0">
               <a:lnSpc>
                 <a:spcPct val="150000"/>
               </a:lnSpc>
@@ -12463,7 +12918,7 @@
             </a:r>
           </a:p>
           <a:p>
-            <a:pPr indent="-311150" lvl="0" marL="457200" rtl="0">
+            <a:pPr marL="457200" lvl="0" indent="-311150" rtl="0">
               <a:lnSpc>
                 <a:spcPct val="150000"/>
               </a:lnSpc>
@@ -12479,7 +12934,7 @@
             </a:r>
           </a:p>
           <a:p>
-            <a:pPr indent="-311150" lvl="1" marL="914400" rtl="0">
+            <a:pPr marL="914400" lvl="1" indent="-311150" rtl="0">
               <a:lnSpc>
                 <a:spcPct val="150000"/>
               </a:lnSpc>
@@ -12500,7 +12955,7 @@
             </a:r>
           </a:p>
           <a:p>
-            <a:pPr indent="-311150" lvl="1" marL="914400" rtl="0">
+            <a:pPr marL="914400" lvl="1" indent="-311150" rtl="0">
               <a:lnSpc>
                 <a:spcPct val="150000"/>
               </a:lnSpc>
@@ -12521,7 +12976,7 @@
             </a:r>
           </a:p>
           <a:p>
-            <a:pPr indent="-311150" lvl="1" marL="914400" rtl="0">
+            <a:pPr marL="914400" lvl="1" indent="-311150" rtl="0">
               <a:lnSpc>
                 <a:spcPct val="150000"/>
               </a:lnSpc>
@@ -12542,7 +12997,7 @@
             </a:r>
           </a:p>
           <a:p>
-            <a:pPr indent="-311150" lvl="1" marL="914400" rtl="0">
+            <a:pPr marL="914400" lvl="1" indent="-311150" rtl="0">
               <a:lnSpc>
                 <a:spcPct val="150000"/>
               </a:lnSpc>
@@ -12578,9 +13033,6 @@
               </a:spcBef>
               <a:buNone/>
             </a:pPr>
-            <a:r>
-              <a:t/>
-            </a:r>
             <a:endParaRPr sz="1300">
               <a:latin typeface="Verdana"/>
               <a:ea typeface="Verdana"/>
@@ -12589,7 +13041,7 @@
             </a:endParaRPr>
           </a:p>
           <a:p>
-            <a:pPr indent="0" lvl="0" marL="0" rtl="0">
+            <a:pPr marL="0" lvl="0" indent="0" rtl="0">
               <a:lnSpc>
                 <a:spcPct val="150000"/>
               </a:lnSpc>
@@ -12598,9 +13050,6 @@
               </a:spcBef>
               <a:buNone/>
             </a:pPr>
-            <a:r>
-              <a:t/>
-            </a:r>
             <a:endParaRPr sz="1300"/>
           </a:p>
         </p:txBody>
@@ -12628,14 +13077,14 @@
             <a:avLst/>
           </a:prstGeom>
           <a:noFill/>
-          <a:ln cap="flat" cmpd="sng" w="9525">
+          <a:ln w="9525" cap="flat" cmpd="sng">
             <a:solidFill>
               <a:srgbClr val="EFEFEF"/>
             </a:solidFill>
             <a:prstDash val="solid"/>
             <a:round/>
-            <a:headEnd len="med" w="med" type="none"/>
-            <a:tailEnd len="med" w="med" type="none"/>
+            <a:headEnd type="none" w="med" len="med"/>
+            <a:tailEnd type="none" w="med" len="med"/>
           </a:ln>
         </p:spPr>
       </p:pic>
@@ -12659,7 +13108,7 @@
           </a:ln>
         </p:spPr>
         <p:txBody>
-          <a:bodyPr anchorCtr="0" anchor="ctr" bIns="91425" lIns="91425" rIns="91425" tIns="91425">
+          <a:bodyPr lIns="91425" tIns="91425" rIns="91425" bIns="91425" anchor="ctr" anchorCtr="0">
             <a:noAutofit/>
           </a:bodyPr>
           <a:lstStyle/>
@@ -12693,11 +13142,11 @@
 </file>
 
 <file path=ppt/slides/slide5.xml><?xml version="1.0" encoding="utf-8"?>
-<p:sld xmlns:a="http://schemas.openxmlformats.org/drawingml/2006/main" xmlns:r="http://schemas.openxmlformats.org/officeDocument/2006/relationships" xmlns:mc="http://schemas.openxmlformats.org/markup-compatibility/2006" xmlns:mv="urn:schemas-microsoft-com:mac:vml" xmlns:p="http://schemas.openxmlformats.org/presentationml/2006/main" xmlns:c="http://schemas.openxmlformats.org/drawingml/2006/chart" xmlns:dgm="http://schemas.openxmlformats.org/drawingml/2006/diagram" xmlns:o="urn:schemas-microsoft-com:office:office" xmlns:v="urn:schemas-microsoft-com:vml" xmlns:pvml="urn:schemas-microsoft-com:office:powerpoint" xmlns:com="http://schemas.openxmlformats.org/drawingml/2006/compatibility" xmlns:p14="http://schemas.microsoft.com/office/powerpoint/2010/main">
+<p:sld xmlns:a="http://schemas.openxmlformats.org/drawingml/2006/main" xmlns:r="http://schemas.openxmlformats.org/officeDocument/2006/relationships" xmlns:p="http://schemas.openxmlformats.org/presentationml/2006/main">
   <p:cSld>
     <p:spTree>
       <p:nvGrpSpPr>
-        <p:cNvPr id="89" name="Shape 89"/>
+        <p:cNvPr id="1" name="Shape 89"/>
         <p:cNvGrpSpPr/>
         <p:nvPr/>
       </p:nvGrpSpPr>
@@ -12712,7 +13161,9 @@
       <p:sp>
         <p:nvSpPr>
           <p:cNvPr id="90" name="Shape 90"/>
-          <p:cNvSpPr txBox="1"/>
+          <p:cNvSpPr txBox="1">
+            <a:spLocks noGrp="1"/>
+          </p:cNvSpPr>
           <p:nvPr>
             <p:ph type="title"/>
           </p:nvPr>
@@ -12727,7 +13178,7 @@
           </a:prstGeom>
         </p:spPr>
         <p:txBody>
-          <a:bodyPr anchorCtr="0" anchor="ctr" bIns="91425" lIns="91425" rIns="91425" tIns="91425">
+          <a:bodyPr lIns="91425" tIns="91425" rIns="91425" bIns="91425" anchor="ctr" anchorCtr="0">
             <a:noAutofit/>
           </a:bodyPr>
           <a:lstStyle/>
@@ -12765,12 +13216,12 @@
           </a:ln>
         </p:spPr>
         <p:txBody>
-          <a:bodyPr anchorCtr="0" anchor="t" bIns="91425" lIns="91425" rIns="91425" tIns="91425">
+          <a:bodyPr lIns="91425" tIns="91425" rIns="91425" bIns="91425" anchor="t" anchorCtr="0">
             <a:noAutofit/>
           </a:bodyPr>
           <a:lstStyle/>
           <a:p>
-            <a:pPr indent="-311150" lvl="0" marL="457200" rtl="0">
+            <a:pPr marL="457200" lvl="0" indent="-311150" rtl="0">
               <a:lnSpc>
                 <a:spcPct val="150000"/>
               </a:lnSpc>
@@ -12791,7 +13242,7 @@
             </a:r>
           </a:p>
           <a:p>
-            <a:pPr indent="-311150" lvl="0" marL="457200" rtl="0">
+            <a:pPr marL="457200" lvl="0" indent="-311150" rtl="0">
               <a:lnSpc>
                 <a:spcPct val="150000"/>
               </a:lnSpc>
@@ -12814,7 +13265,7 @@
             </a:r>
           </a:p>
           <a:p>
-            <a:pPr indent="-311150" lvl="1" marL="914400" rtl="0">
+            <a:pPr marL="914400" lvl="1" indent="-311150" rtl="0">
               <a:lnSpc>
                 <a:spcPct val="150000"/>
               </a:lnSpc>
@@ -12838,7 +13289,7 @@
             </a:r>
           </a:p>
           <a:p>
-            <a:pPr indent="-311150" lvl="1" marL="914400" rtl="0">
+            <a:pPr marL="914400" lvl="1" indent="-311150" rtl="0">
               <a:lnSpc>
                 <a:spcPct val="150000"/>
               </a:lnSpc>
@@ -12861,7 +13312,7 @@
             </a:r>
           </a:p>
           <a:p>
-            <a:pPr indent="-311150" lvl="1" marL="914400" rtl="0">
+            <a:pPr marL="914400" lvl="1" indent="-311150" rtl="0">
               <a:lnSpc>
                 <a:spcPct val="150000"/>
               </a:lnSpc>
@@ -12884,7 +13335,7 @@
             </a:r>
           </a:p>
           <a:p>
-            <a:pPr indent="-311150" lvl="1" marL="914400" rtl="0">
+            <a:pPr marL="914400" lvl="1" indent="-311150" rtl="0">
               <a:lnSpc>
                 <a:spcPct val="150000"/>
               </a:lnSpc>
@@ -12907,7 +13358,7 @@
             </a:r>
           </a:p>
           <a:p>
-            <a:pPr indent="-311150" lvl="1" marL="914400" rtl="0">
+            <a:pPr marL="914400" lvl="1" indent="-311150" rtl="0">
               <a:lnSpc>
                 <a:spcPct val="150000"/>
               </a:lnSpc>
@@ -12930,7 +13381,7 @@
             </a:r>
           </a:p>
           <a:p>
-            <a:pPr indent="-311150" lvl="1" marL="914400" rtl="0">
+            <a:pPr marL="914400" lvl="1" indent="-311150" rtl="0">
               <a:lnSpc>
                 <a:spcPct val="150000"/>
               </a:lnSpc>
@@ -12953,7 +13404,7 @@
             </a:r>
           </a:p>
           <a:p>
-            <a:pPr indent="0" lvl="0" marL="457200" rtl="0">
+            <a:pPr marL="457200" lvl="0" indent="0" rtl="0">
               <a:lnSpc>
                 <a:spcPct val="150000"/>
               </a:lnSpc>
@@ -12962,13 +13413,10 @@
               </a:spcBef>
               <a:buNone/>
             </a:pPr>
-            <a:r>
-              <a:t/>
-            </a:r>
             <a:endParaRPr sz="1300"/>
           </a:p>
           <a:p>
-            <a:pPr indent="0" lvl="0" marL="457200" rtl="0">
+            <a:pPr marL="457200" lvl="0" indent="0" rtl="0">
               <a:lnSpc>
                 <a:spcPct val="150000"/>
               </a:lnSpc>
@@ -12977,9 +13425,6 @@
               </a:spcBef>
               <a:buNone/>
             </a:pPr>
-            <a:r>
-              <a:t/>
-            </a:r>
             <a:endParaRPr sz="1300">
               <a:latin typeface="Verdana"/>
               <a:ea typeface="Verdana"/>
@@ -12997,9 +13442,6 @@
               </a:spcBef>
               <a:buNone/>
             </a:pPr>
-            <a:r>
-              <a:t/>
-            </a:r>
             <a:endParaRPr sz="1300">
               <a:latin typeface="Verdana"/>
               <a:ea typeface="Verdana"/>
@@ -13008,7 +13450,7 @@
             </a:endParaRPr>
           </a:p>
           <a:p>
-            <a:pPr indent="0" lvl="0" marL="0" rtl="0">
+            <a:pPr marL="0" lvl="0" indent="0" rtl="0">
               <a:lnSpc>
                 <a:spcPct val="150000"/>
               </a:lnSpc>
@@ -13017,9 +13459,6 @@
               </a:spcBef>
               <a:buNone/>
             </a:pPr>
-            <a:r>
-              <a:t/>
-            </a:r>
             <a:endParaRPr sz="1300"/>
           </a:p>
         </p:txBody>
@@ -13064,11 +13503,11 @@
 </file>
 
 <file path=ppt/slides/slide6.xml><?xml version="1.0" encoding="utf-8"?>
-<p:sld xmlns:a="http://schemas.openxmlformats.org/drawingml/2006/main" xmlns:r="http://schemas.openxmlformats.org/officeDocument/2006/relationships" xmlns:mc="http://schemas.openxmlformats.org/markup-compatibility/2006" xmlns:mv="urn:schemas-microsoft-com:mac:vml" xmlns:p="http://schemas.openxmlformats.org/presentationml/2006/main" xmlns:c="http://schemas.openxmlformats.org/drawingml/2006/chart" xmlns:dgm="http://schemas.openxmlformats.org/drawingml/2006/diagram" xmlns:o="urn:schemas-microsoft-com:office:office" xmlns:v="urn:schemas-microsoft-com:vml" xmlns:pvml="urn:schemas-microsoft-com:office:powerpoint" xmlns:com="http://schemas.openxmlformats.org/drawingml/2006/compatibility" xmlns:p14="http://schemas.microsoft.com/office/powerpoint/2010/main">
+<p:sld xmlns:a="http://schemas.openxmlformats.org/drawingml/2006/main" xmlns:r="http://schemas.openxmlformats.org/officeDocument/2006/relationships" xmlns:p="http://schemas.openxmlformats.org/presentationml/2006/main">
   <p:cSld>
     <p:spTree>
       <p:nvGrpSpPr>
-        <p:cNvPr id="96" name="Shape 96"/>
+        <p:cNvPr id="1" name="Shape 96"/>
         <p:cNvGrpSpPr/>
         <p:nvPr/>
       </p:nvGrpSpPr>
@@ -13103,21 +13542,23 @@
             <a:avLst/>
           </a:prstGeom>
           <a:noFill/>
-          <a:ln cap="flat" cmpd="sng" w="9525">
+          <a:ln w="9525" cap="flat" cmpd="sng">
             <a:solidFill>
               <a:srgbClr val="CCCCCC"/>
             </a:solidFill>
             <a:prstDash val="solid"/>
             <a:round/>
-            <a:headEnd len="med" w="med" type="none"/>
-            <a:tailEnd len="med" w="med" type="none"/>
+            <a:headEnd type="none" w="med" len="med"/>
+            <a:tailEnd type="none" w="med" len="med"/>
           </a:ln>
         </p:spPr>
       </p:pic>
       <p:sp>
         <p:nvSpPr>
           <p:cNvPr id="98" name="Shape 98"/>
-          <p:cNvSpPr txBox="1"/>
+          <p:cNvSpPr txBox="1">
+            <a:spLocks noGrp="1"/>
+          </p:cNvSpPr>
           <p:nvPr>
             <p:ph type="title"/>
           </p:nvPr>
@@ -13132,7 +13573,7 @@
           </a:prstGeom>
         </p:spPr>
         <p:txBody>
-          <a:bodyPr anchorCtr="0" anchor="ctr" bIns="91425" lIns="91425" rIns="91425" tIns="91425">
+          <a:bodyPr lIns="91425" tIns="91425" rIns="91425" bIns="91425" anchor="ctr" anchorCtr="0">
             <a:noAutofit/>
           </a:bodyPr>
           <a:lstStyle/>
@@ -13173,14 +13614,14 @@
             <a:avLst/>
           </a:prstGeom>
           <a:noFill/>
-          <a:ln cap="flat" cmpd="sng" w="9525">
+          <a:ln w="9525" cap="flat" cmpd="sng">
             <a:solidFill>
               <a:srgbClr val="CCCCCC"/>
             </a:solidFill>
             <a:prstDash val="solid"/>
             <a:round/>
-            <a:headEnd len="med" w="med" type="none"/>
-            <a:tailEnd len="med" w="med" type="none"/>
+            <a:headEnd type="none" w="med" len="med"/>
+            <a:tailEnd type="none" w="med" len="med"/>
           </a:ln>
         </p:spPr>
       </p:pic>
@@ -13204,12 +13645,12 @@
           </a:ln>
         </p:spPr>
         <p:txBody>
-          <a:bodyPr anchorCtr="0" anchor="t" bIns="91425" lIns="91425" rIns="91425" tIns="91425">
+          <a:bodyPr lIns="91425" tIns="91425" rIns="91425" bIns="91425" anchor="t" anchorCtr="0">
             <a:noAutofit/>
           </a:bodyPr>
           <a:lstStyle/>
           <a:p>
-            <a:pPr indent="-228600" lvl="0" marL="457200" rtl="0">
+            <a:pPr marL="457200" lvl="0" indent="-228600" rtl="0">
               <a:spcBef>
                 <a:spcPts val="0"/>
               </a:spcBef>
@@ -13258,14 +13699,14 @@
             <a:avLst/>
           </a:prstGeom>
           <a:noFill/>
-          <a:ln cap="flat" cmpd="sng" w="9525">
+          <a:ln w="9525" cap="flat" cmpd="sng">
             <a:solidFill>
               <a:srgbClr val="D9D9D9"/>
             </a:solidFill>
             <a:prstDash val="solid"/>
             <a:round/>
-            <a:headEnd len="med" w="med" type="none"/>
-            <a:tailEnd len="med" w="med" type="none"/>
+            <a:headEnd type="none" w="med" len="med"/>
+            <a:tailEnd type="none" w="med" len="med"/>
           </a:ln>
         </p:spPr>
       </p:pic>
@@ -13289,12 +13730,12 @@
           </a:ln>
         </p:spPr>
         <p:txBody>
-          <a:bodyPr anchorCtr="0" anchor="t" bIns="91425" lIns="91425" rIns="91425" tIns="91425">
+          <a:bodyPr lIns="91425" tIns="91425" rIns="91425" bIns="91425" anchor="t" anchorCtr="0">
             <a:noAutofit/>
           </a:bodyPr>
           <a:lstStyle/>
           <a:p>
-            <a:pPr indent="-228600" lvl="0" marL="457200" rtl="0">
+            <a:pPr marL="457200" lvl="0" indent="-228600" rtl="0">
               <a:spcBef>
                 <a:spcPts val="0"/>
               </a:spcBef>
@@ -13322,14 +13763,14 @@
             <a:avLst/>
           </a:prstGeom>
           <a:noFill/>
-          <a:ln cap="flat" cmpd="sng" w="9525">
+          <a:ln w="9525" cap="flat" cmpd="sng">
             <a:solidFill>
               <a:srgbClr val="FF0000"/>
             </a:solidFill>
             <a:prstDash val="solid"/>
             <a:round/>
-            <a:headEnd len="lg" w="lg" type="none"/>
-            <a:tailEnd len="lg" w="lg" type="triangle"/>
+            <a:headEnd type="none" w="lg" len="lg"/>
+            <a:tailEnd type="triangle" w="lg" len="lg"/>
           </a:ln>
         </p:spPr>
       </p:cxnSp>
@@ -13348,14 +13789,14 @@
             <a:avLst/>
           </a:prstGeom>
           <a:noFill/>
-          <a:ln cap="flat" cmpd="sng" w="9525">
+          <a:ln w="9525" cap="flat" cmpd="sng">
             <a:solidFill>
               <a:srgbClr val="FF0000"/>
             </a:solidFill>
             <a:prstDash val="solid"/>
             <a:round/>
-            <a:headEnd len="lg" w="lg" type="none"/>
-            <a:tailEnd len="lg" w="lg" type="triangle"/>
+            <a:headEnd type="none" w="lg" len="lg"/>
+            <a:tailEnd type="triangle" w="lg" len="lg"/>
           </a:ln>
         </p:spPr>
       </p:cxnSp>
@@ -13374,14 +13815,14 @@
             <a:avLst/>
           </a:prstGeom>
           <a:noFill/>
-          <a:ln cap="flat" cmpd="sng" w="9525">
+          <a:ln w="9525" cap="flat" cmpd="sng">
             <a:solidFill>
               <a:srgbClr val="FF0000"/>
             </a:solidFill>
             <a:prstDash val="solid"/>
             <a:round/>
-            <a:headEnd len="lg" w="lg" type="none"/>
-            <a:tailEnd len="lg" w="lg" type="triangle"/>
+            <a:headEnd type="none" w="lg" len="lg"/>
+            <a:tailEnd type="triangle" w="lg" len="lg"/>
           </a:ln>
         </p:spPr>
       </p:cxnSp>
@@ -13397,11 +13838,11 @@
 </file>
 
 <file path=ppt/slides/slide7.xml><?xml version="1.0" encoding="utf-8"?>
-<p:sld xmlns:a="http://schemas.openxmlformats.org/drawingml/2006/main" xmlns:r="http://schemas.openxmlformats.org/officeDocument/2006/relationships" xmlns:mc="http://schemas.openxmlformats.org/markup-compatibility/2006" xmlns:mv="urn:schemas-microsoft-com:mac:vml" xmlns:p="http://schemas.openxmlformats.org/presentationml/2006/main" xmlns:c="http://schemas.openxmlformats.org/drawingml/2006/chart" xmlns:dgm="http://schemas.openxmlformats.org/drawingml/2006/diagram" xmlns:o="urn:schemas-microsoft-com:office:office" xmlns:v="urn:schemas-microsoft-com:vml" xmlns:pvml="urn:schemas-microsoft-com:office:powerpoint" xmlns:com="http://schemas.openxmlformats.org/drawingml/2006/compatibility" xmlns:p14="http://schemas.microsoft.com/office/powerpoint/2010/main">
+<p:sld xmlns:a="http://schemas.openxmlformats.org/drawingml/2006/main" xmlns:r="http://schemas.openxmlformats.org/officeDocument/2006/relationships" xmlns:p="http://schemas.openxmlformats.org/presentationml/2006/main">
   <p:cSld>
     <p:spTree>
       <p:nvGrpSpPr>
-        <p:cNvPr id="109" name="Shape 109"/>
+        <p:cNvPr id="1" name="Shape 109"/>
         <p:cNvGrpSpPr/>
         <p:nvPr/>
       </p:nvGrpSpPr>
@@ -13416,7 +13857,9 @@
       <p:sp>
         <p:nvSpPr>
           <p:cNvPr id="110" name="Shape 110"/>
-          <p:cNvSpPr txBox="1"/>
+          <p:cNvSpPr txBox="1">
+            <a:spLocks noGrp="1"/>
+          </p:cNvSpPr>
           <p:nvPr>
             <p:ph type="title"/>
           </p:nvPr>
@@ -13431,7 +13874,7 @@
           </a:prstGeom>
         </p:spPr>
         <p:txBody>
-          <a:bodyPr anchorCtr="0" anchor="ctr" bIns="91425" lIns="91425" rIns="91425" tIns="91425">
+          <a:bodyPr lIns="91425" tIns="91425" rIns="91425" bIns="91425" anchor="ctr" anchorCtr="0">
             <a:noAutofit/>
           </a:bodyPr>
           <a:lstStyle/>
@@ -13469,12 +13912,12 @@
           </a:ln>
         </p:spPr>
         <p:txBody>
-          <a:bodyPr anchorCtr="0" anchor="t" bIns="91425" lIns="91425" rIns="91425" tIns="91425">
+          <a:bodyPr lIns="91425" tIns="91425" rIns="91425" bIns="91425" anchor="t" anchorCtr="0">
             <a:noAutofit/>
           </a:bodyPr>
           <a:lstStyle/>
           <a:p>
-            <a:pPr indent="-228600" lvl="0" marL="457200">
+            <a:pPr marL="457200" lvl="0" indent="-228600">
               <a:spcBef>
                 <a:spcPts val="0"/>
               </a:spcBef>
@@ -13510,14 +13953,14 @@
             <a:avLst/>
           </a:prstGeom>
           <a:noFill/>
-          <a:ln cap="flat" cmpd="sng" w="9525">
+          <a:ln w="9525" cap="flat" cmpd="sng">
             <a:solidFill>
               <a:srgbClr val="CCCCCC"/>
             </a:solidFill>
             <a:prstDash val="solid"/>
             <a:round/>
-            <a:headEnd len="med" w="med" type="none"/>
-            <a:tailEnd len="med" w="med" type="none"/>
+            <a:headEnd type="none" w="med" len="med"/>
+            <a:tailEnd type="none" w="med" len="med"/>
           </a:ln>
         </p:spPr>
       </p:pic>
@@ -13533,11 +13976,11 @@
 </file>
 
 <file path=ppt/slides/slide8.xml><?xml version="1.0" encoding="utf-8"?>
-<p:sld xmlns:a="http://schemas.openxmlformats.org/drawingml/2006/main" xmlns:r="http://schemas.openxmlformats.org/officeDocument/2006/relationships" xmlns:mc="http://schemas.openxmlformats.org/markup-compatibility/2006" xmlns:mv="urn:schemas-microsoft-com:mac:vml" xmlns:p="http://schemas.openxmlformats.org/presentationml/2006/main" xmlns:c="http://schemas.openxmlformats.org/drawingml/2006/chart" xmlns:dgm="http://schemas.openxmlformats.org/drawingml/2006/diagram" xmlns:o="urn:schemas-microsoft-com:office:office" xmlns:v="urn:schemas-microsoft-com:vml" xmlns:pvml="urn:schemas-microsoft-com:office:powerpoint" xmlns:com="http://schemas.openxmlformats.org/drawingml/2006/compatibility" xmlns:p14="http://schemas.microsoft.com/office/powerpoint/2010/main">
+<p:sld xmlns:a="http://schemas.openxmlformats.org/drawingml/2006/main" xmlns:r="http://schemas.openxmlformats.org/officeDocument/2006/relationships" xmlns:p="http://schemas.openxmlformats.org/presentationml/2006/main">
   <p:cSld>
     <p:spTree>
       <p:nvGrpSpPr>
-        <p:cNvPr id="116" name="Shape 116"/>
+        <p:cNvPr id="1" name="Shape 116"/>
         <p:cNvGrpSpPr/>
         <p:nvPr/>
       </p:nvGrpSpPr>
@@ -13552,7 +13995,9 @@
       <p:sp>
         <p:nvSpPr>
           <p:cNvPr id="117" name="Shape 117"/>
-          <p:cNvSpPr txBox="1"/>
+          <p:cNvSpPr txBox="1">
+            <a:spLocks noGrp="1"/>
+          </p:cNvSpPr>
           <p:nvPr>
             <p:ph type="title"/>
           </p:nvPr>
@@ -13567,7 +14012,7 @@
           </a:prstGeom>
         </p:spPr>
         <p:txBody>
-          <a:bodyPr anchorCtr="0" anchor="ctr" bIns="91425" lIns="91425" rIns="91425" tIns="91425">
+          <a:bodyPr lIns="91425" tIns="91425" rIns="91425" bIns="91425" anchor="ctr" anchorCtr="0">
             <a:noAutofit/>
           </a:bodyPr>
           <a:lstStyle/>
@@ -13605,12 +14050,12 @@
           </a:ln>
         </p:spPr>
         <p:txBody>
-          <a:bodyPr anchorCtr="0" anchor="t" bIns="91425" lIns="91425" rIns="91425" tIns="91425">
+          <a:bodyPr lIns="91425" tIns="91425" rIns="91425" bIns="91425" anchor="t" anchorCtr="0">
             <a:noAutofit/>
           </a:bodyPr>
           <a:lstStyle/>
           <a:p>
-            <a:pPr indent="-228600" lvl="0" marL="457200" rtl="0">
+            <a:pPr marL="457200" lvl="0" indent="-228600" rtl="0">
               <a:spcBef>
                 <a:spcPts val="0"/>
               </a:spcBef>
@@ -13646,14 +14091,14 @@
             <a:avLst/>
           </a:prstGeom>
           <a:noFill/>
-          <a:ln cap="flat" cmpd="sng" w="9525">
+          <a:ln w="9525" cap="flat" cmpd="sng">
             <a:solidFill>
               <a:srgbClr val="CCCCCC"/>
             </a:solidFill>
             <a:prstDash val="solid"/>
             <a:round/>
-            <a:headEnd len="med" w="med" type="none"/>
-            <a:tailEnd len="med" w="med" type="none"/>
+            <a:headEnd type="none" w="med" len="med"/>
+            <a:tailEnd type="none" w="med" len="med"/>
           </a:ln>
         </p:spPr>
       </p:pic>
@@ -13680,14 +14125,14 @@
             <a:avLst/>
           </a:prstGeom>
           <a:noFill/>
-          <a:ln cap="flat" cmpd="sng" w="9525">
+          <a:ln w="9525" cap="flat" cmpd="sng">
             <a:solidFill>
               <a:srgbClr val="CCCCCC"/>
             </a:solidFill>
             <a:prstDash val="solid"/>
             <a:round/>
-            <a:headEnd len="med" w="med" type="none"/>
-            <a:tailEnd len="med" w="med" type="none"/>
+            <a:headEnd type="none" w="med" len="med"/>
+            <a:tailEnd type="none" w="med" len="med"/>
           </a:ln>
         </p:spPr>
       </p:pic>
@@ -13703,11 +14148,11 @@
 </file>
 
 <file path=ppt/slides/slide9.xml><?xml version="1.0" encoding="utf-8"?>
-<p:sld xmlns:a="http://schemas.openxmlformats.org/drawingml/2006/main" xmlns:r="http://schemas.openxmlformats.org/officeDocument/2006/relationships" xmlns:mc="http://schemas.openxmlformats.org/markup-compatibility/2006" xmlns:mv="urn:schemas-microsoft-com:mac:vml" xmlns:p="http://schemas.openxmlformats.org/presentationml/2006/main" xmlns:c="http://schemas.openxmlformats.org/drawingml/2006/chart" xmlns:dgm="http://schemas.openxmlformats.org/drawingml/2006/diagram" xmlns:o="urn:schemas-microsoft-com:office:office" xmlns:v="urn:schemas-microsoft-com:vml" xmlns:pvml="urn:schemas-microsoft-com:office:powerpoint" xmlns:com="http://schemas.openxmlformats.org/drawingml/2006/compatibility" xmlns:p14="http://schemas.microsoft.com/office/powerpoint/2010/main">
+<p:sld xmlns:a="http://schemas.openxmlformats.org/drawingml/2006/main" xmlns:r="http://schemas.openxmlformats.org/officeDocument/2006/relationships" xmlns:p="http://schemas.openxmlformats.org/presentationml/2006/main">
   <p:cSld>
     <p:spTree>
       <p:nvGrpSpPr>
-        <p:cNvPr id="124" name="Shape 124"/>
+        <p:cNvPr id="1" name="Shape 124"/>
         <p:cNvGrpSpPr/>
         <p:nvPr/>
       </p:nvGrpSpPr>
@@ -13722,7 +14167,9 @@
       <p:sp>
         <p:nvSpPr>
           <p:cNvPr id="125" name="Shape 125"/>
-          <p:cNvSpPr txBox="1"/>
+          <p:cNvSpPr txBox="1">
+            <a:spLocks noGrp="1"/>
+          </p:cNvSpPr>
           <p:nvPr>
             <p:ph type="title"/>
           </p:nvPr>
@@ -13737,7 +14184,7 @@
           </a:prstGeom>
         </p:spPr>
         <p:txBody>
-          <a:bodyPr anchorCtr="0" anchor="ctr" bIns="91425" lIns="91425" rIns="91425" tIns="91425">
+          <a:bodyPr lIns="91425" tIns="91425" rIns="91425" bIns="91425" anchor="ctr" anchorCtr="0">
             <a:noAutofit/>
           </a:bodyPr>
           <a:lstStyle/>
@@ -13775,12 +14222,12 @@
           </a:ln>
         </p:spPr>
         <p:txBody>
-          <a:bodyPr anchorCtr="0" anchor="t" bIns="91425" lIns="91425" rIns="91425" tIns="91425">
+          <a:bodyPr lIns="91425" tIns="91425" rIns="91425" bIns="91425" anchor="t" anchorCtr="0">
             <a:noAutofit/>
           </a:bodyPr>
           <a:lstStyle/>
           <a:p>
-            <a:pPr indent="-228600" lvl="0" marL="457200" rtl="0">
+            <a:pPr marL="457200" lvl="0" indent="-228600" rtl="0">
               <a:spcBef>
                 <a:spcPts val="0"/>
               </a:spcBef>
@@ -13847,14 +14294,14 @@
             <a:avLst/>
           </a:prstGeom>
           <a:noFill/>
-          <a:ln cap="flat" cmpd="sng" w="9525">
+          <a:ln w="9525" cap="flat" cmpd="sng">
             <a:solidFill>
               <a:srgbClr val="CCCCCC"/>
             </a:solidFill>
             <a:prstDash val="solid"/>
             <a:round/>
-            <a:headEnd len="med" w="med" type="none"/>
-            <a:tailEnd len="med" w="med" type="none"/>
+            <a:headEnd type="none" w="med" len="med"/>
+            <a:tailEnd type="none" w="med" len="med"/>
           </a:ln>
         </p:spPr>
       </p:pic>
@@ -13881,14 +14328,14 @@
             <a:avLst/>
           </a:prstGeom>
           <a:noFill/>
-          <a:ln cap="flat" cmpd="sng" w="9525">
+          <a:ln w="9525" cap="flat" cmpd="sng">
             <a:solidFill>
               <a:srgbClr val="CCCCCC"/>
             </a:solidFill>
             <a:prstDash val="solid"/>
             <a:round/>
-            <a:headEnd len="med" w="med" type="none"/>
-            <a:tailEnd len="med" w="med" type="none"/>
+            <a:headEnd type="none" w="med" len="med"/>
+            <a:tailEnd type="none" w="med" len="med"/>
           </a:ln>
         </p:spPr>
       </p:pic>
@@ -13904,7 +14351,288 @@
 </file>
 
 <file path=ppt/theme/theme1.xml><?xml version="1.0" encoding="utf-8"?>
-<a:theme xmlns:a="http://schemas.openxmlformats.org/drawingml/2006/main" xmlns:r="http://schemas.openxmlformats.org/officeDocument/2006/relationships" name="Custom Theme">
+<a:theme xmlns:a="http://schemas.openxmlformats.org/drawingml/2006/main" name="material">
+  <a:themeElements>
+    <a:clrScheme name="Material">
+      <a:dk1>
+        <a:srgbClr val="4285F4"/>
+      </a:dk1>
+      <a:lt1>
+        <a:srgbClr val="FFFFFF"/>
+      </a:lt1>
+      <a:dk2>
+        <a:srgbClr val="424242"/>
+      </a:dk2>
+      <a:lt2>
+        <a:srgbClr val="737373"/>
+      </a:lt2>
+      <a:accent1>
+        <a:srgbClr val="0277BD"/>
+      </a:accent1>
+      <a:accent2>
+        <a:srgbClr val="0F9D58"/>
+      </a:accent2>
+      <a:accent3>
+        <a:srgbClr val="DB4437"/>
+      </a:accent3>
+      <a:accent4>
+        <a:srgbClr val="FAFAFA"/>
+      </a:accent4>
+      <a:accent5>
+        <a:srgbClr val="4FC3F7"/>
+      </a:accent5>
+      <a:accent6>
+        <a:srgbClr val="F4B400"/>
+      </a:accent6>
+      <a:hlink>
+        <a:srgbClr val="4FC3F7"/>
+      </a:hlink>
+      <a:folHlink>
+        <a:srgbClr val="4FC3F7"/>
+      </a:folHlink>
+    </a:clrScheme>
+    <a:fontScheme name="Office">
+      <a:majorFont>
+        <a:latin typeface="Arial"/>
+        <a:ea typeface=""/>
+        <a:cs typeface=""/>
+        <a:font script="Jpan" typeface="ＭＳ Ｐゴシック"/>
+        <a:font script="Hang" typeface="맑은 고딕"/>
+        <a:font script="Hans" typeface="宋体"/>
+        <a:font script="Hant" typeface="新細明體"/>
+        <a:font script="Arab" typeface="Times New Roman"/>
+        <a:font script="Hebr" typeface="Times New Roman"/>
+        <a:font script="Thai" typeface="Angsana New"/>
+        <a:font script="Ethi" typeface="Nyala"/>
+        <a:font script="Beng" typeface="Vrinda"/>
+        <a:font script="Gujr" typeface="Shruti"/>
+        <a:font script="Khmr" typeface="MoolBoran"/>
+        <a:font script="Knda" typeface="Tunga"/>
+        <a:font script="Guru" typeface="Raavi"/>
+        <a:font script="Cans" typeface="Euphemia"/>
+        <a:font script="Cher" typeface="Plantagenet Cherokee"/>
+        <a:font script="Yiii" typeface="Microsoft Yi Baiti"/>
+        <a:font script="Tibt" typeface="Microsoft Himalaya"/>
+        <a:font script="Thaa" typeface="MV Boli"/>
+        <a:font script="Deva" typeface="Mangal"/>
+        <a:font script="Telu" typeface="Gautami"/>
+        <a:font script="Taml" typeface="Latha"/>
+        <a:font script="Syrc" typeface="Estrangelo Edessa"/>
+        <a:font script="Orya" typeface="Kalinga"/>
+        <a:font script="Mlym" typeface="Kartika"/>
+        <a:font script="Laoo" typeface="DokChampa"/>
+        <a:font script="Sinh" typeface="Iskoola Pota"/>
+        <a:font script="Mong" typeface="Mongolian Baiti"/>
+        <a:font script="Viet" typeface="Times New Roman"/>
+        <a:font script="Uigh" typeface="Microsoft Uighur"/>
+        <a:font script="Geor" typeface="Sylfaen"/>
+      </a:majorFont>
+      <a:minorFont>
+        <a:latin typeface="Arial"/>
+        <a:ea typeface=""/>
+        <a:cs typeface=""/>
+        <a:font script="Jpan" typeface="ＭＳ Ｐゴシック"/>
+        <a:font script="Hang" typeface="맑은 고딕"/>
+        <a:font script="Hans" typeface="宋体"/>
+        <a:font script="Hant" typeface="新細明體"/>
+        <a:font script="Arab" typeface="Arial"/>
+        <a:font script="Hebr" typeface="Arial"/>
+        <a:font script="Thai" typeface="Cordia New"/>
+        <a:font script="Ethi" typeface="Nyala"/>
+        <a:font script="Beng" typeface="Vrinda"/>
+        <a:font script="Gujr" typeface="Shruti"/>
+        <a:font script="Khmr" typeface="DaunPenh"/>
+        <a:font script="Knda" typeface="Tunga"/>
+        <a:font script="Guru" typeface="Raavi"/>
+        <a:font script="Cans" typeface="Euphemia"/>
+        <a:font script="Cher" typeface="Plantagenet Cherokee"/>
+        <a:font script="Yiii" typeface="Microsoft Yi Baiti"/>
+        <a:font script="Tibt" typeface="Microsoft Himalaya"/>
+        <a:font script="Thaa" typeface="MV Boli"/>
+        <a:font script="Deva" typeface="Mangal"/>
+        <a:font script="Telu" typeface="Gautami"/>
+        <a:font script="Taml" typeface="Latha"/>
+        <a:font script="Syrc" typeface="Estrangelo Edessa"/>
+        <a:font script="Orya" typeface="Kalinga"/>
+        <a:font script="Mlym" typeface="Kartika"/>
+        <a:font script="Laoo" typeface="DokChampa"/>
+        <a:font script="Sinh" typeface="Iskoola Pota"/>
+        <a:font script="Mong" typeface="Mongolian Baiti"/>
+        <a:font script="Viet" typeface="Arial"/>
+        <a:font script="Uigh" typeface="Microsoft Uighur"/>
+        <a:font script="Geor" typeface="Sylfaen"/>
+      </a:minorFont>
+    </a:fontScheme>
+    <a:fmtScheme name="Office">
+      <a:fillStyleLst>
+        <a:solidFill>
+          <a:schemeClr val="phClr"/>
+        </a:solidFill>
+        <a:gradFill rotWithShape="1">
+          <a:gsLst>
+            <a:gs pos="0">
+              <a:schemeClr val="phClr">
+                <a:tint val="50000"/>
+                <a:satMod val="300000"/>
+              </a:schemeClr>
+            </a:gs>
+            <a:gs pos="35000">
+              <a:schemeClr val="phClr">
+                <a:tint val="37000"/>
+                <a:satMod val="300000"/>
+              </a:schemeClr>
+            </a:gs>
+            <a:gs pos="100000">
+              <a:schemeClr val="phClr">
+                <a:tint val="15000"/>
+                <a:satMod val="350000"/>
+              </a:schemeClr>
+            </a:gs>
+          </a:gsLst>
+          <a:lin ang="16200000" scaled="1"/>
+        </a:gradFill>
+        <a:gradFill rotWithShape="1">
+          <a:gsLst>
+            <a:gs pos="0">
+              <a:schemeClr val="phClr">
+                <a:tint val="100000"/>
+                <a:shade val="100000"/>
+                <a:satMod val="130000"/>
+              </a:schemeClr>
+            </a:gs>
+            <a:gs pos="100000">
+              <a:schemeClr val="phClr">
+                <a:tint val="50000"/>
+                <a:shade val="100000"/>
+                <a:satMod val="350000"/>
+              </a:schemeClr>
+            </a:gs>
+          </a:gsLst>
+          <a:lin ang="16200000" scaled="0"/>
+        </a:gradFill>
+      </a:fillStyleLst>
+      <a:lnStyleLst>
+        <a:ln w="9525" cap="flat" cmpd="sng" algn="ctr">
+          <a:solidFill>
+            <a:schemeClr val="phClr">
+              <a:shade val="95000"/>
+              <a:satMod val="105000"/>
+            </a:schemeClr>
+          </a:solidFill>
+          <a:prstDash val="solid"/>
+        </a:ln>
+        <a:ln w="25400" cap="flat" cmpd="sng" algn="ctr">
+          <a:solidFill>
+            <a:schemeClr val="phClr"/>
+          </a:solidFill>
+          <a:prstDash val="solid"/>
+        </a:ln>
+        <a:ln w="38100" cap="flat" cmpd="sng" algn="ctr">
+          <a:solidFill>
+            <a:schemeClr val="phClr"/>
+          </a:solidFill>
+          <a:prstDash val="solid"/>
+        </a:ln>
+      </a:lnStyleLst>
+      <a:effectStyleLst>
+        <a:effectStyle>
+          <a:effectLst>
+            <a:outerShdw blurRad="40000" dist="20000" dir="5400000" rotWithShape="0">
+              <a:srgbClr val="000000">
+                <a:alpha val="38000"/>
+              </a:srgbClr>
+            </a:outerShdw>
+          </a:effectLst>
+        </a:effectStyle>
+        <a:effectStyle>
+          <a:effectLst>
+            <a:outerShdw blurRad="40000" dist="23000" dir="5400000" rotWithShape="0">
+              <a:srgbClr val="000000">
+                <a:alpha val="35000"/>
+              </a:srgbClr>
+            </a:outerShdw>
+          </a:effectLst>
+        </a:effectStyle>
+        <a:effectStyle>
+          <a:effectLst>
+            <a:outerShdw blurRad="40000" dist="23000" dir="5400000" rotWithShape="0">
+              <a:srgbClr val="000000">
+                <a:alpha val="35000"/>
+              </a:srgbClr>
+            </a:outerShdw>
+          </a:effectLst>
+          <a:scene3d>
+            <a:camera prst="orthographicFront">
+              <a:rot lat="0" lon="0" rev="0"/>
+            </a:camera>
+            <a:lightRig rig="threePt" dir="t">
+              <a:rot lat="0" lon="0" rev="1200000"/>
+            </a:lightRig>
+          </a:scene3d>
+          <a:sp3d>
+            <a:bevelT w="63500" h="25400"/>
+          </a:sp3d>
+        </a:effectStyle>
+      </a:effectStyleLst>
+      <a:bgFillStyleLst>
+        <a:solidFill>
+          <a:schemeClr val="phClr"/>
+        </a:solidFill>
+        <a:gradFill rotWithShape="1">
+          <a:gsLst>
+            <a:gs pos="0">
+              <a:schemeClr val="phClr">
+                <a:tint val="40000"/>
+                <a:satMod val="350000"/>
+              </a:schemeClr>
+            </a:gs>
+            <a:gs pos="40000">
+              <a:schemeClr val="phClr">
+                <a:tint val="45000"/>
+                <a:shade val="99000"/>
+                <a:satMod val="350000"/>
+              </a:schemeClr>
+            </a:gs>
+            <a:gs pos="100000">
+              <a:schemeClr val="phClr">
+                <a:shade val="20000"/>
+                <a:satMod val="255000"/>
+              </a:schemeClr>
+            </a:gs>
+          </a:gsLst>
+          <a:path path="circle">
+            <a:fillToRect l="50000" t="-80000" r="50000" b="180000"/>
+          </a:path>
+        </a:gradFill>
+        <a:gradFill rotWithShape="1">
+          <a:gsLst>
+            <a:gs pos="0">
+              <a:schemeClr val="phClr">
+                <a:tint val="80000"/>
+                <a:satMod val="300000"/>
+              </a:schemeClr>
+            </a:gs>
+            <a:gs pos="100000">
+              <a:schemeClr val="phClr">
+                <a:shade val="30000"/>
+                <a:satMod val="200000"/>
+              </a:schemeClr>
+            </a:gs>
+          </a:gsLst>
+          <a:path path="circle">
+            <a:fillToRect l="50000" t="50000" r="50000" b="50000"/>
+          </a:path>
+        </a:gradFill>
+      </a:bgFillStyleLst>
+    </a:fmtScheme>
+  </a:themeElements>
+  <a:objectDefaults/>
+  <a:extraClrSchemeLst/>
+</a:theme>
+</file>
+
+<file path=ppt/theme/theme2.xml><?xml version="1.0" encoding="utf-8"?>
+<a:theme xmlns:a="http://schemas.openxmlformats.org/drawingml/2006/main" name="Custom Theme">
   <a:themeElements>
     <a:clrScheme name="Default">
       <a:dk1>
@@ -14179,284 +14907,7 @@
       </a:bgFillStyleLst>
     </a:fmtScheme>
   </a:themeElements>
-</a:theme>
-</file>
-
-<file path=ppt/theme/theme2.xml><?xml version="1.0" encoding="utf-8"?>
-<a:theme xmlns:a="http://schemas.openxmlformats.org/drawingml/2006/main" xmlns:r="http://schemas.openxmlformats.org/officeDocument/2006/relationships" name="material">
-  <a:themeElements>
-    <a:clrScheme name="Material">
-      <a:dk1>
-        <a:srgbClr val="4285F4"/>
-      </a:dk1>
-      <a:lt1>
-        <a:srgbClr val="FFFFFF"/>
-      </a:lt1>
-      <a:dk2>
-        <a:srgbClr val="424242"/>
-      </a:dk2>
-      <a:lt2>
-        <a:srgbClr val="737373"/>
-      </a:lt2>
-      <a:accent1>
-        <a:srgbClr val="0277BD"/>
-      </a:accent1>
-      <a:accent2>
-        <a:srgbClr val="0F9D58"/>
-      </a:accent2>
-      <a:accent3>
-        <a:srgbClr val="DB4437"/>
-      </a:accent3>
-      <a:accent4>
-        <a:srgbClr val="FAFAFA"/>
-      </a:accent4>
-      <a:accent5>
-        <a:srgbClr val="4FC3F7"/>
-      </a:accent5>
-      <a:accent6>
-        <a:srgbClr val="F4B400"/>
-      </a:accent6>
-      <a:hlink>
-        <a:srgbClr val="4FC3F7"/>
-      </a:hlink>
-      <a:folHlink>
-        <a:srgbClr val="4FC3F7"/>
-      </a:folHlink>
-    </a:clrScheme>
-    <a:fontScheme name="Office">
-      <a:majorFont>
-        <a:latin typeface="Arial"/>
-        <a:ea typeface=""/>
-        <a:cs typeface=""/>
-        <a:font script="Jpan" typeface="ＭＳ Ｐゴシック"/>
-        <a:font script="Hang" typeface="맑은 고딕"/>
-        <a:font script="Hans" typeface="宋体"/>
-        <a:font script="Hant" typeface="新細明體"/>
-        <a:font script="Arab" typeface="Times New Roman"/>
-        <a:font script="Hebr" typeface="Times New Roman"/>
-        <a:font script="Thai" typeface="Angsana New"/>
-        <a:font script="Ethi" typeface="Nyala"/>
-        <a:font script="Beng" typeface="Vrinda"/>
-        <a:font script="Gujr" typeface="Shruti"/>
-        <a:font script="Khmr" typeface="MoolBoran"/>
-        <a:font script="Knda" typeface="Tunga"/>
-        <a:font script="Guru" typeface="Raavi"/>
-        <a:font script="Cans" typeface="Euphemia"/>
-        <a:font script="Cher" typeface="Plantagenet Cherokee"/>
-        <a:font script="Yiii" typeface="Microsoft Yi Baiti"/>
-        <a:font script="Tibt" typeface="Microsoft Himalaya"/>
-        <a:font script="Thaa" typeface="MV Boli"/>
-        <a:font script="Deva" typeface="Mangal"/>
-        <a:font script="Telu" typeface="Gautami"/>
-        <a:font script="Taml" typeface="Latha"/>
-        <a:font script="Syrc" typeface="Estrangelo Edessa"/>
-        <a:font script="Orya" typeface="Kalinga"/>
-        <a:font script="Mlym" typeface="Kartika"/>
-        <a:font script="Laoo" typeface="DokChampa"/>
-        <a:font script="Sinh" typeface="Iskoola Pota"/>
-        <a:font script="Mong" typeface="Mongolian Baiti"/>
-        <a:font script="Viet" typeface="Times New Roman"/>
-        <a:font script="Uigh" typeface="Microsoft Uighur"/>
-        <a:font script="Geor" typeface="Sylfaen"/>
-      </a:majorFont>
-      <a:minorFont>
-        <a:latin typeface="Arial"/>
-        <a:ea typeface=""/>
-        <a:cs typeface=""/>
-        <a:font script="Jpan" typeface="ＭＳ Ｐゴシック"/>
-        <a:font script="Hang" typeface="맑은 고딕"/>
-        <a:font script="Hans" typeface="宋体"/>
-        <a:font script="Hant" typeface="新細明體"/>
-        <a:font script="Arab" typeface="Arial"/>
-        <a:font script="Hebr" typeface="Arial"/>
-        <a:font script="Thai" typeface="Cordia New"/>
-        <a:font script="Ethi" typeface="Nyala"/>
-        <a:font script="Beng" typeface="Vrinda"/>
-        <a:font script="Gujr" typeface="Shruti"/>
-        <a:font script="Khmr" typeface="DaunPenh"/>
-        <a:font script="Knda" typeface="Tunga"/>
-        <a:font script="Guru" typeface="Raavi"/>
-        <a:font script="Cans" typeface="Euphemia"/>
-        <a:font script="Cher" typeface="Plantagenet Cherokee"/>
-        <a:font script="Yiii" typeface="Microsoft Yi Baiti"/>
-        <a:font script="Tibt" typeface="Microsoft Himalaya"/>
-        <a:font script="Thaa" typeface="MV Boli"/>
-        <a:font script="Deva" typeface="Mangal"/>
-        <a:font script="Telu" typeface="Gautami"/>
-        <a:font script="Taml" typeface="Latha"/>
-        <a:font script="Syrc" typeface="Estrangelo Edessa"/>
-        <a:font script="Orya" typeface="Kalinga"/>
-        <a:font script="Mlym" typeface="Kartika"/>
-        <a:font script="Laoo" typeface="DokChampa"/>
-        <a:font script="Sinh" typeface="Iskoola Pota"/>
-        <a:font script="Mong" typeface="Mongolian Baiti"/>
-        <a:font script="Viet" typeface="Arial"/>
-        <a:font script="Uigh" typeface="Microsoft Uighur"/>
-        <a:font script="Geor" typeface="Sylfaen"/>
-      </a:minorFont>
-    </a:fontScheme>
-    <a:fmtScheme name="Office">
-      <a:fillStyleLst>
-        <a:solidFill>
-          <a:schemeClr val="phClr"/>
-        </a:solidFill>
-        <a:gradFill rotWithShape="1">
-          <a:gsLst>
-            <a:gs pos="0">
-              <a:schemeClr val="phClr">
-                <a:tint val="50000"/>
-                <a:satMod val="300000"/>
-              </a:schemeClr>
-            </a:gs>
-            <a:gs pos="35000">
-              <a:schemeClr val="phClr">
-                <a:tint val="37000"/>
-                <a:satMod val="300000"/>
-              </a:schemeClr>
-            </a:gs>
-            <a:gs pos="100000">
-              <a:schemeClr val="phClr">
-                <a:tint val="15000"/>
-                <a:satMod val="350000"/>
-              </a:schemeClr>
-            </a:gs>
-          </a:gsLst>
-          <a:lin ang="16200000" scaled="1"/>
-        </a:gradFill>
-        <a:gradFill rotWithShape="1">
-          <a:gsLst>
-            <a:gs pos="0">
-              <a:schemeClr val="phClr">
-                <a:tint val="100000"/>
-                <a:shade val="100000"/>
-                <a:satMod val="130000"/>
-              </a:schemeClr>
-            </a:gs>
-            <a:gs pos="100000">
-              <a:schemeClr val="phClr">
-                <a:tint val="50000"/>
-                <a:shade val="100000"/>
-                <a:satMod val="350000"/>
-              </a:schemeClr>
-            </a:gs>
-          </a:gsLst>
-          <a:lin ang="16200000" scaled="0"/>
-        </a:gradFill>
-      </a:fillStyleLst>
-      <a:lnStyleLst>
-        <a:ln w="9525" cap="flat" cmpd="sng" algn="ctr">
-          <a:solidFill>
-            <a:schemeClr val="phClr">
-              <a:shade val="95000"/>
-              <a:satMod val="105000"/>
-            </a:schemeClr>
-          </a:solidFill>
-          <a:prstDash val="solid"/>
-        </a:ln>
-        <a:ln w="25400" cap="flat" cmpd="sng" algn="ctr">
-          <a:solidFill>
-            <a:schemeClr val="phClr"/>
-          </a:solidFill>
-          <a:prstDash val="solid"/>
-        </a:ln>
-        <a:ln w="38100" cap="flat" cmpd="sng" algn="ctr">
-          <a:solidFill>
-            <a:schemeClr val="phClr"/>
-          </a:solidFill>
-          <a:prstDash val="solid"/>
-        </a:ln>
-      </a:lnStyleLst>
-      <a:effectStyleLst>
-        <a:effectStyle>
-          <a:effectLst>
-            <a:outerShdw blurRad="40000" dist="20000" dir="5400000" rotWithShape="0">
-              <a:srgbClr val="000000">
-                <a:alpha val="38000"/>
-              </a:srgbClr>
-            </a:outerShdw>
-          </a:effectLst>
-        </a:effectStyle>
-        <a:effectStyle>
-          <a:effectLst>
-            <a:outerShdw blurRad="40000" dist="23000" dir="5400000" rotWithShape="0">
-              <a:srgbClr val="000000">
-                <a:alpha val="35000"/>
-              </a:srgbClr>
-            </a:outerShdw>
-          </a:effectLst>
-        </a:effectStyle>
-        <a:effectStyle>
-          <a:effectLst>
-            <a:outerShdw blurRad="40000" dist="23000" dir="5400000" rotWithShape="0">
-              <a:srgbClr val="000000">
-                <a:alpha val="35000"/>
-              </a:srgbClr>
-            </a:outerShdw>
-          </a:effectLst>
-          <a:scene3d>
-            <a:camera prst="orthographicFront">
-              <a:rot lat="0" lon="0" rev="0"/>
-            </a:camera>
-            <a:lightRig rig="threePt" dir="t">
-              <a:rot lat="0" lon="0" rev="1200000"/>
-            </a:lightRig>
-          </a:scene3d>
-          <a:sp3d>
-            <a:bevelT w="63500" h="25400"/>
-          </a:sp3d>
-        </a:effectStyle>
-      </a:effectStyleLst>
-      <a:bgFillStyleLst>
-        <a:solidFill>
-          <a:schemeClr val="phClr"/>
-        </a:solidFill>
-        <a:gradFill rotWithShape="1">
-          <a:gsLst>
-            <a:gs pos="0">
-              <a:schemeClr val="phClr">
-                <a:tint val="40000"/>
-                <a:satMod val="350000"/>
-              </a:schemeClr>
-            </a:gs>
-            <a:gs pos="40000">
-              <a:schemeClr val="phClr">
-                <a:tint val="45000"/>
-                <a:shade val="99000"/>
-                <a:satMod val="350000"/>
-              </a:schemeClr>
-            </a:gs>
-            <a:gs pos="100000">
-              <a:schemeClr val="phClr">
-                <a:shade val="20000"/>
-                <a:satMod val="255000"/>
-              </a:schemeClr>
-            </a:gs>
-          </a:gsLst>
-          <a:path path="circle">
-            <a:fillToRect l="50000" t="-80000" r="50000" b="180000"/>
-          </a:path>
-        </a:gradFill>
-        <a:gradFill rotWithShape="1">
-          <a:gsLst>
-            <a:gs pos="0">
-              <a:schemeClr val="phClr">
-                <a:tint val="80000"/>
-                <a:satMod val="300000"/>
-              </a:schemeClr>
-            </a:gs>
-            <a:gs pos="100000">
-              <a:schemeClr val="phClr">
-                <a:shade val="30000"/>
-                <a:satMod val="200000"/>
-              </a:schemeClr>
-            </a:gs>
-          </a:gsLst>
-          <a:path path="circle">
-            <a:fillToRect l="50000" t="50000" r="50000" b="50000"/>
-          </a:path>
-        </a:gradFill>
-      </a:bgFillStyleLst>
-    </a:fmtScheme>
-  </a:themeElements>
+  <a:objectDefaults/>
+  <a:extraClrSchemeLst/>
 </a:theme>
 </file>